--- a/tommy_hotnets.pptx
+++ b/tommy_hotnets.pptx
@@ -136,6 +136,11 @@
       </a:defRPr>
     </a:lvl9pPr>
   </p:defaultTextStyle>
+  <p:extLst>
+    <p:ext uri="{EFAFB233-063F-42B5-8137-9DF3F51BA10A}">
+      <p15:sldGuideLst xmlns:p15="http://schemas.microsoft.com/office/powerpoint/2012/main"/>
+    </p:ext>
+  </p:extLst>
 </p:presentation>
 </file>
 
@@ -221,7 +226,7 @@
           <a:p>
             <a:fld id="{1107AACE-DECF-044F-84A2-0C8ECB6ADA06}" type="datetimeFigureOut">
               <a:rPr lang="en-US" smtClean="0"/>
-              <a:t>10/29/25</a:t>
+              <a:t>11/9/25</a:t>
             </a:fld>
             <a:endParaRPr lang="en-US"/>
           </a:p>
@@ -516,6 +521,107 @@
           </p:nvPr>
         </p:nvSpPr>
         <p:spPr/>
+        <p:txBody>
+          <a:bodyPr/>
+          <a:lstStyle/>
+          <a:p>
+            <a:endParaRPr lang="en-US"/>
+          </a:p>
+        </p:txBody>
+      </p:sp>
+      <p:sp>
+        <p:nvSpPr>
+          <p:cNvPr id="3" name="Notes Placeholder 2"/>
+          <p:cNvSpPr>
+            <a:spLocks noGrp="1"/>
+          </p:cNvSpPr>
+          <p:nvPr>
+            <p:ph type="body" idx="1"/>
+          </p:nvPr>
+        </p:nvSpPr>
+        <p:spPr/>
+        <p:txBody>
+          <a:bodyPr/>
+          <a:lstStyle/>
+          <a:p>
+            <a:r>
+              <a:rPr lang="en-US" dirty="0"/>
+              <a:t>Asynchrony also affects the latency between application and local clock</a:t>
+            </a:r>
+          </a:p>
+        </p:txBody>
+      </p:sp>
+      <p:sp>
+        <p:nvSpPr>
+          <p:cNvPr id="4" name="Slide Number Placeholder 3"/>
+          <p:cNvSpPr>
+            <a:spLocks noGrp="1"/>
+          </p:cNvSpPr>
+          <p:nvPr>
+            <p:ph type="sldNum" sz="quarter" idx="5"/>
+          </p:nvPr>
+        </p:nvSpPr>
+        <p:spPr/>
+        <p:txBody>
+          <a:bodyPr/>
+          <a:lstStyle/>
+          <a:p>
+            <a:fld id="{B3E8125A-D8BB-E74B-8C6E-AB7BD2C997CF}" type="slidenum">
+              <a:rPr lang="en-US" smtClean="0"/>
+              <a:t>4</a:t>
+            </a:fld>
+            <a:endParaRPr lang="en-US"/>
+          </a:p>
+        </p:txBody>
+      </p:sp>
+    </p:spTree>
+    <p:extLst>
+      <p:ext uri="{BB962C8B-B14F-4D97-AF65-F5344CB8AC3E}">
+        <p14:creationId xmlns:p14="http://schemas.microsoft.com/office/powerpoint/2010/main" val="3472461556"/>
+      </p:ext>
+    </p:extLst>
+  </p:cSld>
+  <p:clrMapOvr>
+    <a:masterClrMapping/>
+  </p:clrMapOvr>
+</p:notes>
+</file>
+
+<file path=ppt/notesSlides/notesSlide2.xml><?xml version="1.0" encoding="utf-8"?>
+<p:notes xmlns:a="http://schemas.openxmlformats.org/drawingml/2006/main" xmlns:r="http://schemas.openxmlformats.org/officeDocument/2006/relationships" xmlns:p="http://schemas.openxmlformats.org/presentationml/2006/main">
+  <p:cSld>
+    <p:spTree>
+      <p:nvGrpSpPr>
+        <p:cNvPr id="1" name=""/>
+        <p:cNvGrpSpPr/>
+        <p:nvPr/>
+      </p:nvGrpSpPr>
+      <p:grpSpPr>
+        <a:xfrm>
+          <a:off x="0" y="0"/>
+          <a:ext cx="0" cy="0"/>
+          <a:chOff x="0" y="0"/>
+          <a:chExt cx="0" cy="0"/>
+        </a:xfrm>
+      </p:grpSpPr>
+      <p:sp>
+        <p:nvSpPr>
+          <p:cNvPr id="2" name="Slide Image Placeholder 1"/>
+          <p:cNvSpPr>
+            <a:spLocks noGrp="1" noRot="1" noChangeAspect="1"/>
+          </p:cNvSpPr>
+          <p:nvPr>
+            <p:ph type="sldImg"/>
+          </p:nvPr>
+        </p:nvSpPr>
+        <p:spPr/>
+        <p:txBody>
+          <a:bodyPr/>
+          <a:lstStyle/>
+          <a:p>
+            <a:endParaRPr lang="en-US"/>
+          </a:p>
+        </p:txBody>
       </p:sp>
       <p:sp>
         <p:nvSpPr>
@@ -635,7 +741,7 @@
 </p:notes>
 </file>
 
-<file path=ppt/notesSlides/notesSlide2.xml><?xml version="1.0" encoding="utf-8"?>
+<file path=ppt/notesSlides/notesSlide3.xml><?xml version="1.0" encoding="utf-8"?>
 <p:notes xmlns:a="http://schemas.openxmlformats.org/drawingml/2006/main" xmlns:r="http://schemas.openxmlformats.org/officeDocument/2006/relationships" xmlns:p="http://schemas.openxmlformats.org/presentationml/2006/main">
   <p:cSld>
     <p:spTree>
@@ -663,6 +769,13 @@
           </p:nvPr>
         </p:nvSpPr>
         <p:spPr/>
+        <p:txBody>
+          <a:bodyPr/>
+          <a:lstStyle/>
+          <a:p>
+            <a:endParaRPr lang="en-US"/>
+          </a:p>
+        </p:txBody>
       </p:sp>
       <p:sp>
         <p:nvSpPr>
@@ -929,7 +1042,7 @@
           <a:p>
             <a:fld id="{795D2492-AC70-2141-AC0C-17DCD52B4752}" type="datetime1">
               <a:rPr lang="en-US" smtClean="0"/>
-              <a:t>10/29/25</a:t>
+              <a:t>11/9/25</a:t>
             </a:fld>
             <a:endParaRPr lang="en-US"/>
           </a:p>
@@ -1127,7 +1240,7 @@
           <a:p>
             <a:fld id="{9817235A-17C4-B841-B2B5-CA079511FDEC}" type="datetime1">
               <a:rPr lang="en-US" smtClean="0"/>
-              <a:t>10/29/25</a:t>
+              <a:t>11/9/25</a:t>
             </a:fld>
             <a:endParaRPr lang="en-US"/>
           </a:p>
@@ -1335,7 +1448,7 @@
           <a:p>
             <a:fld id="{F8307E39-E6DB-B341-B0FA-CECD76628CBB}" type="datetime1">
               <a:rPr lang="en-US" smtClean="0"/>
-              <a:t>10/29/25</a:t>
+              <a:t>11/9/25</a:t>
             </a:fld>
             <a:endParaRPr lang="en-US"/>
           </a:p>
@@ -1892,7 +2005,7 @@
           <a:p>
             <a:fld id="{2EBDF429-4C14-7B4A-B19D-A0047B9F1B4B}" type="datetime1">
               <a:rPr lang="en-US" smtClean="0"/>
-              <a:t>10/29/25</a:t>
+              <a:t>11/9/25</a:t>
             </a:fld>
             <a:endParaRPr lang="en-US"/>
           </a:p>
@@ -2167,7 +2280,7 @@
           <a:p>
             <a:fld id="{6DA1236A-87D7-9843-88C4-48A4AF171E86}" type="datetime1">
               <a:rPr lang="en-US" smtClean="0"/>
-              <a:t>10/29/25</a:t>
+              <a:t>11/9/25</a:t>
             </a:fld>
             <a:endParaRPr lang="en-US"/>
           </a:p>
@@ -2432,7 +2545,7 @@
           <a:p>
             <a:fld id="{DFAB6F2B-6FBC-214D-9C4A-C58DF8A7FCB9}" type="datetime1">
               <a:rPr lang="en-US" smtClean="0"/>
-              <a:t>10/29/25</a:t>
+              <a:t>11/9/25</a:t>
             </a:fld>
             <a:endParaRPr lang="en-US"/>
           </a:p>
@@ -2844,7 +2957,7 @@
           <a:p>
             <a:fld id="{41C5FA95-A07E-9941-8A87-BDD29E767DA7}" type="datetime1">
               <a:rPr lang="en-US" smtClean="0"/>
-              <a:t>10/29/25</a:t>
+              <a:t>11/9/25</a:t>
             </a:fld>
             <a:endParaRPr lang="en-US"/>
           </a:p>
@@ -2985,7 +3098,7 @@
           <a:p>
             <a:fld id="{19F1CA85-9E75-364A-887C-5B613827D324}" type="datetime1">
               <a:rPr lang="en-US" smtClean="0"/>
-              <a:t>10/29/25</a:t>
+              <a:t>11/9/25</a:t>
             </a:fld>
             <a:endParaRPr lang="en-US"/>
           </a:p>
@@ -3098,7 +3211,7 @@
           <a:p>
             <a:fld id="{ACE42F5B-1E89-9840-A26C-C6BA2A23E2D0}" type="datetime1">
               <a:rPr lang="en-US" smtClean="0"/>
-              <a:t>10/29/25</a:t>
+              <a:t>11/9/25</a:t>
             </a:fld>
             <a:endParaRPr lang="en-US"/>
           </a:p>
@@ -3409,7 +3522,7 @@
           <a:p>
             <a:fld id="{66FB241E-9E92-8D46-BFD6-E707A04F9829}" type="datetime1">
               <a:rPr lang="en-US" smtClean="0"/>
-              <a:t>10/29/25</a:t>
+              <a:t>11/9/25</a:t>
             </a:fld>
             <a:endParaRPr lang="en-US"/>
           </a:p>
@@ -3697,7 +3810,7 @@
           <a:p>
             <a:fld id="{84A34353-62E4-F94E-ADC1-D1403AD453E1}" type="datetime1">
               <a:rPr lang="en-US" smtClean="0"/>
-              <a:t>10/29/25</a:t>
+              <a:t>11/9/25</a:t>
             </a:fld>
             <a:endParaRPr lang="en-US"/>
           </a:p>
@@ -3938,7 +4051,7 @@
           <a:p>
             <a:fld id="{9F4EA125-C503-9049-954D-E48C32DE308D}" type="datetime1">
               <a:rPr lang="en-US" smtClean="0"/>
-              <a:t>10/29/25</a:t>
+              <a:t>11/9/25</a:t>
             </a:fld>
             <a:endParaRPr lang="en-US"/>
           </a:p>
@@ -4847,41 +4960,6 @@
       </p:sp>
       <p:sp>
         <p:nvSpPr>
-          <p:cNvPr id="2" name="Title 1">
-            <a:extLst>
-              <a:ext uri="{FF2B5EF4-FFF2-40B4-BE49-F238E27FC236}">
-                <a16:creationId xmlns:a16="http://schemas.microsoft.com/office/drawing/2014/main" id="{8C6C5E16-D7AB-ECE5-E5C1-8C152628F5A7}"/>
-              </a:ext>
-            </a:extLst>
-          </p:cNvPr>
-          <p:cNvSpPr>
-            <a:spLocks noGrp="1"/>
-          </p:cNvSpPr>
-          <p:nvPr>
-            <p:ph type="ctrTitle"/>
-          </p:nvPr>
-        </p:nvSpPr>
-        <p:spPr>
-          <a:xfrm>
-            <a:off x="1524000" y="2251472"/>
-            <a:ext cx="9144000" cy="2764028"/>
-          </a:xfrm>
-        </p:spPr>
-        <p:txBody>
-          <a:bodyPr anchor="ctr">
-            <a:normAutofit/>
-          </a:bodyPr>
-          <a:lstStyle/>
-          <a:p>
-            <a:r>
-              <a:rPr lang="en-US" sz="7200" dirty="0"/>
-              <a:t>Towards Probabilistic Fair Order</a:t>
-            </a:r>
-          </a:p>
-        </p:txBody>
-      </p:sp>
-      <p:sp>
-        <p:nvSpPr>
           <p:cNvPr id="13" name="Rectangle 12">
             <a:extLst>
               <a:ext uri="{FF2B5EF4-FFF2-40B4-BE49-F238E27FC236}">
@@ -4972,6 +5050,233 @@
           </a:p>
         </p:txBody>
       </p:sp>
+      <p:sp>
+        <p:nvSpPr>
+          <p:cNvPr id="5" name="Title 4">
+            <a:extLst>
+              <a:ext uri="{FF2B5EF4-FFF2-40B4-BE49-F238E27FC236}">
+                <a16:creationId xmlns:a16="http://schemas.microsoft.com/office/drawing/2014/main" id="{1D3C3834-5FF7-E139-E0B7-538FE1121884}"/>
+              </a:ext>
+            </a:extLst>
+          </p:cNvPr>
+          <p:cNvSpPr>
+            <a:spLocks noGrp="1"/>
+          </p:cNvSpPr>
+          <p:nvPr>
+            <p:ph type="ctrTitle"/>
+          </p:nvPr>
+        </p:nvSpPr>
+        <p:spPr>
+          <a:xfrm>
+            <a:off x="1524000" y="1305782"/>
+            <a:ext cx="9144000" cy="2387600"/>
+          </a:xfrm>
+        </p:spPr>
+        <p:txBody>
+          <a:bodyPr>
+            <a:normAutofit/>
+          </a:bodyPr>
+          <a:lstStyle/>
+          <a:p>
+            <a:r>
+              <a:rPr lang="en-US" sz="7200" b="1" dirty="0">
+                <a:ln w="12700">
+                  <a:solidFill>
+                    <a:schemeClr val="accent3">
+                      <a:lumMod val="50000"/>
+                    </a:schemeClr>
+                  </a:solidFill>
+                  <a:prstDash val="solid"/>
+                </a:ln>
+                <a:pattFill prst="narHorz">
+                  <a:fgClr>
+                    <a:schemeClr val="accent3"/>
+                  </a:fgClr>
+                  <a:bgClr>
+                    <a:schemeClr val="accent3">
+                      <a:lumMod val="40000"/>
+                      <a:lumOff val="60000"/>
+                    </a:schemeClr>
+                  </a:bgClr>
+                </a:pattFill>
+                <a:effectLst>
+                  <a:innerShdw blurRad="177800">
+                    <a:schemeClr val="accent3">
+                      <a:lumMod val="50000"/>
+                    </a:schemeClr>
+                  </a:innerShdw>
+                </a:effectLst>
+              </a:rPr>
+              <a:t>Towards Probabilistic Fair Order</a:t>
+            </a:r>
+            <a:endParaRPr lang="en-US" sz="7200" dirty="0"/>
+          </a:p>
+        </p:txBody>
+      </p:sp>
+      <p:sp>
+        <p:nvSpPr>
+          <p:cNvPr id="15" name="TextBox 14">
+            <a:extLst>
+              <a:ext uri="{FF2B5EF4-FFF2-40B4-BE49-F238E27FC236}">
+                <a16:creationId xmlns:a16="http://schemas.microsoft.com/office/drawing/2014/main" id="{E8BC87CD-6594-D550-6B16-8E2B98C16BD8}"/>
+              </a:ext>
+            </a:extLst>
+          </p:cNvPr>
+          <p:cNvSpPr txBox="1"/>
+          <p:nvPr/>
+        </p:nvSpPr>
+        <p:spPr>
+          <a:xfrm>
+            <a:off x="2104292" y="4104210"/>
+            <a:ext cx="7983415" cy="830997"/>
+          </a:xfrm>
+          <a:prstGeom prst="rect">
+            <a:avLst/>
+          </a:prstGeom>
+          <a:noFill/>
+        </p:spPr>
+        <p:txBody>
+          <a:bodyPr wrap="square" rtlCol="0">
+            <a:spAutoFit/>
+          </a:bodyPr>
+          <a:lstStyle/>
+          <a:p>
+            <a:pPr algn="ctr"/>
+            <a:r>
+              <a:rPr lang="en-US" sz="2400" u="sng" dirty="0">
+                <a:solidFill>
+                  <a:srgbClr val="7030A0"/>
+                </a:solidFill>
+              </a:rPr>
+              <a:t>Haseeb Ashfaq</a:t>
+            </a:r>
+            <a:r>
+              <a:rPr lang="en-US" sz="2400" dirty="0"/>
+              <a:t>, </a:t>
+            </a:r>
+            <a:r>
+              <a:rPr lang="en-US" sz="2400" dirty="0">
+                <a:solidFill>
+                  <a:srgbClr val="7030A0"/>
+                </a:solidFill>
+              </a:rPr>
+              <a:t>Jinkun Geng</a:t>
+            </a:r>
+            <a:r>
+              <a:rPr lang="en-US" sz="2400" dirty="0"/>
+              <a:t>, </a:t>
+            </a:r>
+            <a:r>
+              <a:rPr lang="en-US" sz="2400" dirty="0">
+                <a:solidFill>
+                  <a:schemeClr val="accent2"/>
+                </a:solidFill>
+              </a:rPr>
+              <a:t>Radhika Mittal</a:t>
+            </a:r>
+            <a:r>
+              <a:rPr lang="en-US" sz="2400" dirty="0"/>
+              <a:t>, </a:t>
+            </a:r>
+            <a:r>
+              <a:rPr lang="en-US" sz="2400" dirty="0">
+                <a:solidFill>
+                  <a:srgbClr val="7030A0"/>
+                </a:solidFill>
+              </a:rPr>
+              <a:t>Aurojit Panda</a:t>
+            </a:r>
+            <a:r>
+              <a:rPr lang="en-US" sz="2400" dirty="0"/>
+              <a:t>, </a:t>
+            </a:r>
+            <a:r>
+              <a:rPr lang="en-US" sz="2400" dirty="0">
+                <a:solidFill>
+                  <a:srgbClr val="FF0000"/>
+                </a:solidFill>
+              </a:rPr>
+              <a:t>Srinivas Narayana</a:t>
+            </a:r>
+            <a:r>
+              <a:rPr lang="en-US" sz="2400" dirty="0"/>
+              <a:t>, </a:t>
+            </a:r>
+            <a:r>
+              <a:rPr lang="en-US" sz="2400" dirty="0">
+                <a:solidFill>
+                  <a:srgbClr val="7030A0"/>
+                </a:solidFill>
+              </a:rPr>
+              <a:t>Anirudh Sivaraman</a:t>
+            </a:r>
+          </a:p>
+        </p:txBody>
+      </p:sp>
+      <p:sp>
+        <p:nvSpPr>
+          <p:cNvPr id="16" name="TextBox 15">
+            <a:extLst>
+              <a:ext uri="{FF2B5EF4-FFF2-40B4-BE49-F238E27FC236}">
+                <a16:creationId xmlns:a16="http://schemas.microsoft.com/office/drawing/2014/main" id="{F501DE95-D977-3B4A-B70F-2BCD6C9E7D70}"/>
+              </a:ext>
+            </a:extLst>
+          </p:cNvPr>
+          <p:cNvSpPr txBox="1"/>
+          <p:nvPr/>
+        </p:nvSpPr>
+        <p:spPr>
+          <a:xfrm>
+            <a:off x="2104291" y="4999164"/>
+            <a:ext cx="7983415" cy="461665"/>
+          </a:xfrm>
+          <a:prstGeom prst="rect">
+            <a:avLst/>
+          </a:prstGeom>
+          <a:noFill/>
+        </p:spPr>
+        <p:txBody>
+          <a:bodyPr wrap="square" rtlCol="0">
+            <a:spAutoFit/>
+          </a:bodyPr>
+          <a:lstStyle/>
+          <a:p>
+            <a:pPr algn="ctr"/>
+            <a:r>
+              <a:rPr lang="en-US" sz="2400" dirty="0">
+                <a:solidFill>
+                  <a:srgbClr val="7030A0"/>
+                </a:solidFill>
+              </a:rPr>
+              <a:t>NYU</a:t>
+            </a:r>
+            <a:r>
+              <a:rPr lang="en-US" sz="2400" dirty="0"/>
+              <a:t>, </a:t>
+            </a:r>
+            <a:r>
+              <a:rPr lang="en-US" sz="2400" dirty="0">
+                <a:solidFill>
+                  <a:schemeClr val="accent2"/>
+                </a:solidFill>
+              </a:rPr>
+              <a:t>UIUC</a:t>
+            </a:r>
+            <a:r>
+              <a:rPr lang="en-US" sz="2400" dirty="0"/>
+              <a:t>, </a:t>
+            </a:r>
+            <a:r>
+              <a:rPr lang="en-US" sz="2400" dirty="0">
+                <a:solidFill>
+                  <a:srgbClr val="FF0000"/>
+                </a:solidFill>
+              </a:rPr>
+              <a:t>Rutgers University</a:t>
+            </a:r>
+          </a:p>
+        </p:txBody>
+      </p:sp>
     </p:spTree>
     <p:extLst>
       <p:ext uri="{BB962C8B-B14F-4D97-AF65-F5344CB8AC3E}">
@@ -4982,18 +5287,6 @@
   <p:clrMapOvr>
     <a:masterClrMapping/>
   </p:clrMapOvr>
-  <mc:AlternateContent xmlns:mc="http://schemas.openxmlformats.org/markup-compatibility/2006" xmlns:p15="http://schemas.microsoft.com/office/powerpoint/2012/main">
-    <mc:Choice Requires="p15">
-      <p:transition xmlns:p14="http://schemas.microsoft.com/office/powerpoint/2010/main" spd="slow" p14:dur="1250">
-        <p15:prstTrans prst="pageCurlDouble"/>
-      </p:transition>
-    </mc:Choice>
-    <mc:Fallback xmlns="">
-      <p:transition spd="slow">
-        <p:fade/>
-      </p:transition>
-    </mc:Fallback>
-  </mc:AlternateContent>
 </p:sld>
 </file>
 
@@ -12723,7 +13016,7 @@
                 <a:ea typeface="+mn-ea"/>
                 <a:cs typeface="+mn-cs"/>
               </a:rPr>
-              <a:t>True Time = Observed Time + Drift</a:t>
+              <a:t>True Time = Observed Time + offset</a:t>
             </a:r>
             <a:endParaRPr kumimoji="0" lang="en-US" sz="1800" b="0" i="0" u="none" strike="noStrike" kern="1200" cap="none" spc="0" normalizeH="0" baseline="0" noProof="0" dirty="0">
               <a:ln>
@@ -19003,7 +19296,7 @@
                 <a:ea typeface="+mn-ea"/>
                 <a:cs typeface="+mn-cs"/>
               </a:rPr>
-              <a:t>15</a:t>
+              <a:t>1</a:t>
             </a:r>
           </a:p>
         </p:txBody>
@@ -26902,7 +27195,7 @@
                 <a:ea typeface="+mn-ea"/>
                 <a:cs typeface="+mn-cs"/>
               </a:rPr>
-              <a:t>Finding minimum number of edges to remove which make the graph acyclic is an NP-hard problem in itself.</a:t>
+              <a:t>Finding smallest set of edges to remove which makes a graph acyclic is an NP-hard problem in itself.</a:t>
             </a:r>
             <a:br>
               <a:rPr kumimoji="0" lang="en-US" sz="2800" b="0" i="0" u="none" strike="noStrike" kern="1200" cap="none" spc="0" normalizeH="0" baseline="0" noProof="0" dirty="0">
@@ -32357,19 +32650,19 @@
               <a:buChar char="•"/>
             </a:pPr>
             <a:r>
-              <a:rPr lang="en-US" b="0" i="0" u="none" strike="noStrike">
+              <a:rPr lang="en-US" b="0" i="0" u="none" strike="noStrike" dirty="0">
                 <a:effectLst/>
                 <a:latin typeface="Arial" panose="020B0604020202020204" pitchFamily="34" charset="0"/>
               </a:rPr>
               <a:t>An emerging class of applications are not okay with arbitrary order</a:t>
             </a:r>
             <a:br>
-              <a:rPr lang="en-US" b="0" i="0" u="none" strike="noStrike">
+              <a:rPr lang="en-US" b="0" i="0" u="none" strike="noStrike" dirty="0">
                 <a:effectLst/>
                 <a:latin typeface="Arial" panose="020B0604020202020204" pitchFamily="34" charset="0"/>
               </a:rPr>
             </a:br>
-            <a:endParaRPr lang="en-US" b="0" i="0" u="none" strike="noStrike">
+            <a:endParaRPr lang="en-US" b="0" i="0" u="none" strike="noStrike" dirty="0">
               <a:effectLst/>
               <a:latin typeface="Arial" panose="020B0604020202020204" pitchFamily="34" charset="0"/>
             </a:endParaRPr>
@@ -32380,19 +32673,19 @@
               <a:buChar char="•"/>
             </a:pPr>
             <a:r>
-              <a:rPr lang="en-US" b="0" i="0" u="none" strike="noStrike">
+              <a:rPr lang="en-US" b="0" i="0" u="none" strike="noStrike" dirty="0">
                 <a:effectLst/>
                 <a:latin typeface="Arial" panose="020B0604020202020204" pitchFamily="34" charset="0"/>
               </a:rPr>
-              <a:t>These applications require a fair order where fairness amounts to accounting for event generation timestamp while defining the total order</a:t>
+              <a:t>These applications require a fair order where fairness amounts to achieving an order that respects the event generation order </a:t>
             </a:r>
             <a:br>
-              <a:rPr lang="en-US" b="0" i="0" u="none" strike="noStrike">
+              <a:rPr lang="en-US" b="0" i="0" u="none" strike="noStrike" dirty="0">
                 <a:effectLst/>
                 <a:latin typeface="Arial" panose="020B0604020202020204" pitchFamily="34" charset="0"/>
               </a:rPr>
             </a:br>
-            <a:endParaRPr lang="en-US" b="0" i="0" u="none" strike="noStrike">
+            <a:endParaRPr lang="en-US" b="0" i="0" u="none" strike="noStrike" dirty="0">
               <a:effectLst/>
               <a:latin typeface="Arial" panose="020B0604020202020204" pitchFamily="34" charset="0"/>
             </a:endParaRPr>
@@ -32403,7 +32696,7 @@
               <a:buChar char="•"/>
             </a:pPr>
             <a:r>
-              <a:rPr lang="en-US" b="0" i="0" u="none" strike="noStrike">
+              <a:rPr lang="en-US" b="0" i="0" u="none" strike="noStrike" dirty="0">
                 <a:effectLst/>
                 <a:latin typeface="Arial" panose="020B0604020202020204" pitchFamily="34" charset="0"/>
               </a:rPr>
@@ -32451,24 +32744,32 @@
               <a:defRPr/>
             </a:pPr>
             <a:r>
-              <a:rPr kumimoji="0" lang="en-US" sz="1200" b="0" i="0" u="none" strike="noStrike" kern="1200" cap="none" spc="0" normalizeH="0" baseline="0" noProof="0" dirty="0">
-                <a:ln>
-                  <a:noFill/>
-                </a:ln>
+              <a:rPr lang="en-US" dirty="0">
                 <a:solidFill>
                   <a:prstClr val="black">
                     <a:tint val="82000"/>
                   </a:prstClr>
                 </a:solidFill>
-                <a:effectLst/>
-                <a:uLnTx/>
-                <a:uFillTx/>
                 <a:latin typeface="Aptos" panose="02110004020202020204"/>
-                <a:ea typeface="+mn-ea"/>
-                <a:cs typeface="+mn-cs"/>
               </a:rPr>
-              <a:t>16</a:t>
+              <a:t>2</a:t>
             </a:r>
+            <a:endParaRPr kumimoji="0" lang="en-US" sz="1200" b="0" i="0" u="none" strike="noStrike" kern="1200" cap="none" spc="0" normalizeH="0" baseline="0" noProof="0" dirty="0">
+              <a:ln>
+                <a:noFill/>
+              </a:ln>
+              <a:solidFill>
+                <a:prstClr val="black">
+                  <a:tint val="82000"/>
+                </a:prstClr>
+              </a:solidFill>
+              <a:effectLst/>
+              <a:uLnTx/>
+              <a:uFillTx/>
+              <a:latin typeface="Aptos" panose="02110004020202020204"/>
+              <a:ea typeface="+mn-ea"/>
+              <a:cs typeface="+mn-cs"/>
+            </a:endParaRPr>
           </a:p>
         </p:txBody>
       </p:sp>
@@ -32757,25 +33058,6 @@
           <a:p>
             <a:r>
               <a:rPr lang="en-US" dirty="0"/>
-              <a:t>Scalability of the sequencer via hierarchical sequencing</a:t>
-            </a:r>
-          </a:p>
-          <a:p>
-            <a:r>
-              <a:rPr lang="en-US" dirty="0"/>
-              <a:t>Fault tolerance </a:t>
-            </a:r>
-          </a:p>
-          <a:p>
-            <a:pPr lvl="1"/>
-            <a:r>
-              <a:rPr lang="en-US" dirty="0"/>
-              <a:t>Against Byzantine faults?</a:t>
-            </a:r>
-          </a:p>
-          <a:p>
-            <a:r>
-              <a:rPr lang="en-US" dirty="0"/>
               <a:t>Extension to </a:t>
             </a:r>
             <a:r>
@@ -32960,6 +33242,69 @@
                 <a:cs typeface="+mn-cs"/>
               </a:rPr>
               <a:t>30</a:t>
+            </a:r>
+          </a:p>
+        </p:txBody>
+      </p:sp>
+      <p:sp>
+        <p:nvSpPr>
+          <p:cNvPr id="7" name="Rectangle 6">
+            <a:extLst>
+              <a:ext uri="{FF2B5EF4-FFF2-40B4-BE49-F238E27FC236}">
+                <a16:creationId xmlns:a16="http://schemas.microsoft.com/office/drawing/2014/main" id="{4AE16A4C-553E-77FA-5B98-560D8D629664}"/>
+              </a:ext>
+            </a:extLst>
+          </p:cNvPr>
+          <p:cNvSpPr/>
+          <p:nvPr/>
+        </p:nvSpPr>
+        <p:spPr>
+          <a:xfrm>
+            <a:off x="1890351" y="5253634"/>
+            <a:ext cx="8216865" cy="923330"/>
+          </a:xfrm>
+          <a:prstGeom prst="rect">
+            <a:avLst/>
+          </a:prstGeom>
+          <a:noFill/>
+        </p:spPr>
+        <p:txBody>
+          <a:bodyPr wrap="none" lIns="91440" tIns="45720" rIns="91440" bIns="45720">
+            <a:spAutoFit/>
+          </a:bodyPr>
+          <a:lstStyle/>
+          <a:p>
+            <a:pPr algn="ctr"/>
+            <a:r>
+              <a:rPr lang="en-US" sz="5400" b="1" cap="none" spc="0" dirty="0">
+                <a:ln w="12700">
+                  <a:solidFill>
+                    <a:schemeClr val="tx2">
+                      <a:lumMod val="75000"/>
+                    </a:schemeClr>
+                  </a:solidFill>
+                  <a:prstDash val="solid"/>
+                </a:ln>
+                <a:pattFill prst="dkUpDiag">
+                  <a:fgClr>
+                    <a:schemeClr val="tx2"/>
+                  </a:fgClr>
+                  <a:bgClr>
+                    <a:schemeClr val="tx2">
+                      <a:lumMod val="20000"/>
+                      <a:lumOff val="80000"/>
+                    </a:schemeClr>
+                  </a:bgClr>
+                </a:pattFill>
+                <a:effectLst>
+                  <a:outerShdw dist="38100" dir="2640000" algn="bl" rotWithShape="0">
+                    <a:schemeClr val="tx2">
+                      <a:lumMod val="75000"/>
+                    </a:schemeClr>
+                  </a:outerShdw>
+                </a:effectLst>
+              </a:rPr>
+              <a:t>Thanks for your attention!</a:t>
             </a:r>
           </a:p>
         </p:txBody>
@@ -33260,37 +33605,6 @@
                                   </p:childTnLst>
                                 </p:cTn>
                               </p:par>
-                              <p:par>
-                                <p:cTn id="25" presetID="1" presetClass="entr" presetSubtype="0" fill="hold" grpId="0" nodeType="withEffect">
-                                  <p:stCondLst>
-                                    <p:cond delay="0"/>
-                                  </p:stCondLst>
-                                  <p:childTnLst>
-                                    <p:set>
-                                      <p:cBhvr>
-                                        <p:cTn id="26" dur="1" fill="hold">
-                                          <p:stCondLst>
-                                            <p:cond delay="0"/>
-                                          </p:stCondLst>
-                                        </p:cTn>
-                                        <p:tgtEl>
-                                          <p:spTgt spid="3">
-                                            <p:txEl>
-                                              <p:pRg st="5" end="5"/>
-                                            </p:txEl>
-                                          </p:spTgt>
-                                        </p:tgtEl>
-                                        <p:attrNameLst>
-                                          <p:attrName>style.visibility</p:attrName>
-                                        </p:attrNameLst>
-                                      </p:cBhvr>
-                                      <p:to>
-                                        <p:strVal val="visible"/>
-                                      </p:to>
-                                    </p:set>
-                                  </p:childTnLst>
-                                </p:cTn>
-                              </p:par>
                             </p:childTnLst>
                           </p:cTn>
                         </p:par>
@@ -33298,85 +33612,32 @@
                     </p:cTn>
                   </p:par>
                   <p:par>
-                    <p:cTn id="27" fill="hold">
+                    <p:cTn id="25" fill="hold">
                       <p:stCondLst>
                         <p:cond delay="indefinite"/>
                       </p:stCondLst>
                       <p:childTnLst>
                         <p:par>
-                          <p:cTn id="28" fill="hold">
+                          <p:cTn id="26" fill="hold">
                             <p:stCondLst>
                               <p:cond delay="0"/>
                             </p:stCondLst>
                             <p:childTnLst>
                               <p:par>
-                                <p:cTn id="29" presetID="1" presetClass="entr" presetSubtype="0" fill="hold" grpId="0" nodeType="clickEffect">
+                                <p:cTn id="27" presetID="1" presetClass="entr" presetSubtype="0" fill="hold" grpId="0" nodeType="clickEffect">
                                   <p:stCondLst>
                                     <p:cond delay="0"/>
                                   </p:stCondLst>
                                   <p:childTnLst>
                                     <p:set>
                                       <p:cBhvr>
-                                        <p:cTn id="30" dur="1" fill="hold">
+                                        <p:cTn id="28" dur="1" fill="hold">
                                           <p:stCondLst>
                                             <p:cond delay="0"/>
                                           </p:stCondLst>
                                         </p:cTn>
                                         <p:tgtEl>
-                                          <p:spTgt spid="3">
-                                            <p:txEl>
-                                              <p:pRg st="6" end="6"/>
-                                            </p:txEl>
-                                          </p:spTgt>
-                                        </p:tgtEl>
-                                        <p:attrNameLst>
-                                          <p:attrName>style.visibility</p:attrName>
-                                        </p:attrNameLst>
-                                      </p:cBhvr>
-                                      <p:to>
-                                        <p:strVal val="visible"/>
-                                      </p:to>
-                                    </p:set>
-                                  </p:childTnLst>
-                                </p:cTn>
-                              </p:par>
-                            </p:childTnLst>
-                          </p:cTn>
-                        </p:par>
-                      </p:childTnLst>
-                    </p:cTn>
-                  </p:par>
-                  <p:par>
-                    <p:cTn id="31" fill="hold">
-                      <p:stCondLst>
-                        <p:cond delay="indefinite"/>
-                      </p:stCondLst>
-                      <p:childTnLst>
-                        <p:par>
-                          <p:cTn id="32" fill="hold">
-                            <p:stCondLst>
-                              <p:cond delay="0"/>
-                            </p:stCondLst>
-                            <p:childTnLst>
-                              <p:par>
-                                <p:cTn id="33" presetID="1" presetClass="entr" presetSubtype="0" fill="hold" grpId="0" nodeType="clickEffect">
-                                  <p:stCondLst>
-                                    <p:cond delay="0"/>
-                                  </p:stCondLst>
-                                  <p:childTnLst>
-                                    <p:set>
-                                      <p:cBhvr>
-                                        <p:cTn id="34" dur="1" fill="hold">
-                                          <p:stCondLst>
-                                            <p:cond delay="0"/>
-                                          </p:stCondLst>
-                                        </p:cTn>
-                                        <p:tgtEl>
-                                          <p:spTgt spid="3">
-                                            <p:txEl>
-                                              <p:pRg st="7" end="7"/>
-                                            </p:txEl>
-                                          </p:spTgt>
+                                          <p:spTgt spid="7"/>
                                         </p:tgtEl>
                                         <p:attrNameLst>
                                           <p:attrName>style.visibility</p:attrName>
@@ -33419,6 +33680,7 @@
     <p:bldLst>
       <p:bldP spid="3" grpId="0" uiExpand="1" build="p"/>
       <p:bldP spid="5" grpId="0"/>
+      <p:bldP spid="7" grpId="0"/>
     </p:bldLst>
   </p:timing>
 </p:sld>
@@ -34761,7 +35023,7 @@
                 <a:ea typeface="+mn-ea"/>
                 <a:cs typeface="+mn-cs"/>
               </a:rPr>
-              <a:t>17</a:t>
+              <a:t>3</a:t>
             </a:r>
           </a:p>
         </p:txBody>
@@ -36055,7 +36317,7 @@
                 <a:ea typeface="+mn-ea"/>
                 <a:cs typeface="+mn-cs"/>
               </a:rPr>
-              <a:t>18</a:t>
+              <a:t>4</a:t>
             </a:r>
           </a:p>
         </p:txBody>
@@ -36830,8 +37092,39 @@
                 <a:ea typeface="+mn-ea"/>
                 <a:cs typeface="+mn-cs"/>
               </a:rPr>
-              <a:t>We will use this as a baseline later on.</a:t>
+              <a:t>We will use this as</a:t>
             </a:r>
+            <a:r>
+              <a:rPr kumimoji="0" lang="en-US" sz="2800" b="0" i="0" u="none" strike="noStrike" kern="1200" cap="none" spc="0" normalizeH="0" noProof="0" dirty="0">
+                <a:ln>
+                  <a:noFill/>
+                </a:ln>
+                <a:solidFill>
+                  <a:prstClr val="black"/>
+                </a:solidFill>
+                <a:effectLst/>
+                <a:uLnTx/>
+                <a:uFillTx/>
+                <a:latin typeface="Aptos" panose="02110004020202020204"/>
+                <a:ea typeface="+mn-ea"/>
+                <a:cs typeface="+mn-cs"/>
+              </a:rPr>
+              <a:t> a baseline to compare against.</a:t>
+            </a:r>
+            <a:endParaRPr kumimoji="0" lang="en-US" sz="2800" b="0" i="0" u="none" strike="noStrike" kern="1200" cap="none" spc="0" normalizeH="0" baseline="0" noProof="0" dirty="0">
+              <a:ln>
+                <a:noFill/>
+              </a:ln>
+              <a:solidFill>
+                <a:prstClr val="black"/>
+              </a:solidFill>
+              <a:effectLst/>
+              <a:uLnTx/>
+              <a:uFillTx/>
+              <a:latin typeface="Aptos" panose="02110004020202020204"/>
+              <a:ea typeface="+mn-ea"/>
+              <a:cs typeface="+mn-cs"/>
+            </a:endParaRPr>
           </a:p>
         </p:txBody>
       </p:sp>
@@ -36890,7 +37183,7 @@
                 <a:ea typeface="+mn-ea"/>
                 <a:cs typeface="+mn-cs"/>
               </a:rPr>
-              <a:t>19</a:t>
+              <a:t>5</a:t>
             </a:r>
           </a:p>
         </p:txBody>
@@ -37818,13 +38111,13 @@
           <a:p>
             <a:r>
               <a:rPr lang="en-US" dirty="0"/>
-              <a:t>I am precisely interested in ordering these concurrent events</a:t>
+              <a:t>We are precisely interested in ordering these concurrent events</a:t>
             </a:r>
           </a:p>
           <a:p>
             <a:r>
               <a:rPr lang="en-US" dirty="0"/>
-              <a:t>I introduce: </a:t>
+              <a:t>We introduce: </a:t>
             </a:r>
             <a:r>
               <a:rPr lang="en-US" i="1" dirty="0"/>
@@ -37880,7 +38173,7 @@
         </p:nvCxnSpPr>
         <p:spPr>
           <a:xfrm>
-            <a:off x="6811383" y="2651896"/>
+            <a:off x="7186521" y="2642654"/>
             <a:ext cx="376518" cy="0"/>
           </a:xfrm>
           <a:prstGeom prst="straightConnector1">
@@ -37919,7 +38212,7 @@
         </p:nvSpPr>
         <p:spPr>
           <a:xfrm>
-            <a:off x="6785537" y="2282564"/>
+            <a:off x="7186521" y="2273322"/>
             <a:ext cx="314510" cy="369332"/>
           </a:xfrm>
           <a:prstGeom prst="rect">
@@ -39078,7 +39371,7 @@
             </a:r>
             <a:r>
               <a:rPr lang="en-US" dirty="0"/>
-              <a:t>for two messages?</a:t>
+              <a:t>for two messages to construct the relation?</a:t>
             </a:r>
             <a:br>
               <a:rPr lang="en-US" dirty="0"/>
@@ -39088,7 +39381,7 @@
           <a:p>
             <a:r>
               <a:rPr lang="en-US" dirty="0"/>
-              <a:t>How to achieve a total or partial order from the pairwise relations?</a:t>
+              <a:t>How to achieve an order of several events from the pairwise relations?</a:t>
             </a:r>
           </a:p>
         </p:txBody>

--- a/tommy_hotnets.pptx
+++ b/tommy_hotnets.pptx
@@ -6374,25 +6374,22 @@
               <a:tabLst/>
               <a:defRPr/>
             </a:pPr>
-            <a:r>
-              <a:rPr kumimoji="0" lang="en-US" sz="1200" b="0" i="0" u="none" strike="noStrike" kern="1200" cap="none" spc="0" normalizeH="0" baseline="0" noProof="0" dirty="0">
-                <a:ln>
-                  <a:noFill/>
-                </a:ln>
-                <a:solidFill>
-                  <a:prstClr val="black">
-                    <a:tint val="82000"/>
-                  </a:prstClr>
-                </a:solidFill>
-                <a:effectLst/>
-                <a:uLnTx/>
-                <a:uFillTx/>
-                <a:latin typeface="Aptos" panose="02110004020202020204"/>
-                <a:ea typeface="+mn-ea"/>
-                <a:cs typeface="+mn-cs"/>
-              </a:rPr>
-              <a:t>22</a:t>
-            </a:r>
+            <a:endParaRPr kumimoji="0" lang="en-US" sz="1200" b="0" i="0" u="none" strike="noStrike" kern="1200" cap="none" spc="0" normalizeH="0" baseline="0" noProof="0" dirty="0">
+              <a:ln>
+                <a:noFill/>
+              </a:ln>
+              <a:solidFill>
+                <a:prstClr val="black">
+                  <a:tint val="82000"/>
+                </a:prstClr>
+              </a:solidFill>
+              <a:effectLst/>
+              <a:uLnTx/>
+              <a:uFillTx/>
+              <a:latin typeface="Aptos" panose="02110004020202020204"/>
+              <a:ea typeface="+mn-ea"/>
+              <a:cs typeface="+mn-cs"/>
+            </a:endParaRPr>
           </a:p>
         </p:txBody>
       </p:sp>
@@ -8709,25 +8706,22 @@
               <a:tabLst/>
               <a:defRPr/>
             </a:pPr>
-            <a:r>
-              <a:rPr kumimoji="0" lang="en-US" sz="1200" b="0" i="0" u="none" strike="noStrike" kern="1200" cap="none" spc="0" normalizeH="0" baseline="0" noProof="0" dirty="0">
-                <a:ln>
-                  <a:noFill/>
-                </a:ln>
-                <a:solidFill>
-                  <a:prstClr val="black">
-                    <a:tint val="82000"/>
-                  </a:prstClr>
-                </a:solidFill>
-                <a:effectLst/>
-                <a:uLnTx/>
-                <a:uFillTx/>
-                <a:latin typeface="Aptos" panose="02110004020202020204"/>
-                <a:ea typeface="+mn-ea"/>
-                <a:cs typeface="+mn-cs"/>
-              </a:rPr>
-              <a:t>22</a:t>
-            </a:r>
+            <a:endParaRPr kumimoji="0" lang="en-US" sz="1200" b="0" i="0" u="none" strike="noStrike" kern="1200" cap="none" spc="0" normalizeH="0" baseline="0" noProof="0" dirty="0">
+              <a:ln>
+                <a:noFill/>
+              </a:ln>
+              <a:solidFill>
+                <a:prstClr val="black">
+                  <a:tint val="82000"/>
+                </a:prstClr>
+              </a:solidFill>
+              <a:effectLst/>
+              <a:uLnTx/>
+              <a:uFillTx/>
+              <a:latin typeface="Aptos" panose="02110004020202020204"/>
+              <a:ea typeface="+mn-ea"/>
+              <a:cs typeface="+mn-cs"/>
+            </a:endParaRPr>
           </a:p>
         </p:txBody>
       </p:sp>
@@ -12776,25 +12770,22 @@
               <a:tabLst/>
               <a:defRPr/>
             </a:pPr>
-            <a:r>
-              <a:rPr kumimoji="0" lang="en-US" sz="1200" b="0" i="0" u="none" strike="noStrike" kern="1200" cap="none" spc="0" normalizeH="0" baseline="0" noProof="0" dirty="0">
-                <a:ln>
-                  <a:noFill/>
-                </a:ln>
-                <a:solidFill>
-                  <a:prstClr val="black">
-                    <a:tint val="82000"/>
-                  </a:prstClr>
-                </a:solidFill>
-                <a:effectLst/>
-                <a:uLnTx/>
-                <a:uFillTx/>
-                <a:latin typeface="Aptos" panose="02110004020202020204"/>
-                <a:ea typeface="+mn-ea"/>
-                <a:cs typeface="+mn-cs"/>
-              </a:rPr>
-              <a:t>22</a:t>
-            </a:r>
+            <a:endParaRPr kumimoji="0" lang="en-US" sz="1200" b="0" i="0" u="none" strike="noStrike" kern="1200" cap="none" spc="0" normalizeH="0" baseline="0" noProof="0" dirty="0">
+              <a:ln>
+                <a:noFill/>
+              </a:ln>
+              <a:solidFill>
+                <a:prstClr val="black">
+                  <a:tint val="82000"/>
+                </a:prstClr>
+              </a:solidFill>
+              <a:effectLst/>
+              <a:uLnTx/>
+              <a:uFillTx/>
+              <a:latin typeface="Aptos" panose="02110004020202020204"/>
+              <a:ea typeface="+mn-ea"/>
+              <a:cs typeface="+mn-cs"/>
+            </a:endParaRPr>
           </a:p>
         </p:txBody>
       </p:sp>
@@ -13308,25 +13299,22 @@
               <a:tabLst/>
               <a:defRPr/>
             </a:pPr>
-            <a:r>
-              <a:rPr kumimoji="0" lang="en-US" sz="1200" b="0" i="0" u="none" strike="noStrike" kern="1200" cap="none" spc="0" normalizeH="0" baseline="0" noProof="0" dirty="0">
-                <a:ln>
-                  <a:noFill/>
-                </a:ln>
-                <a:solidFill>
-                  <a:prstClr val="black">
-                    <a:tint val="82000"/>
-                  </a:prstClr>
-                </a:solidFill>
-                <a:effectLst/>
-                <a:uLnTx/>
-                <a:uFillTx/>
-                <a:latin typeface="Aptos" panose="02110004020202020204"/>
-                <a:ea typeface="+mn-ea"/>
-                <a:cs typeface="+mn-cs"/>
-              </a:rPr>
-              <a:t>23</a:t>
-            </a:r>
+            <a:endParaRPr kumimoji="0" lang="en-US" sz="1200" b="0" i="0" u="none" strike="noStrike" kern="1200" cap="none" spc="0" normalizeH="0" baseline="0" noProof="0" dirty="0">
+              <a:ln>
+                <a:noFill/>
+              </a:ln>
+              <a:solidFill>
+                <a:prstClr val="black">
+                  <a:tint val="82000"/>
+                </a:prstClr>
+              </a:solidFill>
+              <a:effectLst/>
+              <a:uLnTx/>
+              <a:uFillTx/>
+              <a:latin typeface="Aptos" panose="02110004020202020204"/>
+              <a:ea typeface="+mn-ea"/>
+              <a:cs typeface="+mn-cs"/>
+            </a:endParaRPr>
           </a:p>
         </p:txBody>
       </p:sp>
@@ -13888,25 +13876,22 @@
               <a:tabLst/>
               <a:defRPr/>
             </a:pPr>
-            <a:r>
-              <a:rPr kumimoji="0" lang="en-US" sz="1200" b="0" i="0" u="none" strike="noStrike" kern="1200" cap="none" spc="0" normalizeH="0" baseline="0" noProof="0" dirty="0">
-                <a:ln>
-                  <a:noFill/>
-                </a:ln>
-                <a:solidFill>
-                  <a:prstClr val="black">
-                    <a:tint val="82000"/>
-                  </a:prstClr>
-                </a:solidFill>
-                <a:effectLst/>
-                <a:uLnTx/>
-                <a:uFillTx/>
-                <a:latin typeface="Aptos" panose="02110004020202020204"/>
-                <a:ea typeface="+mn-ea"/>
-                <a:cs typeface="+mn-cs"/>
-              </a:rPr>
-              <a:t>23</a:t>
-            </a:r>
+            <a:endParaRPr kumimoji="0" lang="en-US" sz="1200" b="0" i="0" u="none" strike="noStrike" kern="1200" cap="none" spc="0" normalizeH="0" baseline="0" noProof="0" dirty="0">
+              <a:ln>
+                <a:noFill/>
+              </a:ln>
+              <a:solidFill>
+                <a:prstClr val="black">
+                  <a:tint val="82000"/>
+                </a:prstClr>
+              </a:solidFill>
+              <a:effectLst/>
+              <a:uLnTx/>
+              <a:uFillTx/>
+              <a:latin typeface="Aptos" panose="02110004020202020204"/>
+              <a:ea typeface="+mn-ea"/>
+              <a:cs typeface="+mn-cs"/>
+            </a:endParaRPr>
           </a:p>
         </p:txBody>
       </p:sp>
@@ -14047,7 +14032,7 @@
 </file>
 
 <file path=ppt/slides/slide15.xml><?xml version="1.0" encoding="utf-8"?>
-<p:sld xmlns:a="http://schemas.openxmlformats.org/drawingml/2006/main" xmlns:r="http://schemas.openxmlformats.org/officeDocument/2006/relationships" xmlns:p="http://schemas.openxmlformats.org/presentationml/2006/main">
+<p:sld xmlns:a="http://schemas.openxmlformats.org/drawingml/2006/main" xmlns:r="http://schemas.openxmlformats.org/officeDocument/2006/relationships" xmlns:p="http://schemas.openxmlformats.org/presentationml/2006/main" show="0">
   <p:cSld>
     <p:spTree>
       <p:nvGrpSpPr>
@@ -14638,7 +14623,7 @@
 </file>
 
 <file path=ppt/slides/slide16.xml><?xml version="1.0" encoding="utf-8"?>
-<p:sld xmlns:a="http://schemas.openxmlformats.org/drawingml/2006/main" xmlns:r="http://schemas.openxmlformats.org/officeDocument/2006/relationships" xmlns:p="http://schemas.openxmlformats.org/presentationml/2006/main">
+<p:sld xmlns:a="http://schemas.openxmlformats.org/drawingml/2006/main" xmlns:r="http://schemas.openxmlformats.org/officeDocument/2006/relationships" xmlns:p="http://schemas.openxmlformats.org/presentationml/2006/main" show="0">
   <p:cSld>
     <p:spTree>
       <p:nvGrpSpPr>
@@ -16721,66 +16706,6 @@
           </a:p>
         </p:txBody>
       </p:sp>
-      <p:sp>
-        <p:nvSpPr>
-          <p:cNvPr id="4" name="Slide Number Placeholder 3">
-            <a:extLst>
-              <a:ext uri="{FF2B5EF4-FFF2-40B4-BE49-F238E27FC236}">
-                <a16:creationId xmlns:a16="http://schemas.microsoft.com/office/drawing/2014/main" id="{94A2410A-BEF4-B7F9-495D-662178D649A7}"/>
-              </a:ext>
-            </a:extLst>
-          </p:cNvPr>
-          <p:cNvSpPr>
-            <a:spLocks noGrp="1"/>
-          </p:cNvSpPr>
-          <p:nvPr>
-            <p:ph type="sldNum" sz="quarter" idx="12"/>
-          </p:nvPr>
-        </p:nvSpPr>
-        <p:spPr/>
-        <p:txBody>
-          <a:bodyPr/>
-          <a:lstStyle/>
-          <a:p>
-            <a:pPr marL="0" marR="0" lvl="0" indent="0" algn="r" defTabSz="914400" rtl="0" eaLnBrk="1" fontAlgn="auto" latinLnBrk="0" hangingPunct="1">
-              <a:lnSpc>
-                <a:spcPct val="100000"/>
-              </a:lnSpc>
-              <a:spcBef>
-                <a:spcPts val="0"/>
-              </a:spcBef>
-              <a:spcAft>
-                <a:spcPts val="0"/>
-              </a:spcAft>
-              <a:buClrTx/>
-              <a:buSzTx/>
-              <a:buFontTx/>
-              <a:buNone/>
-              <a:tabLst/>
-              <a:defRPr/>
-            </a:pPr>
-            <a:r>
-              <a:rPr kumimoji="0" lang="en-US" sz="1200" b="0" i="0" u="none" strike="noStrike" kern="1200" cap="none" spc="0" normalizeH="0" baseline="0" noProof="0" dirty="0">
-                <a:ln>
-                  <a:noFill/>
-                </a:ln>
-                <a:solidFill>
-                  <a:prstClr val="black">
-                    <a:tint val="82000"/>
-                  </a:prstClr>
-                </a:solidFill>
-                <a:effectLst/>
-                <a:uLnTx/>
-                <a:uFillTx/>
-                <a:latin typeface="Aptos" panose="02110004020202020204"/>
-                <a:ea typeface="+mn-ea"/>
-                <a:cs typeface="+mn-cs"/>
-              </a:rPr>
-              <a:t>25</a:t>
-            </a:r>
-          </a:p>
-        </p:txBody>
-      </p:sp>
       <p:pic>
         <p:nvPicPr>
           <p:cNvPr id="6" name="Picture 5" descr="A math equations and formulas&#10;&#10;AI-generated content may be incorrect.">
@@ -16885,15 +16810,33 @@
                                   </p:childTnLst>
                                 </p:cTn>
                               </p:par>
+                            </p:childTnLst>
+                          </p:cTn>
+                        </p:par>
+                      </p:childTnLst>
+                    </p:cTn>
+                  </p:par>
+                  <p:par>
+                    <p:cTn id="7" fill="hold">
+                      <p:stCondLst>
+                        <p:cond delay="indefinite"/>
+                      </p:stCondLst>
+                      <p:childTnLst>
+                        <p:par>
+                          <p:cTn id="8" fill="hold">
+                            <p:stCondLst>
+                              <p:cond delay="0"/>
+                            </p:stCondLst>
+                            <p:childTnLst>
                               <p:par>
-                                <p:cTn id="7" presetID="1" presetClass="entr" presetSubtype="0" fill="hold" grpId="0" nodeType="withEffect">
+                                <p:cTn id="9" presetID="1" presetClass="entr" presetSubtype="0" fill="hold" grpId="0" nodeType="clickEffect">
                                   <p:stCondLst>
                                     <p:cond delay="0"/>
                                   </p:stCondLst>
                                   <p:childTnLst>
                                     <p:set>
                                       <p:cBhvr>
-                                        <p:cTn id="8" dur="1" fill="hold">
+                                        <p:cTn id="10" dur="1" fill="hold">
                                           <p:stCondLst>
                                             <p:cond delay="0"/>
                                           </p:stCondLst>
@@ -16923,26 +16866,26 @@
                     </p:cTn>
                   </p:par>
                   <p:par>
-                    <p:cTn id="9" fill="hold">
+                    <p:cTn id="11" fill="hold">
                       <p:stCondLst>
                         <p:cond delay="indefinite"/>
                       </p:stCondLst>
                       <p:childTnLst>
                         <p:par>
-                          <p:cTn id="10" fill="hold">
+                          <p:cTn id="12" fill="hold">
                             <p:stCondLst>
                               <p:cond delay="0"/>
                             </p:stCondLst>
                             <p:childTnLst>
                               <p:par>
-                                <p:cTn id="11" presetID="1" presetClass="entr" presetSubtype="0" fill="hold" grpId="0" nodeType="clickEffect">
+                                <p:cTn id="13" presetID="1" presetClass="entr" presetSubtype="0" fill="hold" grpId="0" nodeType="clickEffect">
                                   <p:stCondLst>
                                     <p:cond delay="0"/>
                                   </p:stCondLst>
                                   <p:childTnLst>
                                     <p:set>
                                       <p:cBhvr>
-                                        <p:cTn id="12" dur="1" fill="hold">
+                                        <p:cTn id="14" dur="1" fill="hold">
                                           <p:stCondLst>
                                             <p:cond delay="0"/>
                                           </p:stCondLst>
@@ -16965,15 +16908,33 @@
                                   </p:childTnLst>
                                 </p:cTn>
                               </p:par>
+                            </p:childTnLst>
+                          </p:cTn>
+                        </p:par>
+                      </p:childTnLst>
+                    </p:cTn>
+                  </p:par>
+                  <p:par>
+                    <p:cTn id="15" fill="hold">
+                      <p:stCondLst>
+                        <p:cond delay="indefinite"/>
+                      </p:stCondLst>
+                      <p:childTnLst>
+                        <p:par>
+                          <p:cTn id="16" fill="hold">
+                            <p:stCondLst>
+                              <p:cond delay="0"/>
+                            </p:stCondLst>
+                            <p:childTnLst>
                               <p:par>
-                                <p:cTn id="13" presetID="1" presetClass="entr" presetSubtype="0" fill="hold" grpId="0" nodeType="withEffect">
+                                <p:cTn id="17" presetID="1" presetClass="entr" presetSubtype="0" fill="hold" grpId="0" nodeType="clickEffect">
                                   <p:stCondLst>
                                     <p:cond delay="0"/>
                                   </p:stCondLst>
                                   <p:childTnLst>
                                     <p:set>
                                       <p:cBhvr>
-                                        <p:cTn id="14" dur="1" fill="hold">
+                                        <p:cTn id="18" dur="1" fill="hold">
                                           <p:stCondLst>
                                             <p:cond delay="0"/>
                                           </p:stCondLst>
@@ -16996,15 +16957,33 @@
                                   </p:childTnLst>
                                 </p:cTn>
                               </p:par>
+                            </p:childTnLst>
+                          </p:cTn>
+                        </p:par>
+                      </p:childTnLst>
+                    </p:cTn>
+                  </p:par>
+                  <p:par>
+                    <p:cTn id="19" fill="hold">
+                      <p:stCondLst>
+                        <p:cond delay="indefinite"/>
+                      </p:stCondLst>
+                      <p:childTnLst>
+                        <p:par>
+                          <p:cTn id="20" fill="hold">
+                            <p:stCondLst>
+                              <p:cond delay="0"/>
+                            </p:stCondLst>
+                            <p:childTnLst>
                               <p:par>
-                                <p:cTn id="15" presetID="1" presetClass="entr" presetSubtype="0" fill="hold" grpId="0" nodeType="withEffect">
+                                <p:cTn id="21" presetID="1" presetClass="entr" presetSubtype="0" fill="hold" grpId="0" nodeType="clickEffect">
                                   <p:stCondLst>
                                     <p:cond delay="0"/>
                                   </p:stCondLst>
                                   <p:childTnLst>
                                     <p:set>
                                       <p:cBhvr>
-                                        <p:cTn id="16" dur="1" fill="hold">
+                                        <p:cTn id="22" dur="1" fill="hold">
                                           <p:stCondLst>
                                             <p:cond delay="0"/>
                                           </p:stCondLst>
@@ -17027,68 +17006,6 @@
                                   </p:childTnLst>
                                 </p:cTn>
                               </p:par>
-                              <p:par>
-                                <p:cTn id="17" presetID="1" presetClass="entr" presetSubtype="0" fill="hold" grpId="0" nodeType="withEffect">
-                                  <p:stCondLst>
-                                    <p:cond delay="0"/>
-                                  </p:stCondLst>
-                                  <p:childTnLst>
-                                    <p:set>
-                                      <p:cBhvr>
-                                        <p:cTn id="18" dur="1" fill="hold">
-                                          <p:stCondLst>
-                                            <p:cond delay="0"/>
-                                          </p:stCondLst>
-                                        </p:cTn>
-                                        <p:tgtEl>
-                                          <p:spTgt spid="3">
-                                            <p:txEl>
-                                              <p:pRg st="5" end="5"/>
-                                            </p:txEl>
-                                          </p:spTgt>
-                                        </p:tgtEl>
-                                        <p:attrNameLst>
-                                          <p:attrName>style.visibility</p:attrName>
-                                        </p:attrNameLst>
-                                      </p:cBhvr>
-                                      <p:to>
-                                        <p:strVal val="visible"/>
-                                      </p:to>
-                                    </p:set>
-                                  </p:childTnLst>
-                                </p:cTn>
-                              </p:par>
-                              <p:par>
-                                <p:cTn id="19" presetID="1" presetClass="entr" presetSubtype="0" fill="hold" grpId="0" nodeType="withEffect">
-                                  <p:stCondLst>
-                                    <p:cond delay="0"/>
-                                  </p:stCondLst>
-                                  <p:childTnLst>
-                                    <p:set>
-                                      <p:cBhvr>
-                                        <p:cTn id="20" dur="1" fill="hold">
-                                          <p:stCondLst>
-                                            <p:cond delay="0"/>
-                                          </p:stCondLst>
-                                        </p:cTn>
-                                        <p:tgtEl>
-                                          <p:spTgt spid="3">
-                                            <p:txEl>
-                                              <p:pRg st="6" end="6"/>
-                                            </p:txEl>
-                                          </p:spTgt>
-                                        </p:tgtEl>
-                                        <p:attrNameLst>
-                                          <p:attrName>style.visibility</p:attrName>
-                                        </p:attrNameLst>
-                                      </p:cBhvr>
-                                      <p:to>
-                                        <p:strVal val="visible"/>
-                                      </p:to>
-                                    </p:set>
-                                  </p:childTnLst>
-                                </p:cTn>
-                              </p:par>
                             </p:childTnLst>
                           </p:cTn>
                         </p:par>
@@ -17096,26 +17013,26 @@
                     </p:cTn>
                   </p:par>
                   <p:par>
-                    <p:cTn id="21" fill="hold">
+                    <p:cTn id="23" fill="hold">
                       <p:stCondLst>
                         <p:cond delay="indefinite"/>
                       </p:stCondLst>
                       <p:childTnLst>
                         <p:par>
-                          <p:cTn id="22" fill="hold">
+                          <p:cTn id="24" fill="hold">
                             <p:stCondLst>
                               <p:cond delay="0"/>
                             </p:stCondLst>
                             <p:childTnLst>
                               <p:par>
-                                <p:cTn id="23" presetID="1" presetClass="entr" presetSubtype="0" fill="hold" nodeType="clickEffect">
+                                <p:cTn id="25" presetID="1" presetClass="entr" presetSubtype="0" fill="hold" nodeType="clickEffect">
                                   <p:stCondLst>
                                     <p:cond delay="0"/>
                                   </p:stCondLst>
                                   <p:childTnLst>
                                     <p:set>
                                       <p:cBhvr>
-                                        <p:cTn id="24" dur="1" fill="hold">
+                                        <p:cTn id="26" dur="1" fill="hold">
                                           <p:stCondLst>
                                             <p:cond delay="0"/>
                                           </p:stCondLst>
@@ -17141,26 +17058,26 @@
                     </p:cTn>
                   </p:par>
                   <p:par>
-                    <p:cTn id="25" fill="hold">
+                    <p:cTn id="27" fill="hold">
                       <p:stCondLst>
                         <p:cond delay="indefinite"/>
                       </p:stCondLst>
                       <p:childTnLst>
                         <p:par>
-                          <p:cTn id="26" fill="hold">
+                          <p:cTn id="28" fill="hold">
                             <p:stCondLst>
                               <p:cond delay="0"/>
                             </p:stCondLst>
                             <p:childTnLst>
                               <p:par>
-                                <p:cTn id="27" presetID="3" presetClass="exit" presetSubtype="10" fill="hold" nodeType="clickEffect">
+                                <p:cTn id="29" presetID="3" presetClass="exit" presetSubtype="10" fill="hold" nodeType="clickEffect">
                                   <p:stCondLst>
                                     <p:cond delay="0"/>
                                   </p:stCondLst>
                                   <p:childTnLst>
                                     <p:animEffect transition="out" filter="blinds(horizontal)">
                                       <p:cBhvr>
-                                        <p:cTn id="28" dur="500"/>
+                                        <p:cTn id="30" dur="500"/>
                                         <p:tgtEl>
                                           <p:spTgt spid="6"/>
                                         </p:tgtEl>
@@ -17168,7 +17085,7 @@
                                     </p:animEffect>
                                     <p:set>
                                       <p:cBhvr>
-                                        <p:cTn id="29" dur="1" fill="hold">
+                                        <p:cTn id="31" dur="1" fill="hold">
                                           <p:stCondLst>
                                             <p:cond delay="499"/>
                                           </p:stCondLst>
@@ -17182,6 +17099,104 @@
                                       </p:cBhvr>
                                       <p:to>
                                         <p:strVal val="hidden"/>
+                                      </p:to>
+                                    </p:set>
+                                  </p:childTnLst>
+                                </p:cTn>
+                              </p:par>
+                            </p:childTnLst>
+                          </p:cTn>
+                        </p:par>
+                      </p:childTnLst>
+                    </p:cTn>
+                  </p:par>
+                  <p:par>
+                    <p:cTn id="32" fill="hold">
+                      <p:stCondLst>
+                        <p:cond delay="indefinite"/>
+                      </p:stCondLst>
+                      <p:childTnLst>
+                        <p:par>
+                          <p:cTn id="33" fill="hold">
+                            <p:stCondLst>
+                              <p:cond delay="0"/>
+                            </p:stCondLst>
+                            <p:childTnLst>
+                              <p:par>
+                                <p:cTn id="34" presetID="1" presetClass="entr" presetSubtype="0" fill="hold" grpId="0" nodeType="clickEffect">
+                                  <p:stCondLst>
+                                    <p:cond delay="0"/>
+                                  </p:stCondLst>
+                                  <p:childTnLst>
+                                    <p:set>
+                                      <p:cBhvr>
+                                        <p:cTn id="35" dur="1" fill="hold">
+                                          <p:stCondLst>
+                                            <p:cond delay="0"/>
+                                          </p:stCondLst>
+                                        </p:cTn>
+                                        <p:tgtEl>
+                                          <p:spTgt spid="3">
+                                            <p:txEl>
+                                              <p:pRg st="5" end="5"/>
+                                            </p:txEl>
+                                          </p:spTgt>
+                                        </p:tgtEl>
+                                        <p:attrNameLst>
+                                          <p:attrName>style.visibility</p:attrName>
+                                        </p:attrNameLst>
+                                      </p:cBhvr>
+                                      <p:to>
+                                        <p:strVal val="visible"/>
+                                      </p:to>
+                                    </p:set>
+                                  </p:childTnLst>
+                                </p:cTn>
+                              </p:par>
+                            </p:childTnLst>
+                          </p:cTn>
+                        </p:par>
+                      </p:childTnLst>
+                    </p:cTn>
+                  </p:par>
+                  <p:par>
+                    <p:cTn id="36" fill="hold">
+                      <p:stCondLst>
+                        <p:cond delay="indefinite"/>
+                      </p:stCondLst>
+                      <p:childTnLst>
+                        <p:par>
+                          <p:cTn id="37" fill="hold">
+                            <p:stCondLst>
+                              <p:cond delay="0"/>
+                            </p:stCondLst>
+                            <p:childTnLst>
+                              <p:par>
+                                <p:cTn id="38" presetID="1" presetClass="entr" presetSubtype="0" fill="hold" grpId="0" nodeType="clickEffect">
+                                  <p:stCondLst>
+                                    <p:cond delay="0"/>
+                                  </p:stCondLst>
+                                  <p:childTnLst>
+                                    <p:set>
+                                      <p:cBhvr>
+                                        <p:cTn id="39" dur="1" fill="hold">
+                                          <p:stCondLst>
+                                            <p:cond delay="0"/>
+                                          </p:stCondLst>
+                                        </p:cTn>
+                                        <p:tgtEl>
+                                          <p:spTgt spid="3">
+                                            <p:txEl>
+                                              <p:pRg st="6" end="6"/>
+                                            </p:txEl>
+                                          </p:spTgt>
+                                        </p:tgtEl>
+                                        <p:attrNameLst>
+                                          <p:attrName>style.visibility</p:attrName>
+                                        </p:attrNameLst>
+                                      </p:cBhvr>
+                                      <p:to>
+                                        <p:strVal val="visible"/>
                                       </p:to>
                                     </p:set>
                                   </p:childTnLst>
@@ -17215,7 +17230,7 @@
       </p:par>
     </p:tnLst>
     <p:bldLst>
-      <p:bldP spid="3" grpId="0" build="p"/>
+      <p:bldP spid="3" grpId="0" uiExpand="1" build="p" bldLvl="2"/>
     </p:bldLst>
   </p:timing>
 </p:sld>
@@ -18143,66 +18158,6 @@
           </a:fontRef>
         </p:style>
       </p:cxnSp>
-      <p:sp>
-        <p:nvSpPr>
-          <p:cNvPr id="3" name="Slide Number Placeholder 2">
-            <a:extLst>
-              <a:ext uri="{FF2B5EF4-FFF2-40B4-BE49-F238E27FC236}">
-                <a16:creationId xmlns:a16="http://schemas.microsoft.com/office/drawing/2014/main" id="{90FB58CE-FC0F-BCDF-8D50-460C674A5BDA}"/>
-              </a:ext>
-            </a:extLst>
-          </p:cNvPr>
-          <p:cNvSpPr>
-            <a:spLocks noGrp="1"/>
-          </p:cNvSpPr>
-          <p:nvPr>
-            <p:ph type="sldNum" sz="quarter" idx="12"/>
-          </p:nvPr>
-        </p:nvSpPr>
-        <p:spPr/>
-        <p:txBody>
-          <a:bodyPr/>
-          <a:lstStyle/>
-          <a:p>
-            <a:pPr marL="0" marR="0" lvl="0" indent="0" algn="r" defTabSz="914400" rtl="0" eaLnBrk="1" fontAlgn="auto" latinLnBrk="0" hangingPunct="1">
-              <a:lnSpc>
-                <a:spcPct val="100000"/>
-              </a:lnSpc>
-              <a:spcBef>
-                <a:spcPts val="0"/>
-              </a:spcBef>
-              <a:spcAft>
-                <a:spcPts val="0"/>
-              </a:spcAft>
-              <a:buClrTx/>
-              <a:buSzTx/>
-              <a:buFontTx/>
-              <a:buNone/>
-              <a:tabLst/>
-              <a:defRPr/>
-            </a:pPr>
-            <a:r>
-              <a:rPr kumimoji="0" lang="en-US" sz="1200" b="0" i="0" u="none" strike="noStrike" kern="1200" cap="none" spc="0" normalizeH="0" baseline="0" noProof="0" dirty="0">
-                <a:ln>
-                  <a:noFill/>
-                </a:ln>
-                <a:solidFill>
-                  <a:prstClr val="black">
-                    <a:tint val="82000"/>
-                  </a:prstClr>
-                </a:solidFill>
-                <a:effectLst/>
-                <a:uLnTx/>
-                <a:uFillTx/>
-                <a:latin typeface="Aptos" panose="02110004020202020204"/>
-                <a:ea typeface="+mn-ea"/>
-                <a:cs typeface="+mn-cs"/>
-              </a:rPr>
-              <a:t>26</a:t>
-            </a:r>
-          </a:p>
-        </p:txBody>
-      </p:sp>
     </p:spTree>
     <p:extLst>
       <p:ext uri="{BB962C8B-B14F-4D97-AF65-F5344CB8AC3E}">
@@ -19241,66 +19196,6 @@
           </a:p>
         </p:txBody>
       </p:sp>
-      <p:sp>
-        <p:nvSpPr>
-          <p:cNvPr id="4" name="Slide Number Placeholder 3">
-            <a:extLst>
-              <a:ext uri="{FF2B5EF4-FFF2-40B4-BE49-F238E27FC236}">
-                <a16:creationId xmlns:a16="http://schemas.microsoft.com/office/drawing/2014/main" id="{7ADCF333-39DA-D3BB-F9AD-89BD41F71070}"/>
-              </a:ext>
-            </a:extLst>
-          </p:cNvPr>
-          <p:cNvSpPr>
-            <a:spLocks noGrp="1"/>
-          </p:cNvSpPr>
-          <p:nvPr>
-            <p:ph type="sldNum" sz="quarter" idx="12"/>
-          </p:nvPr>
-        </p:nvSpPr>
-        <p:spPr/>
-        <p:txBody>
-          <a:bodyPr/>
-          <a:lstStyle/>
-          <a:p>
-            <a:pPr marL="0" marR="0" lvl="0" indent="0" algn="r" defTabSz="914400" rtl="0" eaLnBrk="1" fontAlgn="auto" latinLnBrk="0" hangingPunct="1">
-              <a:lnSpc>
-                <a:spcPct val="100000"/>
-              </a:lnSpc>
-              <a:spcBef>
-                <a:spcPts val="0"/>
-              </a:spcBef>
-              <a:spcAft>
-                <a:spcPts val="0"/>
-              </a:spcAft>
-              <a:buClrTx/>
-              <a:buSzTx/>
-              <a:buFontTx/>
-              <a:buNone/>
-              <a:tabLst/>
-              <a:defRPr/>
-            </a:pPr>
-            <a:r>
-              <a:rPr kumimoji="0" lang="en-US" sz="1200" b="0" i="0" u="none" strike="noStrike" kern="1200" cap="none" spc="0" normalizeH="0" baseline="0" noProof="0" dirty="0">
-                <a:ln>
-                  <a:noFill/>
-                </a:ln>
-                <a:solidFill>
-                  <a:prstClr val="black">
-                    <a:tint val="82000"/>
-                  </a:prstClr>
-                </a:solidFill>
-                <a:effectLst/>
-                <a:uLnTx/>
-                <a:uFillTx/>
-                <a:latin typeface="Aptos" panose="02110004020202020204"/>
-                <a:ea typeface="+mn-ea"/>
-                <a:cs typeface="+mn-cs"/>
-              </a:rPr>
-              <a:t>1</a:t>
-            </a:r>
-          </a:p>
-        </p:txBody>
-      </p:sp>
     </p:spTree>
     <p:extLst>
       <p:ext uri="{BB962C8B-B14F-4D97-AF65-F5344CB8AC3E}">
@@ -20697,66 +20592,6 @@
           </a:p>
         </p:txBody>
       </p:sp>
-      <p:sp>
-        <p:nvSpPr>
-          <p:cNvPr id="10" name="Slide Number Placeholder 9">
-            <a:extLst>
-              <a:ext uri="{FF2B5EF4-FFF2-40B4-BE49-F238E27FC236}">
-                <a16:creationId xmlns:a16="http://schemas.microsoft.com/office/drawing/2014/main" id="{6AF12BDB-B107-FFF0-99B4-A4EED5FB01DF}"/>
-              </a:ext>
-            </a:extLst>
-          </p:cNvPr>
-          <p:cNvSpPr>
-            <a:spLocks noGrp="1"/>
-          </p:cNvSpPr>
-          <p:nvPr>
-            <p:ph type="sldNum" sz="quarter" idx="12"/>
-          </p:nvPr>
-        </p:nvSpPr>
-        <p:spPr/>
-        <p:txBody>
-          <a:bodyPr/>
-          <a:lstStyle/>
-          <a:p>
-            <a:pPr marL="0" marR="0" lvl="0" indent="0" algn="r" defTabSz="914400" rtl="0" eaLnBrk="1" fontAlgn="auto" latinLnBrk="0" hangingPunct="1">
-              <a:lnSpc>
-                <a:spcPct val="100000"/>
-              </a:lnSpc>
-              <a:spcBef>
-                <a:spcPts val="0"/>
-              </a:spcBef>
-              <a:spcAft>
-                <a:spcPts val="0"/>
-              </a:spcAft>
-              <a:buClrTx/>
-              <a:buSzTx/>
-              <a:buFontTx/>
-              <a:buNone/>
-              <a:tabLst/>
-              <a:defRPr/>
-            </a:pPr>
-            <a:r>
-              <a:rPr kumimoji="0" lang="en-US" sz="1200" b="0" i="0" u="none" strike="noStrike" kern="1200" cap="none" spc="0" normalizeH="0" baseline="0" noProof="0" dirty="0">
-                <a:ln>
-                  <a:noFill/>
-                </a:ln>
-                <a:solidFill>
-                  <a:prstClr val="black">
-                    <a:tint val="82000"/>
-                  </a:prstClr>
-                </a:solidFill>
-                <a:effectLst/>
-                <a:uLnTx/>
-                <a:uFillTx/>
-                <a:latin typeface="Aptos" panose="02110004020202020204"/>
-                <a:ea typeface="+mn-ea"/>
-                <a:cs typeface="+mn-cs"/>
-              </a:rPr>
-              <a:t>26</a:t>
-            </a:r>
-          </a:p>
-        </p:txBody>
-      </p:sp>
     </p:spTree>
     <p:extLst>
       <p:ext uri="{BB962C8B-B14F-4D97-AF65-F5344CB8AC3E}">
@@ -22150,66 +21985,6 @@
               <a:ea typeface="+mn-ea"/>
               <a:cs typeface="+mn-cs"/>
             </a:endParaRPr>
-          </a:p>
-        </p:txBody>
-      </p:sp>
-      <p:sp>
-        <p:nvSpPr>
-          <p:cNvPr id="3" name="Slide Number Placeholder 2">
-            <a:extLst>
-              <a:ext uri="{FF2B5EF4-FFF2-40B4-BE49-F238E27FC236}">
-                <a16:creationId xmlns:a16="http://schemas.microsoft.com/office/drawing/2014/main" id="{19C03AE3-3DF0-9FAD-9C66-05915B8D43BE}"/>
-              </a:ext>
-            </a:extLst>
-          </p:cNvPr>
-          <p:cNvSpPr>
-            <a:spLocks noGrp="1"/>
-          </p:cNvSpPr>
-          <p:nvPr>
-            <p:ph type="sldNum" sz="quarter" idx="12"/>
-          </p:nvPr>
-        </p:nvSpPr>
-        <p:spPr/>
-        <p:txBody>
-          <a:bodyPr/>
-          <a:lstStyle/>
-          <a:p>
-            <a:pPr marL="0" marR="0" lvl="0" indent="0" algn="r" defTabSz="914400" rtl="0" eaLnBrk="1" fontAlgn="auto" latinLnBrk="0" hangingPunct="1">
-              <a:lnSpc>
-                <a:spcPct val="100000"/>
-              </a:lnSpc>
-              <a:spcBef>
-                <a:spcPts val="0"/>
-              </a:spcBef>
-              <a:spcAft>
-                <a:spcPts val="0"/>
-              </a:spcAft>
-              <a:buClrTx/>
-              <a:buSzTx/>
-              <a:buFontTx/>
-              <a:buNone/>
-              <a:tabLst/>
-              <a:defRPr/>
-            </a:pPr>
-            <a:r>
-              <a:rPr kumimoji="0" lang="en-US" sz="1200" b="0" i="0" u="none" strike="noStrike" kern="1200" cap="none" spc="0" normalizeH="0" baseline="0" noProof="0" dirty="0">
-                <a:ln>
-                  <a:noFill/>
-                </a:ln>
-                <a:solidFill>
-                  <a:prstClr val="black">
-                    <a:tint val="82000"/>
-                  </a:prstClr>
-                </a:solidFill>
-                <a:effectLst/>
-                <a:uLnTx/>
-                <a:uFillTx/>
-                <a:latin typeface="Aptos" panose="02110004020202020204"/>
-                <a:ea typeface="+mn-ea"/>
-                <a:cs typeface="+mn-cs"/>
-              </a:rPr>
-              <a:t>26</a:t>
-            </a:r>
           </a:p>
         </p:txBody>
       </p:sp>
@@ -23263,66 +23038,6 @@
       </p:sp>
       <p:sp>
         <p:nvSpPr>
-          <p:cNvPr id="3" name="Slide Number Placeholder 2">
-            <a:extLst>
-              <a:ext uri="{FF2B5EF4-FFF2-40B4-BE49-F238E27FC236}">
-                <a16:creationId xmlns:a16="http://schemas.microsoft.com/office/drawing/2014/main" id="{38988913-619E-33EA-8133-65E2E7424D51}"/>
-              </a:ext>
-            </a:extLst>
-          </p:cNvPr>
-          <p:cNvSpPr>
-            <a:spLocks noGrp="1"/>
-          </p:cNvSpPr>
-          <p:nvPr>
-            <p:ph type="sldNum" sz="quarter" idx="12"/>
-          </p:nvPr>
-        </p:nvSpPr>
-        <p:spPr/>
-        <p:txBody>
-          <a:bodyPr/>
-          <a:lstStyle/>
-          <a:p>
-            <a:pPr marL="0" marR="0" lvl="0" indent="0" algn="r" defTabSz="914400" rtl="0" eaLnBrk="1" fontAlgn="auto" latinLnBrk="0" hangingPunct="1">
-              <a:lnSpc>
-                <a:spcPct val="100000"/>
-              </a:lnSpc>
-              <a:spcBef>
-                <a:spcPts val="0"/>
-              </a:spcBef>
-              <a:spcAft>
-                <a:spcPts val="0"/>
-              </a:spcAft>
-              <a:buClrTx/>
-              <a:buSzTx/>
-              <a:buFontTx/>
-              <a:buNone/>
-              <a:tabLst/>
-              <a:defRPr/>
-            </a:pPr>
-            <a:r>
-              <a:rPr kumimoji="0" lang="en-US" sz="1200" b="0" i="0" u="none" strike="noStrike" kern="1200" cap="none" spc="0" normalizeH="0" baseline="0" noProof="0" dirty="0">
-                <a:ln>
-                  <a:noFill/>
-                </a:ln>
-                <a:solidFill>
-                  <a:prstClr val="black">
-                    <a:tint val="82000"/>
-                  </a:prstClr>
-                </a:solidFill>
-                <a:effectLst/>
-                <a:uLnTx/>
-                <a:uFillTx/>
-                <a:latin typeface="Aptos" panose="02110004020202020204"/>
-                <a:ea typeface="+mn-ea"/>
-                <a:cs typeface="+mn-cs"/>
-              </a:rPr>
-              <a:t>26</a:t>
-            </a:r>
-          </a:p>
-        </p:txBody>
-      </p:sp>
-      <p:sp>
-        <p:nvSpPr>
           <p:cNvPr id="8" name="TextBox 7">
             <a:extLst>
               <a:ext uri="{FF2B5EF4-FFF2-40B4-BE49-F238E27FC236}">
@@ -24158,66 +23873,6 @@
                 <a:cs typeface="+mn-cs"/>
               </a:rPr>
               <a:t>Such intransitivity could lead to cycles in our resultant graph.</a:t>
-            </a:r>
-          </a:p>
-        </p:txBody>
-      </p:sp>
-      <p:sp>
-        <p:nvSpPr>
-          <p:cNvPr id="3" name="Slide Number Placeholder 2">
-            <a:extLst>
-              <a:ext uri="{FF2B5EF4-FFF2-40B4-BE49-F238E27FC236}">
-                <a16:creationId xmlns:a16="http://schemas.microsoft.com/office/drawing/2014/main" id="{2E5D762B-A189-2531-CDF7-CCE2C0070F6A}"/>
-              </a:ext>
-            </a:extLst>
-          </p:cNvPr>
-          <p:cNvSpPr>
-            <a:spLocks noGrp="1"/>
-          </p:cNvSpPr>
-          <p:nvPr>
-            <p:ph type="sldNum" sz="quarter" idx="12"/>
-          </p:nvPr>
-        </p:nvSpPr>
-        <p:spPr/>
-        <p:txBody>
-          <a:bodyPr/>
-          <a:lstStyle/>
-          <a:p>
-            <a:pPr marL="0" marR="0" lvl="0" indent="0" algn="r" defTabSz="914400" rtl="0" eaLnBrk="1" fontAlgn="auto" latinLnBrk="0" hangingPunct="1">
-              <a:lnSpc>
-                <a:spcPct val="100000"/>
-              </a:lnSpc>
-              <a:spcBef>
-                <a:spcPts val="0"/>
-              </a:spcBef>
-              <a:spcAft>
-                <a:spcPts val="0"/>
-              </a:spcAft>
-              <a:buClrTx/>
-              <a:buSzTx/>
-              <a:buFontTx/>
-              <a:buNone/>
-              <a:tabLst/>
-              <a:defRPr/>
-            </a:pPr>
-            <a:r>
-              <a:rPr kumimoji="0" lang="en-US" sz="1200" b="0" i="0" u="none" strike="noStrike" kern="1200" cap="none" spc="0" normalizeH="0" baseline="0" noProof="0" dirty="0">
-                <a:ln>
-                  <a:noFill/>
-                </a:ln>
-                <a:solidFill>
-                  <a:prstClr val="black">
-                    <a:tint val="82000"/>
-                  </a:prstClr>
-                </a:solidFill>
-                <a:effectLst/>
-                <a:uLnTx/>
-                <a:uFillTx/>
-                <a:latin typeface="Aptos" panose="02110004020202020204"/>
-                <a:ea typeface="+mn-ea"/>
-                <a:cs typeface="+mn-cs"/>
-              </a:rPr>
-              <a:t>27</a:t>
             </a:r>
           </a:p>
         </p:txBody>
@@ -25068,66 +24723,6 @@
           </a:p>
         </p:txBody>
       </p:sp>
-      <p:sp>
-        <p:nvSpPr>
-          <p:cNvPr id="3" name="Slide Number Placeholder 2">
-            <a:extLst>
-              <a:ext uri="{FF2B5EF4-FFF2-40B4-BE49-F238E27FC236}">
-                <a16:creationId xmlns:a16="http://schemas.microsoft.com/office/drawing/2014/main" id="{927168FB-DE03-F2A0-01AA-4F598694845B}"/>
-              </a:ext>
-            </a:extLst>
-          </p:cNvPr>
-          <p:cNvSpPr>
-            <a:spLocks noGrp="1"/>
-          </p:cNvSpPr>
-          <p:nvPr>
-            <p:ph type="sldNum" sz="quarter" idx="12"/>
-          </p:nvPr>
-        </p:nvSpPr>
-        <p:spPr/>
-        <p:txBody>
-          <a:bodyPr/>
-          <a:lstStyle/>
-          <a:p>
-            <a:pPr marL="0" marR="0" lvl="0" indent="0" algn="r" defTabSz="914400" rtl="0" eaLnBrk="1" fontAlgn="auto" latinLnBrk="0" hangingPunct="1">
-              <a:lnSpc>
-                <a:spcPct val="100000"/>
-              </a:lnSpc>
-              <a:spcBef>
-                <a:spcPts val="0"/>
-              </a:spcBef>
-              <a:spcAft>
-                <a:spcPts val="0"/>
-              </a:spcAft>
-              <a:buClrTx/>
-              <a:buSzTx/>
-              <a:buFontTx/>
-              <a:buNone/>
-              <a:tabLst/>
-              <a:defRPr/>
-            </a:pPr>
-            <a:r>
-              <a:rPr kumimoji="0" lang="en-US" sz="1200" b="0" i="0" u="none" strike="noStrike" kern="1200" cap="none" spc="0" normalizeH="0" baseline="0" noProof="0" dirty="0">
-                <a:ln>
-                  <a:noFill/>
-                </a:ln>
-                <a:solidFill>
-                  <a:prstClr val="black">
-                    <a:tint val="82000"/>
-                  </a:prstClr>
-                </a:solidFill>
-                <a:effectLst/>
-                <a:uLnTx/>
-                <a:uFillTx/>
-                <a:latin typeface="Aptos" panose="02110004020202020204"/>
-                <a:ea typeface="+mn-ea"/>
-                <a:cs typeface="+mn-cs"/>
-              </a:rPr>
-              <a:t>27</a:t>
-            </a:r>
-          </a:p>
-        </p:txBody>
-      </p:sp>
     </p:spTree>
     <p:extLst>
       <p:ext uri="{BB962C8B-B14F-4D97-AF65-F5344CB8AC3E}">
@@ -26041,66 +25636,6 @@
               <a:ea typeface="+mn-ea"/>
               <a:cs typeface="+mn-cs"/>
             </a:endParaRPr>
-          </a:p>
-        </p:txBody>
-      </p:sp>
-      <p:sp>
-        <p:nvSpPr>
-          <p:cNvPr id="3" name="Slide Number Placeholder 2">
-            <a:extLst>
-              <a:ext uri="{FF2B5EF4-FFF2-40B4-BE49-F238E27FC236}">
-                <a16:creationId xmlns:a16="http://schemas.microsoft.com/office/drawing/2014/main" id="{0EC35D78-908A-75AF-110F-C8701B86422B}"/>
-              </a:ext>
-            </a:extLst>
-          </p:cNvPr>
-          <p:cNvSpPr>
-            <a:spLocks noGrp="1"/>
-          </p:cNvSpPr>
-          <p:nvPr>
-            <p:ph type="sldNum" sz="quarter" idx="12"/>
-          </p:nvPr>
-        </p:nvSpPr>
-        <p:spPr/>
-        <p:txBody>
-          <a:bodyPr/>
-          <a:lstStyle/>
-          <a:p>
-            <a:pPr marL="0" marR="0" lvl="0" indent="0" algn="r" defTabSz="914400" rtl="0" eaLnBrk="1" fontAlgn="auto" latinLnBrk="0" hangingPunct="1">
-              <a:lnSpc>
-                <a:spcPct val="100000"/>
-              </a:lnSpc>
-              <a:spcBef>
-                <a:spcPts val="0"/>
-              </a:spcBef>
-              <a:spcAft>
-                <a:spcPts val="0"/>
-              </a:spcAft>
-              <a:buClrTx/>
-              <a:buSzTx/>
-              <a:buFontTx/>
-              <a:buNone/>
-              <a:tabLst/>
-              <a:defRPr/>
-            </a:pPr>
-            <a:r>
-              <a:rPr kumimoji="0" lang="en-US" sz="1200" b="0" i="0" u="none" strike="noStrike" kern="1200" cap="none" spc="0" normalizeH="0" baseline="0" noProof="0" dirty="0">
-                <a:ln>
-                  <a:noFill/>
-                </a:ln>
-                <a:solidFill>
-                  <a:prstClr val="black">
-                    <a:tint val="82000"/>
-                  </a:prstClr>
-                </a:solidFill>
-                <a:effectLst/>
-                <a:uLnTx/>
-                <a:uFillTx/>
-                <a:latin typeface="Aptos" panose="02110004020202020204"/>
-                <a:ea typeface="+mn-ea"/>
-                <a:cs typeface="+mn-cs"/>
-              </a:rPr>
-              <a:t>27</a:t>
-            </a:r>
           </a:p>
         </p:txBody>
       </p:sp>
@@ -27233,66 +26768,6 @@
           </a:p>
         </p:txBody>
       </p:sp>
-      <p:sp>
-        <p:nvSpPr>
-          <p:cNvPr id="3" name="Slide Number Placeholder 2">
-            <a:extLst>
-              <a:ext uri="{FF2B5EF4-FFF2-40B4-BE49-F238E27FC236}">
-                <a16:creationId xmlns:a16="http://schemas.microsoft.com/office/drawing/2014/main" id="{9EE0AE50-E6C6-BDB0-51D6-1B314929DD6A}"/>
-              </a:ext>
-            </a:extLst>
-          </p:cNvPr>
-          <p:cNvSpPr>
-            <a:spLocks noGrp="1"/>
-          </p:cNvSpPr>
-          <p:nvPr>
-            <p:ph type="sldNum" sz="quarter" idx="12"/>
-          </p:nvPr>
-        </p:nvSpPr>
-        <p:spPr/>
-        <p:txBody>
-          <a:bodyPr/>
-          <a:lstStyle/>
-          <a:p>
-            <a:pPr marL="0" marR="0" lvl="0" indent="0" algn="r" defTabSz="914400" rtl="0" eaLnBrk="1" fontAlgn="auto" latinLnBrk="0" hangingPunct="1">
-              <a:lnSpc>
-                <a:spcPct val="100000"/>
-              </a:lnSpc>
-              <a:spcBef>
-                <a:spcPts val="0"/>
-              </a:spcBef>
-              <a:spcAft>
-                <a:spcPts val="0"/>
-              </a:spcAft>
-              <a:buClrTx/>
-              <a:buSzTx/>
-              <a:buFontTx/>
-              <a:buNone/>
-              <a:tabLst/>
-              <a:defRPr/>
-            </a:pPr>
-            <a:r>
-              <a:rPr kumimoji="0" lang="en-US" sz="1200" b="0" i="0" u="none" strike="noStrike" kern="1200" cap="none" spc="0" normalizeH="0" baseline="0" noProof="0" dirty="0">
-                <a:ln>
-                  <a:noFill/>
-                </a:ln>
-                <a:solidFill>
-                  <a:prstClr val="black">
-                    <a:tint val="82000"/>
-                  </a:prstClr>
-                </a:solidFill>
-                <a:effectLst/>
-                <a:uLnTx/>
-                <a:uFillTx/>
-                <a:latin typeface="Aptos" panose="02110004020202020204"/>
-                <a:ea typeface="+mn-ea"/>
-                <a:cs typeface="+mn-cs"/>
-              </a:rPr>
-              <a:t>27</a:t>
-            </a:r>
-          </a:p>
-        </p:txBody>
-      </p:sp>
     </p:spTree>
     <p:extLst>
       <p:ext uri="{BB962C8B-B14F-4D97-AF65-F5344CB8AC3E}">
@@ -27310,7 +26785,7 @@
 </file>
 
 <file path=ppt/slides/slide27.xml><?xml version="1.0" encoding="utf-8"?>
-<p:sld xmlns:a="http://schemas.openxmlformats.org/drawingml/2006/main" xmlns:r="http://schemas.openxmlformats.org/officeDocument/2006/relationships" xmlns:p="http://schemas.openxmlformats.org/presentationml/2006/main">
+<p:sld xmlns:a="http://schemas.openxmlformats.org/drawingml/2006/main" xmlns:r="http://schemas.openxmlformats.org/officeDocument/2006/relationships" xmlns:p="http://schemas.openxmlformats.org/presentationml/2006/main" show="0">
   <p:cSld>
     <p:bg>
       <p:bgPr>
@@ -28331,7 +27806,7 @@
 </file>
 
 <file path=ppt/slides/slide28.xml><?xml version="1.0" encoding="utf-8"?>
-<p:sld xmlns:a="http://schemas.openxmlformats.org/drawingml/2006/main" xmlns:r="http://schemas.openxmlformats.org/officeDocument/2006/relationships" xmlns:p="http://schemas.openxmlformats.org/presentationml/2006/main">
+<p:sld xmlns:a="http://schemas.openxmlformats.org/drawingml/2006/main" xmlns:r="http://schemas.openxmlformats.org/officeDocument/2006/relationships" xmlns:p="http://schemas.openxmlformats.org/presentationml/2006/main" show="0">
   <p:cSld>
     <p:bg>
       <p:bgPr>
@@ -32148,66 +31623,6 @@
           </a:prstGeom>
         </p:spPr>
       </p:pic>
-      <p:sp>
-        <p:nvSpPr>
-          <p:cNvPr id="3" name="Slide Number Placeholder 2">
-            <a:extLst>
-              <a:ext uri="{FF2B5EF4-FFF2-40B4-BE49-F238E27FC236}">
-                <a16:creationId xmlns:a16="http://schemas.microsoft.com/office/drawing/2014/main" id="{9962F860-A74B-642E-566E-FB80BB172072}"/>
-              </a:ext>
-            </a:extLst>
-          </p:cNvPr>
-          <p:cNvSpPr>
-            <a:spLocks noGrp="1"/>
-          </p:cNvSpPr>
-          <p:nvPr>
-            <p:ph type="sldNum" sz="quarter" idx="12"/>
-          </p:nvPr>
-        </p:nvSpPr>
-        <p:spPr/>
-        <p:txBody>
-          <a:bodyPr/>
-          <a:lstStyle/>
-          <a:p>
-            <a:pPr marL="0" marR="0" lvl="0" indent="0" algn="r" defTabSz="914400" rtl="0" eaLnBrk="1" fontAlgn="auto" latinLnBrk="0" hangingPunct="1">
-              <a:lnSpc>
-                <a:spcPct val="100000"/>
-              </a:lnSpc>
-              <a:spcBef>
-                <a:spcPts val="0"/>
-              </a:spcBef>
-              <a:spcAft>
-                <a:spcPts val="0"/>
-              </a:spcAft>
-              <a:buClrTx/>
-              <a:buSzTx/>
-              <a:buFontTx/>
-              <a:buNone/>
-              <a:tabLst/>
-              <a:defRPr/>
-            </a:pPr>
-            <a:r>
-              <a:rPr kumimoji="0" lang="en-US" sz="1200" b="0" i="0" u="none" strike="noStrike" kern="1200" cap="none" spc="0" normalizeH="0" baseline="0" noProof="0" dirty="0">
-                <a:ln>
-                  <a:noFill/>
-                </a:ln>
-                <a:solidFill>
-                  <a:prstClr val="black">
-                    <a:tint val="82000"/>
-                  </a:prstClr>
-                </a:solidFill>
-                <a:effectLst/>
-                <a:uLnTx/>
-                <a:uFillTx/>
-                <a:latin typeface="Aptos" panose="02110004020202020204"/>
-                <a:ea typeface="+mn-ea"/>
-                <a:cs typeface="+mn-cs"/>
-              </a:rPr>
-              <a:t>29</a:t>
-            </a:r>
-          </a:p>
-        </p:txBody>
-      </p:sp>
     </p:spTree>
     <p:extLst>
       <p:ext uri="{BB962C8B-B14F-4D97-AF65-F5344CB8AC3E}">
@@ -32702,74 +32117,6 @@
               </a:rPr>
               <a:t>Financial exchanges, ad exchanges, competitive marketplaces</a:t>
             </a:r>
-          </a:p>
-        </p:txBody>
-      </p:sp>
-      <p:sp>
-        <p:nvSpPr>
-          <p:cNvPr id="4" name="Slide Number Placeholder 3">
-            <a:extLst>
-              <a:ext uri="{FF2B5EF4-FFF2-40B4-BE49-F238E27FC236}">
-                <a16:creationId xmlns:a16="http://schemas.microsoft.com/office/drawing/2014/main" id="{96252E35-7667-7A1B-A097-7BBB11654130}"/>
-              </a:ext>
-            </a:extLst>
-          </p:cNvPr>
-          <p:cNvSpPr>
-            <a:spLocks noGrp="1"/>
-          </p:cNvSpPr>
-          <p:nvPr>
-            <p:ph type="sldNum" sz="quarter" idx="12"/>
-          </p:nvPr>
-        </p:nvSpPr>
-        <p:spPr/>
-        <p:txBody>
-          <a:bodyPr/>
-          <a:lstStyle/>
-          <a:p>
-            <a:pPr marL="0" marR="0" lvl="0" indent="0" algn="r" defTabSz="914400" rtl="0" eaLnBrk="1" fontAlgn="auto" latinLnBrk="0" hangingPunct="1">
-              <a:lnSpc>
-                <a:spcPct val="100000"/>
-              </a:lnSpc>
-              <a:spcBef>
-                <a:spcPts val="0"/>
-              </a:spcBef>
-              <a:spcAft>
-                <a:spcPts val="0"/>
-              </a:spcAft>
-              <a:buClrTx/>
-              <a:buSzTx/>
-              <a:buFontTx/>
-              <a:buNone/>
-              <a:tabLst/>
-              <a:defRPr/>
-            </a:pPr>
-            <a:r>
-              <a:rPr lang="en-US" dirty="0">
-                <a:solidFill>
-                  <a:prstClr val="black">
-                    <a:tint val="82000"/>
-                  </a:prstClr>
-                </a:solidFill>
-                <a:latin typeface="Aptos" panose="02110004020202020204"/>
-              </a:rPr>
-              <a:t>2</a:t>
-            </a:r>
-            <a:endParaRPr kumimoji="0" lang="en-US" sz="1200" b="0" i="0" u="none" strike="noStrike" kern="1200" cap="none" spc="0" normalizeH="0" baseline="0" noProof="0" dirty="0">
-              <a:ln>
-                <a:noFill/>
-              </a:ln>
-              <a:solidFill>
-                <a:prstClr val="black">
-                  <a:tint val="82000"/>
-                </a:prstClr>
-              </a:solidFill>
-              <a:effectLst/>
-              <a:uLnTx/>
-              <a:uFillTx/>
-              <a:latin typeface="Aptos" panose="02110004020202020204"/>
-              <a:ea typeface="+mn-ea"/>
-              <a:cs typeface="+mn-cs"/>
-            </a:endParaRPr>
           </a:p>
         </p:txBody>
       </p:sp>
@@ -33182,66 +32529,6 @@
                 <a:cs typeface="+mn-cs"/>
               </a:rPr>
               <a:t>p</a:t>
-            </a:r>
-          </a:p>
-        </p:txBody>
-      </p:sp>
-      <p:sp>
-        <p:nvSpPr>
-          <p:cNvPr id="6" name="Slide Number Placeholder 5">
-            <a:extLst>
-              <a:ext uri="{FF2B5EF4-FFF2-40B4-BE49-F238E27FC236}">
-                <a16:creationId xmlns:a16="http://schemas.microsoft.com/office/drawing/2014/main" id="{8346C67F-01EF-8C4B-AECC-268A19062B62}"/>
-              </a:ext>
-            </a:extLst>
-          </p:cNvPr>
-          <p:cNvSpPr>
-            <a:spLocks noGrp="1"/>
-          </p:cNvSpPr>
-          <p:nvPr>
-            <p:ph type="sldNum" sz="quarter" idx="12"/>
-          </p:nvPr>
-        </p:nvSpPr>
-        <p:spPr/>
-        <p:txBody>
-          <a:bodyPr/>
-          <a:lstStyle/>
-          <a:p>
-            <a:pPr marL="0" marR="0" lvl="0" indent="0" algn="r" defTabSz="914400" rtl="0" eaLnBrk="1" fontAlgn="auto" latinLnBrk="0" hangingPunct="1">
-              <a:lnSpc>
-                <a:spcPct val="100000"/>
-              </a:lnSpc>
-              <a:spcBef>
-                <a:spcPts val="0"/>
-              </a:spcBef>
-              <a:spcAft>
-                <a:spcPts val="0"/>
-              </a:spcAft>
-              <a:buClrTx/>
-              <a:buSzTx/>
-              <a:buFontTx/>
-              <a:buNone/>
-              <a:tabLst/>
-              <a:defRPr/>
-            </a:pPr>
-            <a:r>
-              <a:rPr kumimoji="0" lang="en-US" sz="1200" b="0" i="0" u="none" strike="noStrike" kern="1200" cap="none" spc="0" normalizeH="0" baseline="0" noProof="0" dirty="0">
-                <a:ln>
-                  <a:noFill/>
-                </a:ln>
-                <a:solidFill>
-                  <a:prstClr val="black">
-                    <a:tint val="82000"/>
-                  </a:prstClr>
-                </a:solidFill>
-                <a:effectLst/>
-                <a:uLnTx/>
-                <a:uFillTx/>
-                <a:latin typeface="Aptos" panose="02110004020202020204"/>
-                <a:ea typeface="+mn-ea"/>
-                <a:cs typeface="+mn-cs"/>
-              </a:rPr>
-              <a:t>30</a:t>
             </a:r>
           </a:p>
         </p:txBody>
@@ -34968,66 +34255,6 @@
           </a:p>
         </p:txBody>
       </p:sp>
-      <p:sp>
-        <p:nvSpPr>
-          <p:cNvPr id="4" name="Slide Number Placeholder 3">
-            <a:extLst>
-              <a:ext uri="{FF2B5EF4-FFF2-40B4-BE49-F238E27FC236}">
-                <a16:creationId xmlns:a16="http://schemas.microsoft.com/office/drawing/2014/main" id="{8910291C-AA17-3899-DE42-54CD2F209F3B}"/>
-              </a:ext>
-            </a:extLst>
-          </p:cNvPr>
-          <p:cNvSpPr>
-            <a:spLocks noGrp="1"/>
-          </p:cNvSpPr>
-          <p:nvPr>
-            <p:ph type="sldNum" sz="quarter" idx="12"/>
-          </p:nvPr>
-        </p:nvSpPr>
-        <p:spPr/>
-        <p:txBody>
-          <a:bodyPr/>
-          <a:lstStyle/>
-          <a:p>
-            <a:pPr marL="0" marR="0" lvl="0" indent="0" algn="r" defTabSz="914400" rtl="0" eaLnBrk="1" fontAlgn="auto" latinLnBrk="0" hangingPunct="1">
-              <a:lnSpc>
-                <a:spcPct val="100000"/>
-              </a:lnSpc>
-              <a:spcBef>
-                <a:spcPts val="0"/>
-              </a:spcBef>
-              <a:spcAft>
-                <a:spcPts val="0"/>
-              </a:spcAft>
-              <a:buClrTx/>
-              <a:buSzTx/>
-              <a:buFontTx/>
-              <a:buNone/>
-              <a:tabLst/>
-              <a:defRPr/>
-            </a:pPr>
-            <a:r>
-              <a:rPr kumimoji="0" lang="en-US" sz="1200" b="0" i="0" u="none" strike="noStrike" kern="1200" cap="none" spc="0" normalizeH="0" baseline="0" noProof="0" dirty="0">
-                <a:ln>
-                  <a:noFill/>
-                </a:ln>
-                <a:solidFill>
-                  <a:prstClr val="black">
-                    <a:tint val="82000"/>
-                  </a:prstClr>
-                </a:solidFill>
-                <a:effectLst/>
-                <a:uLnTx/>
-                <a:uFillTx/>
-                <a:latin typeface="Aptos" panose="02110004020202020204"/>
-                <a:ea typeface="+mn-ea"/>
-                <a:cs typeface="+mn-cs"/>
-              </a:rPr>
-              <a:t>3</a:t>
-            </a:r>
-          </a:p>
-        </p:txBody>
-      </p:sp>
     </p:spTree>
     <p:extLst>
       <p:ext uri="{BB962C8B-B14F-4D97-AF65-F5344CB8AC3E}">
@@ -36300,25 +35527,22 @@
               <a:tabLst/>
               <a:defRPr/>
             </a:pPr>
-            <a:r>
-              <a:rPr kumimoji="0" lang="en-US" sz="1200" b="0" i="0" u="none" strike="noStrike" kern="1200" cap="none" spc="0" normalizeH="0" baseline="0" noProof="0" dirty="0">
-                <a:ln>
-                  <a:noFill/>
-                </a:ln>
-                <a:solidFill>
-                  <a:prstClr val="black">
-                    <a:tint val="82000"/>
-                  </a:prstClr>
-                </a:solidFill>
-                <a:effectLst/>
-                <a:uLnTx/>
-                <a:uFillTx/>
-                <a:latin typeface="Aptos" panose="02110004020202020204"/>
-                <a:ea typeface="+mn-ea"/>
-                <a:cs typeface="+mn-cs"/>
-              </a:rPr>
-              <a:t>4</a:t>
-            </a:r>
+            <a:endParaRPr kumimoji="0" lang="en-US" sz="1200" b="0" i="0" u="none" strike="noStrike" kern="1200" cap="none" spc="0" normalizeH="0" baseline="0" noProof="0" dirty="0">
+              <a:ln>
+                <a:noFill/>
+              </a:ln>
+              <a:solidFill>
+                <a:prstClr val="black">
+                  <a:tint val="82000"/>
+                </a:prstClr>
+              </a:solidFill>
+              <a:effectLst/>
+              <a:uLnTx/>
+              <a:uFillTx/>
+              <a:latin typeface="Aptos" panose="02110004020202020204"/>
+              <a:ea typeface="+mn-ea"/>
+              <a:cs typeface="+mn-cs"/>
+            </a:endParaRPr>
           </a:p>
         </p:txBody>
       </p:sp>
@@ -37166,25 +36390,22 @@
               <a:tabLst/>
               <a:defRPr/>
             </a:pPr>
-            <a:r>
-              <a:rPr kumimoji="0" lang="en-US" sz="1200" b="0" i="0" u="none" strike="noStrike" kern="1200" cap="none" spc="0" normalizeH="0" baseline="0" noProof="0" dirty="0">
-                <a:ln>
-                  <a:noFill/>
-                </a:ln>
-                <a:solidFill>
-                  <a:prstClr val="black">
-                    <a:tint val="82000"/>
-                  </a:prstClr>
-                </a:solidFill>
-                <a:effectLst/>
-                <a:uLnTx/>
-                <a:uFillTx/>
-                <a:latin typeface="Aptos" panose="02110004020202020204"/>
-                <a:ea typeface="+mn-ea"/>
-                <a:cs typeface="+mn-cs"/>
-              </a:rPr>
-              <a:t>5</a:t>
-            </a:r>
+            <a:endParaRPr kumimoji="0" lang="en-US" sz="1200" b="0" i="0" u="none" strike="noStrike" kern="1200" cap="none" spc="0" normalizeH="0" baseline="0" noProof="0" dirty="0">
+              <a:ln>
+                <a:noFill/>
+              </a:ln>
+              <a:solidFill>
+                <a:prstClr val="black">
+                  <a:tint val="82000"/>
+                </a:prstClr>
+              </a:solidFill>
+              <a:effectLst/>
+              <a:uLnTx/>
+              <a:uFillTx/>
+              <a:latin typeface="Aptos" panose="02110004020202020204"/>
+              <a:ea typeface="+mn-ea"/>
+              <a:cs typeface="+mn-cs"/>
+            </a:endParaRPr>
           </a:p>
         </p:txBody>
       </p:sp>
@@ -37695,25 +36916,22 @@
               <a:tabLst/>
               <a:defRPr/>
             </a:pPr>
-            <a:r>
-              <a:rPr kumimoji="0" lang="en-US" sz="1200" b="0" i="0" u="none" strike="noStrike" kern="1200" cap="none" spc="0" normalizeH="0" baseline="0" noProof="0" dirty="0">
-                <a:ln>
-                  <a:noFill/>
-                </a:ln>
-                <a:solidFill>
-                  <a:prstClr val="black">
-                    <a:tint val="82000"/>
-                  </a:prstClr>
-                </a:solidFill>
-                <a:effectLst/>
-                <a:uLnTx/>
-                <a:uFillTx/>
-                <a:latin typeface="Aptos" panose="02110004020202020204"/>
-                <a:ea typeface="+mn-ea"/>
-                <a:cs typeface="+mn-cs"/>
-              </a:rPr>
-              <a:t>20</a:t>
-            </a:r>
+            <a:endParaRPr kumimoji="0" lang="en-US" sz="1200" b="0" i="0" u="none" strike="noStrike" kern="1200" cap="none" spc="0" normalizeH="0" baseline="0" noProof="0" dirty="0">
+              <a:ln>
+                <a:noFill/>
+              </a:ln>
+              <a:solidFill>
+                <a:prstClr val="black">
+                  <a:tint val="82000"/>
+                </a:prstClr>
+              </a:solidFill>
+              <a:effectLst/>
+              <a:uLnTx/>
+              <a:uFillTx/>
+              <a:latin typeface="Aptos" panose="02110004020202020204"/>
+              <a:ea typeface="+mn-ea"/>
+              <a:cs typeface="+mn-cs"/>
+            </a:endParaRPr>
           </a:p>
         </p:txBody>
       </p:sp>
@@ -38301,25 +37519,22 @@
               <a:tabLst/>
               <a:defRPr/>
             </a:pPr>
-            <a:r>
-              <a:rPr kumimoji="0" lang="en-US" sz="1200" b="0" i="0" u="none" strike="noStrike" kern="1200" cap="none" spc="0" normalizeH="0" baseline="0" noProof="0" dirty="0">
-                <a:ln>
-                  <a:noFill/>
-                </a:ln>
-                <a:solidFill>
-                  <a:prstClr val="black">
-                    <a:tint val="82000"/>
-                  </a:prstClr>
-                </a:solidFill>
-                <a:effectLst/>
-                <a:uLnTx/>
-                <a:uFillTx/>
-                <a:latin typeface="Aptos" panose="02110004020202020204"/>
-                <a:ea typeface="+mn-ea"/>
-                <a:cs typeface="+mn-cs"/>
-              </a:rPr>
-              <a:t>20</a:t>
-            </a:r>
+            <a:endParaRPr kumimoji="0" lang="en-US" sz="1200" b="0" i="0" u="none" strike="noStrike" kern="1200" cap="none" spc="0" normalizeH="0" baseline="0" noProof="0" dirty="0">
+              <a:ln>
+                <a:noFill/>
+              </a:ln>
+              <a:solidFill>
+                <a:prstClr val="black">
+                  <a:tint val="82000"/>
+                </a:prstClr>
+              </a:solidFill>
+              <a:effectLst/>
+              <a:uLnTx/>
+              <a:uFillTx/>
+              <a:latin typeface="Aptos" panose="02110004020202020204"/>
+              <a:ea typeface="+mn-ea"/>
+              <a:cs typeface="+mn-cs"/>
+            </a:endParaRPr>
           </a:p>
         </p:txBody>
       </p:sp>
@@ -39402,7 +38617,12 @@
             <p:ph type="sldNum" sz="quarter" idx="12"/>
           </p:nvPr>
         </p:nvSpPr>
-        <p:spPr/>
+        <p:spPr>
+          <a:xfrm>
+            <a:off x="8622323" y="6356350"/>
+            <a:ext cx="2743200" cy="365125"/>
+          </a:xfrm>
+        </p:spPr>
         <p:txBody>
           <a:bodyPr/>
           <a:lstStyle/>
@@ -39424,25 +38644,22 @@
               <a:tabLst/>
               <a:defRPr/>
             </a:pPr>
-            <a:r>
-              <a:rPr kumimoji="0" lang="en-US" sz="1200" b="0" i="0" u="none" strike="noStrike" kern="1200" cap="none" spc="0" normalizeH="0" baseline="0" noProof="0" dirty="0">
-                <a:ln>
-                  <a:noFill/>
-                </a:ln>
-                <a:solidFill>
-                  <a:prstClr val="black">
-                    <a:tint val="82000"/>
-                  </a:prstClr>
-                </a:solidFill>
-                <a:effectLst/>
-                <a:uLnTx/>
-                <a:uFillTx/>
-                <a:latin typeface="Aptos" panose="02110004020202020204"/>
-                <a:ea typeface="+mn-ea"/>
-                <a:cs typeface="+mn-cs"/>
-              </a:rPr>
-              <a:t>21</a:t>
-            </a:r>
+            <a:endParaRPr kumimoji="0" lang="en-US" sz="1200" b="0" i="0" u="none" strike="noStrike" kern="1200" cap="none" spc="0" normalizeH="0" baseline="0" noProof="0" dirty="0">
+              <a:ln>
+                <a:noFill/>
+              </a:ln>
+              <a:solidFill>
+                <a:prstClr val="black">
+                  <a:tint val="82000"/>
+                </a:prstClr>
+              </a:solidFill>
+              <a:effectLst/>
+              <a:uLnTx/>
+              <a:uFillTx/>
+              <a:latin typeface="Aptos" panose="02110004020202020204"/>
+              <a:ea typeface="+mn-ea"/>
+              <a:cs typeface="+mn-cs"/>
+            </a:endParaRPr>
           </a:p>
         </p:txBody>
       </p:sp>

--- a/tommy_hotnets.pptx
+++ b/tommy_hotnets.pptx
@@ -226,7 +226,7 @@
           <a:p>
             <a:fld id="{1107AACE-DECF-044F-84A2-0C8ECB6ADA06}" type="datetimeFigureOut">
               <a:rPr lang="en-US" smtClean="0"/>
-              <a:t>11/9/25</a:t>
+              <a:t>11/10/25</a:t>
             </a:fld>
             <a:endParaRPr lang="en-US"/>
           </a:p>
@@ -769,6 +769,93 @@
           </p:nvPr>
         </p:nvSpPr>
         <p:spPr/>
+      </p:sp>
+      <p:sp>
+        <p:nvSpPr>
+          <p:cNvPr id="3" name="Notes Placeholder 2"/>
+          <p:cNvSpPr>
+            <a:spLocks noGrp="1"/>
+          </p:cNvSpPr>
+          <p:nvPr>
+            <p:ph type="body" idx="1"/>
+          </p:nvPr>
+        </p:nvSpPr>
+        <p:spPr/>
+        <p:txBody>
+          <a:bodyPr/>
+          <a:lstStyle/>
+          <a:p>
+            <a:r>
+              <a:rPr lang="en-US" dirty="0"/>
+              <a:t>I will skip the details of how we find this probability if the distributions are not normal. Hint: Each client learns their own distribution, while the sequencer can use convolutions over those distributions to find what it needs. </a:t>
+            </a:r>
+          </a:p>
+        </p:txBody>
+      </p:sp>
+      <p:sp>
+        <p:nvSpPr>
+          <p:cNvPr id="4" name="Slide Number Placeholder 3"/>
+          <p:cNvSpPr>
+            <a:spLocks noGrp="1"/>
+          </p:cNvSpPr>
+          <p:nvPr>
+            <p:ph type="sldNum" sz="quarter" idx="5"/>
+          </p:nvPr>
+        </p:nvSpPr>
+        <p:spPr/>
+        <p:txBody>
+          <a:bodyPr/>
+          <a:lstStyle/>
+          <a:p>
+            <a:fld id="{B3E8125A-D8BB-E74B-8C6E-AB7BD2C997CF}" type="slidenum">
+              <a:rPr lang="en-US" smtClean="0"/>
+              <a:t>14</a:t>
+            </a:fld>
+            <a:endParaRPr lang="en-US"/>
+          </a:p>
+        </p:txBody>
+      </p:sp>
+    </p:spTree>
+    <p:extLst>
+      <p:ext uri="{BB962C8B-B14F-4D97-AF65-F5344CB8AC3E}">
+        <p14:creationId xmlns:p14="http://schemas.microsoft.com/office/powerpoint/2010/main" val="2851622713"/>
+      </p:ext>
+    </p:extLst>
+  </p:cSld>
+  <p:clrMapOvr>
+    <a:masterClrMapping/>
+  </p:clrMapOvr>
+</p:notes>
+</file>
+
+<file path=ppt/notesSlides/notesSlide4.xml><?xml version="1.0" encoding="utf-8"?>
+<p:notes xmlns:a="http://schemas.openxmlformats.org/drawingml/2006/main" xmlns:r="http://schemas.openxmlformats.org/officeDocument/2006/relationships" xmlns:p="http://schemas.openxmlformats.org/presentationml/2006/main">
+  <p:cSld>
+    <p:spTree>
+      <p:nvGrpSpPr>
+        <p:cNvPr id="1" name=""/>
+        <p:cNvGrpSpPr/>
+        <p:nvPr/>
+      </p:nvGrpSpPr>
+      <p:grpSpPr>
+        <a:xfrm>
+          <a:off x="0" y="0"/>
+          <a:ext cx="0" cy="0"/>
+          <a:chOff x="0" y="0"/>
+          <a:chExt cx="0" cy="0"/>
+        </a:xfrm>
+      </p:grpSpPr>
+      <p:sp>
+        <p:nvSpPr>
+          <p:cNvPr id="2" name="Slide Image Placeholder 1"/>
+          <p:cNvSpPr>
+            <a:spLocks noGrp="1" noRot="1" noChangeAspect="1"/>
+          </p:cNvSpPr>
+          <p:nvPr>
+            <p:ph type="sldImg"/>
+          </p:nvPr>
+        </p:nvSpPr>
+        <p:spPr/>
         <p:txBody>
           <a:bodyPr/>
           <a:lstStyle/>
@@ -1042,7 +1129,7 @@
           <a:p>
             <a:fld id="{795D2492-AC70-2141-AC0C-17DCD52B4752}" type="datetime1">
               <a:rPr lang="en-US" smtClean="0"/>
-              <a:t>11/9/25</a:t>
+              <a:t>11/10/25</a:t>
             </a:fld>
             <a:endParaRPr lang="en-US"/>
           </a:p>
@@ -1240,7 +1327,7 @@
           <a:p>
             <a:fld id="{9817235A-17C4-B841-B2B5-CA079511FDEC}" type="datetime1">
               <a:rPr lang="en-US" smtClean="0"/>
-              <a:t>11/9/25</a:t>
+              <a:t>11/10/25</a:t>
             </a:fld>
             <a:endParaRPr lang="en-US"/>
           </a:p>
@@ -1448,7 +1535,7 @@
           <a:p>
             <a:fld id="{F8307E39-E6DB-B341-B0FA-CECD76628CBB}" type="datetime1">
               <a:rPr lang="en-US" smtClean="0"/>
-              <a:t>11/9/25</a:t>
+              <a:t>11/10/25</a:t>
             </a:fld>
             <a:endParaRPr lang="en-US"/>
           </a:p>
@@ -2005,7 +2092,7 @@
           <a:p>
             <a:fld id="{2EBDF429-4C14-7B4A-B19D-A0047B9F1B4B}" type="datetime1">
               <a:rPr lang="en-US" smtClean="0"/>
-              <a:t>11/9/25</a:t>
+              <a:t>11/10/25</a:t>
             </a:fld>
             <a:endParaRPr lang="en-US"/>
           </a:p>
@@ -2280,7 +2367,7 @@
           <a:p>
             <a:fld id="{6DA1236A-87D7-9843-88C4-48A4AF171E86}" type="datetime1">
               <a:rPr lang="en-US" smtClean="0"/>
-              <a:t>11/9/25</a:t>
+              <a:t>11/10/25</a:t>
             </a:fld>
             <a:endParaRPr lang="en-US"/>
           </a:p>
@@ -2545,7 +2632,7 @@
           <a:p>
             <a:fld id="{DFAB6F2B-6FBC-214D-9C4A-C58DF8A7FCB9}" type="datetime1">
               <a:rPr lang="en-US" smtClean="0"/>
-              <a:t>11/9/25</a:t>
+              <a:t>11/10/25</a:t>
             </a:fld>
             <a:endParaRPr lang="en-US"/>
           </a:p>
@@ -2957,7 +3044,7 @@
           <a:p>
             <a:fld id="{41C5FA95-A07E-9941-8A87-BDD29E767DA7}" type="datetime1">
               <a:rPr lang="en-US" smtClean="0"/>
-              <a:t>11/9/25</a:t>
+              <a:t>11/10/25</a:t>
             </a:fld>
             <a:endParaRPr lang="en-US"/>
           </a:p>
@@ -3098,7 +3185,7 @@
           <a:p>
             <a:fld id="{19F1CA85-9E75-364A-887C-5B613827D324}" type="datetime1">
               <a:rPr lang="en-US" smtClean="0"/>
-              <a:t>11/9/25</a:t>
+              <a:t>11/10/25</a:t>
             </a:fld>
             <a:endParaRPr lang="en-US"/>
           </a:p>
@@ -3211,7 +3298,7 @@
           <a:p>
             <a:fld id="{ACE42F5B-1E89-9840-A26C-C6BA2A23E2D0}" type="datetime1">
               <a:rPr lang="en-US" smtClean="0"/>
-              <a:t>11/9/25</a:t>
+              <a:t>11/10/25</a:t>
             </a:fld>
             <a:endParaRPr lang="en-US"/>
           </a:p>
@@ -3522,7 +3609,7 @@
           <a:p>
             <a:fld id="{66FB241E-9E92-8D46-BFD6-E707A04F9829}" type="datetime1">
               <a:rPr lang="en-US" smtClean="0"/>
-              <a:t>11/9/25</a:t>
+              <a:t>11/10/25</a:t>
             </a:fld>
             <a:endParaRPr lang="en-US"/>
           </a:p>
@@ -3810,7 +3897,7 @@
           <a:p>
             <a:fld id="{84A34353-62E4-F94E-ADC1-D1403AD453E1}" type="datetime1">
               <a:rPr lang="en-US" smtClean="0"/>
-              <a:t>11/9/25</a:t>
+              <a:t>11/10/25</a:t>
             </a:fld>
             <a:endParaRPr lang="en-US"/>
           </a:p>
@@ -4051,7 +4138,7 @@
           <a:p>
             <a:fld id="{9F4EA125-C503-9049-954D-E48C32DE308D}" type="datetime1">
               <a:rPr lang="en-US" smtClean="0"/>
-              <a:t>11/9/25</a:t>
+              <a:t>11/10/25</a:t>
             </a:fld>
             <a:endParaRPr lang="en-US"/>
           </a:p>
@@ -6333,63 +6420,6 @@
               </a:rPr>
               <a:t>Arbitrary order</a:t>
             </a:r>
-          </a:p>
-        </p:txBody>
-      </p:sp>
-      <p:sp>
-        <p:nvSpPr>
-          <p:cNvPr id="4" name="Slide Number Placeholder 3">
-            <a:extLst>
-              <a:ext uri="{FF2B5EF4-FFF2-40B4-BE49-F238E27FC236}">
-                <a16:creationId xmlns:a16="http://schemas.microsoft.com/office/drawing/2014/main" id="{2F2B8501-00F7-3A82-8D78-94906E683631}"/>
-              </a:ext>
-            </a:extLst>
-          </p:cNvPr>
-          <p:cNvSpPr>
-            <a:spLocks noGrp="1"/>
-          </p:cNvSpPr>
-          <p:nvPr>
-            <p:ph type="sldNum" sz="quarter" idx="12"/>
-          </p:nvPr>
-        </p:nvSpPr>
-        <p:spPr/>
-        <p:txBody>
-          <a:bodyPr/>
-          <a:lstStyle/>
-          <a:p>
-            <a:pPr marL="0" marR="0" lvl="0" indent="0" algn="r" defTabSz="914400" rtl="0" eaLnBrk="1" fontAlgn="auto" latinLnBrk="0" hangingPunct="1">
-              <a:lnSpc>
-                <a:spcPct val="100000"/>
-              </a:lnSpc>
-              <a:spcBef>
-                <a:spcPts val="0"/>
-              </a:spcBef>
-              <a:spcAft>
-                <a:spcPts val="0"/>
-              </a:spcAft>
-              <a:buClrTx/>
-              <a:buSzTx/>
-              <a:buFontTx/>
-              <a:buNone/>
-              <a:tabLst/>
-              <a:defRPr/>
-            </a:pPr>
-            <a:endParaRPr kumimoji="0" lang="en-US" sz="1200" b="0" i="0" u="none" strike="noStrike" kern="1200" cap="none" spc="0" normalizeH="0" baseline="0" noProof="0" dirty="0">
-              <a:ln>
-                <a:noFill/>
-              </a:ln>
-              <a:solidFill>
-                <a:prstClr val="black">
-                  <a:tint val="82000"/>
-                </a:prstClr>
-              </a:solidFill>
-              <a:effectLst/>
-              <a:uLnTx/>
-              <a:uFillTx/>
-              <a:latin typeface="Aptos" panose="02110004020202020204"/>
-              <a:ea typeface="+mn-ea"/>
-              <a:cs typeface="+mn-cs"/>
-            </a:endParaRPr>
           </a:p>
         </p:txBody>
       </p:sp>
@@ -8665,63 +8695,6 @@
               </a:rPr>
               <a:t>Sequencer</a:t>
             </a:r>
-          </a:p>
-        </p:txBody>
-      </p:sp>
-      <p:sp>
-        <p:nvSpPr>
-          <p:cNvPr id="17" name="Slide Number Placeholder 16">
-            <a:extLst>
-              <a:ext uri="{FF2B5EF4-FFF2-40B4-BE49-F238E27FC236}">
-                <a16:creationId xmlns:a16="http://schemas.microsoft.com/office/drawing/2014/main" id="{960715F3-17B7-AAAA-BE4C-D7CD1D35C11E}"/>
-              </a:ext>
-            </a:extLst>
-          </p:cNvPr>
-          <p:cNvSpPr>
-            <a:spLocks noGrp="1"/>
-          </p:cNvSpPr>
-          <p:nvPr>
-            <p:ph type="sldNum" sz="quarter" idx="12"/>
-          </p:nvPr>
-        </p:nvSpPr>
-        <p:spPr/>
-        <p:txBody>
-          <a:bodyPr/>
-          <a:lstStyle/>
-          <a:p>
-            <a:pPr marL="0" marR="0" lvl="0" indent="0" algn="r" defTabSz="914400" rtl="0" eaLnBrk="1" fontAlgn="auto" latinLnBrk="0" hangingPunct="1">
-              <a:lnSpc>
-                <a:spcPct val="100000"/>
-              </a:lnSpc>
-              <a:spcBef>
-                <a:spcPts val="0"/>
-              </a:spcBef>
-              <a:spcAft>
-                <a:spcPts val="0"/>
-              </a:spcAft>
-              <a:buClrTx/>
-              <a:buSzTx/>
-              <a:buFontTx/>
-              <a:buNone/>
-              <a:tabLst/>
-              <a:defRPr/>
-            </a:pPr>
-            <a:endParaRPr kumimoji="0" lang="en-US" sz="1200" b="0" i="0" u="none" strike="noStrike" kern="1200" cap="none" spc="0" normalizeH="0" baseline="0" noProof="0" dirty="0">
-              <a:ln>
-                <a:noFill/>
-              </a:ln>
-              <a:solidFill>
-                <a:prstClr val="black">
-                  <a:tint val="82000"/>
-                </a:prstClr>
-              </a:solidFill>
-              <a:effectLst/>
-              <a:uLnTx/>
-              <a:uFillTx/>
-              <a:latin typeface="Aptos" panose="02110004020202020204"/>
-              <a:ea typeface="+mn-ea"/>
-              <a:cs typeface="+mn-cs"/>
-            </a:endParaRPr>
           </a:p>
         </p:txBody>
       </p:sp>
@@ -12732,63 +12705,6 @@
           </p:txBody>
         </p:sp>
       </p:grpSp>
-      <p:sp>
-        <p:nvSpPr>
-          <p:cNvPr id="3" name="Slide Number Placeholder 2">
-            <a:extLst>
-              <a:ext uri="{FF2B5EF4-FFF2-40B4-BE49-F238E27FC236}">
-                <a16:creationId xmlns:a16="http://schemas.microsoft.com/office/drawing/2014/main" id="{2CC8F128-0F48-AF3E-59C5-A411E75888B1}"/>
-              </a:ext>
-            </a:extLst>
-          </p:cNvPr>
-          <p:cNvSpPr>
-            <a:spLocks noGrp="1"/>
-          </p:cNvSpPr>
-          <p:nvPr>
-            <p:ph type="sldNum" sz="quarter" idx="12"/>
-          </p:nvPr>
-        </p:nvSpPr>
-        <p:spPr/>
-        <p:txBody>
-          <a:bodyPr/>
-          <a:lstStyle/>
-          <a:p>
-            <a:pPr marL="0" marR="0" lvl="0" indent="0" algn="r" defTabSz="914400" rtl="0" eaLnBrk="1" fontAlgn="auto" latinLnBrk="0" hangingPunct="1">
-              <a:lnSpc>
-                <a:spcPct val="100000"/>
-              </a:lnSpc>
-              <a:spcBef>
-                <a:spcPts val="0"/>
-              </a:spcBef>
-              <a:spcAft>
-                <a:spcPts val="0"/>
-              </a:spcAft>
-              <a:buClrTx/>
-              <a:buSzTx/>
-              <a:buFontTx/>
-              <a:buNone/>
-              <a:tabLst/>
-              <a:defRPr/>
-            </a:pPr>
-            <a:endParaRPr kumimoji="0" lang="en-US" sz="1200" b="0" i="0" u="none" strike="noStrike" kern="1200" cap="none" spc="0" normalizeH="0" baseline="0" noProof="0" dirty="0">
-              <a:ln>
-                <a:noFill/>
-              </a:ln>
-              <a:solidFill>
-                <a:prstClr val="black">
-                  <a:tint val="82000"/>
-                </a:prstClr>
-              </a:solidFill>
-              <a:effectLst/>
-              <a:uLnTx/>
-              <a:uFillTx/>
-              <a:latin typeface="Aptos" panose="02110004020202020204"/>
-              <a:ea typeface="+mn-ea"/>
-              <a:cs typeface="+mn-cs"/>
-            </a:endParaRPr>
-          </a:p>
-        </p:txBody>
-      </p:sp>
     </p:spTree>
     <p:extLst>
       <p:ext uri="{BB962C8B-B14F-4D97-AF65-F5344CB8AC3E}">
@@ -13263,58 +13179,59 @@
       </p:pic>
       <p:sp>
         <p:nvSpPr>
-          <p:cNvPr id="25" name="Slide Number Placeholder 24">
+          <p:cNvPr id="2" name="Oval 1">
             <a:extLst>
               <a:ext uri="{FF2B5EF4-FFF2-40B4-BE49-F238E27FC236}">
-                <a16:creationId xmlns:a16="http://schemas.microsoft.com/office/drawing/2014/main" id="{6A0F7938-0ACE-F99A-A945-C6FEB5C8DB19}"/>
+                <a16:creationId xmlns:a16="http://schemas.microsoft.com/office/drawing/2014/main" id="{55382D1A-1372-7A7D-B9A4-B5D08F48507C}"/>
               </a:ext>
             </a:extLst>
           </p:cNvPr>
-          <p:cNvSpPr>
-            <a:spLocks noGrp="1"/>
-          </p:cNvSpPr>
-          <p:nvPr>
-            <p:ph type="sldNum" sz="quarter" idx="12"/>
-          </p:nvPr>
+          <p:cNvSpPr/>
+          <p:nvPr/>
         </p:nvSpPr>
-        <p:spPr/>
+        <p:spPr>
+          <a:xfrm>
+            <a:off x="4274972" y="-248312"/>
+            <a:ext cx="2997621" cy="790260"/>
+          </a:xfrm>
+          <a:prstGeom prst="ellipse">
+            <a:avLst/>
+          </a:prstGeom>
+          <a:solidFill>
+            <a:schemeClr val="accent3">
+              <a:lumMod val="40000"/>
+              <a:lumOff val="60000"/>
+            </a:schemeClr>
+          </a:solidFill>
+          <a:ln>
+            <a:noFill/>
+          </a:ln>
+        </p:spPr>
+        <p:style>
+          <a:lnRef idx="2">
+            <a:schemeClr val="accent1">
+              <a:shade val="15000"/>
+            </a:schemeClr>
+          </a:lnRef>
+          <a:fillRef idx="1">
+            <a:schemeClr val="accent1"/>
+          </a:fillRef>
+          <a:effectRef idx="0">
+            <a:schemeClr val="accent1"/>
+          </a:effectRef>
+          <a:fontRef idx="minor">
+            <a:schemeClr val="lt1"/>
+          </a:fontRef>
+        </p:style>
         <p:txBody>
-          <a:bodyPr/>
+          <a:bodyPr rtlCol="0" anchor="ctr"/>
           <a:lstStyle/>
           <a:p>
-            <a:pPr marL="0" marR="0" lvl="0" indent="0" algn="r" defTabSz="914400" rtl="0" eaLnBrk="1" fontAlgn="auto" latinLnBrk="0" hangingPunct="1">
-              <a:lnSpc>
-                <a:spcPct val="100000"/>
-              </a:lnSpc>
-              <a:spcBef>
-                <a:spcPts val="0"/>
-              </a:spcBef>
-              <a:spcAft>
-                <a:spcPts val="0"/>
-              </a:spcAft>
-              <a:buClrTx/>
-              <a:buSzTx/>
-              <a:buFontTx/>
-              <a:buNone/>
-              <a:tabLst/>
-              <a:defRPr/>
-            </a:pPr>
-            <a:endParaRPr kumimoji="0" lang="en-US" sz="1200" b="0" i="0" u="none" strike="noStrike" kern="1200" cap="none" spc="0" normalizeH="0" baseline="0" noProof="0" dirty="0">
-              <a:ln>
-                <a:noFill/>
-              </a:ln>
-              <a:solidFill>
-                <a:prstClr val="black">
-                  <a:tint val="82000"/>
-                </a:prstClr>
-              </a:solidFill>
-              <a:effectLst/>
-              <a:uLnTx/>
-              <a:uFillTx/>
-              <a:latin typeface="Aptos" panose="02110004020202020204"/>
-              <a:ea typeface="+mn-ea"/>
-              <a:cs typeface="+mn-cs"/>
-            </a:endParaRPr>
+            <a:pPr algn="ctr"/>
+            <a:r>
+              <a:rPr lang="en-US" dirty="0"/>
+              <a:t>1</a:t>
+            </a:r>
           </a:p>
         </p:txBody>
       </p:sp>
@@ -13716,7 +13633,7 @@
           <p:nvPr/>
         </p:nvPicPr>
         <p:blipFill>
-          <a:blip r:embed="rId2">
+          <a:blip r:embed="rId3">
             <a:extLst>
               <a:ext uri="{28A0092B-C50C-407E-A947-70E740481C1C}">
                 <a14:useLocalDpi xmlns:a14="http://schemas.microsoft.com/office/drawing/2010/main" val="0"/>
@@ -13763,7 +13680,7 @@
           <p:nvPr/>
         </p:nvPicPr>
         <p:blipFill rotWithShape="1">
-          <a:blip r:embed="rId3">
+          <a:blip r:embed="rId4">
             <a:extLst>
               <a:ext uri="{28A0092B-C50C-407E-A947-70E740481C1C}">
                 <a14:useLocalDpi xmlns:a14="http://schemas.microsoft.com/office/drawing/2010/main" val="0"/>
@@ -13808,7 +13725,7 @@
           <p:nvPr/>
         </p:nvPicPr>
         <p:blipFill rotWithShape="1">
-          <a:blip r:embed="rId3">
+          <a:blip r:embed="rId4">
             <a:extLst>
               <a:ext uri="{28A0092B-C50C-407E-A947-70E740481C1C}">
                 <a14:useLocalDpi xmlns:a14="http://schemas.microsoft.com/office/drawing/2010/main" val="0"/>
@@ -13840,58 +13757,59 @@
       </p:pic>
       <p:sp>
         <p:nvSpPr>
-          <p:cNvPr id="4" name="Slide Number Placeholder 3">
+          <p:cNvPr id="5" name="Oval 4">
             <a:extLst>
               <a:ext uri="{FF2B5EF4-FFF2-40B4-BE49-F238E27FC236}">
-                <a16:creationId xmlns:a16="http://schemas.microsoft.com/office/drawing/2014/main" id="{BB04CD8B-5E22-E0F0-D536-34AF3D5F6549}"/>
+                <a16:creationId xmlns:a16="http://schemas.microsoft.com/office/drawing/2014/main" id="{F50DD063-B15E-0F8E-CA45-D4C94B4141B4}"/>
               </a:ext>
             </a:extLst>
           </p:cNvPr>
-          <p:cNvSpPr>
-            <a:spLocks noGrp="1"/>
-          </p:cNvSpPr>
-          <p:nvPr>
-            <p:ph type="sldNum" sz="quarter" idx="12"/>
-          </p:nvPr>
+          <p:cNvSpPr/>
+          <p:nvPr/>
         </p:nvSpPr>
-        <p:spPr/>
+        <p:spPr>
+          <a:xfrm>
+            <a:off x="4274972" y="-248312"/>
+            <a:ext cx="2997621" cy="790260"/>
+          </a:xfrm>
+          <a:prstGeom prst="ellipse">
+            <a:avLst/>
+          </a:prstGeom>
+          <a:solidFill>
+            <a:schemeClr val="accent3">
+              <a:lumMod val="40000"/>
+              <a:lumOff val="60000"/>
+            </a:schemeClr>
+          </a:solidFill>
+          <a:ln>
+            <a:noFill/>
+          </a:ln>
+        </p:spPr>
+        <p:style>
+          <a:lnRef idx="2">
+            <a:schemeClr val="accent1">
+              <a:shade val="15000"/>
+            </a:schemeClr>
+          </a:lnRef>
+          <a:fillRef idx="1">
+            <a:schemeClr val="accent1"/>
+          </a:fillRef>
+          <a:effectRef idx="0">
+            <a:schemeClr val="accent1"/>
+          </a:effectRef>
+          <a:fontRef idx="minor">
+            <a:schemeClr val="lt1"/>
+          </a:fontRef>
+        </p:style>
         <p:txBody>
-          <a:bodyPr/>
+          <a:bodyPr rtlCol="0" anchor="ctr"/>
           <a:lstStyle/>
           <a:p>
-            <a:pPr marL="0" marR="0" lvl="0" indent="0" algn="r" defTabSz="914400" rtl="0" eaLnBrk="1" fontAlgn="auto" latinLnBrk="0" hangingPunct="1">
-              <a:lnSpc>
-                <a:spcPct val="100000"/>
-              </a:lnSpc>
-              <a:spcBef>
-                <a:spcPts val="0"/>
-              </a:spcBef>
-              <a:spcAft>
-                <a:spcPts val="0"/>
-              </a:spcAft>
-              <a:buClrTx/>
-              <a:buSzTx/>
-              <a:buFontTx/>
-              <a:buNone/>
-              <a:tabLst/>
-              <a:defRPr/>
-            </a:pPr>
-            <a:endParaRPr kumimoji="0" lang="en-US" sz="1200" b="0" i="0" u="none" strike="noStrike" kern="1200" cap="none" spc="0" normalizeH="0" baseline="0" noProof="0" dirty="0">
-              <a:ln>
-                <a:noFill/>
-              </a:ln>
-              <a:solidFill>
-                <a:prstClr val="black">
-                  <a:tint val="82000"/>
-                </a:prstClr>
-              </a:solidFill>
-              <a:effectLst/>
-              <a:uLnTx/>
-              <a:uFillTx/>
-              <a:latin typeface="Aptos" panose="02110004020202020204"/>
-              <a:ea typeface="+mn-ea"/>
-              <a:cs typeface="+mn-cs"/>
-            </a:endParaRPr>
+            <a:pPr algn="ctr"/>
+            <a:r>
+              <a:rPr lang="en-US" dirty="0"/>
+              <a:t>1</a:t>
+            </a:r>
           </a:p>
         </p:txBody>
       </p:sp>
@@ -15905,7 +15823,7 @@
           <a:lstStyle/>
           <a:p>
             <a:r>
-              <a:rPr lang="en-US" sz="5400"/>
+              <a:rPr lang="en-US" sz="5400" dirty="0"/>
               <a:t>Partial Order</a:t>
             </a:r>
           </a:p>
@@ -16746,6 +16664,64 @@
           </a:effectLst>
         </p:spPr>
       </p:pic>
+      <p:sp>
+        <p:nvSpPr>
+          <p:cNvPr id="4" name="Oval 3">
+            <a:extLst>
+              <a:ext uri="{FF2B5EF4-FFF2-40B4-BE49-F238E27FC236}">
+                <a16:creationId xmlns:a16="http://schemas.microsoft.com/office/drawing/2014/main" id="{2E763449-E448-7EF4-8FE6-FB8D5C498140}"/>
+              </a:ext>
+            </a:extLst>
+          </p:cNvPr>
+          <p:cNvSpPr/>
+          <p:nvPr/>
+        </p:nvSpPr>
+        <p:spPr>
+          <a:xfrm>
+            <a:off x="4274972" y="-248312"/>
+            <a:ext cx="2997621" cy="790260"/>
+          </a:xfrm>
+          <a:prstGeom prst="ellipse">
+            <a:avLst/>
+          </a:prstGeom>
+          <a:solidFill>
+            <a:schemeClr val="accent3">
+              <a:lumMod val="40000"/>
+              <a:lumOff val="60000"/>
+            </a:schemeClr>
+          </a:solidFill>
+          <a:ln>
+            <a:noFill/>
+          </a:ln>
+        </p:spPr>
+        <p:style>
+          <a:lnRef idx="2">
+            <a:schemeClr val="accent1">
+              <a:shade val="15000"/>
+            </a:schemeClr>
+          </a:lnRef>
+          <a:fillRef idx="1">
+            <a:schemeClr val="accent1"/>
+          </a:fillRef>
+          <a:effectRef idx="0">
+            <a:schemeClr val="accent1"/>
+          </a:effectRef>
+          <a:fontRef idx="minor">
+            <a:schemeClr val="lt1"/>
+          </a:fontRef>
+        </p:style>
+        <p:txBody>
+          <a:bodyPr rtlCol="0" anchor="ctr"/>
+          <a:lstStyle/>
+          <a:p>
+            <a:pPr algn="ctr"/>
+            <a:r>
+              <a:rPr lang="en-US" dirty="0"/>
+              <a:t>2</a:t>
+            </a:r>
+          </a:p>
+        </p:txBody>
+      </p:sp>
     </p:spTree>
     <p:extLst>
       <p:ext uri="{BB962C8B-B14F-4D97-AF65-F5344CB8AC3E}">
@@ -18158,6 +18134,64 @@
           </a:fontRef>
         </p:style>
       </p:cxnSp>
+      <p:sp>
+        <p:nvSpPr>
+          <p:cNvPr id="3" name="Oval 2">
+            <a:extLst>
+              <a:ext uri="{FF2B5EF4-FFF2-40B4-BE49-F238E27FC236}">
+                <a16:creationId xmlns:a16="http://schemas.microsoft.com/office/drawing/2014/main" id="{519787C9-3787-856D-3F35-2AAB2515BB74}"/>
+              </a:ext>
+            </a:extLst>
+          </p:cNvPr>
+          <p:cNvSpPr/>
+          <p:nvPr/>
+        </p:nvSpPr>
+        <p:spPr>
+          <a:xfrm>
+            <a:off x="4274972" y="-248312"/>
+            <a:ext cx="2997621" cy="790260"/>
+          </a:xfrm>
+          <a:prstGeom prst="ellipse">
+            <a:avLst/>
+          </a:prstGeom>
+          <a:solidFill>
+            <a:schemeClr val="accent3">
+              <a:lumMod val="40000"/>
+              <a:lumOff val="60000"/>
+            </a:schemeClr>
+          </a:solidFill>
+          <a:ln>
+            <a:noFill/>
+          </a:ln>
+        </p:spPr>
+        <p:style>
+          <a:lnRef idx="2">
+            <a:schemeClr val="accent1">
+              <a:shade val="15000"/>
+            </a:schemeClr>
+          </a:lnRef>
+          <a:fillRef idx="1">
+            <a:schemeClr val="accent1"/>
+          </a:fillRef>
+          <a:effectRef idx="0">
+            <a:schemeClr val="accent1"/>
+          </a:effectRef>
+          <a:fontRef idx="minor">
+            <a:schemeClr val="lt1"/>
+          </a:fontRef>
+        </p:style>
+        <p:txBody>
+          <a:bodyPr rtlCol="0" anchor="ctr"/>
+          <a:lstStyle/>
+          <a:p>
+            <a:pPr algn="ctr"/>
+            <a:r>
+              <a:rPr lang="en-US" dirty="0"/>
+              <a:t>2</a:t>
+            </a:r>
+          </a:p>
+        </p:txBody>
+      </p:sp>
     </p:spTree>
     <p:extLst>
       <p:ext uri="{BB962C8B-B14F-4D97-AF65-F5344CB8AC3E}">
@@ -20592,6 +20626,64 @@
           </a:p>
         </p:txBody>
       </p:sp>
+      <p:sp>
+        <p:nvSpPr>
+          <p:cNvPr id="10" name="Oval 9">
+            <a:extLst>
+              <a:ext uri="{FF2B5EF4-FFF2-40B4-BE49-F238E27FC236}">
+                <a16:creationId xmlns:a16="http://schemas.microsoft.com/office/drawing/2014/main" id="{5C37B194-DF99-9B8D-ECF6-0A671FB1C3E1}"/>
+              </a:ext>
+            </a:extLst>
+          </p:cNvPr>
+          <p:cNvSpPr/>
+          <p:nvPr/>
+        </p:nvSpPr>
+        <p:spPr>
+          <a:xfrm>
+            <a:off x="4274972" y="-248312"/>
+            <a:ext cx="2997621" cy="790260"/>
+          </a:xfrm>
+          <a:prstGeom prst="ellipse">
+            <a:avLst/>
+          </a:prstGeom>
+          <a:solidFill>
+            <a:schemeClr val="accent3">
+              <a:lumMod val="40000"/>
+              <a:lumOff val="60000"/>
+            </a:schemeClr>
+          </a:solidFill>
+          <a:ln>
+            <a:noFill/>
+          </a:ln>
+        </p:spPr>
+        <p:style>
+          <a:lnRef idx="2">
+            <a:schemeClr val="accent1">
+              <a:shade val="15000"/>
+            </a:schemeClr>
+          </a:lnRef>
+          <a:fillRef idx="1">
+            <a:schemeClr val="accent1"/>
+          </a:fillRef>
+          <a:effectRef idx="0">
+            <a:schemeClr val="accent1"/>
+          </a:effectRef>
+          <a:fontRef idx="minor">
+            <a:schemeClr val="lt1"/>
+          </a:fontRef>
+        </p:style>
+        <p:txBody>
+          <a:bodyPr rtlCol="0" anchor="ctr"/>
+          <a:lstStyle/>
+          <a:p>
+            <a:pPr algn="ctr"/>
+            <a:r>
+              <a:rPr lang="en-US" dirty="0"/>
+              <a:t>2</a:t>
+            </a:r>
+          </a:p>
+        </p:txBody>
+      </p:sp>
     </p:spTree>
     <p:extLst>
       <p:ext uri="{BB962C8B-B14F-4D97-AF65-F5344CB8AC3E}">
@@ -21505,7 +21597,7 @@
         </p:nvSpPr>
         <p:spPr>
           <a:xfrm>
-            <a:off x="6706536" y="145499"/>
+            <a:off x="6891558" y="301340"/>
             <a:ext cx="5429501" cy="1938992"/>
           </a:xfrm>
           <a:prstGeom prst="rect">
@@ -21985,6 +22077,64 @@
               <a:ea typeface="+mn-ea"/>
               <a:cs typeface="+mn-cs"/>
             </a:endParaRPr>
+          </a:p>
+        </p:txBody>
+      </p:sp>
+      <p:sp>
+        <p:nvSpPr>
+          <p:cNvPr id="3" name="Oval 2">
+            <a:extLst>
+              <a:ext uri="{FF2B5EF4-FFF2-40B4-BE49-F238E27FC236}">
+                <a16:creationId xmlns:a16="http://schemas.microsoft.com/office/drawing/2014/main" id="{D252787D-FD60-45FE-59E4-A1AC460B655F}"/>
+              </a:ext>
+            </a:extLst>
+          </p:cNvPr>
+          <p:cNvSpPr/>
+          <p:nvPr/>
+        </p:nvSpPr>
+        <p:spPr>
+          <a:xfrm>
+            <a:off x="4274972" y="-248312"/>
+            <a:ext cx="2997621" cy="790260"/>
+          </a:xfrm>
+          <a:prstGeom prst="ellipse">
+            <a:avLst/>
+          </a:prstGeom>
+          <a:solidFill>
+            <a:schemeClr val="accent3">
+              <a:lumMod val="40000"/>
+              <a:lumOff val="60000"/>
+            </a:schemeClr>
+          </a:solidFill>
+          <a:ln>
+            <a:noFill/>
+          </a:ln>
+        </p:spPr>
+        <p:style>
+          <a:lnRef idx="2">
+            <a:schemeClr val="accent1">
+              <a:shade val="15000"/>
+            </a:schemeClr>
+          </a:lnRef>
+          <a:fillRef idx="1">
+            <a:schemeClr val="accent1"/>
+          </a:fillRef>
+          <a:effectRef idx="0">
+            <a:schemeClr val="accent1"/>
+          </a:effectRef>
+          <a:fontRef idx="minor">
+            <a:schemeClr val="lt1"/>
+          </a:fontRef>
+        </p:style>
+        <p:txBody>
+          <a:bodyPr rtlCol="0" anchor="ctr"/>
+          <a:lstStyle/>
+          <a:p>
+            <a:pPr algn="ctr"/>
+            <a:r>
+              <a:rPr lang="en-US" dirty="0"/>
+              <a:t>2</a:t>
+            </a:r>
           </a:p>
         </p:txBody>
       </p:sp>
@@ -23116,6 +23266,64 @@
           </a:p>
         </p:txBody>
       </p:sp>
+      <p:sp>
+        <p:nvSpPr>
+          <p:cNvPr id="3" name="Oval 2">
+            <a:extLst>
+              <a:ext uri="{FF2B5EF4-FFF2-40B4-BE49-F238E27FC236}">
+                <a16:creationId xmlns:a16="http://schemas.microsoft.com/office/drawing/2014/main" id="{78B57147-1BD1-A112-6701-90E29508CD30}"/>
+              </a:ext>
+            </a:extLst>
+          </p:cNvPr>
+          <p:cNvSpPr/>
+          <p:nvPr/>
+        </p:nvSpPr>
+        <p:spPr>
+          <a:xfrm>
+            <a:off x="4274972" y="-248312"/>
+            <a:ext cx="2997621" cy="790260"/>
+          </a:xfrm>
+          <a:prstGeom prst="ellipse">
+            <a:avLst/>
+          </a:prstGeom>
+          <a:solidFill>
+            <a:schemeClr val="accent3">
+              <a:lumMod val="40000"/>
+              <a:lumOff val="60000"/>
+            </a:schemeClr>
+          </a:solidFill>
+          <a:ln>
+            <a:noFill/>
+          </a:ln>
+        </p:spPr>
+        <p:style>
+          <a:lnRef idx="2">
+            <a:schemeClr val="accent1">
+              <a:shade val="15000"/>
+            </a:schemeClr>
+          </a:lnRef>
+          <a:fillRef idx="1">
+            <a:schemeClr val="accent1"/>
+          </a:fillRef>
+          <a:effectRef idx="0">
+            <a:schemeClr val="accent1"/>
+          </a:effectRef>
+          <a:fontRef idx="minor">
+            <a:schemeClr val="lt1"/>
+          </a:fontRef>
+        </p:style>
+        <p:txBody>
+          <a:bodyPr rtlCol="0" anchor="ctr"/>
+          <a:lstStyle/>
+          <a:p>
+            <a:pPr algn="ctr"/>
+            <a:r>
+              <a:rPr lang="en-US" dirty="0"/>
+              <a:t>2</a:t>
+            </a:r>
+          </a:p>
+        </p:txBody>
+      </p:sp>
     </p:spTree>
     <p:extLst>
       <p:ext uri="{BB962C8B-B14F-4D97-AF65-F5344CB8AC3E}">
@@ -23873,6 +24081,64 @@
                 <a:cs typeface="+mn-cs"/>
               </a:rPr>
               <a:t>Such intransitivity could lead to cycles in our resultant graph.</a:t>
+            </a:r>
+          </a:p>
+        </p:txBody>
+      </p:sp>
+      <p:sp>
+        <p:nvSpPr>
+          <p:cNvPr id="3" name="Oval 2">
+            <a:extLst>
+              <a:ext uri="{FF2B5EF4-FFF2-40B4-BE49-F238E27FC236}">
+                <a16:creationId xmlns:a16="http://schemas.microsoft.com/office/drawing/2014/main" id="{8A69A073-B50F-C73A-318E-6A897F6F46B3}"/>
+              </a:ext>
+            </a:extLst>
+          </p:cNvPr>
+          <p:cNvSpPr/>
+          <p:nvPr/>
+        </p:nvSpPr>
+        <p:spPr>
+          <a:xfrm>
+            <a:off x="4274972" y="-248312"/>
+            <a:ext cx="2997621" cy="790260"/>
+          </a:xfrm>
+          <a:prstGeom prst="ellipse">
+            <a:avLst/>
+          </a:prstGeom>
+          <a:solidFill>
+            <a:schemeClr val="accent3">
+              <a:lumMod val="40000"/>
+              <a:lumOff val="60000"/>
+            </a:schemeClr>
+          </a:solidFill>
+          <a:ln>
+            <a:noFill/>
+          </a:ln>
+        </p:spPr>
+        <p:style>
+          <a:lnRef idx="2">
+            <a:schemeClr val="accent1">
+              <a:shade val="15000"/>
+            </a:schemeClr>
+          </a:lnRef>
+          <a:fillRef idx="1">
+            <a:schemeClr val="accent1"/>
+          </a:fillRef>
+          <a:effectRef idx="0">
+            <a:schemeClr val="accent1"/>
+          </a:effectRef>
+          <a:fontRef idx="minor">
+            <a:schemeClr val="lt1"/>
+          </a:fontRef>
+        </p:style>
+        <p:txBody>
+          <a:bodyPr rtlCol="0" anchor="ctr"/>
+          <a:lstStyle/>
+          <a:p>
+            <a:pPr algn="ctr"/>
+            <a:r>
+              <a:rPr lang="en-US" dirty="0"/>
+              <a:t>2</a:t>
             </a:r>
           </a:p>
         </p:txBody>
@@ -24723,6 +24989,64 @@
           </a:p>
         </p:txBody>
       </p:sp>
+      <p:sp>
+        <p:nvSpPr>
+          <p:cNvPr id="3" name="Oval 2">
+            <a:extLst>
+              <a:ext uri="{FF2B5EF4-FFF2-40B4-BE49-F238E27FC236}">
+                <a16:creationId xmlns:a16="http://schemas.microsoft.com/office/drawing/2014/main" id="{B41B126E-3239-49FB-C47B-9D3C2820ACFA}"/>
+              </a:ext>
+            </a:extLst>
+          </p:cNvPr>
+          <p:cNvSpPr/>
+          <p:nvPr/>
+        </p:nvSpPr>
+        <p:spPr>
+          <a:xfrm>
+            <a:off x="4274972" y="-248312"/>
+            <a:ext cx="2997621" cy="790260"/>
+          </a:xfrm>
+          <a:prstGeom prst="ellipse">
+            <a:avLst/>
+          </a:prstGeom>
+          <a:solidFill>
+            <a:schemeClr val="accent3">
+              <a:lumMod val="40000"/>
+              <a:lumOff val="60000"/>
+            </a:schemeClr>
+          </a:solidFill>
+          <a:ln>
+            <a:noFill/>
+          </a:ln>
+        </p:spPr>
+        <p:style>
+          <a:lnRef idx="2">
+            <a:schemeClr val="accent1">
+              <a:shade val="15000"/>
+            </a:schemeClr>
+          </a:lnRef>
+          <a:fillRef idx="1">
+            <a:schemeClr val="accent1"/>
+          </a:fillRef>
+          <a:effectRef idx="0">
+            <a:schemeClr val="accent1"/>
+          </a:effectRef>
+          <a:fontRef idx="minor">
+            <a:schemeClr val="lt1"/>
+          </a:fontRef>
+        </p:style>
+        <p:txBody>
+          <a:bodyPr rtlCol="0" anchor="ctr"/>
+          <a:lstStyle/>
+          <a:p>
+            <a:pPr algn="ctr"/>
+            <a:r>
+              <a:rPr lang="en-US" dirty="0"/>
+              <a:t>2</a:t>
+            </a:r>
+          </a:p>
+        </p:txBody>
+      </p:sp>
     </p:spTree>
     <p:extLst>
       <p:ext uri="{BB962C8B-B14F-4D97-AF65-F5344CB8AC3E}">
@@ -25636,6 +25960,64 @@
               <a:ea typeface="+mn-ea"/>
               <a:cs typeface="+mn-cs"/>
             </a:endParaRPr>
+          </a:p>
+        </p:txBody>
+      </p:sp>
+      <p:sp>
+        <p:nvSpPr>
+          <p:cNvPr id="3" name="Oval 2">
+            <a:extLst>
+              <a:ext uri="{FF2B5EF4-FFF2-40B4-BE49-F238E27FC236}">
+                <a16:creationId xmlns:a16="http://schemas.microsoft.com/office/drawing/2014/main" id="{1672CA94-6E29-4F08-30D1-F8A9050BE8E1}"/>
+              </a:ext>
+            </a:extLst>
+          </p:cNvPr>
+          <p:cNvSpPr/>
+          <p:nvPr/>
+        </p:nvSpPr>
+        <p:spPr>
+          <a:xfrm>
+            <a:off x="4274972" y="-248312"/>
+            <a:ext cx="2997621" cy="790260"/>
+          </a:xfrm>
+          <a:prstGeom prst="ellipse">
+            <a:avLst/>
+          </a:prstGeom>
+          <a:solidFill>
+            <a:schemeClr val="accent3">
+              <a:lumMod val="40000"/>
+              <a:lumOff val="60000"/>
+            </a:schemeClr>
+          </a:solidFill>
+          <a:ln>
+            <a:noFill/>
+          </a:ln>
+        </p:spPr>
+        <p:style>
+          <a:lnRef idx="2">
+            <a:schemeClr val="accent1">
+              <a:shade val="15000"/>
+            </a:schemeClr>
+          </a:lnRef>
+          <a:fillRef idx="1">
+            <a:schemeClr val="accent1"/>
+          </a:fillRef>
+          <a:effectRef idx="0">
+            <a:schemeClr val="accent1"/>
+          </a:effectRef>
+          <a:fontRef idx="minor">
+            <a:schemeClr val="lt1"/>
+          </a:fontRef>
+        </p:style>
+        <p:txBody>
+          <a:bodyPr rtlCol="0" anchor="ctr"/>
+          <a:lstStyle/>
+          <a:p>
+            <a:pPr algn="ctr"/>
+            <a:r>
+              <a:rPr lang="en-US" dirty="0"/>
+              <a:t>2</a:t>
+            </a:r>
           </a:p>
         </p:txBody>
       </p:sp>
@@ -26677,6 +27059,9 @@
           <a:prstGeom prst="roundRect">
             <a:avLst/>
           </a:prstGeom>
+          <a:ln>
+            <a:noFill/>
+          </a:ln>
         </p:spPr>
         <p:style>
           <a:lnRef idx="2">
@@ -26730,7 +27115,7 @@
                 <a:ea typeface="+mn-ea"/>
                 <a:cs typeface="+mn-cs"/>
               </a:rPr>
-              <a:t>Finding smallest set of edges to remove which makes a graph acyclic is an NP-hard problem in itself.</a:t>
+              <a:t>Finding smallest set of edges whose removal makes a graph acyclic is an NP-hard problem in itself.</a:t>
             </a:r>
             <a:br>
               <a:rPr kumimoji="0" lang="en-US" sz="2800" b="0" i="0" u="none" strike="noStrike" kern="1200" cap="none" spc="0" normalizeH="0" baseline="0" noProof="0" dirty="0">
@@ -26764,6 +27149,64 @@
                 <a:cs typeface="+mn-cs"/>
               </a:rPr>
               <a:t>(Minimum Feedback Arc Set)</a:t>
+            </a:r>
+          </a:p>
+        </p:txBody>
+      </p:sp>
+      <p:sp>
+        <p:nvSpPr>
+          <p:cNvPr id="3" name="Oval 2">
+            <a:extLst>
+              <a:ext uri="{FF2B5EF4-FFF2-40B4-BE49-F238E27FC236}">
+                <a16:creationId xmlns:a16="http://schemas.microsoft.com/office/drawing/2014/main" id="{D05F04FF-AD8A-F415-5F79-F17F8DE710C8}"/>
+              </a:ext>
+            </a:extLst>
+          </p:cNvPr>
+          <p:cNvSpPr/>
+          <p:nvPr/>
+        </p:nvSpPr>
+        <p:spPr>
+          <a:xfrm>
+            <a:off x="4274972" y="-248312"/>
+            <a:ext cx="2997621" cy="790260"/>
+          </a:xfrm>
+          <a:prstGeom prst="ellipse">
+            <a:avLst/>
+          </a:prstGeom>
+          <a:solidFill>
+            <a:schemeClr val="accent3">
+              <a:lumMod val="40000"/>
+              <a:lumOff val="60000"/>
+            </a:schemeClr>
+          </a:solidFill>
+          <a:ln>
+            <a:noFill/>
+          </a:ln>
+        </p:spPr>
+        <p:style>
+          <a:lnRef idx="2">
+            <a:schemeClr val="accent1">
+              <a:shade val="15000"/>
+            </a:schemeClr>
+          </a:lnRef>
+          <a:fillRef idx="1">
+            <a:schemeClr val="accent1"/>
+          </a:fillRef>
+          <a:effectRef idx="0">
+            <a:schemeClr val="accent1"/>
+          </a:effectRef>
+          <a:fontRef idx="minor">
+            <a:schemeClr val="lt1"/>
+          </a:fontRef>
+        </p:style>
+        <p:txBody>
+          <a:bodyPr rtlCol="0" anchor="ctr"/>
+          <a:lstStyle/>
+          <a:p>
+            <a:pPr algn="ctr"/>
+            <a:r>
+              <a:rPr lang="en-US" dirty="0"/>
+              <a:t>2</a:t>
             </a:r>
           </a:p>
         </p:txBody>
@@ -32390,6 +32833,13 @@
             </a:r>
           </a:p>
           <a:p>
+            <a:pPr lvl="1"/>
+            <a:r>
+              <a:rPr lang="en-US" dirty="0"/>
+              <a:t>Safe message emission from the sequencer</a:t>
+            </a:r>
+          </a:p>
+          <a:p>
             <a:r>
               <a:rPr lang="en-US" dirty="0"/>
               <a:t>Characterizing </a:t>
@@ -32399,7 +32849,7 @@
             <a:pPr lvl="1"/>
             <a:r>
               <a:rPr lang="en-US" dirty="0"/>
-              <a:t>Especially transitivity property i.e., when it is safe to assume, what is the downside of assuming it for arbitrary distributions</a:t>
+              <a:t>Especially transitivity property i.e., when it is safe to assume transitivity, what is the downside of assuming it for arbitrary distributions</a:t>
             </a:r>
           </a:p>
           <a:p>
@@ -32427,112 +32877,133 @@
           </a:p>
         </p:txBody>
       </p:sp>
-      <p:cxnSp>
-        <p:nvCxnSpPr>
-          <p:cNvPr id="4" name="Straight Arrow Connector 3">
+      <p:grpSp>
+        <p:nvGrpSpPr>
+          <p:cNvPr id="6" name="Group 5">
             <a:extLst>
               <a:ext uri="{FF2B5EF4-FFF2-40B4-BE49-F238E27FC236}">
-                <a16:creationId xmlns:a16="http://schemas.microsoft.com/office/drawing/2014/main" id="{4EE15409-7C15-2463-67B3-A1721F3BCC2C}"/>
+                <a16:creationId xmlns:a16="http://schemas.microsoft.com/office/drawing/2014/main" id="{0F23C094-AADE-7363-7042-631F06F1D2D3}"/>
               </a:ext>
             </a:extLst>
           </p:cNvPr>
-          <p:cNvCxnSpPr>
-            <a:cxnSpLocks/>
-          </p:cNvCxnSpPr>
+          <p:cNvGrpSpPr/>
           <p:nvPr/>
-        </p:nvCxnSpPr>
-        <p:spPr>
+        </p:nvGrpSpPr>
+        <p:grpSpPr>
           <a:xfrm>
-            <a:off x="3465556" y="2617298"/>
-            <a:ext cx="376518" cy="0"/>
+            <a:off x="3489692" y="2639523"/>
+            <a:ext cx="376518" cy="369332"/>
+            <a:chOff x="3653815" y="2639523"/>
+            <a:chExt cx="376518" cy="369332"/>
           </a:xfrm>
-          <a:prstGeom prst="straightConnector1">
-            <a:avLst/>
-          </a:prstGeom>
-          <a:ln w="28575">
-            <a:tailEnd type="stealth" w="lg" len="lg"/>
-          </a:ln>
-        </p:spPr>
-        <p:style>
-          <a:lnRef idx="2">
-            <a:schemeClr val="accent1"/>
-          </a:lnRef>
-          <a:fillRef idx="0">
-            <a:schemeClr val="accent1"/>
-          </a:fillRef>
-          <a:effectRef idx="1">
-            <a:schemeClr val="accent1"/>
-          </a:effectRef>
-          <a:fontRef idx="minor">
-            <a:schemeClr val="tx1"/>
-          </a:fontRef>
-        </p:style>
-      </p:cxnSp>
-      <p:sp>
-        <p:nvSpPr>
-          <p:cNvPr id="5" name="TextBox 4">
-            <a:extLst>
-              <a:ext uri="{FF2B5EF4-FFF2-40B4-BE49-F238E27FC236}">
-                <a16:creationId xmlns:a16="http://schemas.microsoft.com/office/drawing/2014/main" id="{7C21DB5F-4B06-2074-E75D-56B222CA34BC}"/>
-              </a:ext>
-            </a:extLst>
-          </p:cNvPr>
-          <p:cNvSpPr txBox="1"/>
-          <p:nvPr/>
-        </p:nvSpPr>
-        <p:spPr>
-          <a:xfrm>
-            <a:off x="3465556" y="2247966"/>
-            <a:ext cx="314510" cy="369332"/>
-          </a:xfrm>
-          <a:prstGeom prst="rect">
-            <a:avLst/>
-          </a:prstGeom>
-          <a:noFill/>
-        </p:spPr>
-        <p:txBody>
-          <a:bodyPr wrap="none" rtlCol="0">
-            <a:spAutoFit/>
-          </a:bodyPr>
-          <a:lstStyle/>
-          <a:p>
-            <a:pPr marL="0" marR="0" lvl="0" indent="0" algn="l" defTabSz="914400" rtl="0" eaLnBrk="1" fontAlgn="auto" latinLnBrk="0" hangingPunct="1">
-              <a:lnSpc>
-                <a:spcPct val="100000"/>
-              </a:lnSpc>
-              <a:spcBef>
-                <a:spcPts val="0"/>
-              </a:spcBef>
-              <a:spcAft>
-                <a:spcPts val="0"/>
-              </a:spcAft>
-              <a:buClrTx/>
-              <a:buSzTx/>
-              <a:buFontTx/>
-              <a:buNone/>
-              <a:tabLst/>
-              <a:defRPr/>
-            </a:pPr>
-            <a:r>
-              <a:rPr kumimoji="0" lang="en-US" sz="1800" b="0" i="1" u="none" strike="noStrike" kern="1200" cap="none" spc="0" normalizeH="0" baseline="0" noProof="0" dirty="0">
-                <a:ln>
-                  <a:noFill/>
-                </a:ln>
-                <a:solidFill>
-                  <a:prstClr val="black"/>
-                </a:solidFill>
-                <a:effectLst/>
-                <a:uLnTx/>
-                <a:uFillTx/>
-                <a:latin typeface="Aptos" panose="02110004020202020204"/>
-                <a:ea typeface="+mn-ea"/>
-                <a:cs typeface="+mn-cs"/>
-              </a:rPr>
-              <a:t>p</a:t>
-            </a:r>
-          </a:p>
-        </p:txBody>
-      </p:sp>
+        </p:grpSpPr>
+        <p:cxnSp>
+          <p:nvCxnSpPr>
+            <p:cNvPr id="4" name="Straight Arrow Connector 3">
+              <a:extLst>
+                <a:ext uri="{FF2B5EF4-FFF2-40B4-BE49-F238E27FC236}">
+                  <a16:creationId xmlns:a16="http://schemas.microsoft.com/office/drawing/2014/main" id="{4EE15409-7C15-2463-67B3-A1721F3BCC2C}"/>
+                </a:ext>
+              </a:extLst>
+            </p:cNvPr>
+            <p:cNvCxnSpPr>
+              <a:cxnSpLocks/>
+            </p:cNvCxnSpPr>
+            <p:nvPr/>
+          </p:nvCxnSpPr>
+          <p:spPr>
+            <a:xfrm>
+              <a:off x="3653815" y="3008855"/>
+              <a:ext cx="376518" cy="0"/>
+            </a:xfrm>
+            <a:prstGeom prst="straightConnector1">
+              <a:avLst/>
+            </a:prstGeom>
+            <a:ln w="28575">
+              <a:tailEnd type="stealth" w="lg" len="lg"/>
+            </a:ln>
+          </p:spPr>
+          <p:style>
+            <a:lnRef idx="2">
+              <a:schemeClr val="accent1"/>
+            </a:lnRef>
+            <a:fillRef idx="0">
+              <a:schemeClr val="accent1"/>
+            </a:fillRef>
+            <a:effectRef idx="1">
+              <a:schemeClr val="accent1"/>
+            </a:effectRef>
+            <a:fontRef idx="minor">
+              <a:schemeClr val="tx1"/>
+            </a:fontRef>
+          </p:style>
+        </p:cxnSp>
+        <p:sp>
+          <p:nvSpPr>
+            <p:cNvPr id="5" name="TextBox 4">
+              <a:extLst>
+                <a:ext uri="{FF2B5EF4-FFF2-40B4-BE49-F238E27FC236}">
+                  <a16:creationId xmlns:a16="http://schemas.microsoft.com/office/drawing/2014/main" id="{7C21DB5F-4B06-2074-E75D-56B222CA34BC}"/>
+                </a:ext>
+              </a:extLst>
+            </p:cNvPr>
+            <p:cNvSpPr txBox="1"/>
+            <p:nvPr/>
+          </p:nvSpPr>
+          <p:spPr>
+            <a:xfrm>
+              <a:off x="3653815" y="2639523"/>
+              <a:ext cx="314510" cy="369332"/>
+            </a:xfrm>
+            <a:prstGeom prst="rect">
+              <a:avLst/>
+            </a:prstGeom>
+            <a:noFill/>
+          </p:spPr>
+          <p:txBody>
+            <a:bodyPr wrap="none" rtlCol="0">
+              <a:spAutoFit/>
+            </a:bodyPr>
+            <a:lstStyle/>
+            <a:p>
+              <a:pPr marL="0" marR="0" lvl="0" indent="0" algn="l" defTabSz="914400" rtl="0" eaLnBrk="1" fontAlgn="auto" latinLnBrk="0" hangingPunct="1">
+                <a:lnSpc>
+                  <a:spcPct val="100000"/>
+                </a:lnSpc>
+                <a:spcBef>
+                  <a:spcPts val="0"/>
+                </a:spcBef>
+                <a:spcAft>
+                  <a:spcPts val="0"/>
+                </a:spcAft>
+                <a:buClrTx/>
+                <a:buSzTx/>
+                <a:buFontTx/>
+                <a:buNone/>
+                <a:tabLst/>
+                <a:defRPr/>
+              </a:pPr>
+              <a:r>
+                <a:rPr kumimoji="0" lang="en-US" sz="1800" b="0" i="1" u="none" strike="noStrike" kern="1200" cap="none" spc="0" normalizeH="0" baseline="0" noProof="0" dirty="0">
+                  <a:ln>
+                    <a:noFill/>
+                  </a:ln>
+                  <a:solidFill>
+                    <a:prstClr val="black"/>
+                  </a:solidFill>
+                  <a:effectLst/>
+                  <a:uLnTx/>
+                  <a:uFillTx/>
+                  <a:latin typeface="Aptos" panose="02110004020202020204"/>
+                  <a:ea typeface="+mn-ea"/>
+                  <a:cs typeface="+mn-cs"/>
+                </a:rPr>
+                <a:t>p</a:t>
+              </a:r>
+            </a:p>
+          </p:txBody>
+        </p:sp>
+      </p:grpSp>
       <p:sp>
         <p:nvSpPr>
           <p:cNvPr id="7" name="Rectangle 6">
@@ -32660,33 +33131,15 @@
                                   </p:childTnLst>
                                 </p:cTn>
                               </p:par>
-                            </p:childTnLst>
-                          </p:cTn>
-                        </p:par>
-                      </p:childTnLst>
-                    </p:cTn>
-                  </p:par>
-                  <p:par>
-                    <p:cTn id="7" fill="hold">
-                      <p:stCondLst>
-                        <p:cond delay="indefinite"/>
-                      </p:stCondLst>
-                      <p:childTnLst>
-                        <p:par>
-                          <p:cTn id="8" fill="hold">
-                            <p:stCondLst>
-                              <p:cond delay="0"/>
-                            </p:stCondLst>
-                            <p:childTnLst>
                               <p:par>
-                                <p:cTn id="9" presetID="1" presetClass="entr" presetSubtype="0" fill="hold" grpId="0" nodeType="clickEffect">
+                                <p:cTn id="7" presetID="1" presetClass="entr" presetSubtype="0" fill="hold" grpId="0" nodeType="withEffect">
                                   <p:stCondLst>
                                     <p:cond delay="0"/>
                                   </p:stCondLst>
                                   <p:childTnLst>
                                     <p:set>
                                       <p:cBhvr>
-                                        <p:cTn id="10" dur="1" fill="hold">
+                                        <p:cTn id="8" dur="1" fill="hold">
                                           <p:stCondLst>
                                             <p:cond delay="0"/>
                                           </p:stCondLst>
@@ -32709,8 +33162,26 @@
                                   </p:childTnLst>
                                 </p:cTn>
                               </p:par>
+                            </p:childTnLst>
+                          </p:cTn>
+                        </p:par>
+                      </p:childTnLst>
+                    </p:cTn>
+                  </p:par>
+                  <p:par>
+                    <p:cTn id="9" fill="hold">
+                      <p:stCondLst>
+                        <p:cond delay="indefinite"/>
+                      </p:stCondLst>
+                      <p:childTnLst>
+                        <p:par>
+                          <p:cTn id="10" fill="hold">
+                            <p:stCondLst>
+                              <p:cond delay="0"/>
+                            </p:stCondLst>
+                            <p:childTnLst>
                               <p:par>
-                                <p:cTn id="11" presetID="1" presetClass="entr" presetSubtype="0" fill="hold" nodeType="withEffect">
+                                <p:cTn id="11" presetID="1" presetClass="entr" presetSubtype="0" fill="hold" grpId="0" nodeType="clickEffect">
                                   <p:stCondLst>
                                     <p:cond delay="0"/>
                                   </p:stCondLst>
@@ -32723,7 +33194,11 @@
                                           </p:stCondLst>
                                         </p:cTn>
                                         <p:tgtEl>
-                                          <p:spTgt spid="4"/>
+                                          <p:spTgt spid="3">
+                                            <p:txEl>
+                                              <p:pRg st="2" end="2"/>
+                                            </p:txEl>
+                                          </p:spTgt>
                                         </p:tgtEl>
                                         <p:attrNameLst>
                                           <p:attrName>style.visibility</p:attrName>
@@ -32737,7 +33212,7 @@
                                 </p:cTn>
                               </p:par>
                               <p:par>
-                                <p:cTn id="13" presetID="1" presetClass="entr" presetSubtype="0" fill="hold" grpId="0" nodeType="withEffect">
+                                <p:cTn id="13" presetID="1" presetClass="entr" presetSubtype="0" fill="hold" nodeType="withEffect">
                                   <p:stCondLst>
                                     <p:cond delay="0"/>
                                   </p:stCondLst>
@@ -32750,7 +33225,7 @@
                                           </p:stCondLst>
                                         </p:cTn>
                                         <p:tgtEl>
-                                          <p:spTgt spid="5"/>
+                                          <p:spTgt spid="6"/>
                                         </p:tgtEl>
                                         <p:attrNameLst>
                                           <p:attrName>style.visibility</p:attrName>
@@ -32779,7 +33254,7 @@
                                         <p:tgtEl>
                                           <p:spTgt spid="3">
                                             <p:txEl>
-                                              <p:pRg st="2" end="2"/>
+                                              <p:pRg st="3" end="3"/>
                                             </p:txEl>
                                           </p:spTgt>
                                         </p:tgtEl>
@@ -32828,7 +33303,7 @@
                                         <p:tgtEl>
                                           <p:spTgt spid="3">
                                             <p:txEl>
-                                              <p:pRg st="3" end="3"/>
+                                              <p:pRg st="4" end="4"/>
                                             </p:txEl>
                                           </p:spTgt>
                                         </p:tgtEl>
@@ -32877,7 +33352,7 @@
                                         <p:tgtEl>
                                           <p:spTgt spid="3">
                                             <p:txEl>
-                                              <p:pRg st="4" end="4"/>
+                                              <p:pRg st="5" end="5"/>
                                             </p:txEl>
                                           </p:spTgt>
                                         </p:tgtEl>
@@ -32966,7 +33441,6 @@
     </p:tnLst>
     <p:bldLst>
       <p:bldP spid="3" grpId="0" uiExpand="1" build="p"/>
-      <p:bldP spid="5" grpId="0"/>
       <p:bldP spid="7" grpId="0"/>
     </p:bldLst>
   </p:timing>
@@ -35486,63 +35960,6 @@
               </a:rPr>
               <a:t>Onyx</a:t>
             </a:r>
-          </a:p>
-        </p:txBody>
-      </p:sp>
-      <p:sp>
-        <p:nvSpPr>
-          <p:cNvPr id="4" name="Slide Number Placeholder 3">
-            <a:extLst>
-              <a:ext uri="{FF2B5EF4-FFF2-40B4-BE49-F238E27FC236}">
-                <a16:creationId xmlns:a16="http://schemas.microsoft.com/office/drawing/2014/main" id="{38EFEE6B-146F-F7C5-5F98-DB9884E838DA}"/>
-              </a:ext>
-            </a:extLst>
-          </p:cNvPr>
-          <p:cNvSpPr>
-            <a:spLocks noGrp="1"/>
-          </p:cNvSpPr>
-          <p:nvPr>
-            <p:ph type="sldNum" sz="quarter" idx="12"/>
-          </p:nvPr>
-        </p:nvSpPr>
-        <p:spPr/>
-        <p:txBody>
-          <a:bodyPr/>
-          <a:lstStyle/>
-          <a:p>
-            <a:pPr marL="0" marR="0" lvl="0" indent="0" algn="r" defTabSz="914400" rtl="0" eaLnBrk="1" fontAlgn="auto" latinLnBrk="0" hangingPunct="1">
-              <a:lnSpc>
-                <a:spcPct val="100000"/>
-              </a:lnSpc>
-              <a:spcBef>
-                <a:spcPts val="0"/>
-              </a:spcBef>
-              <a:spcAft>
-                <a:spcPts val="0"/>
-              </a:spcAft>
-              <a:buClrTx/>
-              <a:buSzTx/>
-              <a:buFontTx/>
-              <a:buNone/>
-              <a:tabLst/>
-              <a:defRPr/>
-            </a:pPr>
-            <a:endParaRPr kumimoji="0" lang="en-US" sz="1200" b="0" i="0" u="none" strike="noStrike" kern="1200" cap="none" spc="0" normalizeH="0" baseline="0" noProof="0" dirty="0">
-              <a:ln>
-                <a:noFill/>
-              </a:ln>
-              <a:solidFill>
-                <a:prstClr val="black">
-                  <a:tint val="82000"/>
-                </a:prstClr>
-              </a:solidFill>
-              <a:effectLst/>
-              <a:uLnTx/>
-              <a:uFillTx/>
-              <a:latin typeface="Aptos" panose="02110004020202020204"/>
-              <a:ea typeface="+mn-ea"/>
-              <a:cs typeface="+mn-cs"/>
-            </a:endParaRPr>
           </a:p>
         </p:txBody>
       </p:sp>
@@ -36352,63 +36769,6 @@
           </a:p>
         </p:txBody>
       </p:sp>
-      <p:sp>
-        <p:nvSpPr>
-          <p:cNvPr id="3" name="Slide Number Placeholder 2">
-            <a:extLst>
-              <a:ext uri="{FF2B5EF4-FFF2-40B4-BE49-F238E27FC236}">
-                <a16:creationId xmlns:a16="http://schemas.microsoft.com/office/drawing/2014/main" id="{53FF5CF7-1691-758D-F49E-EA986DE2E48E}"/>
-              </a:ext>
-            </a:extLst>
-          </p:cNvPr>
-          <p:cNvSpPr>
-            <a:spLocks noGrp="1"/>
-          </p:cNvSpPr>
-          <p:nvPr>
-            <p:ph type="sldNum" sz="quarter" idx="12"/>
-          </p:nvPr>
-        </p:nvSpPr>
-        <p:spPr/>
-        <p:txBody>
-          <a:bodyPr/>
-          <a:lstStyle/>
-          <a:p>
-            <a:pPr marL="0" marR="0" lvl="0" indent="0" algn="r" defTabSz="914400" rtl="0" eaLnBrk="1" fontAlgn="auto" latinLnBrk="0" hangingPunct="1">
-              <a:lnSpc>
-                <a:spcPct val="100000"/>
-              </a:lnSpc>
-              <a:spcBef>
-                <a:spcPts val="0"/>
-              </a:spcBef>
-              <a:spcAft>
-                <a:spcPts val="0"/>
-              </a:spcAft>
-              <a:buClrTx/>
-              <a:buSzTx/>
-              <a:buFontTx/>
-              <a:buNone/>
-              <a:tabLst/>
-              <a:defRPr/>
-            </a:pPr>
-            <a:endParaRPr kumimoji="0" lang="en-US" sz="1200" b="0" i="0" u="none" strike="noStrike" kern="1200" cap="none" spc="0" normalizeH="0" baseline="0" noProof="0" dirty="0">
-              <a:ln>
-                <a:noFill/>
-              </a:ln>
-              <a:solidFill>
-                <a:prstClr val="black">
-                  <a:tint val="82000"/>
-                </a:prstClr>
-              </a:solidFill>
-              <a:effectLst/>
-              <a:uLnTx/>
-              <a:uFillTx/>
-              <a:latin typeface="Aptos" panose="02110004020202020204"/>
-              <a:ea typeface="+mn-ea"/>
-              <a:cs typeface="+mn-cs"/>
-            </a:endParaRPr>
-          </a:p>
-        </p:txBody>
-      </p:sp>
     </p:spTree>
     <p:extLst>
       <p:ext uri="{BB962C8B-B14F-4D97-AF65-F5344CB8AC3E}">
@@ -36878,63 +37238,6 @@
           </a:fontRef>
         </p:style>
       </p:cxnSp>
-      <p:sp>
-        <p:nvSpPr>
-          <p:cNvPr id="4" name="Slide Number Placeholder 3">
-            <a:extLst>
-              <a:ext uri="{FF2B5EF4-FFF2-40B4-BE49-F238E27FC236}">
-                <a16:creationId xmlns:a16="http://schemas.microsoft.com/office/drawing/2014/main" id="{0F6683A0-542F-ABD0-2A97-E4E6862801ED}"/>
-              </a:ext>
-            </a:extLst>
-          </p:cNvPr>
-          <p:cNvSpPr>
-            <a:spLocks noGrp="1"/>
-          </p:cNvSpPr>
-          <p:nvPr>
-            <p:ph type="sldNum" sz="quarter" idx="12"/>
-          </p:nvPr>
-        </p:nvSpPr>
-        <p:spPr/>
-        <p:txBody>
-          <a:bodyPr/>
-          <a:lstStyle/>
-          <a:p>
-            <a:pPr marL="0" marR="0" lvl="0" indent="0" algn="r" defTabSz="914400" rtl="0" eaLnBrk="1" fontAlgn="auto" latinLnBrk="0" hangingPunct="1">
-              <a:lnSpc>
-                <a:spcPct val="100000"/>
-              </a:lnSpc>
-              <a:spcBef>
-                <a:spcPts val="0"/>
-              </a:spcBef>
-              <a:spcAft>
-                <a:spcPts val="0"/>
-              </a:spcAft>
-              <a:buClrTx/>
-              <a:buSzTx/>
-              <a:buFontTx/>
-              <a:buNone/>
-              <a:tabLst/>
-              <a:defRPr/>
-            </a:pPr>
-            <a:endParaRPr kumimoji="0" lang="en-US" sz="1200" b="0" i="0" u="none" strike="noStrike" kern="1200" cap="none" spc="0" normalizeH="0" baseline="0" noProof="0" dirty="0">
-              <a:ln>
-                <a:noFill/>
-              </a:ln>
-              <a:solidFill>
-                <a:prstClr val="black">
-                  <a:tint val="82000"/>
-                </a:prstClr>
-              </a:solidFill>
-              <a:effectLst/>
-              <a:uLnTx/>
-              <a:uFillTx/>
-              <a:latin typeface="Aptos" panose="02110004020202020204"/>
-              <a:ea typeface="+mn-ea"/>
-              <a:cs typeface="+mn-cs"/>
-            </a:endParaRPr>
-          </a:p>
-        </p:txBody>
-      </p:sp>
     </p:spTree>
     <p:extLst>
       <p:ext uri="{BB962C8B-B14F-4D97-AF65-F5344CB8AC3E}">
@@ -37478,63 +37781,6 @@
               </a:rPr>
               <a:t>p</a:t>
             </a:r>
-          </a:p>
-        </p:txBody>
-      </p:sp>
-      <p:sp>
-        <p:nvSpPr>
-          <p:cNvPr id="4" name="Slide Number Placeholder 3">
-            <a:extLst>
-              <a:ext uri="{FF2B5EF4-FFF2-40B4-BE49-F238E27FC236}">
-                <a16:creationId xmlns:a16="http://schemas.microsoft.com/office/drawing/2014/main" id="{729A3343-BCB1-86FD-B45C-E000BE5C7AF0}"/>
-              </a:ext>
-            </a:extLst>
-          </p:cNvPr>
-          <p:cNvSpPr>
-            <a:spLocks noGrp="1"/>
-          </p:cNvSpPr>
-          <p:nvPr>
-            <p:ph type="sldNum" sz="quarter" idx="12"/>
-          </p:nvPr>
-        </p:nvSpPr>
-        <p:spPr/>
-        <p:txBody>
-          <a:bodyPr/>
-          <a:lstStyle/>
-          <a:p>
-            <a:pPr marL="0" marR="0" lvl="0" indent="0" algn="r" defTabSz="914400" rtl="0" eaLnBrk="1" fontAlgn="auto" latinLnBrk="0" hangingPunct="1">
-              <a:lnSpc>
-                <a:spcPct val="100000"/>
-              </a:lnSpc>
-              <a:spcBef>
-                <a:spcPts val="0"/>
-              </a:spcBef>
-              <a:spcAft>
-                <a:spcPts val="0"/>
-              </a:spcAft>
-              <a:buClrTx/>
-              <a:buSzTx/>
-              <a:buFontTx/>
-              <a:buNone/>
-              <a:tabLst/>
-              <a:defRPr/>
-            </a:pPr>
-            <a:endParaRPr kumimoji="0" lang="en-US" sz="1200" b="0" i="0" u="none" strike="noStrike" kern="1200" cap="none" spc="0" normalizeH="0" baseline="0" noProof="0" dirty="0">
-              <a:ln>
-                <a:noFill/>
-              </a:ln>
-              <a:solidFill>
-                <a:prstClr val="black">
-                  <a:tint val="82000"/>
-                </a:prstClr>
-              </a:solidFill>
-              <a:effectLst/>
-              <a:uLnTx/>
-              <a:uFillTx/>
-              <a:latin typeface="Aptos" panose="02110004020202020204"/>
-              <a:ea typeface="+mn-ea"/>
-              <a:cs typeface="+mn-cs"/>
-            </a:endParaRPr>
           </a:p>
         </p:txBody>
       </p:sp>
@@ -38598,68 +38844,6 @@
               <a:rPr lang="en-US" dirty="0"/>
               <a:t>How to achieve an order of several events from the pairwise relations?</a:t>
             </a:r>
-          </a:p>
-        </p:txBody>
-      </p:sp>
-      <p:sp>
-        <p:nvSpPr>
-          <p:cNvPr id="4" name="Slide Number Placeholder 3">
-            <a:extLst>
-              <a:ext uri="{FF2B5EF4-FFF2-40B4-BE49-F238E27FC236}">
-                <a16:creationId xmlns:a16="http://schemas.microsoft.com/office/drawing/2014/main" id="{470C9E0A-C329-DB4A-D536-4ADFA86FFA1C}"/>
-              </a:ext>
-            </a:extLst>
-          </p:cNvPr>
-          <p:cNvSpPr>
-            <a:spLocks noGrp="1"/>
-          </p:cNvSpPr>
-          <p:nvPr>
-            <p:ph type="sldNum" sz="quarter" idx="12"/>
-          </p:nvPr>
-        </p:nvSpPr>
-        <p:spPr>
-          <a:xfrm>
-            <a:off x="8622323" y="6356350"/>
-            <a:ext cx="2743200" cy="365125"/>
-          </a:xfrm>
-        </p:spPr>
-        <p:txBody>
-          <a:bodyPr/>
-          <a:lstStyle/>
-          <a:p>
-            <a:pPr marL="0" marR="0" lvl="0" indent="0" algn="r" defTabSz="914400" rtl="0" eaLnBrk="1" fontAlgn="auto" latinLnBrk="0" hangingPunct="1">
-              <a:lnSpc>
-                <a:spcPct val="100000"/>
-              </a:lnSpc>
-              <a:spcBef>
-                <a:spcPts val="0"/>
-              </a:spcBef>
-              <a:spcAft>
-                <a:spcPts val="0"/>
-              </a:spcAft>
-              <a:buClrTx/>
-              <a:buSzTx/>
-              <a:buFontTx/>
-              <a:buNone/>
-              <a:tabLst/>
-              <a:defRPr/>
-            </a:pPr>
-            <a:endParaRPr kumimoji="0" lang="en-US" sz="1200" b="0" i="0" u="none" strike="noStrike" kern="1200" cap="none" spc="0" normalizeH="0" baseline="0" noProof="0" dirty="0">
-              <a:ln>
-                <a:noFill/>
-              </a:ln>
-              <a:solidFill>
-                <a:prstClr val="black">
-                  <a:tint val="82000"/>
-                </a:prstClr>
-              </a:solidFill>
-              <a:effectLst/>
-              <a:uLnTx/>
-              <a:uFillTx/>
-              <a:latin typeface="Aptos" panose="02110004020202020204"/>
-              <a:ea typeface="+mn-ea"/>
-              <a:cs typeface="+mn-cs"/>
-            </a:endParaRPr>
           </a:p>
         </p:txBody>
       </p:sp>

--- a/tommy_hotnets.pptx
+++ b/tommy_hotnets.pptx
@@ -16624,46 +16624,6 @@
           </a:p>
         </p:txBody>
       </p:sp>
-      <p:pic>
-        <p:nvPicPr>
-          <p:cNvPr id="6" name="Picture 5" descr="A math equations and formulas&#10;&#10;AI-generated content may be incorrect.">
-            <a:extLst>
-              <a:ext uri="{FF2B5EF4-FFF2-40B4-BE49-F238E27FC236}">
-                <a16:creationId xmlns:a16="http://schemas.microsoft.com/office/drawing/2014/main" id="{7CD87B8A-E7F4-9C1A-B56E-73561599BF1B}"/>
-              </a:ext>
-            </a:extLst>
-          </p:cNvPr>
-          <p:cNvPicPr>
-            <a:picLocks noChangeAspect="1"/>
-          </p:cNvPicPr>
-          <p:nvPr/>
-        </p:nvPicPr>
-        <p:blipFill>
-          <a:blip r:embed="rId2"/>
-          <a:stretch>
-            <a:fillRect/>
-          </a:stretch>
-        </p:blipFill>
-        <p:spPr>
-          <a:xfrm>
-            <a:off x="3125163" y="3086256"/>
-            <a:ext cx="5244437" cy="2261248"/>
-          </a:xfrm>
-          <a:prstGeom prst="rect">
-            <a:avLst/>
-          </a:prstGeom>
-          <a:ln>
-            <a:noFill/>
-          </a:ln>
-          <a:effectLst>
-            <a:outerShdw blurRad="292100" dist="139700" dir="2700000" algn="tl" rotWithShape="0">
-              <a:srgbClr val="333333">
-                <a:alpha val="65000"/>
-              </a:srgbClr>
-            </a:outerShdw>
-          </a:effectLst>
-        </p:spPr>
-      </p:pic>
       <p:sp>
         <p:nvSpPr>
           <p:cNvPr id="4" name="Oval 3">
@@ -16722,6 +16682,54 @@
           </a:p>
         </p:txBody>
       </p:sp>
+      <p:pic>
+        <p:nvPicPr>
+          <p:cNvPr id="11" name="Picture 10">
+            <a:extLst>
+              <a:ext uri="{FF2B5EF4-FFF2-40B4-BE49-F238E27FC236}">
+                <a16:creationId xmlns:a16="http://schemas.microsoft.com/office/drawing/2014/main" id="{F560106F-7172-F544-DF18-3E20F1B232C3}"/>
+              </a:ext>
+            </a:extLst>
+          </p:cNvPr>
+          <p:cNvPicPr>
+            <a:picLocks noChangeAspect="1"/>
+          </p:cNvPicPr>
+          <p:nvPr/>
+        </p:nvPicPr>
+        <p:blipFill>
+          <a:blip r:embed="rId2"/>
+          <a:srcRect l="7527" t="12634" r="30625" b="76414"/>
+          <a:stretch>
+            <a:fillRect/>
+          </a:stretch>
+        </p:blipFill>
+        <p:spPr>
+          <a:xfrm>
+            <a:off x="1047111" y="3368061"/>
+            <a:ext cx="9704016" cy="2223799"/>
+          </a:xfrm>
+          <a:prstGeom prst="rect">
+            <a:avLst/>
+          </a:prstGeom>
+          <a:blipFill>
+            <a:blip r:embed="rId3"/>
+            <a:tile tx="0" ty="0" sx="100000" sy="100000" flip="none" algn="tl"/>
+          </a:blipFill>
+          <a:effectLst>
+            <a:glow rad="228600">
+              <a:schemeClr val="accent1">
+                <a:satMod val="175000"/>
+                <a:alpha val="40000"/>
+              </a:schemeClr>
+            </a:glow>
+            <a:outerShdw blurRad="50800" dist="38100" dir="5400000" algn="t" rotWithShape="0">
+              <a:prstClr val="black">
+                <a:alpha val="40000"/>
+              </a:prstClr>
+            </a:outerShdw>
+          </a:effectLst>
+        </p:spPr>
+      </p:pic>
     </p:spTree>
     <p:extLst>
       <p:ext uri="{BB962C8B-B14F-4D97-AF65-F5344CB8AC3E}">
@@ -17014,7 +17022,7 @@
                                           </p:stCondLst>
                                         </p:cTn>
                                         <p:tgtEl>
-                                          <p:spTgt spid="6"/>
+                                          <p:spTgt spid="11"/>
                                         </p:tgtEl>
                                         <p:attrNameLst>
                                           <p:attrName>style.visibility</p:attrName>
@@ -17046,28 +17054,74 @@
                             </p:stCondLst>
                             <p:childTnLst>
                               <p:par>
-                                <p:cTn id="29" presetID="3" presetClass="exit" presetSubtype="10" fill="hold" nodeType="clickEffect">
+                                <p:cTn id="29" presetID="55" presetClass="exit" presetSubtype="0" fill="hold" nodeType="clickEffect">
                                   <p:stCondLst>
                                     <p:cond delay="0"/>
                                   </p:stCondLst>
                                   <p:childTnLst>
-                                    <p:animEffect transition="out" filter="blinds(horizontal)">
+                                    <p:anim calcmode="lin" valueType="num">
                                       <p:cBhvr>
                                         <p:cTn id="30" dur="500"/>
                                         <p:tgtEl>
-                                          <p:spTgt spid="6"/>
+                                          <p:spTgt spid="11"/>
+                                        </p:tgtEl>
+                                        <p:attrNameLst>
+                                          <p:attrName>ppt_w</p:attrName>
+                                        </p:attrNameLst>
+                                      </p:cBhvr>
+                                      <p:tavLst>
+                                        <p:tav tm="0">
+                                          <p:val>
+                                            <p:strVal val="ppt_w"/>
+                                          </p:val>
+                                        </p:tav>
+                                        <p:tav tm="100000">
+                                          <p:val>
+                                            <p:strVal val="ppt_w*0.70"/>
+                                          </p:val>
+                                        </p:tav>
+                                      </p:tavLst>
+                                    </p:anim>
+                                    <p:anim calcmode="lin" valueType="num">
+                                      <p:cBhvr>
+                                        <p:cTn id="31" dur="500"/>
+                                        <p:tgtEl>
+                                          <p:spTgt spid="11"/>
+                                        </p:tgtEl>
+                                        <p:attrNameLst>
+                                          <p:attrName>ppt_h</p:attrName>
+                                        </p:attrNameLst>
+                                      </p:cBhvr>
+                                      <p:tavLst>
+                                        <p:tav tm="0">
+                                          <p:val>
+                                            <p:strVal val="ppt_h"/>
+                                          </p:val>
+                                        </p:tav>
+                                        <p:tav tm="100000">
+                                          <p:val>
+                                            <p:strVal val="ppt_h"/>
+                                          </p:val>
+                                        </p:tav>
+                                      </p:tavLst>
+                                    </p:anim>
+                                    <p:animEffect transition="out" filter="fade">
+                                      <p:cBhvr>
+                                        <p:cTn id="32" dur="500"/>
+                                        <p:tgtEl>
+                                          <p:spTgt spid="11"/>
                                         </p:tgtEl>
                                       </p:cBhvr>
                                     </p:animEffect>
                                     <p:set>
                                       <p:cBhvr>
-                                        <p:cTn id="31" dur="1" fill="hold">
+                                        <p:cTn id="33" dur="1" fill="hold">
                                           <p:stCondLst>
                                             <p:cond delay="499"/>
                                           </p:stCondLst>
                                         </p:cTn>
                                         <p:tgtEl>
-                                          <p:spTgt spid="6"/>
+                                          <p:spTgt spid="11"/>
                                         </p:tgtEl>
                                         <p:attrNameLst>
                                           <p:attrName>style.visibility</p:attrName>
@@ -17087,26 +17141,26 @@
                     </p:cTn>
                   </p:par>
                   <p:par>
-                    <p:cTn id="32" fill="hold">
+                    <p:cTn id="34" fill="hold">
                       <p:stCondLst>
                         <p:cond delay="indefinite"/>
                       </p:stCondLst>
                       <p:childTnLst>
                         <p:par>
-                          <p:cTn id="33" fill="hold">
+                          <p:cTn id="35" fill="hold">
                             <p:stCondLst>
                               <p:cond delay="0"/>
                             </p:stCondLst>
                             <p:childTnLst>
                               <p:par>
-                                <p:cTn id="34" presetID="1" presetClass="entr" presetSubtype="0" fill="hold" grpId="0" nodeType="clickEffect">
+                                <p:cTn id="36" presetID="1" presetClass="entr" presetSubtype="0" fill="hold" grpId="0" nodeType="clickEffect">
                                   <p:stCondLst>
                                     <p:cond delay="0"/>
                                   </p:stCondLst>
                                   <p:childTnLst>
                                     <p:set>
                                       <p:cBhvr>
-                                        <p:cTn id="35" dur="1" fill="hold">
+                                        <p:cTn id="37" dur="1" fill="hold">
                                           <p:stCondLst>
                                             <p:cond delay="0"/>
                                           </p:stCondLst>
@@ -17136,26 +17190,26 @@
                     </p:cTn>
                   </p:par>
                   <p:par>
-                    <p:cTn id="36" fill="hold">
+                    <p:cTn id="38" fill="hold">
                       <p:stCondLst>
                         <p:cond delay="indefinite"/>
                       </p:stCondLst>
                       <p:childTnLst>
                         <p:par>
-                          <p:cTn id="37" fill="hold">
+                          <p:cTn id="39" fill="hold">
                             <p:stCondLst>
                               <p:cond delay="0"/>
                             </p:stCondLst>
                             <p:childTnLst>
                               <p:par>
-                                <p:cTn id="38" presetID="1" presetClass="entr" presetSubtype="0" fill="hold" grpId="0" nodeType="clickEffect">
+                                <p:cTn id="40" presetID="1" presetClass="entr" presetSubtype="0" fill="hold" grpId="0" nodeType="clickEffect">
                                   <p:stCondLst>
                                     <p:cond delay="0"/>
                                   </p:stCondLst>
                                   <p:childTnLst>
                                     <p:set>
                                       <p:cBhvr>
-                                        <p:cTn id="39" dur="1" fill="hold">
+                                        <p:cTn id="41" dur="1" fill="hold">
                                           <p:stCondLst>
                                             <p:cond delay="0"/>
                                           </p:stCondLst>
@@ -32869,7 +32923,7 @@
           <a:p>
             <a:r>
               <a:rPr lang="en-US" dirty="0"/>
-              <a:t>And more.</a:t>
+              <a:t>Evaluating a fair sequencer in the real world</a:t>
             </a:r>
           </a:p>
           <a:p>
@@ -34843,10 +34897,13 @@
                                 </p:cTn>
                               </p:par>
                               <p:par>
-                                <p:cTn id="11" presetID="1" presetClass="entr" presetSubtype="0" fill="hold" grpId="0" nodeType="withEffect">
+                                <p:cTn id="11" presetID="1" presetClass="entr" presetSubtype="0" fill="hold" nodeType="withEffect">
                                   <p:stCondLst>
                                     <p:cond delay="0"/>
                                   </p:stCondLst>
+                                  <p:iterate type="lt">
+                                    <p:tmAbs val="0"/>
+                                  </p:iterate>
                                   <p:childTnLst>
                                     <p:set>
                                       <p:cBhvr>
@@ -34950,6 +35007,105 @@
                                         <p:strVal val="visible"/>
                                       </p:to>
                                     </p:set>
+                                  </p:childTnLst>
+                                </p:cTn>
+                              </p:par>
+                            </p:childTnLst>
+                          </p:cTn>
+                        </p:par>
+                      </p:childTnLst>
+                    </p:cTn>
+                  </p:par>
+                  <p:par>
+                    <p:cTn id="19" fill="hold">
+                      <p:stCondLst>
+                        <p:cond delay="indefinite"/>
+                      </p:stCondLst>
+                      <p:childTnLst>
+                        <p:par>
+                          <p:cTn id="20" fill="hold">
+                            <p:stCondLst>
+                              <p:cond delay="0"/>
+                            </p:stCondLst>
+                            <p:childTnLst>
+                              <p:par>
+                                <p:cTn id="21" presetID="28" presetClass="emph" presetSubtype="0" fill="hold" grpId="0" nodeType="clickEffect">
+                                  <p:stCondLst>
+                                    <p:cond delay="0"/>
+                                  </p:stCondLst>
+                                  <p:iterate type="lt">
+                                    <p:tmPct val="10000"/>
+                                  </p:iterate>
+                                  <p:childTnLst>
+                                    <p:animClr clrSpc="rgb" dir="cw">
+                                      <p:cBhvr override="childStyle">
+                                        <p:cTn id="22" dur="500" fill="hold"/>
+                                        <p:tgtEl>
+                                          <p:spTgt spid="3">
+                                            <p:txEl>
+                                              <p:pRg st="2" end="2"/>
+                                            </p:txEl>
+                                          </p:spTgt>
+                                        </p:tgtEl>
+                                        <p:attrNameLst>
+                                          <p:attrName>style.color</p:attrName>
+                                        </p:attrNameLst>
+                                      </p:cBhvr>
+                                      <p:to>
+                                        <a:schemeClr val="accent2"/>
+                                      </p:to>
+                                    </p:animClr>
+                                    <p:animClr clrSpc="rgb" dir="cw">
+                                      <p:cBhvr>
+                                        <p:cTn id="23" dur="500" fill="hold"/>
+                                        <p:tgtEl>
+                                          <p:spTgt spid="3">
+                                            <p:txEl>
+                                              <p:pRg st="2" end="2"/>
+                                            </p:txEl>
+                                          </p:spTgt>
+                                        </p:tgtEl>
+                                        <p:attrNameLst>
+                                          <p:attrName>fillcolor</p:attrName>
+                                        </p:attrNameLst>
+                                      </p:cBhvr>
+                                      <p:to>
+                                        <a:schemeClr val="accent2"/>
+                                      </p:to>
+                                    </p:animClr>
+                                    <p:set>
+                                      <p:cBhvr>
+                                        <p:cTn id="24" dur="500" fill="hold"/>
+                                        <p:tgtEl>
+                                          <p:spTgt spid="3">
+                                            <p:txEl>
+                                              <p:pRg st="2" end="2"/>
+                                            </p:txEl>
+                                          </p:spTgt>
+                                        </p:tgtEl>
+                                        <p:attrNameLst>
+                                          <p:attrName>fill.type</p:attrName>
+                                        </p:attrNameLst>
+                                      </p:cBhvr>
+                                      <p:to>
+                                        <p:strVal val="solid"/>
+                                      </p:to>
+                                    </p:set>
+                                    <p:anim to="1.5" calcmode="lin" valueType="num">
+                                      <p:cBhvr override="childStyle">
+                                        <p:cTn id="25" dur="500" fill="hold"/>
+                                        <p:tgtEl>
+                                          <p:spTgt spid="3">
+                                            <p:txEl>
+                                              <p:pRg st="2" end="2"/>
+                                            </p:txEl>
+                                          </p:spTgt>
+                                        </p:tgtEl>
+                                        <p:attrNameLst>
+                                          <p:attrName>style.fontSize</p:attrName>
+                                        </p:attrNameLst>
+                                      </p:cBhvr>
+                                    </p:anim>
                                   </p:childTnLst>
                                 </p:cTn>
                               </p:par>

--- a/tommy_hotnets.pptx
+++ b/tommy_hotnets.pptx
@@ -521,6 +521,90 @@
           </p:nvPr>
         </p:nvSpPr>
         <p:spPr/>
+      </p:sp>
+      <p:sp>
+        <p:nvSpPr>
+          <p:cNvPr id="3" name="Notes Placeholder 2"/>
+          <p:cNvSpPr>
+            <a:spLocks noGrp="1"/>
+          </p:cNvSpPr>
+          <p:nvPr>
+            <p:ph type="body" idx="1"/>
+          </p:nvPr>
+        </p:nvSpPr>
+        <p:spPr/>
+        <p:txBody>
+          <a:bodyPr/>
+          <a:lstStyle/>
+          <a:p>
+            <a:endParaRPr lang="en-US" dirty="0"/>
+          </a:p>
+        </p:txBody>
+      </p:sp>
+      <p:sp>
+        <p:nvSpPr>
+          <p:cNvPr id="4" name="Slide Number Placeholder 3"/>
+          <p:cNvSpPr>
+            <a:spLocks noGrp="1"/>
+          </p:cNvSpPr>
+          <p:nvPr>
+            <p:ph type="sldNum" sz="quarter" idx="5"/>
+          </p:nvPr>
+        </p:nvSpPr>
+        <p:spPr/>
+        <p:txBody>
+          <a:bodyPr/>
+          <a:lstStyle/>
+          <a:p>
+            <a:fld id="{B3E8125A-D8BB-E74B-8C6E-AB7BD2C997CF}" type="slidenum">
+              <a:rPr lang="en-US" smtClean="0"/>
+              <a:t>2</a:t>
+            </a:fld>
+            <a:endParaRPr lang="en-US"/>
+          </a:p>
+        </p:txBody>
+      </p:sp>
+    </p:spTree>
+    <p:extLst>
+      <p:ext uri="{BB962C8B-B14F-4D97-AF65-F5344CB8AC3E}">
+        <p14:creationId xmlns:p14="http://schemas.microsoft.com/office/powerpoint/2010/main" val="1739574491"/>
+      </p:ext>
+    </p:extLst>
+  </p:cSld>
+  <p:clrMapOvr>
+    <a:masterClrMapping/>
+  </p:clrMapOvr>
+</p:notes>
+</file>
+
+<file path=ppt/notesSlides/notesSlide2.xml><?xml version="1.0" encoding="utf-8"?>
+<p:notes xmlns:a="http://schemas.openxmlformats.org/drawingml/2006/main" xmlns:r="http://schemas.openxmlformats.org/officeDocument/2006/relationships" xmlns:p="http://schemas.openxmlformats.org/presentationml/2006/main">
+  <p:cSld>
+    <p:spTree>
+      <p:nvGrpSpPr>
+        <p:cNvPr id="1" name=""/>
+        <p:cNvGrpSpPr/>
+        <p:nvPr/>
+      </p:nvGrpSpPr>
+      <p:grpSpPr>
+        <a:xfrm>
+          <a:off x="0" y="0"/>
+          <a:ext cx="0" cy="0"/>
+          <a:chOff x="0" y="0"/>
+          <a:chExt cx="0" cy="0"/>
+        </a:xfrm>
+      </p:grpSpPr>
+      <p:sp>
+        <p:nvSpPr>
+          <p:cNvPr id="2" name="Slide Image Placeholder 1"/>
+          <p:cNvSpPr>
+            <a:spLocks noGrp="1" noRot="1" noChangeAspect="1"/>
+          </p:cNvSpPr>
+          <p:nvPr>
+            <p:ph type="sldImg"/>
+          </p:nvPr>
+        </p:nvSpPr>
+        <p:spPr/>
         <p:txBody>
           <a:bodyPr/>
           <a:lstStyle/>
@@ -587,7 +671,7 @@
 </p:notes>
 </file>
 
-<file path=ppt/notesSlides/notesSlide2.xml><?xml version="1.0" encoding="utf-8"?>
+<file path=ppt/notesSlides/notesSlide3.xml><?xml version="1.0" encoding="utf-8"?>
 <p:notes xmlns:a="http://schemas.openxmlformats.org/drawingml/2006/main" xmlns:r="http://schemas.openxmlformats.org/officeDocument/2006/relationships" xmlns:p="http://schemas.openxmlformats.org/presentationml/2006/main">
   <p:cSld>
     <p:spTree>
@@ -741,7 +825,7 @@
 </p:notes>
 </file>
 
-<file path=ppt/notesSlides/notesSlide3.xml><?xml version="1.0" encoding="utf-8"?>
+<file path=ppt/notesSlides/notesSlide4.xml><?xml version="1.0" encoding="utf-8"?>
 <p:notes xmlns:a="http://schemas.openxmlformats.org/drawingml/2006/main" xmlns:r="http://schemas.openxmlformats.org/officeDocument/2006/relationships" xmlns:p="http://schemas.openxmlformats.org/presentationml/2006/main">
   <p:cSld>
     <p:spTree>
@@ -828,7 +912,7 @@
 </p:notes>
 </file>
 
-<file path=ppt/notesSlides/notesSlide4.xml><?xml version="1.0" encoding="utf-8"?>
+<file path=ppt/notesSlides/notesSlide5.xml><?xml version="1.0" encoding="utf-8"?>
 <p:notes xmlns:a="http://schemas.openxmlformats.org/drawingml/2006/main" xmlns:r="http://schemas.openxmlformats.org/officeDocument/2006/relationships" xmlns:p="http://schemas.openxmlformats.org/presentationml/2006/main">
   <p:cSld>
     <p:spTree>
@@ -8532,7 +8616,7 @@
         <p:spPr>
           <a:xfrm>
             <a:off x="2688505" y="1400413"/>
-            <a:ext cx="3811300" cy="400110"/>
+            <a:ext cx="4006931" cy="400110"/>
           </a:xfrm>
           <a:prstGeom prst="rect">
             <a:avLst/>
@@ -8577,7 +8661,7 @@
                 <a:ea typeface="+mn-ea"/>
                 <a:cs typeface="+mn-cs"/>
               </a:rPr>
-              <a:t>Learned Clock Drift Distributions</a:t>
+              <a:t>Learned Clock Offset Distributions</a:t>
             </a:r>
           </a:p>
         </p:txBody>
@@ -11431,7 +11515,7 @@
         <p:spPr>
           <a:xfrm>
             <a:off x="2688505" y="1400413"/>
-            <a:ext cx="3811300" cy="400110"/>
+            <a:ext cx="4006931" cy="400110"/>
           </a:xfrm>
           <a:prstGeom prst="rect">
             <a:avLst/>
@@ -11476,7 +11560,7 @@
                 <a:ea typeface="+mn-ea"/>
                 <a:cs typeface="+mn-cs"/>
               </a:rPr>
-              <a:t>Learned Clock Drift Distributions</a:t>
+              <a:t>Learned Clock Offset Distributions</a:t>
             </a:r>
           </a:p>
         </p:txBody>
@@ -16598,7 +16682,7 @@
             <a:pPr lvl="1"/>
             <a:r>
               <a:rPr lang="en-US" sz="2200" dirty="0"/>
-              <a:t>Depends on the clock drift distributions</a:t>
+              <a:t>Depends on the clock offset distributions</a:t>
             </a:r>
           </a:p>
           <a:p>
@@ -16705,7 +16789,7 @@
         </p:blipFill>
         <p:spPr>
           <a:xfrm>
-            <a:off x="1047111" y="3368061"/>
+            <a:off x="1339450" y="3183974"/>
             <a:ext cx="9704016" cy="2223799"/>
           </a:xfrm>
           <a:prstGeom prst="rect">
@@ -24069,7 +24153,7 @@
                 <a:ea typeface="+mn-ea"/>
                 <a:cs typeface="+mn-cs"/>
               </a:rPr>
-              <a:t>Ordering probabilities may not be transitive, depending on the clock drift distributions</a:t>
+              <a:t>Ordering probabilities may not be transitive, depending on the clock offset distributions</a:t>
             </a:r>
           </a:p>
         </p:txBody>
@@ -25205,7 +25289,7 @@
 </file>
 
 <file path=ppt/slides/slide25.xml><?xml version="1.0" encoding="utf-8"?>
-<p:sld xmlns:a="http://schemas.openxmlformats.org/drawingml/2006/main" xmlns:r="http://schemas.openxmlformats.org/officeDocument/2006/relationships" xmlns:p="http://schemas.openxmlformats.org/presentationml/2006/main">
+<p:sld xmlns:a="http://schemas.openxmlformats.org/drawingml/2006/main" xmlns:r="http://schemas.openxmlformats.org/officeDocument/2006/relationships" xmlns:p="http://schemas.openxmlformats.org/presentationml/2006/main" show="0">
   <p:cSld>
     <p:spTree>
       <p:nvGrpSpPr>
@@ -26085,13 +26169,13 @@
   <p:clrMapOvr>
     <a:masterClrMapping/>
   </p:clrMapOvr>
-  <mc:AlternateContent xmlns:mc="http://schemas.openxmlformats.org/markup-compatibility/2006" xmlns:p159="http://schemas.microsoft.com/office/powerpoint/2015/09/main">
-    <mc:Choice Requires="p159">
+  <mc:AlternateContent xmlns:mc="http://schemas.openxmlformats.org/markup-compatibility/2006">
+    <mc:Choice xmlns:p159="http://schemas.microsoft.com/office/powerpoint/2015/09/main" Requires="p159">
       <p:transition spd="med">
         <p159:morph option="byObject"/>
       </p:transition>
     </mc:Choice>
-    <mc:Fallback xmlns="">
+    <mc:Fallback>
       <p:transition spd="med">
         <p:fade/>
       </p:transition>
@@ -26271,7 +26355,7 @@
 </file>
 
 <file path=ppt/slides/slide26.xml><?xml version="1.0" encoding="utf-8"?>
-<p:sld xmlns:a="http://schemas.openxmlformats.org/drawingml/2006/main" xmlns:r="http://schemas.openxmlformats.org/officeDocument/2006/relationships" xmlns:p="http://schemas.openxmlformats.org/presentationml/2006/main">
+<p:sld xmlns:a="http://schemas.openxmlformats.org/drawingml/2006/main" xmlns:r="http://schemas.openxmlformats.org/officeDocument/2006/relationships" xmlns:p="http://schemas.openxmlformats.org/presentationml/2006/main" show="0">
   <p:cSld>
     <p:spTree>
       <p:nvGrpSpPr>

--- a/tommy_hotnets.pptx
+++ b/tommy_hotnets.pptx
@@ -5,7 +5,7 @@
     <p:sldMasterId id="2147483660" r:id="rId1"/>
   </p:sldMasterIdLst>
   <p:notesMasterIdLst>
-    <p:notesMasterId r:id="rId32"/>
+    <p:notesMasterId r:id="rId34"/>
   </p:notesMasterIdLst>
   <p:sldIdLst>
     <p:sldId id="263" r:id="rId2"/>
@@ -21,23 +21,25 @@
     <p:sldId id="277" r:id="rId12"/>
     <p:sldId id="340" r:id="rId13"/>
     <p:sldId id="341" r:id="rId14"/>
-    <p:sldId id="292" r:id="rId15"/>
-    <p:sldId id="293" r:id="rId16"/>
-    <p:sldId id="280" r:id="rId17"/>
-    <p:sldId id="279" r:id="rId18"/>
-    <p:sldId id="266" r:id="rId19"/>
-    <p:sldId id="278" r:id="rId20"/>
-    <p:sldId id="281" r:id="rId21"/>
-    <p:sldId id="282" r:id="rId22"/>
-    <p:sldId id="283" r:id="rId23"/>
-    <p:sldId id="284" r:id="rId24"/>
-    <p:sldId id="285" r:id="rId25"/>
-    <p:sldId id="286" r:id="rId26"/>
-    <p:sldId id="287" r:id="rId27"/>
-    <p:sldId id="276" r:id="rId28"/>
-    <p:sldId id="269" r:id="rId29"/>
-    <p:sldId id="273" r:id="rId30"/>
-    <p:sldId id="271" r:id="rId31"/>
+    <p:sldId id="348" r:id="rId15"/>
+    <p:sldId id="292" r:id="rId16"/>
+    <p:sldId id="293" r:id="rId17"/>
+    <p:sldId id="280" r:id="rId18"/>
+    <p:sldId id="279" r:id="rId19"/>
+    <p:sldId id="266" r:id="rId20"/>
+    <p:sldId id="349" r:id="rId21"/>
+    <p:sldId id="278" r:id="rId22"/>
+    <p:sldId id="281" r:id="rId23"/>
+    <p:sldId id="282" r:id="rId24"/>
+    <p:sldId id="283" r:id="rId25"/>
+    <p:sldId id="284" r:id="rId26"/>
+    <p:sldId id="285" r:id="rId27"/>
+    <p:sldId id="286" r:id="rId28"/>
+    <p:sldId id="287" r:id="rId29"/>
+    <p:sldId id="276" r:id="rId30"/>
+    <p:sldId id="269" r:id="rId31"/>
+    <p:sldId id="273" r:id="rId32"/>
+    <p:sldId id="271" r:id="rId33"/>
   </p:sldIdLst>
   <p:sldSz cx="12192000" cy="6858000"/>
   <p:notesSz cx="6858000" cy="9144000"/>
@@ -893,7 +895,7 @@
           <a:p>
             <a:fld id="{B3E8125A-D8BB-E74B-8C6E-AB7BD2C997CF}" type="slidenum">
               <a:rPr lang="en-US" smtClean="0"/>
-              <a:t>14</a:t>
+              <a:t>15</a:t>
             </a:fld>
             <a:endParaRPr lang="en-US"/>
           </a:p>
@@ -1034,7 +1036,7 @@
                 <a:tabLst/>
                 <a:defRPr/>
               </a:pPr>
-              <a:t>23</a:t>
+              <a:t>25</a:t>
             </a:fld>
             <a:endParaRPr kumimoji="0" lang="en-US" sz="1200" b="0" i="0" u="none" strike="noStrike" kern="1200" cap="none" spc="0" normalizeH="0" baseline="0" noProof="0">
               <a:ln>
@@ -12815,7 +12817,7 @@
 </file>
 
 <file path=ppt/slides/slide13.xml><?xml version="1.0" encoding="utf-8"?>
-<p:sld xmlns:a="http://schemas.openxmlformats.org/drawingml/2006/main" xmlns:r="http://schemas.openxmlformats.org/officeDocument/2006/relationships" xmlns:p="http://schemas.openxmlformats.org/presentationml/2006/main">
+<p:sld xmlns:a="http://schemas.openxmlformats.org/drawingml/2006/main" xmlns:r="http://schemas.openxmlformats.org/officeDocument/2006/relationships" xmlns:p="http://schemas.openxmlformats.org/presentationml/2006/main" show="0">
   <p:cSld>
     <p:spTree>
       <p:nvGrpSpPr>
@@ -13329,13 +13331,13 @@
   <p:clrMapOvr>
     <a:masterClrMapping/>
   </p:clrMapOvr>
-  <mc:AlternateContent xmlns:mc="http://schemas.openxmlformats.org/markup-compatibility/2006" xmlns:p159="http://schemas.microsoft.com/office/powerpoint/2015/09/main">
-    <mc:Choice Requires="p159">
+  <mc:AlternateContent xmlns:mc="http://schemas.openxmlformats.org/markup-compatibility/2006">
+    <mc:Choice xmlns:p159="http://schemas.microsoft.com/office/powerpoint/2015/09/main" Requires="p159">
       <p:transition xmlns:p14="http://schemas.microsoft.com/office/powerpoint/2010/main" spd="slow" p14:dur="2000">
         <p159:morph option="byObject"/>
       </p:transition>
     </mc:Choice>
-    <mc:Fallback xmlns="">
+    <mc:Fallback>
       <p:transition spd="slow">
         <p:fade/>
       </p:transition>
@@ -13655,6 +13657,835 @@
         <p:cNvPr id="1" name="">
           <a:extLst>
             <a:ext uri="{FF2B5EF4-FFF2-40B4-BE49-F238E27FC236}">
+              <a16:creationId xmlns:a16="http://schemas.microsoft.com/office/drawing/2014/main" id="{F4FE8C2A-99AE-1855-1EFB-3F4AC9EFDE81}"/>
+            </a:ext>
+          </a:extLst>
+        </p:cNvPr>
+        <p:cNvGrpSpPr/>
+        <p:nvPr/>
+      </p:nvGrpSpPr>
+      <p:grpSpPr>
+        <a:xfrm>
+          <a:off x="0" y="0"/>
+          <a:ext cx="0" cy="0"/>
+          <a:chOff x="0" y="0"/>
+          <a:chExt cx="0" cy="0"/>
+        </a:xfrm>
+      </p:grpSpPr>
+      <p:pic>
+        <p:nvPicPr>
+          <p:cNvPr id="78" name="Picture 77">
+            <a:extLst>
+              <a:ext uri="{FF2B5EF4-FFF2-40B4-BE49-F238E27FC236}">
+                <a16:creationId xmlns:a16="http://schemas.microsoft.com/office/drawing/2014/main" id="{4C5C7C63-C702-E669-ECD5-D7CBBC21647C}"/>
+              </a:ext>
+            </a:extLst>
+          </p:cNvPr>
+          <p:cNvPicPr>
+            <a:picLocks noChangeAspect="1"/>
+          </p:cNvPicPr>
+          <p:nvPr/>
+        </p:nvPicPr>
+        <p:blipFill>
+          <a:blip r:embed="rId2"/>
+          <a:stretch>
+            <a:fillRect/>
+          </a:stretch>
+        </p:blipFill>
+        <p:spPr>
+          <a:xfrm>
+            <a:off x="448782" y="602691"/>
+            <a:ext cx="2304087" cy="398689"/>
+          </a:xfrm>
+          <a:custGeom>
+            <a:avLst/>
+            <a:gdLst>
+              <a:gd name="connsiteX0" fmla="*/ -1 w 2304087"/>
+              <a:gd name="connsiteY0" fmla="*/ -1 h 398689"/>
+              <a:gd name="connsiteX1" fmla="*/ 2304087 w 2304087"/>
+              <a:gd name="connsiteY1" fmla="*/ -1 h 398689"/>
+              <a:gd name="connsiteX2" fmla="*/ 2304087 w 2304087"/>
+              <a:gd name="connsiteY2" fmla="*/ 398689 h 398689"/>
+              <a:gd name="connsiteX3" fmla="*/ -1 w 2304087"/>
+              <a:gd name="connsiteY3" fmla="*/ 398689 h 398689"/>
+            </a:gdLst>
+            <a:ahLst/>
+            <a:cxnLst>
+              <a:cxn ang="0">
+                <a:pos x="connsiteX0" y="connsiteY0"/>
+              </a:cxn>
+              <a:cxn ang="0">
+                <a:pos x="connsiteX1" y="connsiteY1"/>
+              </a:cxn>
+              <a:cxn ang="0">
+                <a:pos x="connsiteX2" y="connsiteY2"/>
+              </a:cxn>
+              <a:cxn ang="0">
+                <a:pos x="connsiteX3" y="connsiteY3"/>
+              </a:cxn>
+            </a:cxnLst>
+            <a:rect l="l" t="t" r="r" b="b"/>
+            <a:pathLst>
+              <a:path w="2304087" h="398689">
+                <a:moveTo>
+                  <a:pt x="-1" y="-1"/>
+                </a:moveTo>
+                <a:lnTo>
+                  <a:pt x="2304087" y="-1"/>
+                </a:lnTo>
+                <a:lnTo>
+                  <a:pt x="2304087" y="398689"/>
+                </a:lnTo>
+                <a:lnTo>
+                  <a:pt x="-1" y="398689"/>
+                </a:lnTo>
+                <a:close/>
+              </a:path>
+            </a:pathLst>
+          </a:custGeom>
+        </p:spPr>
+      </p:pic>
+      <p:sp>
+        <p:nvSpPr>
+          <p:cNvPr id="18" name="Title 1">
+            <a:extLst>
+              <a:ext uri="{FF2B5EF4-FFF2-40B4-BE49-F238E27FC236}">
+                <a16:creationId xmlns:a16="http://schemas.microsoft.com/office/drawing/2014/main" id="{BFBD0663-2A2A-987B-1473-9B2AD2A426AF}"/>
+              </a:ext>
+            </a:extLst>
+          </p:cNvPr>
+          <p:cNvSpPr>
+            <a:spLocks noGrp="1"/>
+          </p:cNvSpPr>
+          <p:nvPr>
+            <p:ph type="title"/>
+          </p:nvPr>
+        </p:nvSpPr>
+        <p:spPr>
+          <a:xfrm>
+            <a:off x="515983" y="602691"/>
+            <a:ext cx="10515600" cy="1325563"/>
+          </a:xfrm>
+        </p:spPr>
+        <p:txBody>
+          <a:bodyPr/>
+          <a:lstStyle/>
+          <a:p>
+            <a:r>
+              <a:rPr lang="en-US" dirty="0"/>
+              <a:t>Ordering Probability </a:t>
+            </a:r>
+            <a:r>
+              <a:rPr lang="en-US" i="1" dirty="0"/>
+              <a:t>p</a:t>
+            </a:r>
+          </a:p>
+        </p:txBody>
+      </p:sp>
+      <p:sp>
+        <p:nvSpPr>
+          <p:cNvPr id="19" name="TextBox 18">
+            <a:extLst>
+              <a:ext uri="{FF2B5EF4-FFF2-40B4-BE49-F238E27FC236}">
+                <a16:creationId xmlns:a16="http://schemas.microsoft.com/office/drawing/2014/main" id="{C430C9F4-0E48-F66F-9E2B-BF2A9E022895}"/>
+              </a:ext>
+            </a:extLst>
+          </p:cNvPr>
+          <p:cNvSpPr txBox="1"/>
+          <p:nvPr/>
+        </p:nvSpPr>
+        <p:spPr>
+          <a:xfrm>
+            <a:off x="3144435" y="1940201"/>
+            <a:ext cx="3934609" cy="365809"/>
+          </a:xfrm>
+          <a:prstGeom prst="rect">
+            <a:avLst/>
+          </a:prstGeom>
+          <a:noFill/>
+        </p:spPr>
+        <p:txBody>
+          <a:bodyPr wrap="square">
+            <a:spAutoFit/>
+          </a:bodyPr>
+          <a:lstStyle/>
+          <a:p>
+            <a:pPr marL="0" marR="0" lvl="0" indent="0" algn="l" defTabSz="914400" rtl="0" eaLnBrk="1" fontAlgn="auto" latinLnBrk="0" hangingPunct="1">
+              <a:lnSpc>
+                <a:spcPct val="100000"/>
+              </a:lnSpc>
+              <a:spcBef>
+                <a:spcPts val="0"/>
+              </a:spcBef>
+              <a:spcAft>
+                <a:spcPts val="1200"/>
+              </a:spcAft>
+              <a:buClrTx/>
+              <a:buSzTx/>
+              <a:buFontTx/>
+              <a:buNone/>
+              <a:tabLst/>
+              <a:defRPr/>
+            </a:pPr>
+            <a:r>
+              <a:rPr kumimoji="0" lang="en-US" sz="1800" b="0" i="0" u="none" strike="noStrike" kern="1200" cap="none" spc="0" normalizeH="0" baseline="0" noProof="0" dirty="0">
+                <a:ln>
+                  <a:noFill/>
+                </a:ln>
+                <a:solidFill>
+                  <a:srgbClr val="595959"/>
+                </a:solidFill>
+                <a:effectLst/>
+                <a:uLnTx/>
+                <a:uFillTx/>
+                <a:latin typeface="Arial" panose="020B0604020202020204" pitchFamily="34" charset="0"/>
+                <a:ea typeface="+mn-ea"/>
+                <a:cs typeface="+mn-cs"/>
+              </a:rPr>
+              <a:t>True Time = Observed Time + offset</a:t>
+            </a:r>
+            <a:endParaRPr kumimoji="0" lang="en-US" sz="1800" b="0" i="0" u="none" strike="noStrike" kern="1200" cap="none" spc="0" normalizeH="0" baseline="0" noProof="0" dirty="0">
+              <a:ln>
+                <a:noFill/>
+              </a:ln>
+              <a:solidFill>
+                <a:prstClr val="black"/>
+              </a:solidFill>
+              <a:effectLst/>
+              <a:uLnTx/>
+              <a:uFillTx/>
+              <a:latin typeface="Aptos" panose="02110004020202020204"/>
+              <a:ea typeface="+mn-ea"/>
+              <a:cs typeface="+mn-cs"/>
+            </a:endParaRPr>
+          </a:p>
+        </p:txBody>
+      </p:sp>
+      <p:pic>
+        <p:nvPicPr>
+          <p:cNvPr id="20" name="Picture 8">
+            <a:extLst>
+              <a:ext uri="{FF2B5EF4-FFF2-40B4-BE49-F238E27FC236}">
+                <a16:creationId xmlns:a16="http://schemas.microsoft.com/office/drawing/2014/main" id="{E307CD22-E355-9BD2-2B7B-0D0020EF41C9}"/>
+              </a:ext>
+            </a:extLst>
+          </p:cNvPr>
+          <p:cNvPicPr>
+            <a:picLocks noChangeAspect="1" noChangeArrowheads="1"/>
+          </p:cNvPicPr>
+          <p:nvPr/>
+        </p:nvPicPr>
+        <p:blipFill>
+          <a:blip r:embed="rId3">
+            <a:extLst>
+              <a:ext uri="{28A0092B-C50C-407E-A947-70E740481C1C}">
+                <a14:useLocalDpi xmlns:a14="http://schemas.microsoft.com/office/drawing/2010/main" val="0"/>
+              </a:ext>
+            </a:extLst>
+          </a:blip>
+          <a:srcRect/>
+          <a:stretch>
+            <a:fillRect/>
+          </a:stretch>
+        </p:blipFill>
+        <p:spPr bwMode="auto">
+          <a:xfrm>
+            <a:off x="3667675" y="2306010"/>
+            <a:ext cx="2321261" cy="705610"/>
+          </a:xfrm>
+          <a:prstGeom prst="rect">
+            <a:avLst/>
+          </a:prstGeom>
+          <a:noFill/>
+          <a:extLst>
+            <a:ext uri="{909E8E84-426E-40DD-AFC4-6F175D3DCCD1}">
+              <a14:hiddenFill xmlns:a14="http://schemas.microsoft.com/office/drawing/2010/main">
+                <a:solidFill>
+                  <a:srgbClr val="FFFFFF"/>
+                </a:solidFill>
+              </a14:hiddenFill>
+            </a:ext>
+          </a:extLst>
+        </p:spPr>
+      </p:pic>
+      <p:pic>
+        <p:nvPicPr>
+          <p:cNvPr id="21" name="Picture 10">
+            <a:extLst>
+              <a:ext uri="{FF2B5EF4-FFF2-40B4-BE49-F238E27FC236}">
+                <a16:creationId xmlns:a16="http://schemas.microsoft.com/office/drawing/2014/main" id="{B6DCC6C1-7764-E397-90C7-2F1636465E82}"/>
+              </a:ext>
+            </a:extLst>
+          </p:cNvPr>
+          <p:cNvPicPr>
+            <a:picLocks noChangeAspect="1" noChangeArrowheads="1"/>
+          </p:cNvPicPr>
+          <p:nvPr/>
+        </p:nvPicPr>
+        <p:blipFill>
+          <a:blip r:embed="rId4">
+            <a:extLst>
+              <a:ext uri="{28A0092B-C50C-407E-A947-70E740481C1C}">
+                <a14:useLocalDpi xmlns:a14="http://schemas.microsoft.com/office/drawing/2010/main" val="0"/>
+              </a:ext>
+            </a:extLst>
+          </a:blip>
+          <a:srcRect/>
+          <a:stretch>
+            <a:fillRect/>
+          </a:stretch>
+        </p:blipFill>
+        <p:spPr bwMode="auto">
+          <a:xfrm>
+            <a:off x="2183420" y="2973778"/>
+            <a:ext cx="5960632" cy="680660"/>
+          </a:xfrm>
+          <a:prstGeom prst="rect">
+            <a:avLst/>
+          </a:prstGeom>
+          <a:noFill/>
+          <a:extLst>
+            <a:ext uri="{909E8E84-426E-40DD-AFC4-6F175D3DCCD1}">
+              <a14:hiddenFill xmlns:a14="http://schemas.microsoft.com/office/drawing/2010/main">
+                <a:solidFill>
+                  <a:srgbClr val="FFFFFF"/>
+                </a:solidFill>
+              </a14:hiddenFill>
+            </a:ext>
+          </a:extLst>
+        </p:spPr>
+      </p:pic>
+      <p:pic>
+        <p:nvPicPr>
+          <p:cNvPr id="24" name="Picture 16">
+            <a:extLst>
+              <a:ext uri="{FF2B5EF4-FFF2-40B4-BE49-F238E27FC236}">
+                <a16:creationId xmlns:a16="http://schemas.microsoft.com/office/drawing/2014/main" id="{EFF36E98-1D07-129A-13F4-028D2FE67D8F}"/>
+              </a:ext>
+            </a:extLst>
+          </p:cNvPr>
+          <p:cNvPicPr>
+            <a:picLocks noChangeAspect="1" noChangeArrowheads="1"/>
+          </p:cNvPicPr>
+          <p:nvPr/>
+        </p:nvPicPr>
+        <p:blipFill>
+          <a:blip r:embed="rId5">
+            <a:extLst>
+              <a:ext uri="{28A0092B-C50C-407E-A947-70E740481C1C}">
+                <a14:useLocalDpi xmlns:a14="http://schemas.microsoft.com/office/drawing/2010/main" val="0"/>
+              </a:ext>
+            </a:extLst>
+          </a:blip>
+          <a:srcRect/>
+          <a:stretch>
+            <a:fillRect/>
+          </a:stretch>
+        </p:blipFill>
+        <p:spPr bwMode="auto">
+          <a:xfrm>
+            <a:off x="2927732" y="3679388"/>
+            <a:ext cx="4670164" cy="1058571"/>
+          </a:xfrm>
+          <a:prstGeom prst="rect">
+            <a:avLst/>
+          </a:prstGeom>
+          <a:noFill/>
+          <a:extLst>
+            <a:ext uri="{909E8E84-426E-40DD-AFC4-6F175D3DCCD1}">
+              <a14:hiddenFill xmlns:a14="http://schemas.microsoft.com/office/drawing/2010/main">
+                <a:solidFill>
+                  <a:srgbClr val="FFFFFF"/>
+                </a:solidFill>
+              </a14:hiddenFill>
+            </a:ext>
+          </a:extLst>
+        </p:spPr>
+      </p:pic>
+      <p:sp>
+        <p:nvSpPr>
+          <p:cNvPr id="2" name="Oval 1">
+            <a:extLst>
+              <a:ext uri="{FF2B5EF4-FFF2-40B4-BE49-F238E27FC236}">
+                <a16:creationId xmlns:a16="http://schemas.microsoft.com/office/drawing/2014/main" id="{1E373A28-459D-CDF4-29C8-EEAD2D5649BD}"/>
+              </a:ext>
+            </a:extLst>
+          </p:cNvPr>
+          <p:cNvSpPr/>
+          <p:nvPr/>
+        </p:nvSpPr>
+        <p:spPr>
+          <a:xfrm>
+            <a:off x="4274972" y="-248312"/>
+            <a:ext cx="2997621" cy="790260"/>
+          </a:xfrm>
+          <a:prstGeom prst="ellipse">
+            <a:avLst/>
+          </a:prstGeom>
+          <a:solidFill>
+            <a:schemeClr val="accent3">
+              <a:lumMod val="40000"/>
+              <a:lumOff val="60000"/>
+            </a:schemeClr>
+          </a:solidFill>
+          <a:ln>
+            <a:noFill/>
+          </a:ln>
+        </p:spPr>
+        <p:style>
+          <a:lnRef idx="2">
+            <a:schemeClr val="accent1">
+              <a:shade val="15000"/>
+            </a:schemeClr>
+          </a:lnRef>
+          <a:fillRef idx="1">
+            <a:schemeClr val="accent1"/>
+          </a:fillRef>
+          <a:effectRef idx="0">
+            <a:schemeClr val="accent1"/>
+          </a:effectRef>
+          <a:fontRef idx="minor">
+            <a:schemeClr val="lt1"/>
+          </a:fontRef>
+        </p:style>
+        <p:txBody>
+          <a:bodyPr rtlCol="0" anchor="ctr"/>
+          <a:lstStyle/>
+          <a:p>
+            <a:pPr algn="ctr"/>
+            <a:r>
+              <a:rPr lang="en-US" dirty="0"/>
+              <a:t>1</a:t>
+            </a:r>
+          </a:p>
+        </p:txBody>
+      </p:sp>
+      <p:pic>
+        <p:nvPicPr>
+          <p:cNvPr id="3" name="Picture 6">
+            <a:extLst>
+              <a:ext uri="{FF2B5EF4-FFF2-40B4-BE49-F238E27FC236}">
+                <a16:creationId xmlns:a16="http://schemas.microsoft.com/office/drawing/2014/main" id="{0FF549F0-B94B-4D2F-D45E-E37EDA809E7E}"/>
+              </a:ext>
+            </a:extLst>
+          </p:cNvPr>
+          <p:cNvPicPr>
+            <a:picLocks noChangeAspect="1" noChangeArrowheads="1"/>
+          </p:cNvPicPr>
+          <p:nvPr/>
+        </p:nvPicPr>
+        <p:blipFill rotWithShape="1">
+          <a:blip r:embed="rId6">
+            <a:extLst>
+              <a:ext uri="{28A0092B-C50C-407E-A947-70E740481C1C}">
+                <a14:useLocalDpi xmlns:a14="http://schemas.microsoft.com/office/drawing/2010/main" val="0"/>
+              </a:ext>
+            </a:extLst>
+          </a:blip>
+          <a:srcRect t="1" r="16712" b="87571"/>
+          <a:stretch/>
+        </p:blipFill>
+        <p:spPr bwMode="auto">
+          <a:xfrm>
+            <a:off x="2183420" y="4857900"/>
+            <a:ext cx="5627164" cy="429048"/>
+          </a:xfrm>
+          <a:prstGeom prst="rect">
+            <a:avLst/>
+          </a:prstGeom>
+          <a:noFill/>
+          <a:extLst>
+            <a:ext uri="{909E8E84-426E-40DD-AFC4-6F175D3DCCD1}">
+              <a14:hiddenFill xmlns:a14="http://schemas.microsoft.com/office/drawing/2010/main">
+                <a:solidFill>
+                  <a:srgbClr val="FFFFFF"/>
+                </a:solidFill>
+              </a14:hiddenFill>
+            </a:ext>
+          </a:extLst>
+        </p:spPr>
+      </p:pic>
+      <p:pic>
+        <p:nvPicPr>
+          <p:cNvPr id="4" name="Picture 6">
+            <a:extLst>
+              <a:ext uri="{FF2B5EF4-FFF2-40B4-BE49-F238E27FC236}">
+                <a16:creationId xmlns:a16="http://schemas.microsoft.com/office/drawing/2014/main" id="{0E9CE531-30FA-46DC-6D83-5ECC80CAEFE1}"/>
+              </a:ext>
+            </a:extLst>
+          </p:cNvPr>
+          <p:cNvPicPr>
+            <a:picLocks noChangeAspect="1" noChangeArrowheads="1"/>
+          </p:cNvPicPr>
+          <p:nvPr/>
+        </p:nvPicPr>
+        <p:blipFill rotWithShape="1">
+          <a:blip r:embed="rId6">
+            <a:extLst>
+              <a:ext uri="{28A0092B-C50C-407E-A947-70E740481C1C}">
+                <a14:useLocalDpi xmlns:a14="http://schemas.microsoft.com/office/drawing/2010/main" val="0"/>
+              </a:ext>
+            </a:extLst>
+          </a:blip>
+          <a:srcRect t="63560"/>
+          <a:stretch/>
+        </p:blipFill>
+        <p:spPr bwMode="auto">
+          <a:xfrm>
+            <a:off x="1545407" y="5286948"/>
+            <a:ext cx="6756301" cy="1325563"/>
+          </a:xfrm>
+          <a:prstGeom prst="rect">
+            <a:avLst/>
+          </a:prstGeom>
+          <a:noFill/>
+          <a:extLst>
+            <a:ext uri="{909E8E84-426E-40DD-AFC4-6F175D3DCCD1}">
+              <a14:hiddenFill xmlns:a14="http://schemas.microsoft.com/office/drawing/2010/main">
+                <a:solidFill>
+                  <a:srgbClr val="FFFFFF"/>
+                </a:solidFill>
+              </a14:hiddenFill>
+            </a:ext>
+          </a:extLst>
+        </p:spPr>
+      </p:pic>
+    </p:spTree>
+    <p:extLst>
+      <p:ext uri="{BB962C8B-B14F-4D97-AF65-F5344CB8AC3E}">
+        <p14:creationId xmlns:p14="http://schemas.microsoft.com/office/powerpoint/2010/main" val="3913398818"/>
+      </p:ext>
+    </p:extLst>
+  </p:cSld>
+  <p:clrMapOvr>
+    <a:masterClrMapping/>
+  </p:clrMapOvr>
+  <mc:AlternateContent xmlns:mc="http://schemas.openxmlformats.org/markup-compatibility/2006" xmlns:p159="http://schemas.microsoft.com/office/powerpoint/2015/09/main">
+    <mc:Choice Requires="p159">
+      <p:transition xmlns:p14="http://schemas.microsoft.com/office/powerpoint/2010/main" spd="slow" p14:dur="2000">
+        <p159:morph option="byObject"/>
+      </p:transition>
+    </mc:Choice>
+    <mc:Fallback xmlns="">
+      <p:transition spd="slow">
+        <p:fade/>
+      </p:transition>
+    </mc:Fallback>
+  </mc:AlternateContent>
+  <p:timing>
+    <p:tnLst>
+      <p:par>
+        <p:cTn id="1" dur="indefinite" restart="never" nodeType="tmRoot">
+          <p:childTnLst>
+            <p:seq concurrent="1" nextAc="seek">
+              <p:cTn id="2" dur="indefinite" nodeType="mainSeq">
+                <p:childTnLst>
+                  <p:par>
+                    <p:cTn id="3" fill="hold">
+                      <p:stCondLst>
+                        <p:cond delay="indefinite"/>
+                      </p:stCondLst>
+                      <p:childTnLst>
+                        <p:par>
+                          <p:cTn id="4" fill="hold">
+                            <p:stCondLst>
+                              <p:cond delay="0"/>
+                            </p:stCondLst>
+                            <p:childTnLst>
+                              <p:par>
+                                <p:cTn id="5" presetID="1" presetClass="entr" presetSubtype="0" fill="hold" grpId="0" nodeType="clickEffect">
+                                  <p:stCondLst>
+                                    <p:cond delay="0"/>
+                                  </p:stCondLst>
+                                  <p:childTnLst>
+                                    <p:set>
+                                      <p:cBhvr>
+                                        <p:cTn id="6" dur="1" fill="hold">
+                                          <p:stCondLst>
+                                            <p:cond delay="0"/>
+                                          </p:stCondLst>
+                                        </p:cTn>
+                                        <p:tgtEl>
+                                          <p:spTgt spid="19"/>
+                                        </p:tgtEl>
+                                        <p:attrNameLst>
+                                          <p:attrName>style.visibility</p:attrName>
+                                        </p:attrNameLst>
+                                      </p:cBhvr>
+                                      <p:to>
+                                        <p:strVal val="visible"/>
+                                      </p:to>
+                                    </p:set>
+                                  </p:childTnLst>
+                                </p:cTn>
+                              </p:par>
+                            </p:childTnLst>
+                          </p:cTn>
+                        </p:par>
+                      </p:childTnLst>
+                    </p:cTn>
+                  </p:par>
+                  <p:par>
+                    <p:cTn id="7" fill="hold">
+                      <p:stCondLst>
+                        <p:cond delay="indefinite"/>
+                      </p:stCondLst>
+                      <p:childTnLst>
+                        <p:par>
+                          <p:cTn id="8" fill="hold">
+                            <p:stCondLst>
+                              <p:cond delay="0"/>
+                            </p:stCondLst>
+                            <p:childTnLst>
+                              <p:par>
+                                <p:cTn id="9" presetID="1" presetClass="entr" presetSubtype="0" fill="hold" nodeType="clickEffect">
+                                  <p:stCondLst>
+                                    <p:cond delay="0"/>
+                                  </p:stCondLst>
+                                  <p:childTnLst>
+                                    <p:set>
+                                      <p:cBhvr>
+                                        <p:cTn id="10" dur="1" fill="hold">
+                                          <p:stCondLst>
+                                            <p:cond delay="0"/>
+                                          </p:stCondLst>
+                                        </p:cTn>
+                                        <p:tgtEl>
+                                          <p:spTgt spid="20"/>
+                                        </p:tgtEl>
+                                        <p:attrNameLst>
+                                          <p:attrName>style.visibility</p:attrName>
+                                        </p:attrNameLst>
+                                      </p:cBhvr>
+                                      <p:to>
+                                        <p:strVal val="visible"/>
+                                      </p:to>
+                                    </p:set>
+                                  </p:childTnLst>
+                                </p:cTn>
+                              </p:par>
+                            </p:childTnLst>
+                          </p:cTn>
+                        </p:par>
+                      </p:childTnLst>
+                    </p:cTn>
+                  </p:par>
+                  <p:par>
+                    <p:cTn id="11" fill="hold">
+                      <p:stCondLst>
+                        <p:cond delay="indefinite"/>
+                      </p:stCondLst>
+                      <p:childTnLst>
+                        <p:par>
+                          <p:cTn id="12" fill="hold">
+                            <p:stCondLst>
+                              <p:cond delay="0"/>
+                            </p:stCondLst>
+                            <p:childTnLst>
+                              <p:par>
+                                <p:cTn id="13" presetID="1" presetClass="entr" presetSubtype="0" fill="hold" nodeType="clickEffect">
+                                  <p:stCondLst>
+                                    <p:cond delay="0"/>
+                                  </p:stCondLst>
+                                  <p:childTnLst>
+                                    <p:set>
+                                      <p:cBhvr>
+                                        <p:cTn id="14" dur="1" fill="hold">
+                                          <p:stCondLst>
+                                            <p:cond delay="0"/>
+                                          </p:stCondLst>
+                                        </p:cTn>
+                                        <p:tgtEl>
+                                          <p:spTgt spid="21"/>
+                                        </p:tgtEl>
+                                        <p:attrNameLst>
+                                          <p:attrName>style.visibility</p:attrName>
+                                        </p:attrNameLst>
+                                      </p:cBhvr>
+                                      <p:to>
+                                        <p:strVal val="visible"/>
+                                      </p:to>
+                                    </p:set>
+                                  </p:childTnLst>
+                                </p:cTn>
+                              </p:par>
+                            </p:childTnLst>
+                          </p:cTn>
+                        </p:par>
+                      </p:childTnLst>
+                    </p:cTn>
+                  </p:par>
+                  <p:par>
+                    <p:cTn id="15" fill="hold">
+                      <p:stCondLst>
+                        <p:cond delay="indefinite"/>
+                      </p:stCondLst>
+                      <p:childTnLst>
+                        <p:par>
+                          <p:cTn id="16" fill="hold">
+                            <p:stCondLst>
+                              <p:cond delay="0"/>
+                            </p:stCondLst>
+                            <p:childTnLst>
+                              <p:par>
+                                <p:cTn id="17" presetID="1" presetClass="entr" presetSubtype="0" fill="hold" nodeType="clickEffect">
+                                  <p:stCondLst>
+                                    <p:cond delay="0"/>
+                                  </p:stCondLst>
+                                  <p:childTnLst>
+                                    <p:set>
+                                      <p:cBhvr>
+                                        <p:cTn id="18" dur="1" fill="hold">
+                                          <p:stCondLst>
+                                            <p:cond delay="0"/>
+                                          </p:stCondLst>
+                                        </p:cTn>
+                                        <p:tgtEl>
+                                          <p:spTgt spid="24"/>
+                                        </p:tgtEl>
+                                        <p:attrNameLst>
+                                          <p:attrName>style.visibility</p:attrName>
+                                        </p:attrNameLst>
+                                      </p:cBhvr>
+                                      <p:to>
+                                        <p:strVal val="visible"/>
+                                      </p:to>
+                                    </p:set>
+                                  </p:childTnLst>
+                                </p:cTn>
+                              </p:par>
+                            </p:childTnLst>
+                          </p:cTn>
+                        </p:par>
+                      </p:childTnLst>
+                    </p:cTn>
+                  </p:par>
+                  <p:par>
+                    <p:cTn id="19" fill="hold">
+                      <p:stCondLst>
+                        <p:cond delay="indefinite"/>
+                      </p:stCondLst>
+                      <p:childTnLst>
+                        <p:par>
+                          <p:cTn id="20" fill="hold">
+                            <p:stCondLst>
+                              <p:cond delay="0"/>
+                            </p:stCondLst>
+                            <p:childTnLst>
+                              <p:par>
+                                <p:cTn id="21" presetID="1" presetClass="entr" presetSubtype="0" fill="hold" nodeType="clickEffect">
+                                  <p:stCondLst>
+                                    <p:cond delay="0"/>
+                                  </p:stCondLst>
+                                  <p:childTnLst>
+                                    <p:set>
+                                      <p:cBhvr>
+                                        <p:cTn id="22" dur="1" fill="hold">
+                                          <p:stCondLst>
+                                            <p:cond delay="0"/>
+                                          </p:stCondLst>
+                                        </p:cTn>
+                                        <p:tgtEl>
+                                          <p:spTgt spid="3"/>
+                                        </p:tgtEl>
+                                        <p:attrNameLst>
+                                          <p:attrName>style.visibility</p:attrName>
+                                        </p:attrNameLst>
+                                      </p:cBhvr>
+                                      <p:to>
+                                        <p:strVal val="visible"/>
+                                      </p:to>
+                                    </p:set>
+                                  </p:childTnLst>
+                                </p:cTn>
+                              </p:par>
+                            </p:childTnLst>
+                          </p:cTn>
+                        </p:par>
+                      </p:childTnLst>
+                    </p:cTn>
+                  </p:par>
+                  <p:par>
+                    <p:cTn id="23" fill="hold">
+                      <p:stCondLst>
+                        <p:cond delay="indefinite"/>
+                      </p:stCondLst>
+                      <p:childTnLst>
+                        <p:par>
+                          <p:cTn id="24" fill="hold">
+                            <p:stCondLst>
+                              <p:cond delay="0"/>
+                            </p:stCondLst>
+                            <p:childTnLst>
+                              <p:par>
+                                <p:cTn id="25" presetID="1" presetClass="entr" presetSubtype="0" fill="hold" nodeType="clickEffect">
+                                  <p:stCondLst>
+                                    <p:cond delay="0"/>
+                                  </p:stCondLst>
+                                  <p:childTnLst>
+                                    <p:set>
+                                      <p:cBhvr>
+                                        <p:cTn id="26" dur="1" fill="hold">
+                                          <p:stCondLst>
+                                            <p:cond delay="0"/>
+                                          </p:stCondLst>
+                                        </p:cTn>
+                                        <p:tgtEl>
+                                          <p:spTgt spid="4"/>
+                                        </p:tgtEl>
+                                        <p:attrNameLst>
+                                          <p:attrName>style.visibility</p:attrName>
+                                        </p:attrNameLst>
+                                      </p:cBhvr>
+                                      <p:to>
+                                        <p:strVal val="visible"/>
+                                      </p:to>
+                                    </p:set>
+                                  </p:childTnLst>
+                                </p:cTn>
+                              </p:par>
+                            </p:childTnLst>
+                          </p:cTn>
+                        </p:par>
+                      </p:childTnLst>
+                    </p:cTn>
+                  </p:par>
+                </p:childTnLst>
+              </p:cTn>
+              <p:prevCondLst>
+                <p:cond evt="onPrev" delay="0">
+                  <p:tgtEl>
+                    <p:sldTgt/>
+                  </p:tgtEl>
+                </p:cond>
+              </p:prevCondLst>
+              <p:nextCondLst>
+                <p:cond evt="onNext" delay="0">
+                  <p:tgtEl>
+                    <p:sldTgt/>
+                  </p:tgtEl>
+                </p:cond>
+              </p:nextCondLst>
+            </p:seq>
+          </p:childTnLst>
+        </p:cTn>
+      </p:par>
+    </p:tnLst>
+    <p:bldLst>
+      <p:bldP spid="19" grpId="0"/>
+    </p:bldLst>
+  </p:timing>
+</p:sld>
+</file>
+
+<file path=ppt/slides/slide15.xml><?xml version="1.0" encoding="utf-8"?>
+<p:sld xmlns:a="http://schemas.openxmlformats.org/drawingml/2006/main" xmlns:r="http://schemas.openxmlformats.org/officeDocument/2006/relationships" xmlns:p="http://schemas.openxmlformats.org/presentationml/2006/main" show="0">
+  <p:cSld>
+    <p:spTree>
+      <p:nvGrpSpPr>
+        <p:cNvPr id="1" name="">
+          <a:extLst>
+            <a:ext uri="{FF2B5EF4-FFF2-40B4-BE49-F238E27FC236}">
               <a16:creationId xmlns:a16="http://schemas.microsoft.com/office/drawing/2014/main" id="{5CA13832-5FB1-2129-9513-8088D7FB6F7C}"/>
             </a:ext>
           </a:extLst>
@@ -14033,7 +14864,7 @@
 </p:sld>
 </file>
 
-<file path=ppt/slides/slide15.xml><?xml version="1.0" encoding="utf-8"?>
+<file path=ppt/slides/slide16.xml><?xml version="1.0" encoding="utf-8"?>
 <p:sld xmlns:a="http://schemas.openxmlformats.org/drawingml/2006/main" xmlns:r="http://schemas.openxmlformats.org/officeDocument/2006/relationships" xmlns:p="http://schemas.openxmlformats.org/presentationml/2006/main" show="0">
   <p:cSld>
     <p:spTree>
@@ -14624,7 +15455,7 @@
 </p:sld>
 </file>
 
-<file path=ppt/slides/slide16.xml><?xml version="1.0" encoding="utf-8"?>
+<file path=ppt/slides/slide17.xml><?xml version="1.0" encoding="utf-8"?>
 <p:sld xmlns:a="http://schemas.openxmlformats.org/drawingml/2006/main" xmlns:r="http://schemas.openxmlformats.org/officeDocument/2006/relationships" xmlns:p="http://schemas.openxmlformats.org/presentationml/2006/main" show="0">
   <p:cSld>
     <p:spTree>
@@ -15280,7 +16111,7 @@
 </p:sld>
 </file>
 
-<file path=ppt/slides/slide17.xml><?xml version="1.0" encoding="utf-8"?>
+<file path=ppt/slides/slide18.xml><?xml version="1.0" encoding="utf-8"?>
 <p:sld xmlns:a="http://schemas.openxmlformats.org/drawingml/2006/main" xmlns:r="http://schemas.openxmlformats.org/officeDocument/2006/relationships" xmlns:p="http://schemas.openxmlformats.org/presentationml/2006/main" show="0">
   <p:cSld>
     <p:spTree>
@@ -15764,8 +16595,8 @@
 </p:sld>
 </file>
 
-<file path=ppt/slides/slide18.xml><?xml version="1.0" encoding="utf-8"?>
-<p:sld xmlns:a="http://schemas.openxmlformats.org/drawingml/2006/main" xmlns:r="http://schemas.openxmlformats.org/officeDocument/2006/relationships" xmlns:p="http://schemas.openxmlformats.org/presentationml/2006/main">
+<file path=ppt/slides/slide19.xml><?xml version="1.0" encoding="utf-8"?>
+<p:sld xmlns:a="http://schemas.openxmlformats.org/drawingml/2006/main" xmlns:r="http://schemas.openxmlformats.org/officeDocument/2006/relationships" xmlns:p="http://schemas.openxmlformats.org/presentationml/2006/main" show="0">
   <p:cSld>
     <p:bg>
       <p:bgPr>
@@ -16699,13 +17530,6 @@
               <a:t>For others, it may not be</a:t>
             </a:r>
           </a:p>
-          <a:p>
-            <a:pPr lvl="1"/>
-            <a:r>
-              <a:rPr lang="en-US" sz="2200" dirty="0"/>
-              <a:t>A body of literature on finding a ranking of players out of pairwise games that can be looked at</a:t>
-            </a:r>
-          </a:p>
         </p:txBody>
       </p:sp>
       <p:sp>
@@ -16789,7 +17613,7 @@
         </p:blipFill>
         <p:spPr>
           <a:xfrm>
-            <a:off x="1339450" y="3183974"/>
+            <a:off x="1464141" y="2011218"/>
             <a:ext cx="9704016" cy="2223799"/>
           </a:xfrm>
           <a:prstGeom prst="rect">
@@ -17273,27 +18097,672 @@
                       </p:childTnLst>
                     </p:cTn>
                   </p:par>
+                </p:childTnLst>
+              </p:cTn>
+              <p:prevCondLst>
+                <p:cond evt="onPrev" delay="0">
+                  <p:tgtEl>
+                    <p:sldTgt/>
+                  </p:tgtEl>
+                </p:cond>
+              </p:prevCondLst>
+              <p:nextCondLst>
+                <p:cond evt="onNext" delay="0">
+                  <p:tgtEl>
+                    <p:sldTgt/>
+                  </p:tgtEl>
+                </p:cond>
+              </p:nextCondLst>
+            </p:seq>
+          </p:childTnLst>
+        </p:cTn>
+      </p:par>
+    </p:tnLst>
+    <p:bldLst>
+      <p:bldP spid="3" grpId="0" uiExpand="1" build="p" bldLvl="2"/>
+    </p:bldLst>
+  </p:timing>
+</p:sld>
+</file>
+
+<file path=ppt/slides/slide2.xml><?xml version="1.0" encoding="utf-8"?>
+<p:sld xmlns:a="http://schemas.openxmlformats.org/drawingml/2006/main" xmlns:r="http://schemas.openxmlformats.org/officeDocument/2006/relationships" xmlns:p="http://schemas.openxmlformats.org/presentationml/2006/main">
+  <p:cSld>
+    <p:bg>
+      <p:bgPr>
+        <a:solidFill>
+          <a:schemeClr val="bg1"/>
+        </a:solidFill>
+        <a:effectLst/>
+      </p:bgPr>
+    </p:bg>
+    <p:spTree>
+      <p:nvGrpSpPr>
+        <p:cNvPr id="1" name=""/>
+        <p:cNvGrpSpPr/>
+        <p:nvPr/>
+      </p:nvGrpSpPr>
+      <p:grpSpPr>
+        <a:xfrm>
+          <a:off x="0" y="0"/>
+          <a:ext cx="0" cy="0"/>
+          <a:chOff x="0" y="0"/>
+          <a:chExt cx="0" cy="0"/>
+        </a:xfrm>
+      </p:grpSpPr>
+      <p:sp useBgFill="1">
+        <p:nvSpPr>
+          <p:cNvPr id="8" name="Rectangle 7">
+            <a:extLst>
+              <a:ext uri="{FF2B5EF4-FFF2-40B4-BE49-F238E27FC236}">
+                <a16:creationId xmlns:a16="http://schemas.microsoft.com/office/drawing/2014/main" id="{C2554CA6-288E-4202-BC52-2E5A8F0C0AED}"/>
+              </a:ext>
+              <a:ext uri="{C183D7F6-B498-43B3-948B-1728B52AA6E4}">
+                <adec:decorative xmlns:adec="http://schemas.microsoft.com/office/drawing/2017/decorative" val="1"/>
+              </a:ext>
+            </a:extLst>
+          </p:cNvPr>
+          <p:cNvSpPr>
+            <a:spLocks noGrp="1" noRot="1" noChangeAspect="1" noMove="1" noResize="1" noEditPoints="1" noAdjustHandles="1" noChangeArrowheads="1" noChangeShapeType="1" noTextEdit="1"/>
+          </p:cNvSpPr>
+          <p:nvPr>
+            <p:extLst>
+              <p:ext uri="{386F3935-93C4-4BCD-93E2-E3B085C9AB24}">
+                <p16:designElem xmlns:p16="http://schemas.microsoft.com/office/powerpoint/2015/main" val="1"/>
+              </p:ext>
+            </p:extLst>
+          </p:nvPr>
+        </p:nvSpPr>
+        <p:spPr>
+          <a:xfrm>
+            <a:off x="3048" y="0"/>
+            <a:ext cx="12188952" cy="6858000"/>
+          </a:xfrm>
+          <a:prstGeom prst="rect">
+            <a:avLst/>
+          </a:prstGeom>
+          <a:ln>
+            <a:noFill/>
+          </a:ln>
+        </p:spPr>
+        <p:style>
+          <a:lnRef idx="2">
+            <a:schemeClr val="accent1">
+              <a:shade val="50000"/>
+            </a:schemeClr>
+          </a:lnRef>
+          <a:fillRef idx="1">
+            <a:schemeClr val="accent1"/>
+          </a:fillRef>
+          <a:effectRef idx="0">
+            <a:schemeClr val="accent1"/>
+          </a:effectRef>
+          <a:fontRef idx="minor">
+            <a:schemeClr val="lt1"/>
+          </a:fontRef>
+        </p:style>
+        <p:txBody>
+          <a:bodyPr rtlCol="0" anchor="ctr"/>
+          <a:lstStyle/>
+          <a:p>
+            <a:pPr marL="0" marR="0" lvl="0" indent="0" algn="ctr" defTabSz="914400" rtl="0" eaLnBrk="1" fontAlgn="auto" latinLnBrk="0" hangingPunct="1">
+              <a:lnSpc>
+                <a:spcPct val="100000"/>
+              </a:lnSpc>
+              <a:spcBef>
+                <a:spcPts val="0"/>
+              </a:spcBef>
+              <a:spcAft>
+                <a:spcPts val="0"/>
+              </a:spcAft>
+              <a:buClrTx/>
+              <a:buSzTx/>
+              <a:buFontTx/>
+              <a:buNone/>
+              <a:tabLst/>
+              <a:defRPr/>
+            </a:pPr>
+            <a:endParaRPr kumimoji="0" lang="en-US" sz="1800" b="0" i="0" u="none" strike="noStrike" kern="1200" cap="none" spc="0" normalizeH="0" baseline="0" noProof="0">
+              <a:ln>
+                <a:noFill/>
+              </a:ln>
+              <a:solidFill>
+                <a:prstClr val="white"/>
+              </a:solidFill>
+              <a:effectLst/>
+              <a:uLnTx/>
+              <a:uFillTx/>
+              <a:latin typeface="Aptos" panose="02110004020202020204"/>
+              <a:ea typeface="+mn-ea"/>
+              <a:cs typeface="+mn-cs"/>
+            </a:endParaRPr>
+          </a:p>
+        </p:txBody>
+      </p:sp>
+      <p:sp>
+        <p:nvSpPr>
+          <p:cNvPr id="10" name="Oval 9">
+            <a:extLst>
+              <a:ext uri="{FF2B5EF4-FFF2-40B4-BE49-F238E27FC236}">
+                <a16:creationId xmlns:a16="http://schemas.microsoft.com/office/drawing/2014/main" id="{B10BB131-AC8E-4A8E-A5D1-36260F720C3B}"/>
+              </a:ext>
+              <a:ext uri="{C183D7F6-B498-43B3-948B-1728B52AA6E4}">
+                <adec:decorative xmlns:adec="http://schemas.microsoft.com/office/drawing/2017/decorative" val="1"/>
+              </a:ext>
+            </a:extLst>
+          </p:cNvPr>
+          <p:cNvSpPr>
+            <a:spLocks noGrp="1" noRot="1" noChangeAspect="1" noMove="1" noResize="1" noEditPoints="1" noAdjustHandles="1" noChangeArrowheads="1" noChangeShapeType="1" noTextEdit="1"/>
+          </p:cNvSpPr>
+          <p:nvPr>
+            <p:extLst>
+              <p:ext uri="{386F3935-93C4-4BCD-93E2-E3B085C9AB24}">
+                <p16:designElem xmlns:p16="http://schemas.microsoft.com/office/powerpoint/2015/main" val="1"/>
+              </p:ext>
+            </p:extLst>
+          </p:nvPr>
+        </p:nvSpPr>
+        <p:spPr>
+          <a:xfrm>
+            <a:off x="489189" y="1119031"/>
+            <a:ext cx="4619938" cy="4619938"/>
+          </a:xfrm>
+          <a:prstGeom prst="ellipse">
+            <a:avLst/>
+          </a:prstGeom>
+          <a:solidFill>
+            <a:schemeClr val="accent2"/>
+          </a:solidFill>
+          <a:ln>
+            <a:noFill/>
+          </a:ln>
+        </p:spPr>
+        <p:style>
+          <a:lnRef idx="2">
+            <a:schemeClr val="accent1">
+              <a:shade val="50000"/>
+            </a:schemeClr>
+          </a:lnRef>
+          <a:fillRef idx="1">
+            <a:schemeClr val="accent1"/>
+          </a:fillRef>
+          <a:effectRef idx="0">
+            <a:schemeClr val="accent1"/>
+          </a:effectRef>
+          <a:fontRef idx="minor">
+            <a:schemeClr val="lt1"/>
+          </a:fontRef>
+        </p:style>
+        <p:txBody>
+          <a:bodyPr rtlCol="0" anchor="ctr"/>
+          <a:lstStyle/>
+          <a:p>
+            <a:pPr marL="0" marR="0" lvl="0" indent="0" algn="ctr" defTabSz="914400" rtl="0" eaLnBrk="1" fontAlgn="auto" latinLnBrk="0" hangingPunct="1">
+              <a:lnSpc>
+                <a:spcPct val="100000"/>
+              </a:lnSpc>
+              <a:spcBef>
+                <a:spcPts val="0"/>
+              </a:spcBef>
+              <a:spcAft>
+                <a:spcPts val="0"/>
+              </a:spcAft>
+              <a:buClrTx/>
+              <a:buSzTx/>
+              <a:buFontTx/>
+              <a:buNone/>
+              <a:tabLst/>
+              <a:defRPr/>
+            </a:pPr>
+            <a:endParaRPr kumimoji="0" lang="en-US" sz="1800" b="0" i="0" u="none" strike="noStrike" kern="1200" cap="none" spc="0" normalizeH="0" baseline="0" noProof="0">
+              <a:ln>
+                <a:noFill/>
+              </a:ln>
+              <a:solidFill>
+                <a:prstClr val="white"/>
+              </a:solidFill>
+              <a:effectLst/>
+              <a:uLnTx/>
+              <a:uFillTx/>
+              <a:latin typeface="Aptos" panose="02110004020202020204"/>
+              <a:ea typeface="+mn-ea"/>
+              <a:cs typeface="+mn-cs"/>
+            </a:endParaRPr>
+          </a:p>
+        </p:txBody>
+      </p:sp>
+      <p:sp>
+        <p:nvSpPr>
+          <p:cNvPr id="2" name="Title 1">
+            <a:extLst>
+              <a:ext uri="{FF2B5EF4-FFF2-40B4-BE49-F238E27FC236}">
+                <a16:creationId xmlns:a16="http://schemas.microsoft.com/office/drawing/2014/main" id="{83E742E8-4CD8-EB6F-C05C-4848D570B409}"/>
+              </a:ext>
+            </a:extLst>
+          </p:cNvPr>
+          <p:cNvSpPr>
+            <a:spLocks noGrp="1"/>
+          </p:cNvSpPr>
+          <p:nvPr>
+            <p:ph type="title"/>
+          </p:nvPr>
+        </p:nvSpPr>
+        <p:spPr>
+          <a:xfrm>
+            <a:off x="1171074" y="1396686"/>
+            <a:ext cx="3240506" cy="4064628"/>
+          </a:xfrm>
+        </p:spPr>
+        <p:txBody>
+          <a:bodyPr>
+            <a:normAutofit/>
+          </a:bodyPr>
+          <a:lstStyle/>
+          <a:p>
+            <a:pPr rtl="0"/>
+            <a:r>
+              <a:rPr lang="en-US" b="0" i="0" u="none" strike="noStrike" dirty="0">
+                <a:solidFill>
+                  <a:srgbClr val="FFFFFF"/>
+                </a:solidFill>
+                <a:effectLst/>
+                <a:latin typeface="Arial" panose="020B0604020202020204" pitchFamily="34" charset="0"/>
+              </a:rPr>
+              <a:t>Sequencers are everywhere</a:t>
+            </a:r>
+            <a:endParaRPr lang="en-US" dirty="0">
+              <a:solidFill>
+                <a:srgbClr val="FFFFFF"/>
+              </a:solidFill>
+            </a:endParaRPr>
+          </a:p>
+        </p:txBody>
+      </p:sp>
+      <p:sp>
+        <p:nvSpPr>
+          <p:cNvPr id="12" name="Arc 11">
+            <a:extLst>
+              <a:ext uri="{FF2B5EF4-FFF2-40B4-BE49-F238E27FC236}">
+                <a16:creationId xmlns:a16="http://schemas.microsoft.com/office/drawing/2014/main" id="{5B7778FC-632E-4DCA-A7CB-0D7731CCF970}"/>
+              </a:ext>
+              <a:ext uri="{C183D7F6-B498-43B3-948B-1728B52AA6E4}">
+                <adec:decorative xmlns:adec="http://schemas.microsoft.com/office/drawing/2017/decorative" val="1"/>
+              </a:ext>
+            </a:extLst>
+          </p:cNvPr>
+          <p:cNvSpPr>
+            <a:spLocks noGrp="1" noRot="1" noChangeAspect="1" noMove="1" noResize="1" noEditPoints="1" noAdjustHandles="1" noChangeArrowheads="1" noChangeShapeType="1" noTextEdit="1"/>
+          </p:cNvSpPr>
+          <p:nvPr>
+            <p:extLst>
+              <p:ext uri="{386F3935-93C4-4BCD-93E2-E3B085C9AB24}">
+                <p16:designElem xmlns:p16="http://schemas.microsoft.com/office/powerpoint/2015/main" val="1"/>
+              </p:ext>
+            </p:extLst>
+          </p:nvPr>
+        </p:nvSpPr>
+        <p:spPr>
+          <a:xfrm rot="19809111">
+            <a:off x="8683720" y="941148"/>
+            <a:ext cx="2987899" cy="2987899"/>
+          </a:xfrm>
+          <a:prstGeom prst="arc">
+            <a:avLst>
+              <a:gd name="adj1" fmla="val 15817365"/>
+              <a:gd name="adj2" fmla="val 1781380"/>
+            </a:avLst>
+          </a:prstGeom>
+          <a:ln w="127000" cap="rnd">
+            <a:solidFill>
+              <a:schemeClr val="accent4"/>
+            </a:solidFill>
+            <a:prstDash val="dash"/>
+            <a:miter lim="800000"/>
+          </a:ln>
+        </p:spPr>
+        <p:style>
+          <a:lnRef idx="1">
+            <a:schemeClr val="accent1"/>
+          </a:lnRef>
+          <a:fillRef idx="0">
+            <a:schemeClr val="accent1"/>
+          </a:fillRef>
+          <a:effectRef idx="0">
+            <a:schemeClr val="accent1"/>
+          </a:effectRef>
+          <a:fontRef idx="minor">
+            <a:schemeClr val="tx1"/>
+          </a:fontRef>
+        </p:style>
+        <p:txBody>
+          <a:bodyPr rtlCol="0" anchor="ctr"/>
+          <a:lstStyle/>
+          <a:p>
+            <a:pPr marL="0" marR="0" lvl="0" indent="0" algn="ctr" defTabSz="914400" rtl="0" eaLnBrk="1" fontAlgn="auto" latinLnBrk="0" hangingPunct="1">
+              <a:lnSpc>
+                <a:spcPct val="100000"/>
+              </a:lnSpc>
+              <a:spcBef>
+                <a:spcPts val="0"/>
+              </a:spcBef>
+              <a:spcAft>
+                <a:spcPts val="0"/>
+              </a:spcAft>
+              <a:buClrTx/>
+              <a:buSzTx/>
+              <a:buFontTx/>
+              <a:buNone/>
+              <a:tabLst/>
+              <a:defRPr/>
+            </a:pPr>
+            <a:endParaRPr kumimoji="0" lang="en-US" sz="1800" b="0" i="0" u="none" strike="noStrike" kern="1200" cap="none" spc="0" normalizeH="0" baseline="0" noProof="0">
+              <a:ln>
+                <a:noFill/>
+              </a:ln>
+              <a:solidFill>
+                <a:srgbClr val="000000"/>
+              </a:solidFill>
+              <a:effectLst/>
+              <a:uLnTx/>
+              <a:uFillTx/>
+              <a:latin typeface="Calibri" panose="020F0502020204030204"/>
+              <a:ea typeface="+mn-ea"/>
+              <a:cs typeface="+mn-cs"/>
+            </a:endParaRPr>
+          </a:p>
+        </p:txBody>
+      </p:sp>
+      <p:sp>
+        <p:nvSpPr>
+          <p:cNvPr id="14" name="Oval 13">
+            <a:extLst>
+              <a:ext uri="{FF2B5EF4-FFF2-40B4-BE49-F238E27FC236}">
+                <a16:creationId xmlns:a16="http://schemas.microsoft.com/office/drawing/2014/main" id="{FA23A907-97FB-4A8F-880A-DD77401C4296}"/>
+              </a:ext>
+              <a:ext uri="{C183D7F6-B498-43B3-948B-1728B52AA6E4}">
+                <adec:decorative xmlns:adec="http://schemas.microsoft.com/office/drawing/2017/decorative" val="1"/>
+              </a:ext>
+            </a:extLst>
+          </p:cNvPr>
+          <p:cNvSpPr>
+            <a:spLocks noGrp="1" noRot="1" noChangeAspect="1" noMove="1" noResize="1" noEditPoints="1" noAdjustHandles="1" noChangeArrowheads="1" noChangeShapeType="1" noTextEdit="1"/>
+          </p:cNvSpPr>
+          <p:nvPr>
+            <p:extLst>
+              <p:ext uri="{386F3935-93C4-4BCD-93E2-E3B085C9AB24}">
+                <p16:designElem xmlns:p16="http://schemas.microsoft.com/office/powerpoint/2015/main" val="1"/>
+              </p:ext>
+            </p:extLst>
+          </p:nvPr>
+        </p:nvSpPr>
+        <p:spPr>
+          <a:xfrm>
+            <a:off x="910048" y="4780992"/>
+            <a:ext cx="546100" cy="546100"/>
+          </a:xfrm>
+          <a:prstGeom prst="ellipse">
+            <a:avLst/>
+          </a:prstGeom>
+          <a:solidFill>
+            <a:schemeClr val="accent5"/>
+          </a:solidFill>
+          <a:ln>
+            <a:noFill/>
+          </a:ln>
+        </p:spPr>
+        <p:style>
+          <a:lnRef idx="2">
+            <a:schemeClr val="accent1">
+              <a:shade val="50000"/>
+            </a:schemeClr>
+          </a:lnRef>
+          <a:fillRef idx="1">
+            <a:schemeClr val="accent1"/>
+          </a:fillRef>
+          <a:effectRef idx="0">
+            <a:schemeClr val="accent1"/>
+          </a:effectRef>
+          <a:fontRef idx="minor">
+            <a:schemeClr val="lt1"/>
+          </a:fontRef>
+        </p:style>
+        <p:txBody>
+          <a:bodyPr rtlCol="0" anchor="ctr"/>
+          <a:lstStyle/>
+          <a:p>
+            <a:pPr marL="0" marR="0" lvl="0" indent="0" algn="ctr" defTabSz="914400" rtl="0" eaLnBrk="1" fontAlgn="auto" latinLnBrk="0" hangingPunct="1">
+              <a:lnSpc>
+                <a:spcPct val="100000"/>
+              </a:lnSpc>
+              <a:spcBef>
+                <a:spcPts val="0"/>
+              </a:spcBef>
+              <a:spcAft>
+                <a:spcPts val="0"/>
+              </a:spcAft>
+              <a:buClrTx/>
+              <a:buSzTx/>
+              <a:buFontTx/>
+              <a:buNone/>
+              <a:tabLst/>
+              <a:defRPr/>
+            </a:pPr>
+            <a:endParaRPr kumimoji="0" lang="en-US" sz="1800" b="0" i="0" u="none" strike="noStrike" kern="1200" cap="none" spc="0" normalizeH="0" baseline="0" noProof="0">
+              <a:ln>
+                <a:noFill/>
+              </a:ln>
+              <a:solidFill>
+                <a:srgbClr val="FFFFFF"/>
+              </a:solidFill>
+              <a:effectLst/>
+              <a:uLnTx/>
+              <a:uFillTx/>
+              <a:latin typeface="Calibri" panose="020F0502020204030204"/>
+              <a:ea typeface="+mn-ea"/>
+              <a:cs typeface="+mn-cs"/>
+            </a:endParaRPr>
+          </a:p>
+        </p:txBody>
+      </p:sp>
+      <p:sp>
+        <p:nvSpPr>
+          <p:cNvPr id="3" name="Content Placeholder 2">
+            <a:extLst>
+              <a:ext uri="{FF2B5EF4-FFF2-40B4-BE49-F238E27FC236}">
+                <a16:creationId xmlns:a16="http://schemas.microsoft.com/office/drawing/2014/main" id="{C8C096F3-77C1-F2BE-0F60-3E6DFB1A92A5}"/>
+              </a:ext>
+            </a:extLst>
+          </p:cNvPr>
+          <p:cNvSpPr>
+            <a:spLocks noGrp="1"/>
+          </p:cNvSpPr>
+          <p:nvPr>
+            <p:ph idx="1"/>
+          </p:nvPr>
+        </p:nvSpPr>
+        <p:spPr>
+          <a:xfrm>
+            <a:off x="5370153" y="1526033"/>
+            <a:ext cx="5536397" cy="3935281"/>
+          </a:xfrm>
+        </p:spPr>
+        <p:txBody>
+          <a:bodyPr>
+            <a:normAutofit/>
+          </a:bodyPr>
+          <a:lstStyle/>
+          <a:p>
+            <a:pPr rtl="0" fontAlgn="base">
+              <a:buFont typeface="Arial" panose="020B0604020202020204" pitchFamily="34" charset="0"/>
+              <a:buChar char="•"/>
+            </a:pPr>
+            <a:r>
+              <a:rPr lang="en-US" sz="1800" b="0" i="0" u="none" strike="noStrike" dirty="0">
+                <a:effectLst/>
+                <a:latin typeface="Arial" panose="020B0604020202020204" pitchFamily="34" charset="0"/>
+              </a:rPr>
+              <a:t>Used for achieving total order of events</a:t>
+            </a:r>
+            <a:br>
+              <a:rPr lang="en-US" sz="1800" b="0" i="0" u="none" strike="noStrike" dirty="0">
+                <a:effectLst/>
+                <a:latin typeface="Arial" panose="020B0604020202020204" pitchFamily="34" charset="0"/>
+              </a:rPr>
+            </a:br>
+            <a:endParaRPr lang="en-US" sz="1800" b="0" i="0" u="none" strike="noStrike" dirty="0">
+              <a:effectLst/>
+              <a:latin typeface="Arial" panose="020B0604020202020204" pitchFamily="34" charset="0"/>
+            </a:endParaRPr>
+          </a:p>
+          <a:p>
+            <a:pPr rtl="0" fontAlgn="base">
+              <a:buFont typeface="Arial" panose="020B0604020202020204" pitchFamily="34" charset="0"/>
+              <a:buChar char="•"/>
+            </a:pPr>
+            <a:r>
+              <a:rPr lang="en-US" sz="1800" b="0" i="0" u="none" strike="noStrike" dirty="0">
+                <a:effectLst/>
+                <a:latin typeface="Arial" panose="020B0604020202020204" pitchFamily="34" charset="0"/>
+              </a:rPr>
+              <a:t>Paxos leader implicitly works as a sequencer</a:t>
+            </a:r>
+            <a:br>
+              <a:rPr lang="en-US" sz="1800" b="0" i="0" u="none" strike="noStrike" dirty="0">
+                <a:effectLst/>
+                <a:latin typeface="Arial" panose="020B0604020202020204" pitchFamily="34" charset="0"/>
+              </a:rPr>
+            </a:br>
+            <a:endParaRPr lang="en-US" sz="1800" b="0" i="0" u="none" strike="noStrike" dirty="0">
+              <a:effectLst/>
+              <a:latin typeface="Arial" panose="020B0604020202020204" pitchFamily="34" charset="0"/>
+            </a:endParaRPr>
+          </a:p>
+          <a:p>
+            <a:pPr rtl="0" fontAlgn="base">
+              <a:buFont typeface="Arial" panose="020B0604020202020204" pitchFamily="34" charset="0"/>
+              <a:buChar char="•"/>
+            </a:pPr>
+            <a:r>
+              <a:rPr lang="en-US" sz="1800" b="0" i="0" u="none" strike="noStrike" dirty="0" err="1">
+                <a:effectLst/>
+                <a:latin typeface="Arial" panose="020B0604020202020204" pitchFamily="34" charset="0"/>
+              </a:rPr>
+              <a:t>NOPaxos</a:t>
+            </a:r>
+            <a:r>
+              <a:rPr lang="en-US" sz="1800" b="0" i="0" u="none" strike="noStrike" dirty="0">
+                <a:effectLst/>
+                <a:latin typeface="Arial" panose="020B0604020202020204" pitchFamily="34" charset="0"/>
+              </a:rPr>
+              <a:t>, Hydra, Eris decouple the sequencer from consensus and propose implementing a sequencer as a separate component</a:t>
+            </a:r>
+            <a:br>
+              <a:rPr lang="en-US" sz="1800" b="0" i="0" u="none" strike="noStrike" dirty="0">
+                <a:effectLst/>
+                <a:latin typeface="Arial" panose="020B0604020202020204" pitchFamily="34" charset="0"/>
+              </a:rPr>
+            </a:br>
+            <a:endParaRPr lang="en-US" sz="1800" b="0" i="0" u="none" strike="noStrike" dirty="0">
+              <a:effectLst/>
+              <a:latin typeface="Arial" panose="020B0604020202020204" pitchFamily="34" charset="0"/>
+            </a:endParaRPr>
+          </a:p>
+          <a:p>
+            <a:pPr rtl="0" fontAlgn="base">
+              <a:buFont typeface="Arial" panose="020B0604020202020204" pitchFamily="34" charset="0"/>
+              <a:buChar char="•"/>
+            </a:pPr>
+            <a:r>
+              <a:rPr lang="en-US" sz="1800" b="0" i="0" u="none" strike="noStrike" dirty="0">
+                <a:effectLst/>
+                <a:latin typeface="Arial" panose="020B0604020202020204" pitchFamily="34" charset="0"/>
+              </a:rPr>
+              <a:t>All these sequencers achieve a total order that is </a:t>
+            </a:r>
+            <a:r>
+              <a:rPr lang="en-US" sz="1800" b="1" i="1" u="none" strike="noStrike" dirty="0">
+                <a:effectLst/>
+                <a:latin typeface="Arial" panose="020B0604020202020204" pitchFamily="34" charset="0"/>
+              </a:rPr>
+              <a:t>arbitrary </a:t>
+            </a:r>
+            <a:r>
+              <a:rPr lang="en-US" sz="1800" dirty="0">
+                <a:latin typeface="Arial" panose="020B0604020202020204" pitchFamily="34" charset="0"/>
+              </a:rPr>
+              <a:t>i.e., any total order works.</a:t>
+            </a:r>
+            <a:br>
+              <a:rPr lang="en-US" sz="1800" b="1" i="1" u="none" strike="noStrike" dirty="0">
+                <a:effectLst/>
+                <a:latin typeface="Arial" panose="020B0604020202020204" pitchFamily="34" charset="0"/>
+              </a:rPr>
+            </a:br>
+            <a:endParaRPr lang="en-US" sz="1800" b="0" i="0" u="none" strike="noStrike" dirty="0">
+              <a:effectLst/>
+              <a:latin typeface="Arial" panose="020B0604020202020204" pitchFamily="34" charset="0"/>
+            </a:endParaRPr>
+          </a:p>
+          <a:p>
+            <a:pPr rtl="0" fontAlgn="base">
+              <a:spcAft>
+                <a:spcPts val="1200"/>
+              </a:spcAft>
+              <a:buFont typeface="Arial" panose="020B0604020202020204" pitchFamily="34" charset="0"/>
+              <a:buChar char="•"/>
+            </a:pPr>
+            <a:r>
+              <a:rPr lang="en-US" sz="1800" b="0" i="0" u="none" strike="noStrike" dirty="0">
+                <a:effectLst/>
+                <a:latin typeface="Arial" panose="020B0604020202020204" pitchFamily="34" charset="0"/>
+              </a:rPr>
+              <a:t>An arbitrary total order is good enough for conventional applications</a:t>
+            </a:r>
+          </a:p>
+        </p:txBody>
+      </p:sp>
+    </p:spTree>
+    <p:extLst>
+      <p:ext uri="{BB962C8B-B14F-4D97-AF65-F5344CB8AC3E}">
+        <p14:creationId xmlns:p14="http://schemas.microsoft.com/office/powerpoint/2010/main" val="904999904"/>
+      </p:ext>
+    </p:extLst>
+  </p:cSld>
+  <p:clrMapOvr>
+    <a:masterClrMapping/>
+  </p:clrMapOvr>
+  <p:transition spd="slow">
+    <p:push dir="u"/>
+  </p:transition>
+  <p:timing>
+    <p:tnLst>
+      <p:par>
+        <p:cTn id="1" dur="indefinite" restart="never" nodeType="tmRoot">
+          <p:childTnLst>
+            <p:seq concurrent="1" nextAc="seek">
+              <p:cTn id="2" dur="indefinite" nodeType="mainSeq">
+                <p:childTnLst>
                   <p:par>
-                    <p:cTn id="38" fill="hold">
+                    <p:cTn id="3" fill="hold">
                       <p:stCondLst>
                         <p:cond delay="indefinite"/>
                       </p:stCondLst>
                       <p:childTnLst>
                         <p:par>
-                          <p:cTn id="39" fill="hold">
+                          <p:cTn id="4" fill="hold">
                             <p:stCondLst>
                               <p:cond delay="0"/>
                             </p:stCondLst>
                             <p:childTnLst>
                               <p:par>
-                                <p:cTn id="40" presetID="1" presetClass="entr" presetSubtype="0" fill="hold" grpId="0" nodeType="clickEffect">
+                                <p:cTn id="5" presetID="1" presetClass="entr" presetSubtype="0" fill="hold" grpId="0" nodeType="clickEffect">
                                   <p:stCondLst>
                                     <p:cond delay="0"/>
                                   </p:stCondLst>
                                   <p:childTnLst>
                                     <p:set>
                                       <p:cBhvr>
-                                        <p:cTn id="41" dur="1" fill="hold">
+                                        <p:cTn id="6" dur="1" fill="hold">
                                           <p:stCondLst>
                                             <p:cond delay="0"/>
                                           </p:stCondLst>
@@ -17301,7 +18770,671 @@
                                         <p:tgtEl>
                                           <p:spTgt spid="3">
                                             <p:txEl>
-                                              <p:pRg st="6" end="6"/>
+                                              <p:pRg st="0" end="0"/>
+                                            </p:txEl>
+                                          </p:spTgt>
+                                        </p:tgtEl>
+                                        <p:attrNameLst>
+                                          <p:attrName>style.visibility</p:attrName>
+                                        </p:attrNameLst>
+                                      </p:cBhvr>
+                                      <p:to>
+                                        <p:strVal val="visible"/>
+                                      </p:to>
+                                    </p:set>
+                                  </p:childTnLst>
+                                </p:cTn>
+                              </p:par>
+                            </p:childTnLst>
+                          </p:cTn>
+                        </p:par>
+                      </p:childTnLst>
+                    </p:cTn>
+                  </p:par>
+                  <p:par>
+                    <p:cTn id="7" fill="hold">
+                      <p:stCondLst>
+                        <p:cond delay="indefinite"/>
+                      </p:stCondLst>
+                      <p:childTnLst>
+                        <p:par>
+                          <p:cTn id="8" fill="hold">
+                            <p:stCondLst>
+                              <p:cond delay="0"/>
+                            </p:stCondLst>
+                            <p:childTnLst>
+                              <p:par>
+                                <p:cTn id="9" presetID="1" presetClass="entr" presetSubtype="0" fill="hold" grpId="0" nodeType="clickEffect">
+                                  <p:stCondLst>
+                                    <p:cond delay="0"/>
+                                  </p:stCondLst>
+                                  <p:childTnLst>
+                                    <p:set>
+                                      <p:cBhvr>
+                                        <p:cTn id="10" dur="1" fill="hold">
+                                          <p:stCondLst>
+                                            <p:cond delay="0"/>
+                                          </p:stCondLst>
+                                        </p:cTn>
+                                        <p:tgtEl>
+                                          <p:spTgt spid="3">
+                                            <p:txEl>
+                                              <p:pRg st="1" end="1"/>
+                                            </p:txEl>
+                                          </p:spTgt>
+                                        </p:tgtEl>
+                                        <p:attrNameLst>
+                                          <p:attrName>style.visibility</p:attrName>
+                                        </p:attrNameLst>
+                                      </p:cBhvr>
+                                      <p:to>
+                                        <p:strVal val="visible"/>
+                                      </p:to>
+                                    </p:set>
+                                  </p:childTnLst>
+                                </p:cTn>
+                              </p:par>
+                            </p:childTnLst>
+                          </p:cTn>
+                        </p:par>
+                      </p:childTnLst>
+                    </p:cTn>
+                  </p:par>
+                  <p:par>
+                    <p:cTn id="11" fill="hold">
+                      <p:stCondLst>
+                        <p:cond delay="indefinite"/>
+                      </p:stCondLst>
+                      <p:childTnLst>
+                        <p:par>
+                          <p:cTn id="12" fill="hold">
+                            <p:stCondLst>
+                              <p:cond delay="0"/>
+                            </p:stCondLst>
+                            <p:childTnLst>
+                              <p:par>
+                                <p:cTn id="13" presetID="1" presetClass="entr" presetSubtype="0" fill="hold" grpId="0" nodeType="clickEffect">
+                                  <p:stCondLst>
+                                    <p:cond delay="0"/>
+                                  </p:stCondLst>
+                                  <p:childTnLst>
+                                    <p:set>
+                                      <p:cBhvr>
+                                        <p:cTn id="14" dur="1" fill="hold">
+                                          <p:stCondLst>
+                                            <p:cond delay="0"/>
+                                          </p:stCondLst>
+                                        </p:cTn>
+                                        <p:tgtEl>
+                                          <p:spTgt spid="3">
+                                            <p:txEl>
+                                              <p:pRg st="2" end="2"/>
+                                            </p:txEl>
+                                          </p:spTgt>
+                                        </p:tgtEl>
+                                        <p:attrNameLst>
+                                          <p:attrName>style.visibility</p:attrName>
+                                        </p:attrNameLst>
+                                      </p:cBhvr>
+                                      <p:to>
+                                        <p:strVal val="visible"/>
+                                      </p:to>
+                                    </p:set>
+                                  </p:childTnLst>
+                                </p:cTn>
+                              </p:par>
+                            </p:childTnLst>
+                          </p:cTn>
+                        </p:par>
+                      </p:childTnLst>
+                    </p:cTn>
+                  </p:par>
+                  <p:par>
+                    <p:cTn id="15" fill="hold">
+                      <p:stCondLst>
+                        <p:cond delay="indefinite"/>
+                      </p:stCondLst>
+                      <p:childTnLst>
+                        <p:par>
+                          <p:cTn id="16" fill="hold">
+                            <p:stCondLst>
+                              <p:cond delay="0"/>
+                            </p:stCondLst>
+                            <p:childTnLst>
+                              <p:par>
+                                <p:cTn id="17" presetID="1" presetClass="entr" presetSubtype="0" fill="hold" grpId="0" nodeType="clickEffect">
+                                  <p:stCondLst>
+                                    <p:cond delay="0"/>
+                                  </p:stCondLst>
+                                  <p:childTnLst>
+                                    <p:set>
+                                      <p:cBhvr>
+                                        <p:cTn id="18" dur="1" fill="hold">
+                                          <p:stCondLst>
+                                            <p:cond delay="0"/>
+                                          </p:stCondLst>
+                                        </p:cTn>
+                                        <p:tgtEl>
+                                          <p:spTgt spid="3">
+                                            <p:txEl>
+                                              <p:pRg st="3" end="3"/>
+                                            </p:txEl>
+                                          </p:spTgt>
+                                        </p:tgtEl>
+                                        <p:attrNameLst>
+                                          <p:attrName>style.visibility</p:attrName>
+                                        </p:attrNameLst>
+                                      </p:cBhvr>
+                                      <p:to>
+                                        <p:strVal val="visible"/>
+                                      </p:to>
+                                    </p:set>
+                                  </p:childTnLst>
+                                </p:cTn>
+                              </p:par>
+                            </p:childTnLst>
+                          </p:cTn>
+                        </p:par>
+                      </p:childTnLst>
+                    </p:cTn>
+                  </p:par>
+                  <p:par>
+                    <p:cTn id="19" fill="hold">
+                      <p:stCondLst>
+                        <p:cond delay="indefinite"/>
+                      </p:stCondLst>
+                      <p:childTnLst>
+                        <p:par>
+                          <p:cTn id="20" fill="hold">
+                            <p:stCondLst>
+                              <p:cond delay="0"/>
+                            </p:stCondLst>
+                            <p:childTnLst>
+                              <p:par>
+                                <p:cTn id="21" presetID="1" presetClass="entr" presetSubtype="0" fill="hold" grpId="0" nodeType="clickEffect">
+                                  <p:stCondLst>
+                                    <p:cond delay="0"/>
+                                  </p:stCondLst>
+                                  <p:childTnLst>
+                                    <p:set>
+                                      <p:cBhvr>
+                                        <p:cTn id="22" dur="1" fill="hold">
+                                          <p:stCondLst>
+                                            <p:cond delay="0"/>
+                                          </p:stCondLst>
+                                        </p:cTn>
+                                        <p:tgtEl>
+                                          <p:spTgt spid="3">
+                                            <p:txEl>
+                                              <p:pRg st="4" end="4"/>
+                                            </p:txEl>
+                                          </p:spTgt>
+                                        </p:tgtEl>
+                                        <p:attrNameLst>
+                                          <p:attrName>style.visibility</p:attrName>
+                                        </p:attrNameLst>
+                                      </p:cBhvr>
+                                      <p:to>
+                                        <p:strVal val="visible"/>
+                                      </p:to>
+                                    </p:set>
+                                  </p:childTnLst>
+                                </p:cTn>
+                              </p:par>
+                            </p:childTnLst>
+                          </p:cTn>
+                        </p:par>
+                      </p:childTnLst>
+                    </p:cTn>
+                  </p:par>
+                </p:childTnLst>
+              </p:cTn>
+              <p:prevCondLst>
+                <p:cond evt="onPrev" delay="0">
+                  <p:tgtEl>
+                    <p:sldTgt/>
+                  </p:tgtEl>
+                </p:cond>
+              </p:prevCondLst>
+              <p:nextCondLst>
+                <p:cond evt="onNext" delay="0">
+                  <p:tgtEl>
+                    <p:sldTgt/>
+                  </p:tgtEl>
+                </p:cond>
+              </p:nextCondLst>
+            </p:seq>
+          </p:childTnLst>
+        </p:cTn>
+      </p:par>
+    </p:tnLst>
+    <p:bldLst>
+      <p:bldP spid="3" grpId="0" build="p"/>
+    </p:bldLst>
+  </p:timing>
+</p:sld>
+</file>
+
+<file path=ppt/slides/slide20.xml><?xml version="1.0" encoding="utf-8"?>
+<p:sld xmlns:a="http://schemas.openxmlformats.org/drawingml/2006/main" xmlns:r="http://schemas.openxmlformats.org/officeDocument/2006/relationships" xmlns:p="http://schemas.openxmlformats.org/presentationml/2006/main">
+  <p:cSld>
+    <p:spTree>
+      <p:nvGrpSpPr>
+        <p:cNvPr id="1" name="">
+          <a:extLst>
+            <a:ext uri="{FF2B5EF4-FFF2-40B4-BE49-F238E27FC236}">
+              <a16:creationId xmlns:a16="http://schemas.microsoft.com/office/drawing/2014/main" id="{C0B07738-817E-DC1E-EE39-41D770E3E3BD}"/>
+            </a:ext>
+          </a:extLst>
+        </p:cNvPr>
+        <p:cNvGrpSpPr/>
+        <p:nvPr/>
+      </p:nvGrpSpPr>
+      <p:grpSpPr>
+        <a:xfrm>
+          <a:off x="0" y="0"/>
+          <a:ext cx="0" cy="0"/>
+          <a:chOff x="0" y="0"/>
+          <a:chExt cx="0" cy="0"/>
+        </a:xfrm>
+      </p:grpSpPr>
+      <p:sp>
+        <p:nvSpPr>
+          <p:cNvPr id="2" name="Title 1">
+            <a:extLst>
+              <a:ext uri="{FF2B5EF4-FFF2-40B4-BE49-F238E27FC236}">
+                <a16:creationId xmlns:a16="http://schemas.microsoft.com/office/drawing/2014/main" id="{0E267854-DEF7-C9F9-A501-6AA78FCFA7F4}"/>
+              </a:ext>
+            </a:extLst>
+          </p:cNvPr>
+          <p:cNvSpPr>
+            <a:spLocks noGrp="1"/>
+          </p:cNvSpPr>
+          <p:nvPr>
+            <p:ph type="title"/>
+          </p:nvPr>
+        </p:nvSpPr>
+        <p:spPr>
+          <a:xfrm>
+            <a:off x="838200" y="365125"/>
+            <a:ext cx="10515600" cy="1325563"/>
+          </a:xfrm>
+        </p:spPr>
+        <p:txBody>
+          <a:bodyPr>
+            <a:normAutofit/>
+          </a:bodyPr>
+          <a:lstStyle/>
+          <a:p>
+            <a:r>
+              <a:rPr lang="en-US" sz="5400" dirty="0"/>
+              <a:t>Partial Order</a:t>
+            </a:r>
+          </a:p>
+        </p:txBody>
+      </p:sp>
+      <p:sp>
+        <p:nvSpPr>
+          <p:cNvPr id="3" name="Content Placeholder 2">
+            <a:extLst>
+              <a:ext uri="{FF2B5EF4-FFF2-40B4-BE49-F238E27FC236}">
+                <a16:creationId xmlns:a16="http://schemas.microsoft.com/office/drawing/2014/main" id="{5EA1D797-4DDE-60AC-8E5F-B08E12B260A7}"/>
+              </a:ext>
+            </a:extLst>
+          </p:cNvPr>
+          <p:cNvSpPr>
+            <a:spLocks noGrp="1"/>
+          </p:cNvSpPr>
+          <p:nvPr>
+            <p:ph idx="1"/>
+          </p:nvPr>
+        </p:nvSpPr>
+        <p:spPr>
+          <a:xfrm>
+            <a:off x="838200" y="1929384"/>
+            <a:ext cx="10515600" cy="4251960"/>
+          </a:xfrm>
+        </p:spPr>
+        <p:txBody>
+          <a:bodyPr>
+            <a:normAutofit/>
+          </a:bodyPr>
+          <a:lstStyle/>
+          <a:p>
+            <a:r>
+              <a:rPr lang="en-US" sz="2200" i="1" dirty="0"/>
+              <a:t>happened-before </a:t>
+            </a:r>
+            <a:r>
+              <a:rPr lang="en-US" sz="2200" dirty="0"/>
+              <a:t>relation is transitive so getting a partial order out of pairwise relations is easy</a:t>
+            </a:r>
+          </a:p>
+          <a:p>
+            <a:pPr lvl="1"/>
+            <a:r>
+              <a:rPr lang="en-US" sz="2200" dirty="0"/>
+              <a:t>A  </a:t>
+            </a:r>
+            <a:r>
+              <a:rPr lang="en-US" sz="2200" dirty="0">
+                <a:sym typeface="Wingdings" pitchFamily="2" charset="2"/>
+              </a:rPr>
+              <a:t></a:t>
+            </a:r>
+            <a:r>
+              <a:rPr lang="en-US" sz="2200" dirty="0"/>
+              <a:t>B and B </a:t>
+            </a:r>
+            <a:r>
+              <a:rPr lang="en-US" sz="2200" dirty="0">
+                <a:sym typeface="Wingdings" pitchFamily="2" charset="2"/>
+              </a:rPr>
+              <a:t></a:t>
+            </a:r>
+            <a:r>
+              <a:rPr lang="en-US" sz="2200" dirty="0"/>
+              <a:t> C gives us A </a:t>
+            </a:r>
+            <a:r>
+              <a:rPr lang="en-US" sz="2200" dirty="0">
+                <a:sym typeface="Wingdings" pitchFamily="2" charset="2"/>
+              </a:rPr>
+              <a:t></a:t>
+            </a:r>
+            <a:r>
+              <a:rPr lang="en-US" sz="2200" dirty="0"/>
+              <a:t> B </a:t>
+            </a:r>
+            <a:r>
+              <a:rPr lang="en-US" sz="2200" dirty="0">
+                <a:sym typeface="Wingdings" pitchFamily="2" charset="2"/>
+              </a:rPr>
+              <a:t></a:t>
+            </a:r>
+            <a:r>
+              <a:rPr lang="en-US" sz="2200" dirty="0"/>
+              <a:t> C</a:t>
+            </a:r>
+            <a:br>
+              <a:rPr lang="en-US" sz="2200" dirty="0"/>
+            </a:br>
+            <a:endParaRPr lang="en-US" sz="2200" dirty="0"/>
+          </a:p>
+          <a:p>
+            <a:r>
+              <a:rPr lang="en-US" sz="2200" i="1" dirty="0"/>
+              <a:t>likely-happened-before </a:t>
+            </a:r>
+            <a:r>
+              <a:rPr lang="en-US" sz="2200" dirty="0"/>
+              <a:t>relation is not necessarily transitive.</a:t>
+            </a:r>
+          </a:p>
+          <a:p>
+            <a:pPr lvl="1"/>
+            <a:r>
+              <a:rPr lang="en-US" sz="2200" dirty="0"/>
+              <a:t>may lead to cyclic ranking</a:t>
+            </a:r>
+          </a:p>
+        </p:txBody>
+      </p:sp>
+      <p:sp>
+        <p:nvSpPr>
+          <p:cNvPr id="4" name="Oval 3">
+            <a:extLst>
+              <a:ext uri="{FF2B5EF4-FFF2-40B4-BE49-F238E27FC236}">
+                <a16:creationId xmlns:a16="http://schemas.microsoft.com/office/drawing/2014/main" id="{C21E9A03-30B0-092C-3349-C8FA37468EF1}"/>
+              </a:ext>
+            </a:extLst>
+          </p:cNvPr>
+          <p:cNvSpPr/>
+          <p:nvPr/>
+        </p:nvSpPr>
+        <p:spPr>
+          <a:xfrm>
+            <a:off x="4274972" y="-248312"/>
+            <a:ext cx="2997621" cy="790260"/>
+          </a:xfrm>
+          <a:prstGeom prst="ellipse">
+            <a:avLst/>
+          </a:prstGeom>
+          <a:solidFill>
+            <a:schemeClr val="accent3">
+              <a:lumMod val="40000"/>
+              <a:lumOff val="60000"/>
+            </a:schemeClr>
+          </a:solidFill>
+          <a:ln>
+            <a:noFill/>
+          </a:ln>
+        </p:spPr>
+        <p:style>
+          <a:lnRef idx="2">
+            <a:schemeClr val="accent1">
+              <a:shade val="15000"/>
+            </a:schemeClr>
+          </a:lnRef>
+          <a:fillRef idx="1">
+            <a:schemeClr val="accent1"/>
+          </a:fillRef>
+          <a:effectRef idx="0">
+            <a:schemeClr val="accent1"/>
+          </a:effectRef>
+          <a:fontRef idx="minor">
+            <a:schemeClr val="lt1"/>
+          </a:fontRef>
+        </p:style>
+        <p:txBody>
+          <a:bodyPr rtlCol="0" anchor="ctr"/>
+          <a:lstStyle/>
+          <a:p>
+            <a:pPr algn="ctr"/>
+            <a:r>
+              <a:rPr lang="en-US" dirty="0"/>
+              <a:t>2</a:t>
+            </a:r>
+          </a:p>
+        </p:txBody>
+      </p:sp>
+    </p:spTree>
+    <p:extLst>
+      <p:ext uri="{BB962C8B-B14F-4D97-AF65-F5344CB8AC3E}">
+        <p14:creationId xmlns:p14="http://schemas.microsoft.com/office/powerpoint/2010/main" val="1778309082"/>
+      </p:ext>
+    </p:extLst>
+  </p:cSld>
+  <p:clrMapOvr>
+    <a:masterClrMapping/>
+  </p:clrMapOvr>
+  <p:transition spd="slow">
+    <p:push dir="r"/>
+  </p:transition>
+  <p:timing>
+    <p:tnLst>
+      <p:par>
+        <p:cTn id="1" dur="indefinite" restart="never" nodeType="tmRoot">
+          <p:childTnLst>
+            <p:seq concurrent="1" nextAc="seek">
+              <p:cTn id="2" dur="indefinite" nodeType="mainSeq">
+                <p:childTnLst>
+                  <p:par>
+                    <p:cTn id="3" fill="hold">
+                      <p:stCondLst>
+                        <p:cond delay="indefinite"/>
+                      </p:stCondLst>
+                      <p:childTnLst>
+                        <p:par>
+                          <p:cTn id="4" fill="hold">
+                            <p:stCondLst>
+                              <p:cond delay="0"/>
+                            </p:stCondLst>
+                            <p:childTnLst>
+                              <p:par>
+                                <p:cTn id="5" presetID="1" presetClass="entr" presetSubtype="0" fill="hold" grpId="0" nodeType="clickEffect">
+                                  <p:stCondLst>
+                                    <p:cond delay="0"/>
+                                  </p:stCondLst>
+                                  <p:childTnLst>
+                                    <p:set>
+                                      <p:cBhvr>
+                                        <p:cTn id="6" dur="1" fill="hold">
+                                          <p:stCondLst>
+                                            <p:cond delay="0"/>
+                                          </p:stCondLst>
+                                        </p:cTn>
+                                        <p:tgtEl>
+                                          <p:spTgt spid="3">
+                                            <p:txEl>
+                                              <p:pRg st="0" end="0"/>
+                                            </p:txEl>
+                                          </p:spTgt>
+                                        </p:tgtEl>
+                                        <p:attrNameLst>
+                                          <p:attrName>style.visibility</p:attrName>
+                                        </p:attrNameLst>
+                                      </p:cBhvr>
+                                      <p:to>
+                                        <p:strVal val="visible"/>
+                                      </p:to>
+                                    </p:set>
+                                  </p:childTnLst>
+                                </p:cTn>
+                              </p:par>
+                            </p:childTnLst>
+                          </p:cTn>
+                        </p:par>
+                      </p:childTnLst>
+                    </p:cTn>
+                  </p:par>
+                  <p:par>
+                    <p:cTn id="7" fill="hold">
+                      <p:stCondLst>
+                        <p:cond delay="indefinite"/>
+                      </p:stCondLst>
+                      <p:childTnLst>
+                        <p:par>
+                          <p:cTn id="8" fill="hold">
+                            <p:stCondLst>
+                              <p:cond delay="0"/>
+                            </p:stCondLst>
+                            <p:childTnLst>
+                              <p:par>
+                                <p:cTn id="9" presetID="1" presetClass="entr" presetSubtype="0" fill="hold" grpId="0" nodeType="clickEffect">
+                                  <p:stCondLst>
+                                    <p:cond delay="0"/>
+                                  </p:stCondLst>
+                                  <p:childTnLst>
+                                    <p:set>
+                                      <p:cBhvr>
+                                        <p:cTn id="10" dur="1" fill="hold">
+                                          <p:stCondLst>
+                                            <p:cond delay="0"/>
+                                          </p:stCondLst>
+                                        </p:cTn>
+                                        <p:tgtEl>
+                                          <p:spTgt spid="3">
+                                            <p:txEl>
+                                              <p:pRg st="1" end="1"/>
+                                            </p:txEl>
+                                          </p:spTgt>
+                                        </p:tgtEl>
+                                        <p:attrNameLst>
+                                          <p:attrName>style.visibility</p:attrName>
+                                        </p:attrNameLst>
+                                      </p:cBhvr>
+                                      <p:to>
+                                        <p:strVal val="visible"/>
+                                      </p:to>
+                                    </p:set>
+                                  </p:childTnLst>
+                                </p:cTn>
+                              </p:par>
+                            </p:childTnLst>
+                          </p:cTn>
+                        </p:par>
+                      </p:childTnLst>
+                    </p:cTn>
+                  </p:par>
+                  <p:par>
+                    <p:cTn id="11" fill="hold">
+                      <p:stCondLst>
+                        <p:cond delay="indefinite"/>
+                      </p:stCondLst>
+                      <p:childTnLst>
+                        <p:par>
+                          <p:cTn id="12" fill="hold">
+                            <p:stCondLst>
+                              <p:cond delay="0"/>
+                            </p:stCondLst>
+                            <p:childTnLst>
+                              <p:par>
+                                <p:cTn id="13" presetID="1" presetClass="entr" presetSubtype="0" fill="hold" grpId="0" nodeType="clickEffect">
+                                  <p:stCondLst>
+                                    <p:cond delay="0"/>
+                                  </p:stCondLst>
+                                  <p:childTnLst>
+                                    <p:set>
+                                      <p:cBhvr>
+                                        <p:cTn id="14" dur="1" fill="hold">
+                                          <p:stCondLst>
+                                            <p:cond delay="0"/>
+                                          </p:stCondLst>
+                                        </p:cTn>
+                                        <p:tgtEl>
+                                          <p:spTgt spid="3">
+                                            <p:txEl>
+                                              <p:pRg st="2" end="2"/>
+                                            </p:txEl>
+                                          </p:spTgt>
+                                        </p:tgtEl>
+                                        <p:attrNameLst>
+                                          <p:attrName>style.visibility</p:attrName>
+                                        </p:attrNameLst>
+                                      </p:cBhvr>
+                                      <p:to>
+                                        <p:strVal val="visible"/>
+                                      </p:to>
+                                    </p:set>
+                                  </p:childTnLst>
+                                </p:cTn>
+                              </p:par>
+                            </p:childTnLst>
+                          </p:cTn>
+                        </p:par>
+                      </p:childTnLst>
+                    </p:cTn>
+                  </p:par>
+                  <p:par>
+                    <p:cTn id="15" fill="hold">
+                      <p:stCondLst>
+                        <p:cond delay="indefinite"/>
+                      </p:stCondLst>
+                      <p:childTnLst>
+                        <p:par>
+                          <p:cTn id="16" fill="hold">
+                            <p:stCondLst>
+                              <p:cond delay="0"/>
+                            </p:stCondLst>
+                            <p:childTnLst>
+                              <p:par>
+                                <p:cTn id="17" presetID="1" presetClass="entr" presetSubtype="0" fill="hold" grpId="0" nodeType="clickEffect">
+                                  <p:stCondLst>
+                                    <p:cond delay="0"/>
+                                  </p:stCondLst>
+                                  <p:childTnLst>
+                                    <p:set>
+                                      <p:cBhvr>
+                                        <p:cTn id="18" dur="1" fill="hold">
+                                          <p:stCondLst>
+                                            <p:cond delay="0"/>
+                                          </p:stCondLst>
+                                        </p:cTn>
+                                        <p:tgtEl>
+                                          <p:spTgt spid="3">
+                                            <p:txEl>
+                                              <p:pRg st="3" end="3"/>
                                             </p:txEl>
                                           </p:spTgt>
                                         </p:tgtEl>
@@ -17350,7 +19483,7 @@
 </p:sld>
 </file>
 
-<file path=ppt/slides/slide19.xml><?xml version="1.0" encoding="utf-8"?>
+<file path=ppt/slides/slide21.xml><?xml version="1.0" encoding="utf-8"?>
 <p:sld xmlns:a="http://schemas.openxmlformats.org/drawingml/2006/main" xmlns:r="http://schemas.openxmlformats.org/officeDocument/2006/relationships" xmlns:p="http://schemas.openxmlformats.org/presentationml/2006/main">
   <p:cSld>
     <p:spTree>
@@ -18772,897 +20905,7 @@
 </p:sld>
 </file>
 
-<file path=ppt/slides/slide2.xml><?xml version="1.0" encoding="utf-8"?>
-<p:sld xmlns:a="http://schemas.openxmlformats.org/drawingml/2006/main" xmlns:r="http://schemas.openxmlformats.org/officeDocument/2006/relationships" xmlns:p="http://schemas.openxmlformats.org/presentationml/2006/main">
-  <p:cSld>
-    <p:bg>
-      <p:bgPr>
-        <a:solidFill>
-          <a:schemeClr val="bg1"/>
-        </a:solidFill>
-        <a:effectLst/>
-      </p:bgPr>
-    </p:bg>
-    <p:spTree>
-      <p:nvGrpSpPr>
-        <p:cNvPr id="1" name=""/>
-        <p:cNvGrpSpPr/>
-        <p:nvPr/>
-      </p:nvGrpSpPr>
-      <p:grpSpPr>
-        <a:xfrm>
-          <a:off x="0" y="0"/>
-          <a:ext cx="0" cy="0"/>
-          <a:chOff x="0" y="0"/>
-          <a:chExt cx="0" cy="0"/>
-        </a:xfrm>
-      </p:grpSpPr>
-      <p:sp useBgFill="1">
-        <p:nvSpPr>
-          <p:cNvPr id="8" name="Rectangle 7">
-            <a:extLst>
-              <a:ext uri="{FF2B5EF4-FFF2-40B4-BE49-F238E27FC236}">
-                <a16:creationId xmlns:a16="http://schemas.microsoft.com/office/drawing/2014/main" id="{C2554CA6-288E-4202-BC52-2E5A8F0C0AED}"/>
-              </a:ext>
-              <a:ext uri="{C183D7F6-B498-43B3-948B-1728B52AA6E4}">
-                <adec:decorative xmlns:adec="http://schemas.microsoft.com/office/drawing/2017/decorative" val="1"/>
-              </a:ext>
-            </a:extLst>
-          </p:cNvPr>
-          <p:cNvSpPr>
-            <a:spLocks noGrp="1" noRot="1" noChangeAspect="1" noMove="1" noResize="1" noEditPoints="1" noAdjustHandles="1" noChangeArrowheads="1" noChangeShapeType="1" noTextEdit="1"/>
-          </p:cNvSpPr>
-          <p:nvPr>
-            <p:extLst>
-              <p:ext uri="{386F3935-93C4-4BCD-93E2-E3B085C9AB24}">
-                <p16:designElem xmlns:p16="http://schemas.microsoft.com/office/powerpoint/2015/main" val="1"/>
-              </p:ext>
-            </p:extLst>
-          </p:nvPr>
-        </p:nvSpPr>
-        <p:spPr>
-          <a:xfrm>
-            <a:off x="3048" y="0"/>
-            <a:ext cx="12188952" cy="6858000"/>
-          </a:xfrm>
-          <a:prstGeom prst="rect">
-            <a:avLst/>
-          </a:prstGeom>
-          <a:ln>
-            <a:noFill/>
-          </a:ln>
-        </p:spPr>
-        <p:style>
-          <a:lnRef idx="2">
-            <a:schemeClr val="accent1">
-              <a:shade val="50000"/>
-            </a:schemeClr>
-          </a:lnRef>
-          <a:fillRef idx="1">
-            <a:schemeClr val="accent1"/>
-          </a:fillRef>
-          <a:effectRef idx="0">
-            <a:schemeClr val="accent1"/>
-          </a:effectRef>
-          <a:fontRef idx="minor">
-            <a:schemeClr val="lt1"/>
-          </a:fontRef>
-        </p:style>
-        <p:txBody>
-          <a:bodyPr rtlCol="0" anchor="ctr"/>
-          <a:lstStyle/>
-          <a:p>
-            <a:pPr marL="0" marR="0" lvl="0" indent="0" algn="ctr" defTabSz="914400" rtl="0" eaLnBrk="1" fontAlgn="auto" latinLnBrk="0" hangingPunct="1">
-              <a:lnSpc>
-                <a:spcPct val="100000"/>
-              </a:lnSpc>
-              <a:spcBef>
-                <a:spcPts val="0"/>
-              </a:spcBef>
-              <a:spcAft>
-                <a:spcPts val="0"/>
-              </a:spcAft>
-              <a:buClrTx/>
-              <a:buSzTx/>
-              <a:buFontTx/>
-              <a:buNone/>
-              <a:tabLst/>
-              <a:defRPr/>
-            </a:pPr>
-            <a:endParaRPr kumimoji="0" lang="en-US" sz="1800" b="0" i="0" u="none" strike="noStrike" kern="1200" cap="none" spc="0" normalizeH="0" baseline="0" noProof="0">
-              <a:ln>
-                <a:noFill/>
-              </a:ln>
-              <a:solidFill>
-                <a:prstClr val="white"/>
-              </a:solidFill>
-              <a:effectLst/>
-              <a:uLnTx/>
-              <a:uFillTx/>
-              <a:latin typeface="Aptos" panose="02110004020202020204"/>
-              <a:ea typeface="+mn-ea"/>
-              <a:cs typeface="+mn-cs"/>
-            </a:endParaRPr>
-          </a:p>
-        </p:txBody>
-      </p:sp>
-      <p:sp>
-        <p:nvSpPr>
-          <p:cNvPr id="10" name="Oval 9">
-            <a:extLst>
-              <a:ext uri="{FF2B5EF4-FFF2-40B4-BE49-F238E27FC236}">
-                <a16:creationId xmlns:a16="http://schemas.microsoft.com/office/drawing/2014/main" id="{B10BB131-AC8E-4A8E-A5D1-36260F720C3B}"/>
-              </a:ext>
-              <a:ext uri="{C183D7F6-B498-43B3-948B-1728B52AA6E4}">
-                <adec:decorative xmlns:adec="http://schemas.microsoft.com/office/drawing/2017/decorative" val="1"/>
-              </a:ext>
-            </a:extLst>
-          </p:cNvPr>
-          <p:cNvSpPr>
-            <a:spLocks noGrp="1" noRot="1" noChangeAspect="1" noMove="1" noResize="1" noEditPoints="1" noAdjustHandles="1" noChangeArrowheads="1" noChangeShapeType="1" noTextEdit="1"/>
-          </p:cNvSpPr>
-          <p:nvPr>
-            <p:extLst>
-              <p:ext uri="{386F3935-93C4-4BCD-93E2-E3B085C9AB24}">
-                <p16:designElem xmlns:p16="http://schemas.microsoft.com/office/powerpoint/2015/main" val="1"/>
-              </p:ext>
-            </p:extLst>
-          </p:nvPr>
-        </p:nvSpPr>
-        <p:spPr>
-          <a:xfrm>
-            <a:off x="489189" y="1119031"/>
-            <a:ext cx="4619938" cy="4619938"/>
-          </a:xfrm>
-          <a:prstGeom prst="ellipse">
-            <a:avLst/>
-          </a:prstGeom>
-          <a:solidFill>
-            <a:schemeClr val="accent2"/>
-          </a:solidFill>
-          <a:ln>
-            <a:noFill/>
-          </a:ln>
-        </p:spPr>
-        <p:style>
-          <a:lnRef idx="2">
-            <a:schemeClr val="accent1">
-              <a:shade val="50000"/>
-            </a:schemeClr>
-          </a:lnRef>
-          <a:fillRef idx="1">
-            <a:schemeClr val="accent1"/>
-          </a:fillRef>
-          <a:effectRef idx="0">
-            <a:schemeClr val="accent1"/>
-          </a:effectRef>
-          <a:fontRef idx="minor">
-            <a:schemeClr val="lt1"/>
-          </a:fontRef>
-        </p:style>
-        <p:txBody>
-          <a:bodyPr rtlCol="0" anchor="ctr"/>
-          <a:lstStyle/>
-          <a:p>
-            <a:pPr marL="0" marR="0" lvl="0" indent="0" algn="ctr" defTabSz="914400" rtl="0" eaLnBrk="1" fontAlgn="auto" latinLnBrk="0" hangingPunct="1">
-              <a:lnSpc>
-                <a:spcPct val="100000"/>
-              </a:lnSpc>
-              <a:spcBef>
-                <a:spcPts val="0"/>
-              </a:spcBef>
-              <a:spcAft>
-                <a:spcPts val="0"/>
-              </a:spcAft>
-              <a:buClrTx/>
-              <a:buSzTx/>
-              <a:buFontTx/>
-              <a:buNone/>
-              <a:tabLst/>
-              <a:defRPr/>
-            </a:pPr>
-            <a:endParaRPr kumimoji="0" lang="en-US" sz="1800" b="0" i="0" u="none" strike="noStrike" kern="1200" cap="none" spc="0" normalizeH="0" baseline="0" noProof="0">
-              <a:ln>
-                <a:noFill/>
-              </a:ln>
-              <a:solidFill>
-                <a:prstClr val="white"/>
-              </a:solidFill>
-              <a:effectLst/>
-              <a:uLnTx/>
-              <a:uFillTx/>
-              <a:latin typeface="Aptos" panose="02110004020202020204"/>
-              <a:ea typeface="+mn-ea"/>
-              <a:cs typeface="+mn-cs"/>
-            </a:endParaRPr>
-          </a:p>
-        </p:txBody>
-      </p:sp>
-      <p:sp>
-        <p:nvSpPr>
-          <p:cNvPr id="2" name="Title 1">
-            <a:extLst>
-              <a:ext uri="{FF2B5EF4-FFF2-40B4-BE49-F238E27FC236}">
-                <a16:creationId xmlns:a16="http://schemas.microsoft.com/office/drawing/2014/main" id="{83E742E8-4CD8-EB6F-C05C-4848D570B409}"/>
-              </a:ext>
-            </a:extLst>
-          </p:cNvPr>
-          <p:cNvSpPr>
-            <a:spLocks noGrp="1"/>
-          </p:cNvSpPr>
-          <p:nvPr>
-            <p:ph type="title"/>
-          </p:nvPr>
-        </p:nvSpPr>
-        <p:spPr>
-          <a:xfrm>
-            <a:off x="1171074" y="1396686"/>
-            <a:ext cx="3240506" cy="4064628"/>
-          </a:xfrm>
-        </p:spPr>
-        <p:txBody>
-          <a:bodyPr>
-            <a:normAutofit/>
-          </a:bodyPr>
-          <a:lstStyle/>
-          <a:p>
-            <a:pPr rtl="0"/>
-            <a:r>
-              <a:rPr lang="en-US" b="0" i="0" u="none" strike="noStrike" dirty="0">
-                <a:solidFill>
-                  <a:srgbClr val="FFFFFF"/>
-                </a:solidFill>
-                <a:effectLst/>
-                <a:latin typeface="Arial" panose="020B0604020202020204" pitchFamily="34" charset="0"/>
-              </a:rPr>
-              <a:t>Sequencers are everywhere</a:t>
-            </a:r>
-            <a:endParaRPr lang="en-US" dirty="0">
-              <a:solidFill>
-                <a:srgbClr val="FFFFFF"/>
-              </a:solidFill>
-            </a:endParaRPr>
-          </a:p>
-        </p:txBody>
-      </p:sp>
-      <p:sp>
-        <p:nvSpPr>
-          <p:cNvPr id="12" name="Arc 11">
-            <a:extLst>
-              <a:ext uri="{FF2B5EF4-FFF2-40B4-BE49-F238E27FC236}">
-                <a16:creationId xmlns:a16="http://schemas.microsoft.com/office/drawing/2014/main" id="{5B7778FC-632E-4DCA-A7CB-0D7731CCF970}"/>
-              </a:ext>
-              <a:ext uri="{C183D7F6-B498-43B3-948B-1728B52AA6E4}">
-                <adec:decorative xmlns:adec="http://schemas.microsoft.com/office/drawing/2017/decorative" val="1"/>
-              </a:ext>
-            </a:extLst>
-          </p:cNvPr>
-          <p:cNvSpPr>
-            <a:spLocks noGrp="1" noRot="1" noChangeAspect="1" noMove="1" noResize="1" noEditPoints="1" noAdjustHandles="1" noChangeArrowheads="1" noChangeShapeType="1" noTextEdit="1"/>
-          </p:cNvSpPr>
-          <p:nvPr>
-            <p:extLst>
-              <p:ext uri="{386F3935-93C4-4BCD-93E2-E3B085C9AB24}">
-                <p16:designElem xmlns:p16="http://schemas.microsoft.com/office/powerpoint/2015/main" val="1"/>
-              </p:ext>
-            </p:extLst>
-          </p:nvPr>
-        </p:nvSpPr>
-        <p:spPr>
-          <a:xfrm rot="19809111">
-            <a:off x="8683720" y="941148"/>
-            <a:ext cx="2987899" cy="2987899"/>
-          </a:xfrm>
-          <a:prstGeom prst="arc">
-            <a:avLst>
-              <a:gd name="adj1" fmla="val 15817365"/>
-              <a:gd name="adj2" fmla="val 1781380"/>
-            </a:avLst>
-          </a:prstGeom>
-          <a:ln w="127000" cap="rnd">
-            <a:solidFill>
-              <a:schemeClr val="accent4"/>
-            </a:solidFill>
-            <a:prstDash val="dash"/>
-            <a:miter lim="800000"/>
-          </a:ln>
-        </p:spPr>
-        <p:style>
-          <a:lnRef idx="1">
-            <a:schemeClr val="accent1"/>
-          </a:lnRef>
-          <a:fillRef idx="0">
-            <a:schemeClr val="accent1"/>
-          </a:fillRef>
-          <a:effectRef idx="0">
-            <a:schemeClr val="accent1"/>
-          </a:effectRef>
-          <a:fontRef idx="minor">
-            <a:schemeClr val="tx1"/>
-          </a:fontRef>
-        </p:style>
-        <p:txBody>
-          <a:bodyPr rtlCol="0" anchor="ctr"/>
-          <a:lstStyle/>
-          <a:p>
-            <a:pPr marL="0" marR="0" lvl="0" indent="0" algn="ctr" defTabSz="914400" rtl="0" eaLnBrk="1" fontAlgn="auto" latinLnBrk="0" hangingPunct="1">
-              <a:lnSpc>
-                <a:spcPct val="100000"/>
-              </a:lnSpc>
-              <a:spcBef>
-                <a:spcPts val="0"/>
-              </a:spcBef>
-              <a:spcAft>
-                <a:spcPts val="0"/>
-              </a:spcAft>
-              <a:buClrTx/>
-              <a:buSzTx/>
-              <a:buFontTx/>
-              <a:buNone/>
-              <a:tabLst/>
-              <a:defRPr/>
-            </a:pPr>
-            <a:endParaRPr kumimoji="0" lang="en-US" sz="1800" b="0" i="0" u="none" strike="noStrike" kern="1200" cap="none" spc="0" normalizeH="0" baseline="0" noProof="0">
-              <a:ln>
-                <a:noFill/>
-              </a:ln>
-              <a:solidFill>
-                <a:srgbClr val="000000"/>
-              </a:solidFill>
-              <a:effectLst/>
-              <a:uLnTx/>
-              <a:uFillTx/>
-              <a:latin typeface="Calibri" panose="020F0502020204030204"/>
-              <a:ea typeface="+mn-ea"/>
-              <a:cs typeface="+mn-cs"/>
-            </a:endParaRPr>
-          </a:p>
-        </p:txBody>
-      </p:sp>
-      <p:sp>
-        <p:nvSpPr>
-          <p:cNvPr id="14" name="Oval 13">
-            <a:extLst>
-              <a:ext uri="{FF2B5EF4-FFF2-40B4-BE49-F238E27FC236}">
-                <a16:creationId xmlns:a16="http://schemas.microsoft.com/office/drawing/2014/main" id="{FA23A907-97FB-4A8F-880A-DD77401C4296}"/>
-              </a:ext>
-              <a:ext uri="{C183D7F6-B498-43B3-948B-1728B52AA6E4}">
-                <adec:decorative xmlns:adec="http://schemas.microsoft.com/office/drawing/2017/decorative" val="1"/>
-              </a:ext>
-            </a:extLst>
-          </p:cNvPr>
-          <p:cNvSpPr>
-            <a:spLocks noGrp="1" noRot="1" noChangeAspect="1" noMove="1" noResize="1" noEditPoints="1" noAdjustHandles="1" noChangeArrowheads="1" noChangeShapeType="1" noTextEdit="1"/>
-          </p:cNvSpPr>
-          <p:nvPr>
-            <p:extLst>
-              <p:ext uri="{386F3935-93C4-4BCD-93E2-E3B085C9AB24}">
-                <p16:designElem xmlns:p16="http://schemas.microsoft.com/office/powerpoint/2015/main" val="1"/>
-              </p:ext>
-            </p:extLst>
-          </p:nvPr>
-        </p:nvSpPr>
-        <p:spPr>
-          <a:xfrm>
-            <a:off x="910048" y="4780992"/>
-            <a:ext cx="546100" cy="546100"/>
-          </a:xfrm>
-          <a:prstGeom prst="ellipse">
-            <a:avLst/>
-          </a:prstGeom>
-          <a:solidFill>
-            <a:schemeClr val="accent5"/>
-          </a:solidFill>
-          <a:ln>
-            <a:noFill/>
-          </a:ln>
-        </p:spPr>
-        <p:style>
-          <a:lnRef idx="2">
-            <a:schemeClr val="accent1">
-              <a:shade val="50000"/>
-            </a:schemeClr>
-          </a:lnRef>
-          <a:fillRef idx="1">
-            <a:schemeClr val="accent1"/>
-          </a:fillRef>
-          <a:effectRef idx="0">
-            <a:schemeClr val="accent1"/>
-          </a:effectRef>
-          <a:fontRef idx="minor">
-            <a:schemeClr val="lt1"/>
-          </a:fontRef>
-        </p:style>
-        <p:txBody>
-          <a:bodyPr rtlCol="0" anchor="ctr"/>
-          <a:lstStyle/>
-          <a:p>
-            <a:pPr marL="0" marR="0" lvl="0" indent="0" algn="ctr" defTabSz="914400" rtl="0" eaLnBrk="1" fontAlgn="auto" latinLnBrk="0" hangingPunct="1">
-              <a:lnSpc>
-                <a:spcPct val="100000"/>
-              </a:lnSpc>
-              <a:spcBef>
-                <a:spcPts val="0"/>
-              </a:spcBef>
-              <a:spcAft>
-                <a:spcPts val="0"/>
-              </a:spcAft>
-              <a:buClrTx/>
-              <a:buSzTx/>
-              <a:buFontTx/>
-              <a:buNone/>
-              <a:tabLst/>
-              <a:defRPr/>
-            </a:pPr>
-            <a:endParaRPr kumimoji="0" lang="en-US" sz="1800" b="0" i="0" u="none" strike="noStrike" kern="1200" cap="none" spc="0" normalizeH="0" baseline="0" noProof="0">
-              <a:ln>
-                <a:noFill/>
-              </a:ln>
-              <a:solidFill>
-                <a:srgbClr val="FFFFFF"/>
-              </a:solidFill>
-              <a:effectLst/>
-              <a:uLnTx/>
-              <a:uFillTx/>
-              <a:latin typeface="Calibri" panose="020F0502020204030204"/>
-              <a:ea typeface="+mn-ea"/>
-              <a:cs typeface="+mn-cs"/>
-            </a:endParaRPr>
-          </a:p>
-        </p:txBody>
-      </p:sp>
-      <p:sp>
-        <p:nvSpPr>
-          <p:cNvPr id="3" name="Content Placeholder 2">
-            <a:extLst>
-              <a:ext uri="{FF2B5EF4-FFF2-40B4-BE49-F238E27FC236}">
-                <a16:creationId xmlns:a16="http://schemas.microsoft.com/office/drawing/2014/main" id="{C8C096F3-77C1-F2BE-0F60-3E6DFB1A92A5}"/>
-              </a:ext>
-            </a:extLst>
-          </p:cNvPr>
-          <p:cNvSpPr>
-            <a:spLocks noGrp="1"/>
-          </p:cNvSpPr>
-          <p:nvPr>
-            <p:ph idx="1"/>
-          </p:nvPr>
-        </p:nvSpPr>
-        <p:spPr>
-          <a:xfrm>
-            <a:off x="5370153" y="1526033"/>
-            <a:ext cx="5536397" cy="3935281"/>
-          </a:xfrm>
-        </p:spPr>
-        <p:txBody>
-          <a:bodyPr>
-            <a:normAutofit/>
-          </a:bodyPr>
-          <a:lstStyle/>
-          <a:p>
-            <a:pPr rtl="0" fontAlgn="base">
-              <a:buFont typeface="Arial" panose="020B0604020202020204" pitchFamily="34" charset="0"/>
-              <a:buChar char="•"/>
-            </a:pPr>
-            <a:r>
-              <a:rPr lang="en-US" sz="1800" b="0" i="0" u="none" strike="noStrike" dirty="0">
-                <a:effectLst/>
-                <a:latin typeface="Arial" panose="020B0604020202020204" pitchFamily="34" charset="0"/>
-              </a:rPr>
-              <a:t>Used for achieving total order of events</a:t>
-            </a:r>
-            <a:br>
-              <a:rPr lang="en-US" sz="1800" b="0" i="0" u="none" strike="noStrike" dirty="0">
-                <a:effectLst/>
-                <a:latin typeface="Arial" panose="020B0604020202020204" pitchFamily="34" charset="0"/>
-              </a:rPr>
-            </a:br>
-            <a:endParaRPr lang="en-US" sz="1800" b="0" i="0" u="none" strike="noStrike" dirty="0">
-              <a:effectLst/>
-              <a:latin typeface="Arial" panose="020B0604020202020204" pitchFamily="34" charset="0"/>
-            </a:endParaRPr>
-          </a:p>
-          <a:p>
-            <a:pPr rtl="0" fontAlgn="base">
-              <a:buFont typeface="Arial" panose="020B0604020202020204" pitchFamily="34" charset="0"/>
-              <a:buChar char="•"/>
-            </a:pPr>
-            <a:r>
-              <a:rPr lang="en-US" sz="1800" b="0" i="0" u="none" strike="noStrike" dirty="0">
-                <a:effectLst/>
-                <a:latin typeface="Arial" panose="020B0604020202020204" pitchFamily="34" charset="0"/>
-              </a:rPr>
-              <a:t>Paxos leader implicitly works as a sequencer</a:t>
-            </a:r>
-            <a:br>
-              <a:rPr lang="en-US" sz="1800" b="0" i="0" u="none" strike="noStrike" dirty="0">
-                <a:effectLst/>
-                <a:latin typeface="Arial" panose="020B0604020202020204" pitchFamily="34" charset="0"/>
-              </a:rPr>
-            </a:br>
-            <a:endParaRPr lang="en-US" sz="1800" b="0" i="0" u="none" strike="noStrike" dirty="0">
-              <a:effectLst/>
-              <a:latin typeface="Arial" panose="020B0604020202020204" pitchFamily="34" charset="0"/>
-            </a:endParaRPr>
-          </a:p>
-          <a:p>
-            <a:pPr rtl="0" fontAlgn="base">
-              <a:buFont typeface="Arial" panose="020B0604020202020204" pitchFamily="34" charset="0"/>
-              <a:buChar char="•"/>
-            </a:pPr>
-            <a:r>
-              <a:rPr lang="en-US" sz="1800" b="0" i="0" u="none" strike="noStrike" dirty="0" err="1">
-                <a:effectLst/>
-                <a:latin typeface="Arial" panose="020B0604020202020204" pitchFamily="34" charset="0"/>
-              </a:rPr>
-              <a:t>NOPaxos</a:t>
-            </a:r>
-            <a:r>
-              <a:rPr lang="en-US" sz="1800" b="0" i="0" u="none" strike="noStrike" dirty="0">
-                <a:effectLst/>
-                <a:latin typeface="Arial" panose="020B0604020202020204" pitchFamily="34" charset="0"/>
-              </a:rPr>
-              <a:t>, Hydra, Eris decouple the sequencer from consensus and propose implementing a sequencer as a separate component</a:t>
-            </a:r>
-            <a:br>
-              <a:rPr lang="en-US" sz="1800" b="0" i="0" u="none" strike="noStrike" dirty="0">
-                <a:effectLst/>
-                <a:latin typeface="Arial" panose="020B0604020202020204" pitchFamily="34" charset="0"/>
-              </a:rPr>
-            </a:br>
-            <a:endParaRPr lang="en-US" sz="1800" b="0" i="0" u="none" strike="noStrike" dirty="0">
-              <a:effectLst/>
-              <a:latin typeface="Arial" panose="020B0604020202020204" pitchFamily="34" charset="0"/>
-            </a:endParaRPr>
-          </a:p>
-          <a:p>
-            <a:pPr rtl="0" fontAlgn="base">
-              <a:buFont typeface="Arial" panose="020B0604020202020204" pitchFamily="34" charset="0"/>
-              <a:buChar char="•"/>
-            </a:pPr>
-            <a:r>
-              <a:rPr lang="en-US" sz="1800" b="0" i="0" u="none" strike="noStrike" dirty="0">
-                <a:effectLst/>
-                <a:latin typeface="Arial" panose="020B0604020202020204" pitchFamily="34" charset="0"/>
-              </a:rPr>
-              <a:t>All these sequencers achieve a total order that is </a:t>
-            </a:r>
-            <a:r>
-              <a:rPr lang="en-US" sz="1800" b="1" i="1" u="none" strike="noStrike" dirty="0">
-                <a:effectLst/>
-                <a:latin typeface="Arial" panose="020B0604020202020204" pitchFamily="34" charset="0"/>
-              </a:rPr>
-              <a:t>arbitrary </a:t>
-            </a:r>
-            <a:r>
-              <a:rPr lang="en-US" sz="1800" dirty="0">
-                <a:latin typeface="Arial" panose="020B0604020202020204" pitchFamily="34" charset="0"/>
-              </a:rPr>
-              <a:t>i.e., any total order works.</a:t>
-            </a:r>
-            <a:br>
-              <a:rPr lang="en-US" sz="1800" b="1" i="1" u="none" strike="noStrike" dirty="0">
-                <a:effectLst/>
-                <a:latin typeface="Arial" panose="020B0604020202020204" pitchFamily="34" charset="0"/>
-              </a:rPr>
-            </a:br>
-            <a:endParaRPr lang="en-US" sz="1800" b="0" i="0" u="none" strike="noStrike" dirty="0">
-              <a:effectLst/>
-              <a:latin typeface="Arial" panose="020B0604020202020204" pitchFamily="34" charset="0"/>
-            </a:endParaRPr>
-          </a:p>
-          <a:p>
-            <a:pPr rtl="0" fontAlgn="base">
-              <a:spcAft>
-                <a:spcPts val="1200"/>
-              </a:spcAft>
-              <a:buFont typeface="Arial" panose="020B0604020202020204" pitchFamily="34" charset="0"/>
-              <a:buChar char="•"/>
-            </a:pPr>
-            <a:r>
-              <a:rPr lang="en-US" sz="1800" b="0" i="0" u="none" strike="noStrike" dirty="0">
-                <a:effectLst/>
-                <a:latin typeface="Arial" panose="020B0604020202020204" pitchFamily="34" charset="0"/>
-              </a:rPr>
-              <a:t>An arbitrary total order is good enough for conventional applications</a:t>
-            </a:r>
-          </a:p>
-        </p:txBody>
-      </p:sp>
-    </p:spTree>
-    <p:extLst>
-      <p:ext uri="{BB962C8B-B14F-4D97-AF65-F5344CB8AC3E}">
-        <p14:creationId xmlns:p14="http://schemas.microsoft.com/office/powerpoint/2010/main" val="904999904"/>
-      </p:ext>
-    </p:extLst>
-  </p:cSld>
-  <p:clrMapOvr>
-    <a:masterClrMapping/>
-  </p:clrMapOvr>
-  <p:transition spd="slow">
-    <p:push dir="u"/>
-  </p:transition>
-  <p:timing>
-    <p:tnLst>
-      <p:par>
-        <p:cTn id="1" dur="indefinite" restart="never" nodeType="tmRoot">
-          <p:childTnLst>
-            <p:seq concurrent="1" nextAc="seek">
-              <p:cTn id="2" dur="indefinite" nodeType="mainSeq">
-                <p:childTnLst>
-                  <p:par>
-                    <p:cTn id="3" fill="hold">
-                      <p:stCondLst>
-                        <p:cond delay="indefinite"/>
-                      </p:stCondLst>
-                      <p:childTnLst>
-                        <p:par>
-                          <p:cTn id="4" fill="hold">
-                            <p:stCondLst>
-                              <p:cond delay="0"/>
-                            </p:stCondLst>
-                            <p:childTnLst>
-                              <p:par>
-                                <p:cTn id="5" presetID="1" presetClass="entr" presetSubtype="0" fill="hold" grpId="0" nodeType="clickEffect">
-                                  <p:stCondLst>
-                                    <p:cond delay="0"/>
-                                  </p:stCondLst>
-                                  <p:childTnLst>
-                                    <p:set>
-                                      <p:cBhvr>
-                                        <p:cTn id="6" dur="1" fill="hold">
-                                          <p:stCondLst>
-                                            <p:cond delay="0"/>
-                                          </p:stCondLst>
-                                        </p:cTn>
-                                        <p:tgtEl>
-                                          <p:spTgt spid="3">
-                                            <p:txEl>
-                                              <p:pRg st="0" end="0"/>
-                                            </p:txEl>
-                                          </p:spTgt>
-                                        </p:tgtEl>
-                                        <p:attrNameLst>
-                                          <p:attrName>style.visibility</p:attrName>
-                                        </p:attrNameLst>
-                                      </p:cBhvr>
-                                      <p:to>
-                                        <p:strVal val="visible"/>
-                                      </p:to>
-                                    </p:set>
-                                  </p:childTnLst>
-                                </p:cTn>
-                              </p:par>
-                            </p:childTnLst>
-                          </p:cTn>
-                        </p:par>
-                      </p:childTnLst>
-                    </p:cTn>
-                  </p:par>
-                  <p:par>
-                    <p:cTn id="7" fill="hold">
-                      <p:stCondLst>
-                        <p:cond delay="indefinite"/>
-                      </p:stCondLst>
-                      <p:childTnLst>
-                        <p:par>
-                          <p:cTn id="8" fill="hold">
-                            <p:stCondLst>
-                              <p:cond delay="0"/>
-                            </p:stCondLst>
-                            <p:childTnLst>
-                              <p:par>
-                                <p:cTn id="9" presetID="1" presetClass="entr" presetSubtype="0" fill="hold" grpId="0" nodeType="clickEffect">
-                                  <p:stCondLst>
-                                    <p:cond delay="0"/>
-                                  </p:stCondLst>
-                                  <p:childTnLst>
-                                    <p:set>
-                                      <p:cBhvr>
-                                        <p:cTn id="10" dur="1" fill="hold">
-                                          <p:stCondLst>
-                                            <p:cond delay="0"/>
-                                          </p:stCondLst>
-                                        </p:cTn>
-                                        <p:tgtEl>
-                                          <p:spTgt spid="3">
-                                            <p:txEl>
-                                              <p:pRg st="1" end="1"/>
-                                            </p:txEl>
-                                          </p:spTgt>
-                                        </p:tgtEl>
-                                        <p:attrNameLst>
-                                          <p:attrName>style.visibility</p:attrName>
-                                        </p:attrNameLst>
-                                      </p:cBhvr>
-                                      <p:to>
-                                        <p:strVal val="visible"/>
-                                      </p:to>
-                                    </p:set>
-                                  </p:childTnLst>
-                                </p:cTn>
-                              </p:par>
-                            </p:childTnLst>
-                          </p:cTn>
-                        </p:par>
-                      </p:childTnLst>
-                    </p:cTn>
-                  </p:par>
-                  <p:par>
-                    <p:cTn id="11" fill="hold">
-                      <p:stCondLst>
-                        <p:cond delay="indefinite"/>
-                      </p:stCondLst>
-                      <p:childTnLst>
-                        <p:par>
-                          <p:cTn id="12" fill="hold">
-                            <p:stCondLst>
-                              <p:cond delay="0"/>
-                            </p:stCondLst>
-                            <p:childTnLst>
-                              <p:par>
-                                <p:cTn id="13" presetID="1" presetClass="entr" presetSubtype="0" fill="hold" grpId="0" nodeType="clickEffect">
-                                  <p:stCondLst>
-                                    <p:cond delay="0"/>
-                                  </p:stCondLst>
-                                  <p:childTnLst>
-                                    <p:set>
-                                      <p:cBhvr>
-                                        <p:cTn id="14" dur="1" fill="hold">
-                                          <p:stCondLst>
-                                            <p:cond delay="0"/>
-                                          </p:stCondLst>
-                                        </p:cTn>
-                                        <p:tgtEl>
-                                          <p:spTgt spid="3">
-                                            <p:txEl>
-                                              <p:pRg st="2" end="2"/>
-                                            </p:txEl>
-                                          </p:spTgt>
-                                        </p:tgtEl>
-                                        <p:attrNameLst>
-                                          <p:attrName>style.visibility</p:attrName>
-                                        </p:attrNameLst>
-                                      </p:cBhvr>
-                                      <p:to>
-                                        <p:strVal val="visible"/>
-                                      </p:to>
-                                    </p:set>
-                                  </p:childTnLst>
-                                </p:cTn>
-                              </p:par>
-                            </p:childTnLst>
-                          </p:cTn>
-                        </p:par>
-                      </p:childTnLst>
-                    </p:cTn>
-                  </p:par>
-                  <p:par>
-                    <p:cTn id="15" fill="hold">
-                      <p:stCondLst>
-                        <p:cond delay="indefinite"/>
-                      </p:stCondLst>
-                      <p:childTnLst>
-                        <p:par>
-                          <p:cTn id="16" fill="hold">
-                            <p:stCondLst>
-                              <p:cond delay="0"/>
-                            </p:stCondLst>
-                            <p:childTnLst>
-                              <p:par>
-                                <p:cTn id="17" presetID="1" presetClass="entr" presetSubtype="0" fill="hold" grpId="0" nodeType="clickEffect">
-                                  <p:stCondLst>
-                                    <p:cond delay="0"/>
-                                  </p:stCondLst>
-                                  <p:childTnLst>
-                                    <p:set>
-                                      <p:cBhvr>
-                                        <p:cTn id="18" dur="1" fill="hold">
-                                          <p:stCondLst>
-                                            <p:cond delay="0"/>
-                                          </p:stCondLst>
-                                        </p:cTn>
-                                        <p:tgtEl>
-                                          <p:spTgt spid="3">
-                                            <p:txEl>
-                                              <p:pRg st="3" end="3"/>
-                                            </p:txEl>
-                                          </p:spTgt>
-                                        </p:tgtEl>
-                                        <p:attrNameLst>
-                                          <p:attrName>style.visibility</p:attrName>
-                                        </p:attrNameLst>
-                                      </p:cBhvr>
-                                      <p:to>
-                                        <p:strVal val="visible"/>
-                                      </p:to>
-                                    </p:set>
-                                  </p:childTnLst>
-                                </p:cTn>
-                              </p:par>
-                            </p:childTnLst>
-                          </p:cTn>
-                        </p:par>
-                      </p:childTnLst>
-                    </p:cTn>
-                  </p:par>
-                  <p:par>
-                    <p:cTn id="19" fill="hold">
-                      <p:stCondLst>
-                        <p:cond delay="indefinite"/>
-                      </p:stCondLst>
-                      <p:childTnLst>
-                        <p:par>
-                          <p:cTn id="20" fill="hold">
-                            <p:stCondLst>
-                              <p:cond delay="0"/>
-                            </p:stCondLst>
-                            <p:childTnLst>
-                              <p:par>
-                                <p:cTn id="21" presetID="1" presetClass="entr" presetSubtype="0" fill="hold" grpId="0" nodeType="clickEffect">
-                                  <p:stCondLst>
-                                    <p:cond delay="0"/>
-                                  </p:stCondLst>
-                                  <p:childTnLst>
-                                    <p:set>
-                                      <p:cBhvr>
-                                        <p:cTn id="22" dur="1" fill="hold">
-                                          <p:stCondLst>
-                                            <p:cond delay="0"/>
-                                          </p:stCondLst>
-                                        </p:cTn>
-                                        <p:tgtEl>
-                                          <p:spTgt spid="3">
-                                            <p:txEl>
-                                              <p:pRg st="4" end="4"/>
-                                            </p:txEl>
-                                          </p:spTgt>
-                                        </p:tgtEl>
-                                        <p:attrNameLst>
-                                          <p:attrName>style.visibility</p:attrName>
-                                        </p:attrNameLst>
-                                      </p:cBhvr>
-                                      <p:to>
-                                        <p:strVal val="visible"/>
-                                      </p:to>
-                                    </p:set>
-                                  </p:childTnLst>
-                                </p:cTn>
-                              </p:par>
-                            </p:childTnLst>
-                          </p:cTn>
-                        </p:par>
-                      </p:childTnLst>
-                    </p:cTn>
-                  </p:par>
-                </p:childTnLst>
-              </p:cTn>
-              <p:prevCondLst>
-                <p:cond evt="onPrev" delay="0">
-                  <p:tgtEl>
-                    <p:sldTgt/>
-                  </p:tgtEl>
-                </p:cond>
-              </p:prevCondLst>
-              <p:nextCondLst>
-                <p:cond evt="onNext" delay="0">
-                  <p:tgtEl>
-                    <p:sldTgt/>
-                  </p:tgtEl>
-                </p:cond>
-              </p:nextCondLst>
-            </p:seq>
-          </p:childTnLst>
-        </p:cTn>
-      </p:par>
-    </p:tnLst>
-    <p:bldLst>
-      <p:bldP spid="3" grpId="0" build="p"/>
-    </p:bldLst>
-  </p:timing>
-</p:sld>
-</file>
-
-<file path=ppt/slides/slide20.xml><?xml version="1.0" encoding="utf-8"?>
+<file path=ppt/slides/slide22.xml><?xml version="1.0" encoding="utf-8"?>
 <p:sld xmlns:a="http://schemas.openxmlformats.org/drawingml/2006/main" xmlns:r="http://schemas.openxmlformats.org/officeDocument/2006/relationships" xmlns:p="http://schemas.openxmlformats.org/presentationml/2006/main">
   <p:cSld>
     <p:spTree>
@@ -21042,7 +22285,7 @@
 </p:sld>
 </file>
 
-<file path=ppt/slides/slide21.xml><?xml version="1.0" encoding="utf-8"?>
+<file path=ppt/slides/slide23.xml><?xml version="1.0" encoding="utf-8"?>
 <p:sld xmlns:a="http://schemas.openxmlformats.org/drawingml/2006/main" xmlns:r="http://schemas.openxmlformats.org/officeDocument/2006/relationships" xmlns:p="http://schemas.openxmlformats.org/presentationml/2006/main">
   <p:cSld>
     <p:spTree>
@@ -22563,7 +23806,7 @@
 </p:sld>
 </file>
 
-<file path=ppt/slides/slide22.xml><?xml version="1.0" encoding="utf-8"?>
+<file path=ppt/slides/slide24.xml><?xml version="1.0" encoding="utf-8"?>
 <p:sld xmlns:a="http://schemas.openxmlformats.org/drawingml/2006/main" xmlns:r="http://schemas.openxmlformats.org/officeDocument/2006/relationships" xmlns:p="http://schemas.openxmlformats.org/presentationml/2006/main">
   <p:cSld>
     <p:spTree>
@@ -23487,7 +24730,7 @@
 </p:sld>
 </file>
 
-<file path=ppt/slides/slide23.xml><?xml version="1.0" encoding="utf-8"?>
+<file path=ppt/slides/slide25.xml><?xml version="1.0" encoding="utf-8"?>
 <p:sld xmlns:a="http://schemas.openxmlformats.org/drawingml/2006/main" xmlns:r="http://schemas.openxmlformats.org/officeDocument/2006/relationships" xmlns:p="http://schemas.openxmlformats.org/presentationml/2006/main">
   <p:cSld>
     <p:spTree>
@@ -24476,7 +25719,7 @@
 </p:sld>
 </file>
 
-<file path=ppt/slides/slide24.xml><?xml version="1.0" encoding="utf-8"?>
+<file path=ppt/slides/slide26.xml><?xml version="1.0" encoding="utf-8"?>
 <p:sld xmlns:a="http://schemas.openxmlformats.org/drawingml/2006/main" xmlns:r="http://schemas.openxmlformats.org/officeDocument/2006/relationships" xmlns:p="http://schemas.openxmlformats.org/presentationml/2006/main">
   <p:cSld>
     <p:spTree>
@@ -25288,7 +26531,7 @@
 </p:sld>
 </file>
 
-<file path=ppt/slides/slide25.xml><?xml version="1.0" encoding="utf-8"?>
+<file path=ppt/slides/slide27.xml><?xml version="1.0" encoding="utf-8"?>
 <p:sld xmlns:a="http://schemas.openxmlformats.org/drawingml/2006/main" xmlns:r="http://schemas.openxmlformats.org/officeDocument/2006/relationships" xmlns:p="http://schemas.openxmlformats.org/presentationml/2006/main" show="0">
   <p:cSld>
     <p:spTree>
@@ -26354,7 +27597,7 @@
 </p:sld>
 </file>
 
-<file path=ppt/slides/slide26.xml><?xml version="1.0" encoding="utf-8"?>
+<file path=ppt/slides/slide28.xml><?xml version="1.0" encoding="utf-8"?>
 <p:sld xmlns:a="http://schemas.openxmlformats.org/drawingml/2006/main" xmlns:r="http://schemas.openxmlformats.org/officeDocument/2006/relationships" xmlns:p="http://schemas.openxmlformats.org/presentationml/2006/main" show="0">
   <p:cSld>
     <p:spTree>
@@ -27365,7 +28608,7 @@
 </p:sld>
 </file>
 
-<file path=ppt/slides/slide27.xml><?xml version="1.0" encoding="utf-8"?>
+<file path=ppt/slides/slide29.xml><?xml version="1.0" encoding="utf-8"?>
 <p:sld xmlns:a="http://schemas.openxmlformats.org/drawingml/2006/main" xmlns:r="http://schemas.openxmlformats.org/officeDocument/2006/relationships" xmlns:p="http://schemas.openxmlformats.org/presentationml/2006/main" show="0">
   <p:cSld>
     <p:bg>
@@ -28386,7 +29629,684 @@
 </p:sld>
 </file>
 
-<file path=ppt/slides/slide28.xml><?xml version="1.0" encoding="utf-8"?>
+<file path=ppt/slides/slide3.xml><?xml version="1.0" encoding="utf-8"?>
+<p:sld xmlns:a="http://schemas.openxmlformats.org/drawingml/2006/main" xmlns:r="http://schemas.openxmlformats.org/officeDocument/2006/relationships" xmlns:p="http://schemas.openxmlformats.org/presentationml/2006/main">
+  <p:cSld>
+    <p:bg>
+      <p:bgPr>
+        <a:solidFill>
+          <a:schemeClr val="bg1"/>
+        </a:solidFill>
+        <a:effectLst/>
+      </p:bgPr>
+    </p:bg>
+    <p:spTree>
+      <p:nvGrpSpPr>
+        <p:cNvPr id="1" name=""/>
+        <p:cNvGrpSpPr/>
+        <p:nvPr/>
+      </p:nvGrpSpPr>
+      <p:grpSpPr>
+        <a:xfrm>
+          <a:off x="0" y="0"/>
+          <a:ext cx="0" cy="0"/>
+          <a:chOff x="0" y="0"/>
+          <a:chExt cx="0" cy="0"/>
+        </a:xfrm>
+      </p:grpSpPr>
+      <p:sp useBgFill="1">
+        <p:nvSpPr>
+          <p:cNvPr id="8" name="Rectangle 7">
+            <a:extLst>
+              <a:ext uri="{FF2B5EF4-FFF2-40B4-BE49-F238E27FC236}">
+                <a16:creationId xmlns:a16="http://schemas.microsoft.com/office/drawing/2014/main" id="{1BB867FF-FC45-48F7-8104-F89BE54909F1}"/>
+              </a:ext>
+              <a:ext uri="{C183D7F6-B498-43B3-948B-1728B52AA6E4}">
+                <adec:decorative xmlns:adec="http://schemas.microsoft.com/office/drawing/2017/decorative" val="1"/>
+              </a:ext>
+            </a:extLst>
+          </p:cNvPr>
+          <p:cNvSpPr>
+            <a:spLocks noGrp="1" noRot="1" noChangeAspect="1" noMove="1" noResize="1" noEditPoints="1" noAdjustHandles="1" noChangeArrowheads="1" noChangeShapeType="1" noTextEdit="1"/>
+          </p:cNvSpPr>
+          <p:nvPr>
+            <p:extLst>
+              <p:ext uri="{386F3935-93C4-4BCD-93E2-E3B085C9AB24}">
+                <p16:designElem xmlns:p16="http://schemas.microsoft.com/office/powerpoint/2015/main" val="1"/>
+              </p:ext>
+            </p:extLst>
+          </p:nvPr>
+        </p:nvSpPr>
+        <p:spPr>
+          <a:xfrm>
+            <a:off x="3048" y="0"/>
+            <a:ext cx="12188952" cy="6858000"/>
+          </a:xfrm>
+          <a:prstGeom prst="rect">
+            <a:avLst/>
+          </a:prstGeom>
+          <a:ln>
+            <a:noFill/>
+          </a:ln>
+        </p:spPr>
+        <p:style>
+          <a:lnRef idx="2">
+            <a:schemeClr val="accent1">
+              <a:shade val="50000"/>
+            </a:schemeClr>
+          </a:lnRef>
+          <a:fillRef idx="1">
+            <a:schemeClr val="accent1"/>
+          </a:fillRef>
+          <a:effectRef idx="0">
+            <a:schemeClr val="accent1"/>
+          </a:effectRef>
+          <a:fontRef idx="minor">
+            <a:schemeClr val="lt1"/>
+          </a:fontRef>
+        </p:style>
+        <p:txBody>
+          <a:bodyPr rtlCol="0" anchor="ctr"/>
+          <a:lstStyle/>
+          <a:p>
+            <a:pPr marL="0" marR="0" lvl="0" indent="0" algn="ctr" defTabSz="914400" rtl="0" eaLnBrk="1" fontAlgn="auto" latinLnBrk="0" hangingPunct="1">
+              <a:lnSpc>
+                <a:spcPct val="100000"/>
+              </a:lnSpc>
+              <a:spcBef>
+                <a:spcPts val="0"/>
+              </a:spcBef>
+              <a:spcAft>
+                <a:spcPts val="0"/>
+              </a:spcAft>
+              <a:buClrTx/>
+              <a:buSzTx/>
+              <a:buFontTx/>
+              <a:buNone/>
+              <a:tabLst/>
+              <a:defRPr/>
+            </a:pPr>
+            <a:endParaRPr kumimoji="0" lang="en-US" sz="1800" b="0" i="0" u="none" strike="noStrike" kern="1200" cap="none" spc="0" normalizeH="0" baseline="0" noProof="0">
+              <a:ln>
+                <a:noFill/>
+              </a:ln>
+              <a:solidFill>
+                <a:prstClr val="white"/>
+              </a:solidFill>
+              <a:effectLst/>
+              <a:uLnTx/>
+              <a:uFillTx/>
+              <a:latin typeface="Aptos" panose="02110004020202020204"/>
+              <a:ea typeface="+mn-ea"/>
+              <a:cs typeface="+mn-cs"/>
+            </a:endParaRPr>
+          </a:p>
+        </p:txBody>
+      </p:sp>
+      <p:sp>
+        <p:nvSpPr>
+          <p:cNvPr id="10" name="Freeform: Shape 9">
+            <a:extLst>
+              <a:ext uri="{FF2B5EF4-FFF2-40B4-BE49-F238E27FC236}">
+                <a16:creationId xmlns:a16="http://schemas.microsoft.com/office/drawing/2014/main" id="{8BB56887-D0D5-4F0C-9E19-7247EB83C8B7}"/>
+              </a:ext>
+              <a:ext uri="{C183D7F6-B498-43B3-948B-1728B52AA6E4}">
+                <adec:decorative xmlns:adec="http://schemas.microsoft.com/office/drawing/2017/decorative" val="1"/>
+              </a:ext>
+            </a:extLst>
+          </p:cNvPr>
+          <p:cNvSpPr>
+            <a:spLocks noGrp="1" noRot="1" noChangeAspect="1" noMove="1" noResize="1" noEditPoints="1" noAdjustHandles="1" noChangeArrowheads="1" noChangeShapeType="1" noTextEdit="1"/>
+          </p:cNvSpPr>
+          <p:nvPr>
+            <p:extLst>
+              <p:ext uri="{386F3935-93C4-4BCD-93E2-E3B085C9AB24}">
+                <p16:designElem xmlns:p16="http://schemas.microsoft.com/office/powerpoint/2015/main" val="1"/>
+              </p:ext>
+            </p:extLst>
+          </p:nvPr>
+        </p:nvSpPr>
+        <p:spPr>
+          <a:xfrm>
+            <a:off x="10208695" y="1"/>
+            <a:ext cx="1135066" cy="477997"/>
+          </a:xfrm>
+          <a:custGeom>
+            <a:avLst/>
+            <a:gdLst>
+              <a:gd name="connsiteX0" fmla="*/ 0 w 1135066"/>
+              <a:gd name="connsiteY0" fmla="*/ 0 h 477997"/>
+              <a:gd name="connsiteX1" fmla="*/ 1135066 w 1135066"/>
+              <a:gd name="connsiteY1" fmla="*/ 0 h 477997"/>
+              <a:gd name="connsiteX2" fmla="*/ 1133370 w 1135066"/>
+              <a:gd name="connsiteY2" fmla="*/ 16827 h 477997"/>
+              <a:gd name="connsiteX3" fmla="*/ 567533 w 1135066"/>
+              <a:gd name="connsiteY3" fmla="*/ 477997 h 477997"/>
+              <a:gd name="connsiteX4" fmla="*/ 1696 w 1135066"/>
+              <a:gd name="connsiteY4" fmla="*/ 16827 h 477997"/>
+            </a:gdLst>
+            <a:ahLst/>
+            <a:cxnLst>
+              <a:cxn ang="0">
+                <a:pos x="connsiteX0" y="connsiteY0"/>
+              </a:cxn>
+              <a:cxn ang="0">
+                <a:pos x="connsiteX1" y="connsiteY1"/>
+              </a:cxn>
+              <a:cxn ang="0">
+                <a:pos x="connsiteX2" y="connsiteY2"/>
+              </a:cxn>
+              <a:cxn ang="0">
+                <a:pos x="connsiteX3" y="connsiteY3"/>
+              </a:cxn>
+              <a:cxn ang="0">
+                <a:pos x="connsiteX4" y="connsiteY4"/>
+              </a:cxn>
+            </a:cxnLst>
+            <a:rect l="l" t="t" r="r" b="b"/>
+            <a:pathLst>
+              <a:path w="1135066" h="477997">
+                <a:moveTo>
+                  <a:pt x="0" y="0"/>
+                </a:moveTo>
+                <a:lnTo>
+                  <a:pt x="1135066" y="0"/>
+                </a:lnTo>
+                <a:lnTo>
+                  <a:pt x="1133370" y="16827"/>
+                </a:lnTo>
+                <a:cubicBezTo>
+                  <a:pt x="1079514" y="280016"/>
+                  <a:pt x="846644" y="477997"/>
+                  <a:pt x="567533" y="477997"/>
+                </a:cubicBezTo>
+                <a:cubicBezTo>
+                  <a:pt x="288422" y="477997"/>
+                  <a:pt x="55552" y="280016"/>
+                  <a:pt x="1696" y="16827"/>
+                </a:cubicBezTo>
+                <a:close/>
+              </a:path>
+            </a:pathLst>
+          </a:custGeom>
+          <a:solidFill>
+            <a:schemeClr val="accent4"/>
+          </a:solidFill>
+          <a:ln>
+            <a:noFill/>
+          </a:ln>
+        </p:spPr>
+        <p:style>
+          <a:lnRef idx="2">
+            <a:schemeClr val="accent1">
+              <a:shade val="50000"/>
+            </a:schemeClr>
+          </a:lnRef>
+          <a:fillRef idx="1">
+            <a:schemeClr val="accent1"/>
+          </a:fillRef>
+          <a:effectRef idx="0">
+            <a:schemeClr val="accent1"/>
+          </a:effectRef>
+          <a:fontRef idx="minor">
+            <a:schemeClr val="lt1"/>
+          </a:fontRef>
+        </p:style>
+        <p:txBody>
+          <a:bodyPr wrap="square" rtlCol="0" anchor="ctr">
+            <a:noAutofit/>
+          </a:bodyPr>
+          <a:lstStyle/>
+          <a:p>
+            <a:pPr marL="0" marR="0" lvl="0" indent="0" algn="ctr" defTabSz="914400" rtl="0" eaLnBrk="1" fontAlgn="auto" latinLnBrk="0" hangingPunct="1">
+              <a:lnSpc>
+                <a:spcPct val="100000"/>
+              </a:lnSpc>
+              <a:spcBef>
+                <a:spcPts val="0"/>
+              </a:spcBef>
+              <a:spcAft>
+                <a:spcPts val="0"/>
+              </a:spcAft>
+              <a:buClrTx/>
+              <a:buSzTx/>
+              <a:buFontTx/>
+              <a:buNone/>
+              <a:tabLst/>
+              <a:defRPr/>
+            </a:pPr>
+            <a:endParaRPr kumimoji="0" lang="en-US" sz="1800" b="0" i="0" u="none" strike="noStrike" kern="1200" cap="none" spc="0" normalizeH="0" baseline="0" noProof="0">
+              <a:ln>
+                <a:noFill/>
+              </a:ln>
+              <a:solidFill>
+                <a:prstClr val="white"/>
+              </a:solidFill>
+              <a:effectLst/>
+              <a:uLnTx/>
+              <a:uFillTx/>
+              <a:latin typeface="Aptos" panose="02110004020202020204"/>
+              <a:ea typeface="+mn-ea"/>
+              <a:cs typeface="+mn-cs"/>
+            </a:endParaRPr>
+          </a:p>
+        </p:txBody>
+      </p:sp>
+      <p:sp>
+        <p:nvSpPr>
+          <p:cNvPr id="2" name="Title 1">
+            <a:extLst>
+              <a:ext uri="{FF2B5EF4-FFF2-40B4-BE49-F238E27FC236}">
+                <a16:creationId xmlns:a16="http://schemas.microsoft.com/office/drawing/2014/main" id="{24ADE8E6-3934-65AF-F2A8-2FE608293C9C}"/>
+              </a:ext>
+            </a:extLst>
+          </p:cNvPr>
+          <p:cNvSpPr>
+            <a:spLocks noGrp="1"/>
+          </p:cNvSpPr>
+          <p:nvPr>
+            <p:ph type="title"/>
+          </p:nvPr>
+        </p:nvSpPr>
+        <p:spPr>
+          <a:xfrm>
+            <a:off x="838200" y="365125"/>
+            <a:ext cx="10515600" cy="1325563"/>
+          </a:xfrm>
+        </p:spPr>
+        <p:txBody>
+          <a:bodyPr>
+            <a:normAutofit/>
+          </a:bodyPr>
+          <a:lstStyle/>
+          <a:p>
+            <a:pPr rtl="0"/>
+            <a:r>
+              <a:rPr lang="en-US" b="0" i="0" u="none" strike="noStrike">
+                <a:effectLst/>
+                <a:latin typeface="Arial" panose="020B0604020202020204" pitchFamily="34" charset="0"/>
+              </a:rPr>
+              <a:t>Need for Fair Order</a:t>
+            </a:r>
+            <a:endParaRPr lang="en-US"/>
+          </a:p>
+        </p:txBody>
+      </p:sp>
+      <p:sp>
+        <p:nvSpPr>
+          <p:cNvPr id="12" name="Arc 11">
+            <a:extLst>
+              <a:ext uri="{FF2B5EF4-FFF2-40B4-BE49-F238E27FC236}">
+                <a16:creationId xmlns:a16="http://schemas.microsoft.com/office/drawing/2014/main" id="{081E4A58-353D-44AE-B2FC-2A74E2E400F7}"/>
+              </a:ext>
+              <a:ext uri="{C183D7F6-B498-43B3-948B-1728B52AA6E4}">
+                <adec:decorative xmlns:adec="http://schemas.microsoft.com/office/drawing/2017/decorative" val="1"/>
+              </a:ext>
+            </a:extLst>
+          </p:cNvPr>
+          <p:cNvSpPr>
+            <a:spLocks noGrp="1" noRot="1" noChangeAspect="1" noMove="1" noResize="1" noEditPoints="1" noAdjustHandles="1" noChangeArrowheads="1" noChangeShapeType="1" noTextEdit="1"/>
+          </p:cNvSpPr>
+          <p:nvPr>
+            <p:extLst>
+              <p:ext uri="{386F3935-93C4-4BCD-93E2-E3B085C9AB24}">
+                <p16:designElem xmlns:p16="http://schemas.microsoft.com/office/powerpoint/2015/main" val="1"/>
+              </p:ext>
+            </p:extLst>
+          </p:nvPr>
+        </p:nvSpPr>
+        <p:spPr>
+          <a:xfrm rot="5400000" flipV="1">
+            <a:off x="555710" y="2183223"/>
+            <a:ext cx="4083433" cy="4083433"/>
+          </a:xfrm>
+          <a:prstGeom prst="arc">
+            <a:avLst/>
+          </a:prstGeom>
+          <a:ln w="127000" cap="rnd">
+            <a:solidFill>
+              <a:schemeClr val="accent4"/>
+            </a:solidFill>
+            <a:prstDash val="dash"/>
+          </a:ln>
+        </p:spPr>
+        <p:style>
+          <a:lnRef idx="1">
+            <a:schemeClr val="accent1"/>
+          </a:lnRef>
+          <a:fillRef idx="0">
+            <a:schemeClr val="accent1"/>
+          </a:fillRef>
+          <a:effectRef idx="0">
+            <a:schemeClr val="accent1"/>
+          </a:effectRef>
+          <a:fontRef idx="minor">
+            <a:schemeClr val="tx1"/>
+          </a:fontRef>
+        </p:style>
+        <p:txBody>
+          <a:bodyPr rtlCol="0" anchor="ctr"/>
+          <a:lstStyle/>
+          <a:p>
+            <a:pPr marL="0" marR="0" lvl="0" indent="0" algn="ctr" defTabSz="914400" rtl="0" eaLnBrk="1" fontAlgn="auto" latinLnBrk="0" hangingPunct="1">
+              <a:lnSpc>
+                <a:spcPct val="100000"/>
+              </a:lnSpc>
+              <a:spcBef>
+                <a:spcPts val="0"/>
+              </a:spcBef>
+              <a:spcAft>
+                <a:spcPts val="0"/>
+              </a:spcAft>
+              <a:buClrTx/>
+              <a:buSzTx/>
+              <a:buFontTx/>
+              <a:buNone/>
+              <a:tabLst/>
+              <a:defRPr/>
+            </a:pPr>
+            <a:endParaRPr kumimoji="0" lang="en-US" sz="1800" b="0" i="0" u="none" strike="noStrike" kern="1200" cap="none" spc="0" normalizeH="0" baseline="0" noProof="0" dirty="0">
+              <a:ln>
+                <a:noFill/>
+              </a:ln>
+              <a:solidFill>
+                <a:prstClr val="black"/>
+              </a:solidFill>
+              <a:effectLst/>
+              <a:uLnTx/>
+              <a:uFillTx/>
+              <a:latin typeface="Aptos" panose="02110004020202020204"/>
+              <a:ea typeface="+mn-ea"/>
+              <a:cs typeface="+mn-cs"/>
+            </a:endParaRPr>
+          </a:p>
+        </p:txBody>
+      </p:sp>
+      <p:sp>
+        <p:nvSpPr>
+          <p:cNvPr id="3" name="Content Placeholder 2">
+            <a:extLst>
+              <a:ext uri="{FF2B5EF4-FFF2-40B4-BE49-F238E27FC236}">
+                <a16:creationId xmlns:a16="http://schemas.microsoft.com/office/drawing/2014/main" id="{5D960629-54F1-1B18-2FB7-B936B6D3C4F4}"/>
+              </a:ext>
+            </a:extLst>
+          </p:cNvPr>
+          <p:cNvSpPr>
+            <a:spLocks noGrp="1"/>
+          </p:cNvSpPr>
+          <p:nvPr>
+            <p:ph idx="1"/>
+          </p:nvPr>
+        </p:nvSpPr>
+        <p:spPr>
+          <a:xfrm>
+            <a:off x="838200" y="1825625"/>
+            <a:ext cx="10515600" cy="4351338"/>
+          </a:xfrm>
+        </p:spPr>
+        <p:txBody>
+          <a:bodyPr>
+            <a:normAutofit/>
+          </a:bodyPr>
+          <a:lstStyle/>
+          <a:p>
+            <a:pPr rtl="0" fontAlgn="base">
+              <a:buFont typeface="Arial" panose="020B0604020202020204" pitchFamily="34" charset="0"/>
+              <a:buChar char="•"/>
+            </a:pPr>
+            <a:r>
+              <a:rPr lang="en-US" b="0" i="0" u="none" strike="noStrike" dirty="0">
+                <a:effectLst/>
+                <a:latin typeface="Arial" panose="020B0604020202020204" pitchFamily="34" charset="0"/>
+              </a:rPr>
+              <a:t>An emerging class of applications are not okay with arbitrary order</a:t>
+            </a:r>
+            <a:br>
+              <a:rPr lang="en-US" b="0" i="0" u="none" strike="noStrike" dirty="0">
+                <a:effectLst/>
+                <a:latin typeface="Arial" panose="020B0604020202020204" pitchFamily="34" charset="0"/>
+              </a:rPr>
+            </a:br>
+            <a:endParaRPr lang="en-US" b="0" i="0" u="none" strike="noStrike" dirty="0">
+              <a:effectLst/>
+              <a:latin typeface="Arial" panose="020B0604020202020204" pitchFamily="34" charset="0"/>
+            </a:endParaRPr>
+          </a:p>
+          <a:p>
+            <a:pPr rtl="0" fontAlgn="base">
+              <a:buFont typeface="Arial" panose="020B0604020202020204" pitchFamily="34" charset="0"/>
+              <a:buChar char="•"/>
+            </a:pPr>
+            <a:r>
+              <a:rPr lang="en-US" b="0" i="0" u="none" strike="noStrike" dirty="0">
+                <a:effectLst/>
+                <a:latin typeface="Arial" panose="020B0604020202020204" pitchFamily="34" charset="0"/>
+              </a:rPr>
+              <a:t>These applications require a fair order where fairness amounts to achieving an order that respects the event generation order </a:t>
+            </a:r>
+            <a:br>
+              <a:rPr lang="en-US" b="0" i="0" u="none" strike="noStrike" dirty="0">
+                <a:effectLst/>
+                <a:latin typeface="Arial" panose="020B0604020202020204" pitchFamily="34" charset="0"/>
+              </a:rPr>
+            </a:br>
+            <a:endParaRPr lang="en-US" b="0" i="0" u="none" strike="noStrike" dirty="0">
+              <a:effectLst/>
+              <a:latin typeface="Arial" panose="020B0604020202020204" pitchFamily="34" charset="0"/>
+            </a:endParaRPr>
+          </a:p>
+          <a:p>
+            <a:pPr rtl="0" fontAlgn="base">
+              <a:buFont typeface="Arial" panose="020B0604020202020204" pitchFamily="34" charset="0"/>
+              <a:buChar char="•"/>
+            </a:pPr>
+            <a:r>
+              <a:rPr lang="en-US" b="0" i="0" u="none" strike="noStrike" dirty="0">
+                <a:effectLst/>
+                <a:latin typeface="Arial" panose="020B0604020202020204" pitchFamily="34" charset="0"/>
+              </a:rPr>
+              <a:t>Financial exchanges, ad exchanges, competitive marketplaces</a:t>
+            </a:r>
+          </a:p>
+        </p:txBody>
+      </p:sp>
+    </p:spTree>
+    <p:extLst>
+      <p:ext uri="{BB962C8B-B14F-4D97-AF65-F5344CB8AC3E}">
+        <p14:creationId xmlns:p14="http://schemas.microsoft.com/office/powerpoint/2010/main" val="2781703939"/>
+      </p:ext>
+    </p:extLst>
+  </p:cSld>
+  <p:clrMapOvr>
+    <a:masterClrMapping/>
+  </p:clrMapOvr>
+  <p:transition spd="slow">
+    <p:push dir="r"/>
+  </p:transition>
+  <p:timing>
+    <p:tnLst>
+      <p:par>
+        <p:cTn id="1" dur="indefinite" restart="never" nodeType="tmRoot">
+          <p:childTnLst>
+            <p:seq concurrent="1" nextAc="seek">
+              <p:cTn id="2" dur="indefinite" nodeType="mainSeq">
+                <p:childTnLst>
+                  <p:par>
+                    <p:cTn id="3" fill="hold">
+                      <p:stCondLst>
+                        <p:cond delay="indefinite"/>
+                      </p:stCondLst>
+                      <p:childTnLst>
+                        <p:par>
+                          <p:cTn id="4" fill="hold">
+                            <p:stCondLst>
+                              <p:cond delay="0"/>
+                            </p:stCondLst>
+                            <p:childTnLst>
+                              <p:par>
+                                <p:cTn id="5" presetID="1" presetClass="entr" presetSubtype="0" fill="hold" grpId="0" nodeType="clickEffect">
+                                  <p:stCondLst>
+                                    <p:cond delay="0"/>
+                                  </p:stCondLst>
+                                  <p:childTnLst>
+                                    <p:set>
+                                      <p:cBhvr>
+                                        <p:cTn id="6" dur="1" fill="hold">
+                                          <p:stCondLst>
+                                            <p:cond delay="0"/>
+                                          </p:stCondLst>
+                                        </p:cTn>
+                                        <p:tgtEl>
+                                          <p:spTgt spid="3">
+                                            <p:txEl>
+                                              <p:pRg st="0" end="0"/>
+                                            </p:txEl>
+                                          </p:spTgt>
+                                        </p:tgtEl>
+                                        <p:attrNameLst>
+                                          <p:attrName>style.visibility</p:attrName>
+                                        </p:attrNameLst>
+                                      </p:cBhvr>
+                                      <p:to>
+                                        <p:strVal val="visible"/>
+                                      </p:to>
+                                    </p:set>
+                                  </p:childTnLst>
+                                </p:cTn>
+                              </p:par>
+                            </p:childTnLst>
+                          </p:cTn>
+                        </p:par>
+                      </p:childTnLst>
+                    </p:cTn>
+                  </p:par>
+                  <p:par>
+                    <p:cTn id="7" fill="hold">
+                      <p:stCondLst>
+                        <p:cond delay="indefinite"/>
+                      </p:stCondLst>
+                      <p:childTnLst>
+                        <p:par>
+                          <p:cTn id="8" fill="hold">
+                            <p:stCondLst>
+                              <p:cond delay="0"/>
+                            </p:stCondLst>
+                            <p:childTnLst>
+                              <p:par>
+                                <p:cTn id="9" presetID="1" presetClass="entr" presetSubtype="0" fill="hold" grpId="0" nodeType="clickEffect">
+                                  <p:stCondLst>
+                                    <p:cond delay="0"/>
+                                  </p:stCondLst>
+                                  <p:childTnLst>
+                                    <p:set>
+                                      <p:cBhvr>
+                                        <p:cTn id="10" dur="1" fill="hold">
+                                          <p:stCondLst>
+                                            <p:cond delay="0"/>
+                                          </p:stCondLst>
+                                        </p:cTn>
+                                        <p:tgtEl>
+                                          <p:spTgt spid="3">
+                                            <p:txEl>
+                                              <p:pRg st="1" end="1"/>
+                                            </p:txEl>
+                                          </p:spTgt>
+                                        </p:tgtEl>
+                                        <p:attrNameLst>
+                                          <p:attrName>style.visibility</p:attrName>
+                                        </p:attrNameLst>
+                                      </p:cBhvr>
+                                      <p:to>
+                                        <p:strVal val="visible"/>
+                                      </p:to>
+                                    </p:set>
+                                  </p:childTnLst>
+                                </p:cTn>
+                              </p:par>
+                            </p:childTnLst>
+                          </p:cTn>
+                        </p:par>
+                      </p:childTnLst>
+                    </p:cTn>
+                  </p:par>
+                  <p:par>
+                    <p:cTn id="11" fill="hold">
+                      <p:stCondLst>
+                        <p:cond delay="indefinite"/>
+                      </p:stCondLst>
+                      <p:childTnLst>
+                        <p:par>
+                          <p:cTn id="12" fill="hold">
+                            <p:stCondLst>
+                              <p:cond delay="0"/>
+                            </p:stCondLst>
+                            <p:childTnLst>
+                              <p:par>
+                                <p:cTn id="13" presetID="1" presetClass="entr" presetSubtype="0" fill="hold" grpId="0" nodeType="clickEffect">
+                                  <p:stCondLst>
+                                    <p:cond delay="0"/>
+                                  </p:stCondLst>
+                                  <p:childTnLst>
+                                    <p:set>
+                                      <p:cBhvr>
+                                        <p:cTn id="14" dur="1" fill="hold">
+                                          <p:stCondLst>
+                                            <p:cond delay="0"/>
+                                          </p:stCondLst>
+                                        </p:cTn>
+                                        <p:tgtEl>
+                                          <p:spTgt spid="3">
+                                            <p:txEl>
+                                              <p:pRg st="2" end="2"/>
+                                            </p:txEl>
+                                          </p:spTgt>
+                                        </p:tgtEl>
+                                        <p:attrNameLst>
+                                          <p:attrName>style.visibility</p:attrName>
+                                        </p:attrNameLst>
+                                      </p:cBhvr>
+                                      <p:to>
+                                        <p:strVal val="visible"/>
+                                      </p:to>
+                                    </p:set>
+                                  </p:childTnLst>
+                                </p:cTn>
+                              </p:par>
+                            </p:childTnLst>
+                          </p:cTn>
+                        </p:par>
+                      </p:childTnLst>
+                    </p:cTn>
+                  </p:par>
+                </p:childTnLst>
+              </p:cTn>
+              <p:prevCondLst>
+                <p:cond evt="onPrev" delay="0">
+                  <p:tgtEl>
+                    <p:sldTgt/>
+                  </p:tgtEl>
+                </p:cond>
+              </p:prevCondLst>
+              <p:nextCondLst>
+                <p:cond evt="onNext" delay="0">
+                  <p:tgtEl>
+                    <p:sldTgt/>
+                  </p:tgtEl>
+                </p:cond>
+              </p:nextCondLst>
+            </p:seq>
+          </p:childTnLst>
+        </p:cTn>
+      </p:par>
+    </p:tnLst>
+    <p:bldLst>
+      <p:bldP spid="3" grpId="0" build="p"/>
+    </p:bldLst>
+  </p:timing>
+</p:sld>
+</file>
+
+<file path=ppt/slides/slide30.xml><?xml version="1.0" encoding="utf-8"?>
 <p:sld xmlns:a="http://schemas.openxmlformats.org/drawingml/2006/main" xmlns:r="http://schemas.openxmlformats.org/officeDocument/2006/relationships" xmlns:p="http://schemas.openxmlformats.org/presentationml/2006/main" show="0">
   <p:cSld>
     <p:bg>
@@ -29621,7 +31541,7 @@
 </p:sld>
 </file>
 
-<file path=ppt/slides/slide29.xml><?xml version="1.0" encoding="utf-8"?>
+<file path=ppt/slides/slide31.xml><?xml version="1.0" encoding="utf-8"?>
 <p:sld xmlns:a="http://schemas.openxmlformats.org/drawingml/2006/main" xmlns:r="http://schemas.openxmlformats.org/officeDocument/2006/relationships" xmlns:p="http://schemas.openxmlformats.org/presentationml/2006/main">
   <p:cSld>
     <p:bg>
@@ -32220,684 +34140,7 @@
 </p:sld>
 </file>
 
-<file path=ppt/slides/slide3.xml><?xml version="1.0" encoding="utf-8"?>
-<p:sld xmlns:a="http://schemas.openxmlformats.org/drawingml/2006/main" xmlns:r="http://schemas.openxmlformats.org/officeDocument/2006/relationships" xmlns:p="http://schemas.openxmlformats.org/presentationml/2006/main">
-  <p:cSld>
-    <p:bg>
-      <p:bgPr>
-        <a:solidFill>
-          <a:schemeClr val="bg1"/>
-        </a:solidFill>
-        <a:effectLst/>
-      </p:bgPr>
-    </p:bg>
-    <p:spTree>
-      <p:nvGrpSpPr>
-        <p:cNvPr id="1" name=""/>
-        <p:cNvGrpSpPr/>
-        <p:nvPr/>
-      </p:nvGrpSpPr>
-      <p:grpSpPr>
-        <a:xfrm>
-          <a:off x="0" y="0"/>
-          <a:ext cx="0" cy="0"/>
-          <a:chOff x="0" y="0"/>
-          <a:chExt cx="0" cy="0"/>
-        </a:xfrm>
-      </p:grpSpPr>
-      <p:sp useBgFill="1">
-        <p:nvSpPr>
-          <p:cNvPr id="8" name="Rectangle 7">
-            <a:extLst>
-              <a:ext uri="{FF2B5EF4-FFF2-40B4-BE49-F238E27FC236}">
-                <a16:creationId xmlns:a16="http://schemas.microsoft.com/office/drawing/2014/main" id="{1BB867FF-FC45-48F7-8104-F89BE54909F1}"/>
-              </a:ext>
-              <a:ext uri="{C183D7F6-B498-43B3-948B-1728B52AA6E4}">
-                <adec:decorative xmlns:adec="http://schemas.microsoft.com/office/drawing/2017/decorative" val="1"/>
-              </a:ext>
-            </a:extLst>
-          </p:cNvPr>
-          <p:cNvSpPr>
-            <a:spLocks noGrp="1" noRot="1" noChangeAspect="1" noMove="1" noResize="1" noEditPoints="1" noAdjustHandles="1" noChangeArrowheads="1" noChangeShapeType="1" noTextEdit="1"/>
-          </p:cNvSpPr>
-          <p:nvPr>
-            <p:extLst>
-              <p:ext uri="{386F3935-93C4-4BCD-93E2-E3B085C9AB24}">
-                <p16:designElem xmlns:p16="http://schemas.microsoft.com/office/powerpoint/2015/main" val="1"/>
-              </p:ext>
-            </p:extLst>
-          </p:nvPr>
-        </p:nvSpPr>
-        <p:spPr>
-          <a:xfrm>
-            <a:off x="3048" y="0"/>
-            <a:ext cx="12188952" cy="6858000"/>
-          </a:xfrm>
-          <a:prstGeom prst="rect">
-            <a:avLst/>
-          </a:prstGeom>
-          <a:ln>
-            <a:noFill/>
-          </a:ln>
-        </p:spPr>
-        <p:style>
-          <a:lnRef idx="2">
-            <a:schemeClr val="accent1">
-              <a:shade val="50000"/>
-            </a:schemeClr>
-          </a:lnRef>
-          <a:fillRef idx="1">
-            <a:schemeClr val="accent1"/>
-          </a:fillRef>
-          <a:effectRef idx="0">
-            <a:schemeClr val="accent1"/>
-          </a:effectRef>
-          <a:fontRef idx="minor">
-            <a:schemeClr val="lt1"/>
-          </a:fontRef>
-        </p:style>
-        <p:txBody>
-          <a:bodyPr rtlCol="0" anchor="ctr"/>
-          <a:lstStyle/>
-          <a:p>
-            <a:pPr marL="0" marR="0" lvl="0" indent="0" algn="ctr" defTabSz="914400" rtl="0" eaLnBrk="1" fontAlgn="auto" latinLnBrk="0" hangingPunct="1">
-              <a:lnSpc>
-                <a:spcPct val="100000"/>
-              </a:lnSpc>
-              <a:spcBef>
-                <a:spcPts val="0"/>
-              </a:spcBef>
-              <a:spcAft>
-                <a:spcPts val="0"/>
-              </a:spcAft>
-              <a:buClrTx/>
-              <a:buSzTx/>
-              <a:buFontTx/>
-              <a:buNone/>
-              <a:tabLst/>
-              <a:defRPr/>
-            </a:pPr>
-            <a:endParaRPr kumimoji="0" lang="en-US" sz="1800" b="0" i="0" u="none" strike="noStrike" kern="1200" cap="none" spc="0" normalizeH="0" baseline="0" noProof="0">
-              <a:ln>
-                <a:noFill/>
-              </a:ln>
-              <a:solidFill>
-                <a:prstClr val="white"/>
-              </a:solidFill>
-              <a:effectLst/>
-              <a:uLnTx/>
-              <a:uFillTx/>
-              <a:latin typeface="Aptos" panose="02110004020202020204"/>
-              <a:ea typeface="+mn-ea"/>
-              <a:cs typeface="+mn-cs"/>
-            </a:endParaRPr>
-          </a:p>
-        </p:txBody>
-      </p:sp>
-      <p:sp>
-        <p:nvSpPr>
-          <p:cNvPr id="10" name="Freeform: Shape 9">
-            <a:extLst>
-              <a:ext uri="{FF2B5EF4-FFF2-40B4-BE49-F238E27FC236}">
-                <a16:creationId xmlns:a16="http://schemas.microsoft.com/office/drawing/2014/main" id="{8BB56887-D0D5-4F0C-9E19-7247EB83C8B7}"/>
-              </a:ext>
-              <a:ext uri="{C183D7F6-B498-43B3-948B-1728B52AA6E4}">
-                <adec:decorative xmlns:adec="http://schemas.microsoft.com/office/drawing/2017/decorative" val="1"/>
-              </a:ext>
-            </a:extLst>
-          </p:cNvPr>
-          <p:cNvSpPr>
-            <a:spLocks noGrp="1" noRot="1" noChangeAspect="1" noMove="1" noResize="1" noEditPoints="1" noAdjustHandles="1" noChangeArrowheads="1" noChangeShapeType="1" noTextEdit="1"/>
-          </p:cNvSpPr>
-          <p:nvPr>
-            <p:extLst>
-              <p:ext uri="{386F3935-93C4-4BCD-93E2-E3B085C9AB24}">
-                <p16:designElem xmlns:p16="http://schemas.microsoft.com/office/powerpoint/2015/main" val="1"/>
-              </p:ext>
-            </p:extLst>
-          </p:nvPr>
-        </p:nvSpPr>
-        <p:spPr>
-          <a:xfrm>
-            <a:off x="10208695" y="1"/>
-            <a:ext cx="1135066" cy="477997"/>
-          </a:xfrm>
-          <a:custGeom>
-            <a:avLst/>
-            <a:gdLst>
-              <a:gd name="connsiteX0" fmla="*/ 0 w 1135066"/>
-              <a:gd name="connsiteY0" fmla="*/ 0 h 477997"/>
-              <a:gd name="connsiteX1" fmla="*/ 1135066 w 1135066"/>
-              <a:gd name="connsiteY1" fmla="*/ 0 h 477997"/>
-              <a:gd name="connsiteX2" fmla="*/ 1133370 w 1135066"/>
-              <a:gd name="connsiteY2" fmla="*/ 16827 h 477997"/>
-              <a:gd name="connsiteX3" fmla="*/ 567533 w 1135066"/>
-              <a:gd name="connsiteY3" fmla="*/ 477997 h 477997"/>
-              <a:gd name="connsiteX4" fmla="*/ 1696 w 1135066"/>
-              <a:gd name="connsiteY4" fmla="*/ 16827 h 477997"/>
-            </a:gdLst>
-            <a:ahLst/>
-            <a:cxnLst>
-              <a:cxn ang="0">
-                <a:pos x="connsiteX0" y="connsiteY0"/>
-              </a:cxn>
-              <a:cxn ang="0">
-                <a:pos x="connsiteX1" y="connsiteY1"/>
-              </a:cxn>
-              <a:cxn ang="0">
-                <a:pos x="connsiteX2" y="connsiteY2"/>
-              </a:cxn>
-              <a:cxn ang="0">
-                <a:pos x="connsiteX3" y="connsiteY3"/>
-              </a:cxn>
-              <a:cxn ang="0">
-                <a:pos x="connsiteX4" y="connsiteY4"/>
-              </a:cxn>
-            </a:cxnLst>
-            <a:rect l="l" t="t" r="r" b="b"/>
-            <a:pathLst>
-              <a:path w="1135066" h="477997">
-                <a:moveTo>
-                  <a:pt x="0" y="0"/>
-                </a:moveTo>
-                <a:lnTo>
-                  <a:pt x="1135066" y="0"/>
-                </a:lnTo>
-                <a:lnTo>
-                  <a:pt x="1133370" y="16827"/>
-                </a:lnTo>
-                <a:cubicBezTo>
-                  <a:pt x="1079514" y="280016"/>
-                  <a:pt x="846644" y="477997"/>
-                  <a:pt x="567533" y="477997"/>
-                </a:cubicBezTo>
-                <a:cubicBezTo>
-                  <a:pt x="288422" y="477997"/>
-                  <a:pt x="55552" y="280016"/>
-                  <a:pt x="1696" y="16827"/>
-                </a:cubicBezTo>
-                <a:close/>
-              </a:path>
-            </a:pathLst>
-          </a:custGeom>
-          <a:solidFill>
-            <a:schemeClr val="accent4"/>
-          </a:solidFill>
-          <a:ln>
-            <a:noFill/>
-          </a:ln>
-        </p:spPr>
-        <p:style>
-          <a:lnRef idx="2">
-            <a:schemeClr val="accent1">
-              <a:shade val="50000"/>
-            </a:schemeClr>
-          </a:lnRef>
-          <a:fillRef idx="1">
-            <a:schemeClr val="accent1"/>
-          </a:fillRef>
-          <a:effectRef idx="0">
-            <a:schemeClr val="accent1"/>
-          </a:effectRef>
-          <a:fontRef idx="minor">
-            <a:schemeClr val="lt1"/>
-          </a:fontRef>
-        </p:style>
-        <p:txBody>
-          <a:bodyPr wrap="square" rtlCol="0" anchor="ctr">
-            <a:noAutofit/>
-          </a:bodyPr>
-          <a:lstStyle/>
-          <a:p>
-            <a:pPr marL="0" marR="0" lvl="0" indent="0" algn="ctr" defTabSz="914400" rtl="0" eaLnBrk="1" fontAlgn="auto" latinLnBrk="0" hangingPunct="1">
-              <a:lnSpc>
-                <a:spcPct val="100000"/>
-              </a:lnSpc>
-              <a:spcBef>
-                <a:spcPts val="0"/>
-              </a:spcBef>
-              <a:spcAft>
-                <a:spcPts val="0"/>
-              </a:spcAft>
-              <a:buClrTx/>
-              <a:buSzTx/>
-              <a:buFontTx/>
-              <a:buNone/>
-              <a:tabLst/>
-              <a:defRPr/>
-            </a:pPr>
-            <a:endParaRPr kumimoji="0" lang="en-US" sz="1800" b="0" i="0" u="none" strike="noStrike" kern="1200" cap="none" spc="0" normalizeH="0" baseline="0" noProof="0">
-              <a:ln>
-                <a:noFill/>
-              </a:ln>
-              <a:solidFill>
-                <a:prstClr val="white"/>
-              </a:solidFill>
-              <a:effectLst/>
-              <a:uLnTx/>
-              <a:uFillTx/>
-              <a:latin typeface="Aptos" panose="02110004020202020204"/>
-              <a:ea typeface="+mn-ea"/>
-              <a:cs typeface="+mn-cs"/>
-            </a:endParaRPr>
-          </a:p>
-        </p:txBody>
-      </p:sp>
-      <p:sp>
-        <p:nvSpPr>
-          <p:cNvPr id="2" name="Title 1">
-            <a:extLst>
-              <a:ext uri="{FF2B5EF4-FFF2-40B4-BE49-F238E27FC236}">
-                <a16:creationId xmlns:a16="http://schemas.microsoft.com/office/drawing/2014/main" id="{24ADE8E6-3934-65AF-F2A8-2FE608293C9C}"/>
-              </a:ext>
-            </a:extLst>
-          </p:cNvPr>
-          <p:cNvSpPr>
-            <a:spLocks noGrp="1"/>
-          </p:cNvSpPr>
-          <p:nvPr>
-            <p:ph type="title"/>
-          </p:nvPr>
-        </p:nvSpPr>
-        <p:spPr>
-          <a:xfrm>
-            <a:off x="838200" y="365125"/>
-            <a:ext cx="10515600" cy="1325563"/>
-          </a:xfrm>
-        </p:spPr>
-        <p:txBody>
-          <a:bodyPr>
-            <a:normAutofit/>
-          </a:bodyPr>
-          <a:lstStyle/>
-          <a:p>
-            <a:pPr rtl="0"/>
-            <a:r>
-              <a:rPr lang="en-US" b="0" i="0" u="none" strike="noStrike">
-                <a:effectLst/>
-                <a:latin typeface="Arial" panose="020B0604020202020204" pitchFamily="34" charset="0"/>
-              </a:rPr>
-              <a:t>Need for Fair Order</a:t>
-            </a:r>
-            <a:endParaRPr lang="en-US"/>
-          </a:p>
-        </p:txBody>
-      </p:sp>
-      <p:sp>
-        <p:nvSpPr>
-          <p:cNvPr id="12" name="Arc 11">
-            <a:extLst>
-              <a:ext uri="{FF2B5EF4-FFF2-40B4-BE49-F238E27FC236}">
-                <a16:creationId xmlns:a16="http://schemas.microsoft.com/office/drawing/2014/main" id="{081E4A58-353D-44AE-B2FC-2A74E2E400F7}"/>
-              </a:ext>
-              <a:ext uri="{C183D7F6-B498-43B3-948B-1728B52AA6E4}">
-                <adec:decorative xmlns:adec="http://schemas.microsoft.com/office/drawing/2017/decorative" val="1"/>
-              </a:ext>
-            </a:extLst>
-          </p:cNvPr>
-          <p:cNvSpPr>
-            <a:spLocks noGrp="1" noRot="1" noChangeAspect="1" noMove="1" noResize="1" noEditPoints="1" noAdjustHandles="1" noChangeArrowheads="1" noChangeShapeType="1" noTextEdit="1"/>
-          </p:cNvSpPr>
-          <p:nvPr>
-            <p:extLst>
-              <p:ext uri="{386F3935-93C4-4BCD-93E2-E3B085C9AB24}">
-                <p16:designElem xmlns:p16="http://schemas.microsoft.com/office/powerpoint/2015/main" val="1"/>
-              </p:ext>
-            </p:extLst>
-          </p:nvPr>
-        </p:nvSpPr>
-        <p:spPr>
-          <a:xfrm rot="5400000" flipV="1">
-            <a:off x="555710" y="2183223"/>
-            <a:ext cx="4083433" cy="4083433"/>
-          </a:xfrm>
-          <a:prstGeom prst="arc">
-            <a:avLst/>
-          </a:prstGeom>
-          <a:ln w="127000" cap="rnd">
-            <a:solidFill>
-              <a:schemeClr val="accent4"/>
-            </a:solidFill>
-            <a:prstDash val="dash"/>
-          </a:ln>
-        </p:spPr>
-        <p:style>
-          <a:lnRef idx="1">
-            <a:schemeClr val="accent1"/>
-          </a:lnRef>
-          <a:fillRef idx="0">
-            <a:schemeClr val="accent1"/>
-          </a:fillRef>
-          <a:effectRef idx="0">
-            <a:schemeClr val="accent1"/>
-          </a:effectRef>
-          <a:fontRef idx="minor">
-            <a:schemeClr val="tx1"/>
-          </a:fontRef>
-        </p:style>
-        <p:txBody>
-          <a:bodyPr rtlCol="0" anchor="ctr"/>
-          <a:lstStyle/>
-          <a:p>
-            <a:pPr marL="0" marR="0" lvl="0" indent="0" algn="ctr" defTabSz="914400" rtl="0" eaLnBrk="1" fontAlgn="auto" latinLnBrk="0" hangingPunct="1">
-              <a:lnSpc>
-                <a:spcPct val="100000"/>
-              </a:lnSpc>
-              <a:spcBef>
-                <a:spcPts val="0"/>
-              </a:spcBef>
-              <a:spcAft>
-                <a:spcPts val="0"/>
-              </a:spcAft>
-              <a:buClrTx/>
-              <a:buSzTx/>
-              <a:buFontTx/>
-              <a:buNone/>
-              <a:tabLst/>
-              <a:defRPr/>
-            </a:pPr>
-            <a:endParaRPr kumimoji="0" lang="en-US" sz="1800" b="0" i="0" u="none" strike="noStrike" kern="1200" cap="none" spc="0" normalizeH="0" baseline="0" noProof="0" dirty="0">
-              <a:ln>
-                <a:noFill/>
-              </a:ln>
-              <a:solidFill>
-                <a:prstClr val="black"/>
-              </a:solidFill>
-              <a:effectLst/>
-              <a:uLnTx/>
-              <a:uFillTx/>
-              <a:latin typeface="Aptos" panose="02110004020202020204"/>
-              <a:ea typeface="+mn-ea"/>
-              <a:cs typeface="+mn-cs"/>
-            </a:endParaRPr>
-          </a:p>
-        </p:txBody>
-      </p:sp>
-      <p:sp>
-        <p:nvSpPr>
-          <p:cNvPr id="3" name="Content Placeholder 2">
-            <a:extLst>
-              <a:ext uri="{FF2B5EF4-FFF2-40B4-BE49-F238E27FC236}">
-                <a16:creationId xmlns:a16="http://schemas.microsoft.com/office/drawing/2014/main" id="{5D960629-54F1-1B18-2FB7-B936B6D3C4F4}"/>
-              </a:ext>
-            </a:extLst>
-          </p:cNvPr>
-          <p:cNvSpPr>
-            <a:spLocks noGrp="1"/>
-          </p:cNvSpPr>
-          <p:nvPr>
-            <p:ph idx="1"/>
-          </p:nvPr>
-        </p:nvSpPr>
-        <p:spPr>
-          <a:xfrm>
-            <a:off x="838200" y="1825625"/>
-            <a:ext cx="10515600" cy="4351338"/>
-          </a:xfrm>
-        </p:spPr>
-        <p:txBody>
-          <a:bodyPr>
-            <a:normAutofit/>
-          </a:bodyPr>
-          <a:lstStyle/>
-          <a:p>
-            <a:pPr rtl="0" fontAlgn="base">
-              <a:buFont typeface="Arial" panose="020B0604020202020204" pitchFamily="34" charset="0"/>
-              <a:buChar char="•"/>
-            </a:pPr>
-            <a:r>
-              <a:rPr lang="en-US" b="0" i="0" u="none" strike="noStrike" dirty="0">
-                <a:effectLst/>
-                <a:latin typeface="Arial" panose="020B0604020202020204" pitchFamily="34" charset="0"/>
-              </a:rPr>
-              <a:t>An emerging class of applications are not okay with arbitrary order</a:t>
-            </a:r>
-            <a:br>
-              <a:rPr lang="en-US" b="0" i="0" u="none" strike="noStrike" dirty="0">
-                <a:effectLst/>
-                <a:latin typeface="Arial" panose="020B0604020202020204" pitchFamily="34" charset="0"/>
-              </a:rPr>
-            </a:br>
-            <a:endParaRPr lang="en-US" b="0" i="0" u="none" strike="noStrike" dirty="0">
-              <a:effectLst/>
-              <a:latin typeface="Arial" panose="020B0604020202020204" pitchFamily="34" charset="0"/>
-            </a:endParaRPr>
-          </a:p>
-          <a:p>
-            <a:pPr rtl="0" fontAlgn="base">
-              <a:buFont typeface="Arial" panose="020B0604020202020204" pitchFamily="34" charset="0"/>
-              <a:buChar char="•"/>
-            </a:pPr>
-            <a:r>
-              <a:rPr lang="en-US" b="0" i="0" u="none" strike="noStrike" dirty="0">
-                <a:effectLst/>
-                <a:latin typeface="Arial" panose="020B0604020202020204" pitchFamily="34" charset="0"/>
-              </a:rPr>
-              <a:t>These applications require a fair order where fairness amounts to achieving an order that respects the event generation order </a:t>
-            </a:r>
-            <a:br>
-              <a:rPr lang="en-US" b="0" i="0" u="none" strike="noStrike" dirty="0">
-                <a:effectLst/>
-                <a:latin typeface="Arial" panose="020B0604020202020204" pitchFamily="34" charset="0"/>
-              </a:rPr>
-            </a:br>
-            <a:endParaRPr lang="en-US" b="0" i="0" u="none" strike="noStrike" dirty="0">
-              <a:effectLst/>
-              <a:latin typeface="Arial" panose="020B0604020202020204" pitchFamily="34" charset="0"/>
-            </a:endParaRPr>
-          </a:p>
-          <a:p>
-            <a:pPr rtl="0" fontAlgn="base">
-              <a:buFont typeface="Arial" panose="020B0604020202020204" pitchFamily="34" charset="0"/>
-              <a:buChar char="•"/>
-            </a:pPr>
-            <a:r>
-              <a:rPr lang="en-US" b="0" i="0" u="none" strike="noStrike" dirty="0">
-                <a:effectLst/>
-                <a:latin typeface="Arial" panose="020B0604020202020204" pitchFamily="34" charset="0"/>
-              </a:rPr>
-              <a:t>Financial exchanges, ad exchanges, competitive marketplaces</a:t>
-            </a:r>
-          </a:p>
-        </p:txBody>
-      </p:sp>
-    </p:spTree>
-    <p:extLst>
-      <p:ext uri="{BB962C8B-B14F-4D97-AF65-F5344CB8AC3E}">
-        <p14:creationId xmlns:p14="http://schemas.microsoft.com/office/powerpoint/2010/main" val="2781703939"/>
-      </p:ext>
-    </p:extLst>
-  </p:cSld>
-  <p:clrMapOvr>
-    <a:masterClrMapping/>
-  </p:clrMapOvr>
-  <p:transition spd="slow">
-    <p:push dir="r"/>
-  </p:transition>
-  <p:timing>
-    <p:tnLst>
-      <p:par>
-        <p:cTn id="1" dur="indefinite" restart="never" nodeType="tmRoot">
-          <p:childTnLst>
-            <p:seq concurrent="1" nextAc="seek">
-              <p:cTn id="2" dur="indefinite" nodeType="mainSeq">
-                <p:childTnLst>
-                  <p:par>
-                    <p:cTn id="3" fill="hold">
-                      <p:stCondLst>
-                        <p:cond delay="indefinite"/>
-                      </p:stCondLst>
-                      <p:childTnLst>
-                        <p:par>
-                          <p:cTn id="4" fill="hold">
-                            <p:stCondLst>
-                              <p:cond delay="0"/>
-                            </p:stCondLst>
-                            <p:childTnLst>
-                              <p:par>
-                                <p:cTn id="5" presetID="1" presetClass="entr" presetSubtype="0" fill="hold" grpId="0" nodeType="clickEffect">
-                                  <p:stCondLst>
-                                    <p:cond delay="0"/>
-                                  </p:stCondLst>
-                                  <p:childTnLst>
-                                    <p:set>
-                                      <p:cBhvr>
-                                        <p:cTn id="6" dur="1" fill="hold">
-                                          <p:stCondLst>
-                                            <p:cond delay="0"/>
-                                          </p:stCondLst>
-                                        </p:cTn>
-                                        <p:tgtEl>
-                                          <p:spTgt spid="3">
-                                            <p:txEl>
-                                              <p:pRg st="0" end="0"/>
-                                            </p:txEl>
-                                          </p:spTgt>
-                                        </p:tgtEl>
-                                        <p:attrNameLst>
-                                          <p:attrName>style.visibility</p:attrName>
-                                        </p:attrNameLst>
-                                      </p:cBhvr>
-                                      <p:to>
-                                        <p:strVal val="visible"/>
-                                      </p:to>
-                                    </p:set>
-                                  </p:childTnLst>
-                                </p:cTn>
-                              </p:par>
-                            </p:childTnLst>
-                          </p:cTn>
-                        </p:par>
-                      </p:childTnLst>
-                    </p:cTn>
-                  </p:par>
-                  <p:par>
-                    <p:cTn id="7" fill="hold">
-                      <p:stCondLst>
-                        <p:cond delay="indefinite"/>
-                      </p:stCondLst>
-                      <p:childTnLst>
-                        <p:par>
-                          <p:cTn id="8" fill="hold">
-                            <p:stCondLst>
-                              <p:cond delay="0"/>
-                            </p:stCondLst>
-                            <p:childTnLst>
-                              <p:par>
-                                <p:cTn id="9" presetID="1" presetClass="entr" presetSubtype="0" fill="hold" grpId="0" nodeType="clickEffect">
-                                  <p:stCondLst>
-                                    <p:cond delay="0"/>
-                                  </p:stCondLst>
-                                  <p:childTnLst>
-                                    <p:set>
-                                      <p:cBhvr>
-                                        <p:cTn id="10" dur="1" fill="hold">
-                                          <p:stCondLst>
-                                            <p:cond delay="0"/>
-                                          </p:stCondLst>
-                                        </p:cTn>
-                                        <p:tgtEl>
-                                          <p:spTgt spid="3">
-                                            <p:txEl>
-                                              <p:pRg st="1" end="1"/>
-                                            </p:txEl>
-                                          </p:spTgt>
-                                        </p:tgtEl>
-                                        <p:attrNameLst>
-                                          <p:attrName>style.visibility</p:attrName>
-                                        </p:attrNameLst>
-                                      </p:cBhvr>
-                                      <p:to>
-                                        <p:strVal val="visible"/>
-                                      </p:to>
-                                    </p:set>
-                                  </p:childTnLst>
-                                </p:cTn>
-                              </p:par>
-                            </p:childTnLst>
-                          </p:cTn>
-                        </p:par>
-                      </p:childTnLst>
-                    </p:cTn>
-                  </p:par>
-                  <p:par>
-                    <p:cTn id="11" fill="hold">
-                      <p:stCondLst>
-                        <p:cond delay="indefinite"/>
-                      </p:stCondLst>
-                      <p:childTnLst>
-                        <p:par>
-                          <p:cTn id="12" fill="hold">
-                            <p:stCondLst>
-                              <p:cond delay="0"/>
-                            </p:stCondLst>
-                            <p:childTnLst>
-                              <p:par>
-                                <p:cTn id="13" presetID="1" presetClass="entr" presetSubtype="0" fill="hold" grpId="0" nodeType="clickEffect">
-                                  <p:stCondLst>
-                                    <p:cond delay="0"/>
-                                  </p:stCondLst>
-                                  <p:childTnLst>
-                                    <p:set>
-                                      <p:cBhvr>
-                                        <p:cTn id="14" dur="1" fill="hold">
-                                          <p:stCondLst>
-                                            <p:cond delay="0"/>
-                                          </p:stCondLst>
-                                        </p:cTn>
-                                        <p:tgtEl>
-                                          <p:spTgt spid="3">
-                                            <p:txEl>
-                                              <p:pRg st="2" end="2"/>
-                                            </p:txEl>
-                                          </p:spTgt>
-                                        </p:tgtEl>
-                                        <p:attrNameLst>
-                                          <p:attrName>style.visibility</p:attrName>
-                                        </p:attrNameLst>
-                                      </p:cBhvr>
-                                      <p:to>
-                                        <p:strVal val="visible"/>
-                                      </p:to>
-                                    </p:set>
-                                  </p:childTnLst>
-                                </p:cTn>
-                              </p:par>
-                            </p:childTnLst>
-                          </p:cTn>
-                        </p:par>
-                      </p:childTnLst>
-                    </p:cTn>
-                  </p:par>
-                </p:childTnLst>
-              </p:cTn>
-              <p:prevCondLst>
-                <p:cond evt="onPrev" delay="0">
-                  <p:tgtEl>
-                    <p:sldTgt/>
-                  </p:tgtEl>
-                </p:cond>
-              </p:prevCondLst>
-              <p:nextCondLst>
-                <p:cond evt="onNext" delay="0">
-                  <p:tgtEl>
-                    <p:sldTgt/>
-                  </p:tgtEl>
-                </p:cond>
-              </p:nextCondLst>
-            </p:seq>
-          </p:childTnLst>
-        </p:cTn>
-      </p:par>
-    </p:tnLst>
-    <p:bldLst>
-      <p:bldP spid="3" grpId="0" build="p"/>
-    </p:bldLst>
-  </p:timing>
-</p:sld>
-</file>
-
-<file path=ppt/slides/slide30.xml><?xml version="1.0" encoding="utf-8"?>
+<file path=ppt/slides/slide32.xml><?xml version="1.0" encoding="utf-8"?>
 <p:sld xmlns:a="http://schemas.openxmlformats.org/drawingml/2006/main" xmlns:r="http://schemas.openxmlformats.org/officeDocument/2006/relationships" xmlns:p="http://schemas.openxmlformats.org/presentationml/2006/main">
   <p:cSld>
     <p:spTree>

--- a/tommy_hotnets.pptx
+++ b/tommy_hotnets.pptx
@@ -873,6 +873,93 @@
           <a:p>
             <a:r>
               <a:rPr lang="en-US" dirty="0"/>
+              <a:t>Several step omitted for brevity</a:t>
+            </a:r>
+          </a:p>
+        </p:txBody>
+      </p:sp>
+      <p:sp>
+        <p:nvSpPr>
+          <p:cNvPr id="4" name="Slide Number Placeholder 3"/>
+          <p:cNvSpPr>
+            <a:spLocks noGrp="1"/>
+          </p:cNvSpPr>
+          <p:nvPr>
+            <p:ph type="sldNum" sz="quarter" idx="5"/>
+          </p:nvPr>
+        </p:nvSpPr>
+        <p:spPr/>
+        <p:txBody>
+          <a:bodyPr/>
+          <a:lstStyle/>
+          <a:p>
+            <a:fld id="{B3E8125A-D8BB-E74B-8C6E-AB7BD2C997CF}" type="slidenum">
+              <a:rPr lang="en-US" smtClean="0"/>
+              <a:t>14</a:t>
+            </a:fld>
+            <a:endParaRPr lang="en-US"/>
+          </a:p>
+        </p:txBody>
+      </p:sp>
+    </p:spTree>
+    <p:extLst>
+      <p:ext uri="{BB962C8B-B14F-4D97-AF65-F5344CB8AC3E}">
+        <p14:creationId xmlns:p14="http://schemas.microsoft.com/office/powerpoint/2010/main" val="2571119116"/>
+      </p:ext>
+    </p:extLst>
+  </p:cSld>
+  <p:clrMapOvr>
+    <a:masterClrMapping/>
+  </p:clrMapOvr>
+</p:notes>
+</file>
+
+<file path=ppt/notesSlides/notesSlide5.xml><?xml version="1.0" encoding="utf-8"?>
+<p:notes xmlns:a="http://schemas.openxmlformats.org/drawingml/2006/main" xmlns:r="http://schemas.openxmlformats.org/officeDocument/2006/relationships" xmlns:p="http://schemas.openxmlformats.org/presentationml/2006/main">
+  <p:cSld>
+    <p:spTree>
+      <p:nvGrpSpPr>
+        <p:cNvPr id="1" name=""/>
+        <p:cNvGrpSpPr/>
+        <p:nvPr/>
+      </p:nvGrpSpPr>
+      <p:grpSpPr>
+        <a:xfrm>
+          <a:off x="0" y="0"/>
+          <a:ext cx="0" cy="0"/>
+          <a:chOff x="0" y="0"/>
+          <a:chExt cx="0" cy="0"/>
+        </a:xfrm>
+      </p:grpSpPr>
+      <p:sp>
+        <p:nvSpPr>
+          <p:cNvPr id="2" name="Slide Image Placeholder 1"/>
+          <p:cNvSpPr>
+            <a:spLocks noGrp="1" noRot="1" noChangeAspect="1"/>
+          </p:cNvSpPr>
+          <p:nvPr>
+            <p:ph type="sldImg"/>
+          </p:nvPr>
+        </p:nvSpPr>
+        <p:spPr/>
+      </p:sp>
+      <p:sp>
+        <p:nvSpPr>
+          <p:cNvPr id="3" name="Notes Placeholder 2"/>
+          <p:cNvSpPr>
+            <a:spLocks noGrp="1"/>
+          </p:cNvSpPr>
+          <p:nvPr>
+            <p:ph type="body" idx="1"/>
+          </p:nvPr>
+        </p:nvSpPr>
+        <p:spPr/>
+        <p:txBody>
+          <a:bodyPr/>
+          <a:lstStyle/>
+          <a:p>
+            <a:r>
+              <a:rPr lang="en-US" dirty="0"/>
               <a:t>I will skip the details of how we find this probability if the distributions are not normal. Hint: Each client learns their own distribution, while the sequencer can use convolutions over those distributions to find what it needs. </a:t>
             </a:r>
           </a:p>
@@ -914,7 +1001,7 @@
 </p:notes>
 </file>
 
-<file path=ppt/notesSlides/notesSlide5.xml><?xml version="1.0" encoding="utf-8"?>
+<file path=ppt/notesSlides/notesSlide6.xml><?xml version="1.0" encoding="utf-8"?>
 <p:notes xmlns:a="http://schemas.openxmlformats.org/drawingml/2006/main" xmlns:r="http://schemas.openxmlformats.org/officeDocument/2006/relationships" xmlns:p="http://schemas.openxmlformats.org/presentationml/2006/main">
   <p:cSld>
     <p:spTree>
@@ -13331,13 +13418,13 @@
   <p:clrMapOvr>
     <a:masterClrMapping/>
   </p:clrMapOvr>
-  <mc:AlternateContent xmlns:mc="http://schemas.openxmlformats.org/markup-compatibility/2006">
-    <mc:Choice xmlns:p159="http://schemas.microsoft.com/office/powerpoint/2015/09/main" Requires="p159">
+  <mc:AlternateContent xmlns:mc="http://schemas.openxmlformats.org/markup-compatibility/2006" xmlns:p159="http://schemas.microsoft.com/office/powerpoint/2015/09/main">
+    <mc:Choice Requires="p159">
       <p:transition xmlns:p14="http://schemas.microsoft.com/office/powerpoint/2010/main" spd="slow" p14:dur="2000">
         <p159:morph option="byObject"/>
       </p:transition>
     </mc:Choice>
-    <mc:Fallback>
+    <mc:Fallback xmlns="">
       <p:transition spd="slow">
         <p:fade/>
       </p:transition>
@@ -13687,7 +13774,7 @@
           <p:nvPr/>
         </p:nvPicPr>
         <p:blipFill>
-          <a:blip r:embed="rId2"/>
+          <a:blip r:embed="rId3"/>
           <a:stretch>
             <a:fillRect/>
           </a:stretch>
@@ -13876,7 +13963,7 @@
           <p:nvPr/>
         </p:nvPicPr>
         <p:blipFill>
-          <a:blip r:embed="rId3">
+          <a:blip r:embed="rId4">
             <a:extLst>
               <a:ext uri="{28A0092B-C50C-407E-A947-70E740481C1C}">
                 <a14:useLocalDpi xmlns:a14="http://schemas.microsoft.com/office/drawing/2010/main" val="0"/>
@@ -13923,7 +14010,7 @@
           <p:nvPr/>
         </p:nvPicPr>
         <p:blipFill>
-          <a:blip r:embed="rId4">
+          <a:blip r:embed="rId5">
             <a:extLst>
               <a:ext uri="{28A0092B-C50C-407E-A947-70E740481C1C}">
                 <a14:useLocalDpi xmlns:a14="http://schemas.microsoft.com/office/drawing/2010/main" val="0"/>
@@ -13970,7 +14057,7 @@
           <p:nvPr/>
         </p:nvPicPr>
         <p:blipFill>
-          <a:blip r:embed="rId5">
+          <a:blip r:embed="rId6">
             <a:extLst>
               <a:ext uri="{28A0092B-C50C-407E-A947-70E740481C1C}">
                 <a14:useLocalDpi xmlns:a14="http://schemas.microsoft.com/office/drawing/2010/main" val="0"/>
@@ -14075,7 +14162,7 @@
           <p:nvPr/>
         </p:nvPicPr>
         <p:blipFill rotWithShape="1">
-          <a:blip r:embed="rId6">
+          <a:blip r:embed="rId7">
             <a:extLst>
               <a:ext uri="{28A0092B-C50C-407E-A947-70E740481C1C}">
                 <a14:useLocalDpi xmlns:a14="http://schemas.microsoft.com/office/drawing/2010/main" val="0"/>
@@ -14120,7 +14207,7 @@
           <p:nvPr/>
         </p:nvPicPr>
         <p:blipFill rotWithShape="1">
-          <a:blip r:embed="rId6">
+          <a:blip r:embed="rId7">
             <a:extLst>
               <a:ext uri="{28A0092B-C50C-407E-A947-70E740481C1C}">
                 <a14:useLocalDpi xmlns:a14="http://schemas.microsoft.com/office/drawing/2010/main" val="0"/>
@@ -27412,13 +27499,13 @@
   <p:clrMapOvr>
     <a:masterClrMapping/>
   </p:clrMapOvr>
-  <mc:AlternateContent xmlns:mc="http://schemas.openxmlformats.org/markup-compatibility/2006">
-    <mc:Choice xmlns:p159="http://schemas.microsoft.com/office/powerpoint/2015/09/main" Requires="p159">
+  <mc:AlternateContent xmlns:mc="http://schemas.openxmlformats.org/markup-compatibility/2006" xmlns:p159="http://schemas.microsoft.com/office/powerpoint/2015/09/main">
+    <mc:Choice Requires="p159">
       <p:transition spd="med">
         <p159:morph option="byObject"/>
       </p:transition>
     </mc:Choice>
-    <mc:Fallback>
+    <mc:Fallback xmlns="">
       <p:transition spd="med">
         <p:fade/>
       </p:transition>

--- a/tommy_hotnets.pptx
+++ b/tommy_hotnets.pptx
@@ -228,7 +228,7 @@
           <a:p>
             <a:fld id="{1107AACE-DECF-044F-84A2-0C8ECB6ADA06}" type="datetimeFigureOut">
               <a:rPr lang="en-US" smtClean="0"/>
-              <a:t>11/10/25</a:t>
+              <a:t>11/11/25</a:t>
             </a:fld>
             <a:endParaRPr lang="en-US"/>
           </a:p>
@@ -1302,7 +1302,7 @@
           <a:p>
             <a:fld id="{795D2492-AC70-2141-AC0C-17DCD52B4752}" type="datetime1">
               <a:rPr lang="en-US" smtClean="0"/>
-              <a:t>11/10/25</a:t>
+              <a:t>11/11/25</a:t>
             </a:fld>
             <a:endParaRPr lang="en-US"/>
           </a:p>
@@ -1500,7 +1500,7 @@
           <a:p>
             <a:fld id="{9817235A-17C4-B841-B2B5-CA079511FDEC}" type="datetime1">
               <a:rPr lang="en-US" smtClean="0"/>
-              <a:t>11/10/25</a:t>
+              <a:t>11/11/25</a:t>
             </a:fld>
             <a:endParaRPr lang="en-US"/>
           </a:p>
@@ -1708,7 +1708,7 @@
           <a:p>
             <a:fld id="{F8307E39-E6DB-B341-B0FA-CECD76628CBB}" type="datetime1">
               <a:rPr lang="en-US" smtClean="0"/>
-              <a:t>11/10/25</a:t>
+              <a:t>11/11/25</a:t>
             </a:fld>
             <a:endParaRPr lang="en-US"/>
           </a:p>
@@ -2265,7 +2265,7 @@
           <a:p>
             <a:fld id="{2EBDF429-4C14-7B4A-B19D-A0047B9F1B4B}" type="datetime1">
               <a:rPr lang="en-US" smtClean="0"/>
-              <a:t>11/10/25</a:t>
+              <a:t>11/11/25</a:t>
             </a:fld>
             <a:endParaRPr lang="en-US"/>
           </a:p>
@@ -2540,7 +2540,7 @@
           <a:p>
             <a:fld id="{6DA1236A-87D7-9843-88C4-48A4AF171E86}" type="datetime1">
               <a:rPr lang="en-US" smtClean="0"/>
-              <a:t>11/10/25</a:t>
+              <a:t>11/11/25</a:t>
             </a:fld>
             <a:endParaRPr lang="en-US"/>
           </a:p>
@@ -2805,7 +2805,7 @@
           <a:p>
             <a:fld id="{DFAB6F2B-6FBC-214D-9C4A-C58DF8A7FCB9}" type="datetime1">
               <a:rPr lang="en-US" smtClean="0"/>
-              <a:t>11/10/25</a:t>
+              <a:t>11/11/25</a:t>
             </a:fld>
             <a:endParaRPr lang="en-US"/>
           </a:p>
@@ -3217,7 +3217,7 @@
           <a:p>
             <a:fld id="{41C5FA95-A07E-9941-8A87-BDD29E767DA7}" type="datetime1">
               <a:rPr lang="en-US" smtClean="0"/>
-              <a:t>11/10/25</a:t>
+              <a:t>11/11/25</a:t>
             </a:fld>
             <a:endParaRPr lang="en-US"/>
           </a:p>
@@ -3358,7 +3358,7 @@
           <a:p>
             <a:fld id="{19F1CA85-9E75-364A-887C-5B613827D324}" type="datetime1">
               <a:rPr lang="en-US" smtClean="0"/>
-              <a:t>11/10/25</a:t>
+              <a:t>11/11/25</a:t>
             </a:fld>
             <a:endParaRPr lang="en-US"/>
           </a:p>
@@ -3471,7 +3471,7 @@
           <a:p>
             <a:fld id="{ACE42F5B-1E89-9840-A26C-C6BA2A23E2D0}" type="datetime1">
               <a:rPr lang="en-US" smtClean="0"/>
-              <a:t>11/10/25</a:t>
+              <a:t>11/11/25</a:t>
             </a:fld>
             <a:endParaRPr lang="en-US"/>
           </a:p>
@@ -3782,7 +3782,7 @@
           <a:p>
             <a:fld id="{66FB241E-9E92-8D46-BFD6-E707A04F9829}" type="datetime1">
               <a:rPr lang="en-US" smtClean="0"/>
-              <a:t>11/10/25</a:t>
+              <a:t>11/11/25</a:t>
             </a:fld>
             <a:endParaRPr lang="en-US"/>
           </a:p>
@@ -4070,7 +4070,7 @@
           <a:p>
             <a:fld id="{84A34353-62E4-F94E-ADC1-D1403AD453E1}" type="datetime1">
               <a:rPr lang="en-US" smtClean="0"/>
-              <a:t>11/10/25</a:t>
+              <a:t>11/11/25</a:t>
             </a:fld>
             <a:endParaRPr lang="en-US"/>
           </a:p>
@@ -4311,7 +4311,7 @@
           <a:p>
             <a:fld id="{9F4EA125-C503-9049-954D-E48C32DE308D}" type="datetime1">
               <a:rPr lang="en-US" smtClean="0"/>
-              <a:t>11/10/25</a:t>
+              <a:t>11/11/25</a:t>
             </a:fld>
             <a:endParaRPr lang="en-US"/>
           </a:p>
@@ -5673,7 +5673,7 @@
           <a:p>
             <a:r>
               <a:rPr lang="en-US" dirty="0"/>
-              <a:t>Overview – </a:t>
+              <a:t>Sequencer Overview – </a:t>
             </a:r>
             <a:r>
               <a:rPr lang="en-US" dirty="0">
@@ -7283,7 +7283,7 @@
           <a:p>
             <a:r>
               <a:rPr lang="en-US" dirty="0"/>
-              <a:t>Overview – </a:t>
+              <a:t>Sequencer Overview – </a:t>
             </a:r>
             <a:r>
               <a:rPr lang="en-US" dirty="0">
@@ -9790,7 +9790,7 @@
           <a:p>
             <a:r>
               <a:rPr lang="en-US" dirty="0"/>
-              <a:t>Overview – </a:t>
+              <a:t>Sequencer Overview – </a:t>
             </a:r>
             <a:r>
               <a:rPr lang="en-US" dirty="0">
@@ -35289,7 +35289,7 @@
                 <a:effectLst/>
                 <a:latin typeface="Arial" panose="020B0604020202020204" pitchFamily="34" charset="0"/>
               </a:rPr>
-              <a:t>Asynchrony in data path: host + physical network</a:t>
+              <a:t>Asynchrony in data path</a:t>
             </a:r>
             <a:br>
               <a:rPr lang="en-US" b="0" i="0" u="none" strike="noStrike" dirty="0">

--- a/tommy_hotnets.pptx
+++ b/tommy_hotnets.pptx
@@ -19103,7 +19103,7 @@
 </file>
 
 <file path=ppt/slides/slide20.xml><?xml version="1.0" encoding="utf-8"?>
-<p:sld xmlns:a="http://schemas.openxmlformats.org/drawingml/2006/main" xmlns:r="http://schemas.openxmlformats.org/officeDocument/2006/relationships" xmlns:p="http://schemas.openxmlformats.org/presentationml/2006/main">
+<p:sld xmlns:a="http://schemas.openxmlformats.org/drawingml/2006/main" xmlns:r="http://schemas.openxmlformats.org/officeDocument/2006/relationships" xmlns:p="http://schemas.openxmlformats.org/presentationml/2006/main" show="0">
   <p:cSld>
     <p:spTree>
       <p:nvGrpSpPr>
@@ -34267,7 +34267,7 @@
           <a:p>
             <a:r>
               <a:rPr lang="en-US" dirty="0"/>
-              <a:t>Many next steps.</a:t>
+              <a:t>Next steps</a:t>
             </a:r>
           </a:p>
         </p:txBody>
